--- a/IMPACT OF MIGRATION ON GDP.pptx
+++ b/IMPACT OF MIGRATION ON GDP.pptx
@@ -18,8 +18,11 @@
     <p:sldId id="265" r:id="rId12"/>
     <p:sldId id="270" r:id="rId13"/>
     <p:sldId id="274" r:id="rId14"/>
-    <p:sldId id="272" r:id="rId15"/>
-    <p:sldId id="271" r:id="rId16"/>
+    <p:sldId id="275" r:id="rId15"/>
+    <p:sldId id="276" r:id="rId16"/>
+    <p:sldId id="277" r:id="rId17"/>
+    <p:sldId id="272" r:id="rId18"/>
+    <p:sldId id="271" r:id="rId19"/>
   </p:sldIdLst>
   <p:sldSz cx="12192000" cy="6858000"/>
   <p:notesSz cx="6858000" cy="9144000"/>
@@ -8737,7 +8740,7 @@
           <a:p>
             <a:fld id="{48A87A34-81AB-432B-8DAE-1953F412C126}" type="datetimeFigureOut">
               <a:rPr lang="en-US" dirty="0"/>
-              <a:t>7/28/2019</a:t>
+              <a:t>7/29/2019</a:t>
             </a:fld>
             <a:endParaRPr lang="en-US" dirty="0"/>
           </a:p>
@@ -8998,7 +9001,7 @@
           <a:p>
             <a:fld id="{48A87A34-81AB-432B-8DAE-1953F412C126}" type="datetimeFigureOut">
               <a:rPr lang="en-US" dirty="0"/>
-              <a:t>7/28/2019</a:t>
+              <a:t>7/29/2019</a:t>
             </a:fld>
             <a:endParaRPr lang="en-US" dirty="0"/>
           </a:p>
@@ -9189,7 +9192,7 @@
           <a:p>
             <a:fld id="{48A87A34-81AB-432B-8DAE-1953F412C126}" type="datetimeFigureOut">
               <a:rPr lang="en-US" dirty="0"/>
-              <a:t>7/28/2019</a:t>
+              <a:t>7/29/2019</a:t>
             </a:fld>
             <a:endParaRPr lang="en-US" dirty="0"/>
           </a:p>
@@ -9447,7 +9450,7 @@
           <a:p>
             <a:fld id="{48A87A34-81AB-432B-8DAE-1953F412C126}" type="datetimeFigureOut">
               <a:rPr lang="en-US" dirty="0"/>
-              <a:t>7/28/2019</a:t>
+              <a:t>7/29/2019</a:t>
             </a:fld>
             <a:endParaRPr lang="en-US" dirty="0"/>
           </a:p>
@@ -9876,7 +9879,7 @@
           <a:p>
             <a:fld id="{48A87A34-81AB-432B-8DAE-1953F412C126}" type="datetimeFigureOut">
               <a:rPr lang="en-US" dirty="0"/>
-              <a:t>7/28/2019</a:t>
+              <a:t>7/29/2019</a:t>
             </a:fld>
             <a:endParaRPr lang="en-US" dirty="0"/>
           </a:p>
@@ -10417,7 +10420,7 @@
           <a:p>
             <a:fld id="{48A87A34-81AB-432B-8DAE-1953F412C126}" type="datetimeFigureOut">
               <a:rPr lang="en-US" dirty="0"/>
-              <a:t>7/28/2019</a:t>
+              <a:t>7/29/2019</a:t>
             </a:fld>
             <a:endParaRPr lang="en-US" dirty="0"/>
           </a:p>
@@ -11129,7 +11132,7 @@
           <a:p>
             <a:fld id="{48A87A34-81AB-432B-8DAE-1953F412C126}" type="datetimeFigureOut">
               <a:rPr lang="en-US" dirty="0"/>
-              <a:t>7/28/2019</a:t>
+              <a:t>7/29/2019</a:t>
             </a:fld>
             <a:endParaRPr lang="en-US" dirty="0"/>
           </a:p>
@@ -11294,7 +11297,7 @@
           <a:p>
             <a:fld id="{48A87A34-81AB-432B-8DAE-1953F412C126}" type="datetimeFigureOut">
               <a:rPr lang="en-US" dirty="0"/>
-              <a:t>7/28/2019</a:t>
+              <a:t>7/29/2019</a:t>
             </a:fld>
             <a:endParaRPr lang="en-US" dirty="0"/>
           </a:p>
@@ -11469,7 +11472,7 @@
           <a:p>
             <a:fld id="{48A87A34-81AB-432B-8DAE-1953F412C126}" type="datetimeFigureOut">
               <a:rPr lang="en-US" dirty="0"/>
-              <a:t>7/28/2019</a:t>
+              <a:t>7/29/2019</a:t>
             </a:fld>
             <a:endParaRPr lang="en-US" dirty="0"/>
           </a:p>
@@ -11634,7 +11637,7 @@
           <a:p>
             <a:fld id="{48A87A34-81AB-432B-8DAE-1953F412C126}" type="datetimeFigureOut">
               <a:rPr lang="en-US" dirty="0"/>
-              <a:t>7/28/2019</a:t>
+              <a:t>7/29/2019</a:t>
             </a:fld>
             <a:endParaRPr lang="en-US" dirty="0"/>
           </a:p>
@@ -11879,7 +11882,7 @@
           <a:p>
             <a:fld id="{48A87A34-81AB-432B-8DAE-1953F412C126}" type="datetimeFigureOut">
               <a:rPr lang="en-US" dirty="0"/>
-              <a:t>7/28/2019</a:t>
+              <a:t>7/29/2019</a:t>
             </a:fld>
             <a:endParaRPr lang="en-US" dirty="0"/>
           </a:p>
@@ -12106,7 +12109,7 @@
           <a:p>
             <a:fld id="{48A87A34-81AB-432B-8DAE-1953F412C126}" type="datetimeFigureOut">
               <a:rPr lang="en-US" dirty="0"/>
-              <a:t>7/28/2019</a:t>
+              <a:t>7/29/2019</a:t>
             </a:fld>
             <a:endParaRPr lang="en-US" dirty="0"/>
           </a:p>
@@ -12482,7 +12485,7 @@
           <a:p>
             <a:fld id="{48A87A34-81AB-432B-8DAE-1953F412C126}" type="datetimeFigureOut">
               <a:rPr lang="en-US" dirty="0"/>
-              <a:t>7/28/2019</a:t>
+              <a:t>7/29/2019</a:t>
             </a:fld>
             <a:endParaRPr lang="en-US" dirty="0"/>
           </a:p>
@@ -12595,7 +12598,7 @@
           <a:p>
             <a:fld id="{48A87A34-81AB-432B-8DAE-1953F412C126}" type="datetimeFigureOut">
               <a:rPr lang="en-US" dirty="0"/>
-              <a:t>7/28/2019</a:t>
+              <a:t>7/29/2019</a:t>
             </a:fld>
             <a:endParaRPr lang="en-US" dirty="0"/>
           </a:p>
@@ -12685,7 +12688,7 @@
           <a:p>
             <a:fld id="{48A87A34-81AB-432B-8DAE-1953F412C126}" type="datetimeFigureOut">
               <a:rPr lang="en-US" dirty="0"/>
-              <a:t>7/28/2019</a:t>
+              <a:t>7/29/2019</a:t>
             </a:fld>
             <a:endParaRPr lang="en-US" dirty="0"/>
           </a:p>
@@ -12929,7 +12932,7 @@
           <a:p>
             <a:fld id="{48A87A34-81AB-432B-8DAE-1953F412C126}" type="datetimeFigureOut">
               <a:rPr lang="en-US" dirty="0"/>
-              <a:t>7/28/2019</a:t>
+              <a:t>7/29/2019</a:t>
             </a:fld>
             <a:endParaRPr lang="en-US" dirty="0"/>
           </a:p>
@@ -13203,7 +13206,7 @@
           <a:p>
             <a:fld id="{48A87A34-81AB-432B-8DAE-1953F412C126}" type="datetimeFigureOut">
               <a:rPr lang="en-US" dirty="0"/>
-              <a:t>7/28/2019</a:t>
+              <a:t>7/29/2019</a:t>
             </a:fld>
             <a:endParaRPr lang="en-US" dirty="0"/>
           </a:p>
@@ -16279,7 +16282,7 @@
             <a:fld id="{48A87A34-81AB-432B-8DAE-1953F412C126}" type="datetimeFigureOut">
               <a:rPr lang="en-US" dirty="0"/>
               <a:pPr/>
-              <a:t>7/28/2019</a:t>
+              <a:t>7/29/2019</a:t>
             </a:fld>
             <a:endParaRPr lang="en-US" dirty="0"/>
           </a:p>
@@ -20001,7 +20004,12 @@
             <p:ph type="title"/>
           </p:nvPr>
         </p:nvSpPr>
-        <p:spPr/>
+        <p:spPr>
+          <a:xfrm>
+            <a:off x="1141413" y="-70250"/>
+            <a:ext cx="9905998" cy="1478570"/>
+          </a:xfrm>
+        </p:spPr>
         <p:txBody>
           <a:bodyPr/>
           <a:lstStyle/>
@@ -20016,10 +20024,10 @@
       </p:sp>
       <p:sp>
         <p:nvSpPr>
-          <p:cNvPr id="3" name="Content Placeholder 2">
+          <p:cNvPr id="4" name="Content Placeholder 2">
             <a:extLst>
               <a:ext uri="{FF2B5EF4-FFF2-40B4-BE49-F238E27FC236}">
-                <a16:creationId xmlns:a16="http://schemas.microsoft.com/office/drawing/2014/main" id="{14A2BB39-0205-4D0C-B39C-5E1ACA368BC7}"/>
+                <a16:creationId xmlns:a16="http://schemas.microsoft.com/office/drawing/2014/main" id="{E208E04E-9BDD-410D-A02B-F1586DE7F1F6}"/>
               </a:ext>
             </a:extLst>
           </p:cNvPr>
@@ -20030,12 +20038,181 @@
             <p:ph idx="1"/>
           </p:nvPr>
         </p:nvSpPr>
-        <p:spPr/>
+        <p:spPr>
+          <a:xfrm>
+            <a:off x="961899" y="1199404"/>
+            <a:ext cx="10770919" cy="5676405"/>
+          </a:xfrm>
+        </p:spPr>
         <p:txBody>
-          <a:bodyPr/>
+          <a:bodyPr>
+            <a:noAutofit/>
+          </a:bodyPr>
           <a:lstStyle/>
           <a:p>
-            <a:endParaRPr lang="en-US" dirty="0"/>
+            <a:r>
+              <a:rPr lang="en-US" sz="1600" dirty="0"/>
+              <a:t>Sources of Data:</a:t>
+            </a:r>
+          </a:p>
+          <a:p>
+            <a:pPr lvl="1">
+              <a:spcBef>
+                <a:spcPts val="0"/>
+              </a:spcBef>
+            </a:pPr>
+            <a:r>
+              <a:rPr lang="en-US" sz="1600" dirty="0"/>
+              <a:t>United Nations - Department of Economic and Social Affairs. International Migration (</a:t>
+            </a:r>
+            <a:r>
+              <a:rPr lang="en-US" sz="1600" dirty="0">
+                <a:hlinkClick r:id="rId2"/>
+              </a:rPr>
+              <a:t>https://www.un.org/en/development/desa/population/migration/data/estimates2/estimates17.asp</a:t>
+            </a:r>
+            <a:r>
+              <a:rPr lang="en-US" sz="1600" dirty="0"/>
+              <a:t>) </a:t>
+            </a:r>
+          </a:p>
+          <a:p>
+            <a:pPr lvl="1">
+              <a:spcBef>
+                <a:spcPts val="0"/>
+              </a:spcBef>
+            </a:pPr>
+            <a:r>
+              <a:rPr lang="en-US" sz="1600" dirty="0"/>
+              <a:t>World bank – Economy and Growth (</a:t>
+            </a:r>
+            <a:r>
+              <a:rPr lang="en-US" sz="1600" dirty="0">
+                <a:hlinkClick r:id="rId3"/>
+              </a:rPr>
+              <a:t>https://data.worldbank.org/topic/economy-and-growth</a:t>
+            </a:r>
+            <a:r>
+              <a:rPr lang="en-US" sz="1600" dirty="0"/>
+              <a:t> )</a:t>
+            </a:r>
+          </a:p>
+          <a:p>
+            <a:r>
+              <a:rPr lang="en-US" sz="1600" dirty="0"/>
+              <a:t>Cleanup Process</a:t>
+            </a:r>
+          </a:p>
+          <a:p>
+            <a:pPr lvl="1">
+              <a:spcBef>
+                <a:spcPts val="0"/>
+              </a:spcBef>
+            </a:pPr>
+            <a:r>
+              <a:rPr lang="en-US" sz="1600" dirty="0"/>
+              <a:t>Data in XLS or CSV format. We uses Excel to cleanup logos and headers</a:t>
+            </a:r>
+          </a:p>
+          <a:p>
+            <a:pPr lvl="1">
+              <a:spcBef>
+                <a:spcPts val="0"/>
+              </a:spcBef>
+            </a:pPr>
+            <a:r>
+              <a:rPr lang="en-US" sz="1600" dirty="0"/>
+              <a:t>Once all data was in CSV format we manipulate it in Pandas</a:t>
+            </a:r>
+          </a:p>
+          <a:p>
+            <a:pPr lvl="1">
+              <a:spcBef>
+                <a:spcPts val="0"/>
+              </a:spcBef>
+            </a:pPr>
+            <a:r>
+              <a:rPr lang="en-US" sz="1600" dirty="0"/>
+              <a:t>Migration Data:</a:t>
+            </a:r>
+          </a:p>
+          <a:p>
+            <a:pPr lvl="2">
+              <a:spcBef>
+                <a:spcPts val="0"/>
+              </a:spcBef>
+            </a:pPr>
+            <a:r>
+              <a:rPr lang="en-US" sz="1400" dirty="0"/>
+              <a:t>Using a country catalog, we filtered the migration and economic data to drop any information NOT related to countries (regions, classifications, etc.) and obtained countries’ additional information (region, development level, income level)</a:t>
+            </a:r>
+          </a:p>
+          <a:p>
+            <a:pPr lvl="2">
+              <a:spcBef>
+                <a:spcPts val="0"/>
+              </a:spcBef>
+            </a:pPr>
+            <a:r>
+              <a:rPr lang="en-US" sz="1400" dirty="0"/>
+              <a:t>Format in migration data  did NOT help manipulation, so it was changed: from columns to rows, ellipses, commas in the numbers</a:t>
+            </a:r>
+          </a:p>
+          <a:p>
+            <a:pPr lvl="2">
+              <a:spcBef>
+                <a:spcPts val="0"/>
+              </a:spcBef>
+            </a:pPr>
+            <a:r>
+              <a:rPr lang="en-US" sz="1400" dirty="0"/>
+              <a:t>Top countries (origin and destination) were founds and CSV produced for plotting</a:t>
+            </a:r>
+          </a:p>
+          <a:p>
+            <a:pPr lvl="1">
+              <a:spcBef>
+                <a:spcPts val="0"/>
+              </a:spcBef>
+            </a:pPr>
+            <a:r>
+              <a:rPr lang="en-US" sz="1600" dirty="0"/>
+              <a:t>Economic Data:</a:t>
+            </a:r>
+          </a:p>
+          <a:p>
+            <a:pPr lvl="2">
+              <a:spcBef>
+                <a:spcPts val="0"/>
+              </a:spcBef>
+            </a:pPr>
+            <a:r>
+              <a:rPr lang="en-US" sz="1400" dirty="0"/>
+              <a:t>Using a country catalog, we filtered the migration and economic data to drop any information NOT related to countries (regions, classifications, etc.) </a:t>
+            </a:r>
+          </a:p>
+          <a:p>
+            <a:pPr lvl="2">
+              <a:spcBef>
+                <a:spcPts val="0"/>
+              </a:spcBef>
+            </a:pPr>
+            <a:r>
+              <a:rPr lang="en-US" sz="1400" dirty="0"/>
+              <a:t>Countries with missing economic data (GDP or remittances) had to be dropped</a:t>
+            </a:r>
+          </a:p>
+          <a:p>
+            <a:r>
+              <a:rPr lang="en-US" sz="1600" dirty="0"/>
+              <a:t>Surprises: top 20 countries of origination, flow between India and Pakistan, no low income countries in the top 20 list </a:t>
+            </a:r>
+          </a:p>
+          <a:p>
+            <a:r>
+              <a:rPr lang="en-US" sz="1600" dirty="0"/>
+              <a:t>Problems: not the same countries in both sources), format in migrant information, country names</a:t>
+            </a:r>
           </a:p>
         </p:txBody>
       </p:sp>
@@ -20053,6 +20230,186 @@
 </file>
 
 <file path=ppt/slides/slide14.xml><?xml version="1.0" encoding="utf-8"?>
+<p:sld xmlns:a="http://schemas.openxmlformats.org/drawingml/2006/main" xmlns:r="http://schemas.openxmlformats.org/officeDocument/2006/relationships" xmlns:p="http://schemas.openxmlformats.org/presentationml/2006/main" show="0">
+  <p:cSld>
+    <p:spTree>
+      <p:nvGrpSpPr>
+        <p:cNvPr id="1" name=""/>
+        <p:cNvGrpSpPr/>
+        <p:nvPr/>
+      </p:nvGrpSpPr>
+      <p:grpSpPr>
+        <a:xfrm>
+          <a:off x="0" y="0"/>
+          <a:ext cx="0" cy="0"/>
+          <a:chOff x="0" y="0"/>
+          <a:chExt cx="0" cy="0"/>
+        </a:xfrm>
+      </p:grpSpPr>
+      <p:pic>
+        <p:nvPicPr>
+          <p:cNvPr id="8" name="Picture 7">
+            <a:extLst>
+              <a:ext uri="{FF2B5EF4-FFF2-40B4-BE49-F238E27FC236}">
+                <a16:creationId xmlns:a16="http://schemas.microsoft.com/office/drawing/2014/main" id="{4658B18A-4F10-467E-BD82-1C6E22017027}"/>
+              </a:ext>
+            </a:extLst>
+          </p:cNvPr>
+          <p:cNvPicPr>
+            <a:picLocks noChangeAspect="1"/>
+          </p:cNvPicPr>
+          <p:nvPr/>
+        </p:nvPicPr>
+        <p:blipFill>
+          <a:blip r:embed="rId2"/>
+          <a:stretch>
+            <a:fillRect/>
+          </a:stretch>
+        </p:blipFill>
+        <p:spPr>
+          <a:xfrm>
+            <a:off x="1107558" y="0"/>
+            <a:ext cx="9976884" cy="6858000"/>
+          </a:xfrm>
+          <a:prstGeom prst="rect">
+            <a:avLst/>
+          </a:prstGeom>
+        </p:spPr>
+      </p:pic>
+    </p:spTree>
+    <p:extLst>
+      <p:ext uri="{BB962C8B-B14F-4D97-AF65-F5344CB8AC3E}">
+        <p14:creationId xmlns:p14="http://schemas.microsoft.com/office/powerpoint/2010/main" val="186611642"/>
+      </p:ext>
+    </p:extLst>
+  </p:cSld>
+  <p:clrMapOvr>
+    <a:masterClrMapping/>
+  </p:clrMapOvr>
+</p:sld>
+</file>
+
+<file path=ppt/slides/slide15.xml><?xml version="1.0" encoding="utf-8"?>
+<p:sld xmlns:a="http://schemas.openxmlformats.org/drawingml/2006/main" xmlns:r="http://schemas.openxmlformats.org/officeDocument/2006/relationships" xmlns:p="http://schemas.openxmlformats.org/presentationml/2006/main" show="0">
+  <p:cSld>
+    <p:spTree>
+      <p:nvGrpSpPr>
+        <p:cNvPr id="1" name=""/>
+        <p:cNvGrpSpPr/>
+        <p:nvPr/>
+      </p:nvGrpSpPr>
+      <p:grpSpPr>
+        <a:xfrm>
+          <a:off x="0" y="0"/>
+          <a:ext cx="0" cy="0"/>
+          <a:chOff x="0" y="0"/>
+          <a:chExt cx="0" cy="0"/>
+        </a:xfrm>
+      </p:grpSpPr>
+      <p:pic>
+        <p:nvPicPr>
+          <p:cNvPr id="2" name="Picture 1">
+            <a:extLst>
+              <a:ext uri="{FF2B5EF4-FFF2-40B4-BE49-F238E27FC236}">
+                <a16:creationId xmlns:a16="http://schemas.microsoft.com/office/drawing/2014/main" id="{35262419-74E5-4B5C-A977-76D5BB6DC9ED}"/>
+              </a:ext>
+            </a:extLst>
+          </p:cNvPr>
+          <p:cNvPicPr>
+            <a:picLocks noChangeAspect="1"/>
+          </p:cNvPicPr>
+          <p:nvPr/>
+        </p:nvPicPr>
+        <p:blipFill>
+          <a:blip r:embed="rId2"/>
+          <a:stretch>
+            <a:fillRect/>
+          </a:stretch>
+        </p:blipFill>
+        <p:spPr>
+          <a:xfrm>
+            <a:off x="1004454" y="1000125"/>
+            <a:ext cx="10515600" cy="4857750"/>
+          </a:xfrm>
+          <a:prstGeom prst="rect">
+            <a:avLst/>
+          </a:prstGeom>
+        </p:spPr>
+      </p:pic>
+    </p:spTree>
+    <p:extLst>
+      <p:ext uri="{BB962C8B-B14F-4D97-AF65-F5344CB8AC3E}">
+        <p14:creationId xmlns:p14="http://schemas.microsoft.com/office/powerpoint/2010/main" val="2895643671"/>
+      </p:ext>
+    </p:extLst>
+  </p:cSld>
+  <p:clrMapOvr>
+    <a:masterClrMapping/>
+  </p:clrMapOvr>
+</p:sld>
+</file>
+
+<file path=ppt/slides/slide16.xml><?xml version="1.0" encoding="utf-8"?>
+<p:sld xmlns:a="http://schemas.openxmlformats.org/drawingml/2006/main" xmlns:r="http://schemas.openxmlformats.org/officeDocument/2006/relationships" xmlns:p="http://schemas.openxmlformats.org/presentationml/2006/main" show="0">
+  <p:cSld>
+    <p:spTree>
+      <p:nvGrpSpPr>
+        <p:cNvPr id="1" name=""/>
+        <p:cNvGrpSpPr/>
+        <p:nvPr/>
+      </p:nvGrpSpPr>
+      <p:grpSpPr>
+        <a:xfrm>
+          <a:off x="0" y="0"/>
+          <a:ext cx="0" cy="0"/>
+          <a:chOff x="0" y="0"/>
+          <a:chExt cx="0" cy="0"/>
+        </a:xfrm>
+      </p:grpSpPr>
+      <p:pic>
+        <p:nvPicPr>
+          <p:cNvPr id="2" name="Picture 1">
+            <a:extLst>
+              <a:ext uri="{FF2B5EF4-FFF2-40B4-BE49-F238E27FC236}">
+                <a16:creationId xmlns:a16="http://schemas.microsoft.com/office/drawing/2014/main" id="{07845C0D-797E-497F-8BA0-F480FC84A52C}"/>
+              </a:ext>
+            </a:extLst>
+          </p:cNvPr>
+          <p:cNvPicPr>
+            <a:picLocks noChangeAspect="1"/>
+          </p:cNvPicPr>
+          <p:nvPr/>
+        </p:nvPicPr>
+        <p:blipFill>
+          <a:blip r:embed="rId2"/>
+          <a:stretch>
+            <a:fillRect/>
+          </a:stretch>
+        </p:blipFill>
+        <p:spPr>
+          <a:xfrm>
+            <a:off x="1579417" y="305653"/>
+            <a:ext cx="9274629" cy="6246693"/>
+          </a:xfrm>
+          <a:prstGeom prst="rect">
+            <a:avLst/>
+          </a:prstGeom>
+        </p:spPr>
+      </p:pic>
+    </p:spTree>
+    <p:extLst>
+      <p:ext uri="{BB962C8B-B14F-4D97-AF65-F5344CB8AC3E}">
+        <p14:creationId xmlns:p14="http://schemas.microsoft.com/office/powerpoint/2010/main" val="3120218374"/>
+      </p:ext>
+    </p:extLst>
+  </p:cSld>
+  <p:clrMapOvr>
+    <a:masterClrMapping/>
+  </p:clrMapOvr>
+</p:sld>
+</file>
+
+<file path=ppt/slides/slide17.xml><?xml version="1.0" encoding="utf-8"?>
 <p:sld xmlns:a="http://schemas.openxmlformats.org/drawingml/2006/main" xmlns:r="http://schemas.openxmlformats.org/officeDocument/2006/relationships" xmlns:p="http://schemas.openxmlformats.org/presentationml/2006/main">
   <p:cSld>
     <p:bg>
@@ -20126,7 +20483,7 @@
 </p:sld>
 </file>
 
-<file path=ppt/slides/slide15.xml><?xml version="1.0" encoding="utf-8"?>
+<file path=ppt/slides/slide18.xml><?xml version="1.0" encoding="utf-8"?>
 <p:sld xmlns:a="http://schemas.openxmlformats.org/drawingml/2006/main" xmlns:r="http://schemas.openxmlformats.org/officeDocument/2006/relationships" xmlns:p="http://schemas.openxmlformats.org/presentationml/2006/main">
   <p:cSld>
     <p:spTree>
@@ -28533,7 +28890,7 @@
           <a:lstStyle/>
           <a:p>
             <a:r>
-              <a:rPr lang="en-US" dirty="0">
+              <a:rPr lang="en-US" b="1" dirty="0">
                 <a:solidFill>
                   <a:schemeClr val="bg1"/>
                 </a:solidFill>
@@ -28572,7 +28929,7 @@
           <a:lstStyle/>
           <a:p>
             <a:r>
-              <a:rPr lang="en-US" dirty="0">
+              <a:rPr lang="en-US" b="1" dirty="0">
                 <a:solidFill>
                   <a:schemeClr val="bg1"/>
                 </a:solidFill>
@@ -28611,7 +28968,7 @@
           <a:lstStyle/>
           <a:p>
             <a:r>
-              <a:rPr lang="en-US" dirty="0">
+              <a:rPr lang="en-US" b="1" dirty="0">
                 <a:solidFill>
                   <a:schemeClr val="bg1"/>
                 </a:solidFill>
@@ -28635,7 +28992,7 @@
         </p:nvSpPr>
         <p:spPr>
           <a:xfrm>
-            <a:off x="5417502" y="4021312"/>
+            <a:off x="5203744" y="4021312"/>
             <a:ext cx="962025" cy="369332"/>
           </a:xfrm>
           <a:prstGeom prst="rect">
@@ -28650,12 +29007,12 @@
           <a:lstStyle/>
           <a:p>
             <a:r>
-              <a:rPr lang="en-US" dirty="0">
+              <a:rPr lang="en-US" b="1" dirty="0">
                 <a:solidFill>
                   <a:schemeClr val="bg1"/>
                 </a:solidFill>
               </a:rPr>
-              <a:t>TBF</a:t>
+              <a:t>China</a:t>
             </a:r>
           </a:p>
         </p:txBody>
@@ -28674,7 +29031,7 @@
         </p:nvSpPr>
         <p:spPr>
           <a:xfrm>
-            <a:off x="1852612" y="5062680"/>
+            <a:off x="1757611" y="5050805"/>
             <a:ext cx="962025" cy="369332"/>
           </a:xfrm>
           <a:prstGeom prst="rect">
@@ -28689,16 +29046,60 @@
           <a:lstStyle/>
           <a:p>
             <a:r>
-              <a:rPr lang="en-US" dirty="0">
+              <a:rPr lang="en-US" b="1" dirty="0">
                 <a:solidFill>
                   <a:schemeClr val="bg1"/>
                 </a:solidFill>
               </a:rPr>
-              <a:t>TBF</a:t>
+              <a:t>Russia</a:t>
             </a:r>
           </a:p>
         </p:txBody>
       </p:sp>
+      <p:cxnSp>
+        <p:nvCxnSpPr>
+          <p:cNvPr id="5" name="Straight Arrow Connector 4">
+            <a:extLst>
+              <a:ext uri="{FF2B5EF4-FFF2-40B4-BE49-F238E27FC236}">
+                <a16:creationId xmlns:a16="http://schemas.microsoft.com/office/drawing/2014/main" id="{29C80415-0F62-4C2F-B7E0-07AF5B985A28}"/>
+              </a:ext>
+            </a:extLst>
+          </p:cNvPr>
+          <p:cNvCxnSpPr>
+            <a:cxnSpLocks/>
+          </p:cNvCxnSpPr>
+          <p:nvPr/>
+        </p:nvCxnSpPr>
+        <p:spPr>
+          <a:xfrm flipH="1">
+            <a:off x="2030682" y="5272644"/>
+            <a:ext cx="130627" cy="320634"/>
+          </a:xfrm>
+          <a:prstGeom prst="straightConnector1">
+            <a:avLst/>
+          </a:prstGeom>
+          <a:ln>
+            <a:solidFill>
+              <a:srgbClr val="FF0000"/>
+            </a:solidFill>
+            <a:tailEnd type="triangle"/>
+          </a:ln>
+        </p:spPr>
+        <p:style>
+          <a:lnRef idx="1">
+            <a:schemeClr val="accent1"/>
+          </a:lnRef>
+          <a:fillRef idx="0">
+            <a:schemeClr val="accent1"/>
+          </a:fillRef>
+          <a:effectRef idx="0">
+            <a:schemeClr val="accent1"/>
+          </a:effectRef>
+          <a:fontRef idx="minor">
+            <a:schemeClr val="tx1"/>
+          </a:fontRef>
+        </p:style>
+      </p:cxnSp>
     </p:spTree>
     <p:extLst>
       <p:ext uri="{BB962C8B-B14F-4D97-AF65-F5344CB8AC3E}">
@@ -35130,7 +35531,7 @@
                 <a:ea typeface="+mn-ea"/>
                 <a:cs typeface="+mn-cs"/>
               </a:rPr>
-              <a:t>This dataset presents remittances to GDP ratio and the migrant flow for the lower </a:t>
+              <a:t>This dataset presents remittances to GDP ratio and the migrant flow for the lower-</a:t>
             </a:r>
             <a:r>
               <a:rPr kumimoji="0" lang="en-US" sz="2400" b="0" i="0" u="none" strike="noStrike" kern="1200" cap="none" spc="0" normalizeH="0" baseline="0" noProof="0" dirty="0" err="1">
@@ -38038,7 +38439,7 @@
                   <a:prstClr val="white"/>
                 </a:solidFill>
               </a:rPr>
-              <a:t>This dataset presents remittances to GDP ratio and the migrant flow for the upper middle income countries over a period of 12 years.</a:t>
+              <a:t>This dataset presents remittances to GDP ratio and the migrant flow for the upper- middle income countries over a period of 12 years.</a:t>
             </a:r>
             <a:endParaRPr kumimoji="0" lang="en-US" sz="2400" b="0" i="0" u="none" strike="noStrike" kern="1200" cap="none" spc="0" normalizeH="0" baseline="0" noProof="0" dirty="0">
               <a:ln>

--- a/IMPACT OF MIGRATION ON GDP.pptx
+++ b/IMPACT OF MIGRATION ON GDP.pptx
@@ -8737,7 +8737,7 @@
           <a:p>
             <a:fld id="{48A87A34-81AB-432B-8DAE-1953F412C126}" type="datetimeFigureOut">
               <a:rPr lang="en-US" dirty="0"/>
-              <a:t>7/28/2019</a:t>
+              <a:t>7/29/2019</a:t>
             </a:fld>
             <a:endParaRPr lang="en-US" dirty="0"/>
           </a:p>
@@ -8998,7 +8998,7 @@
           <a:p>
             <a:fld id="{48A87A34-81AB-432B-8DAE-1953F412C126}" type="datetimeFigureOut">
               <a:rPr lang="en-US" dirty="0"/>
-              <a:t>7/28/2019</a:t>
+              <a:t>7/29/2019</a:t>
             </a:fld>
             <a:endParaRPr lang="en-US" dirty="0"/>
           </a:p>
@@ -9189,7 +9189,7 @@
           <a:p>
             <a:fld id="{48A87A34-81AB-432B-8DAE-1953F412C126}" type="datetimeFigureOut">
               <a:rPr lang="en-US" dirty="0"/>
-              <a:t>7/28/2019</a:t>
+              <a:t>7/29/2019</a:t>
             </a:fld>
             <a:endParaRPr lang="en-US" dirty="0"/>
           </a:p>
@@ -9447,7 +9447,7 @@
           <a:p>
             <a:fld id="{48A87A34-81AB-432B-8DAE-1953F412C126}" type="datetimeFigureOut">
               <a:rPr lang="en-US" dirty="0"/>
-              <a:t>7/28/2019</a:t>
+              <a:t>7/29/2019</a:t>
             </a:fld>
             <a:endParaRPr lang="en-US" dirty="0"/>
           </a:p>
@@ -9876,7 +9876,7 @@
           <a:p>
             <a:fld id="{48A87A34-81AB-432B-8DAE-1953F412C126}" type="datetimeFigureOut">
               <a:rPr lang="en-US" dirty="0"/>
-              <a:t>7/28/2019</a:t>
+              <a:t>7/29/2019</a:t>
             </a:fld>
             <a:endParaRPr lang="en-US" dirty="0"/>
           </a:p>
@@ -10417,7 +10417,7 @@
           <a:p>
             <a:fld id="{48A87A34-81AB-432B-8DAE-1953F412C126}" type="datetimeFigureOut">
               <a:rPr lang="en-US" dirty="0"/>
-              <a:t>7/28/2019</a:t>
+              <a:t>7/29/2019</a:t>
             </a:fld>
             <a:endParaRPr lang="en-US" dirty="0"/>
           </a:p>
@@ -11129,7 +11129,7 @@
           <a:p>
             <a:fld id="{48A87A34-81AB-432B-8DAE-1953F412C126}" type="datetimeFigureOut">
               <a:rPr lang="en-US" dirty="0"/>
-              <a:t>7/28/2019</a:t>
+              <a:t>7/29/2019</a:t>
             </a:fld>
             <a:endParaRPr lang="en-US" dirty="0"/>
           </a:p>
@@ -11294,7 +11294,7 @@
           <a:p>
             <a:fld id="{48A87A34-81AB-432B-8DAE-1953F412C126}" type="datetimeFigureOut">
               <a:rPr lang="en-US" dirty="0"/>
-              <a:t>7/28/2019</a:t>
+              <a:t>7/29/2019</a:t>
             </a:fld>
             <a:endParaRPr lang="en-US" dirty="0"/>
           </a:p>
@@ -11469,7 +11469,7 @@
           <a:p>
             <a:fld id="{48A87A34-81AB-432B-8DAE-1953F412C126}" type="datetimeFigureOut">
               <a:rPr lang="en-US" dirty="0"/>
-              <a:t>7/28/2019</a:t>
+              <a:t>7/29/2019</a:t>
             </a:fld>
             <a:endParaRPr lang="en-US" dirty="0"/>
           </a:p>
@@ -11634,7 +11634,7 @@
           <a:p>
             <a:fld id="{48A87A34-81AB-432B-8DAE-1953F412C126}" type="datetimeFigureOut">
               <a:rPr lang="en-US" dirty="0"/>
-              <a:t>7/28/2019</a:t>
+              <a:t>7/29/2019</a:t>
             </a:fld>
             <a:endParaRPr lang="en-US" dirty="0"/>
           </a:p>
@@ -11879,7 +11879,7 @@
           <a:p>
             <a:fld id="{48A87A34-81AB-432B-8DAE-1953F412C126}" type="datetimeFigureOut">
               <a:rPr lang="en-US" dirty="0"/>
-              <a:t>7/28/2019</a:t>
+              <a:t>7/29/2019</a:t>
             </a:fld>
             <a:endParaRPr lang="en-US" dirty="0"/>
           </a:p>
@@ -12106,7 +12106,7 @@
           <a:p>
             <a:fld id="{48A87A34-81AB-432B-8DAE-1953F412C126}" type="datetimeFigureOut">
               <a:rPr lang="en-US" dirty="0"/>
-              <a:t>7/28/2019</a:t>
+              <a:t>7/29/2019</a:t>
             </a:fld>
             <a:endParaRPr lang="en-US" dirty="0"/>
           </a:p>
@@ -12482,7 +12482,7 @@
           <a:p>
             <a:fld id="{48A87A34-81AB-432B-8DAE-1953F412C126}" type="datetimeFigureOut">
               <a:rPr lang="en-US" dirty="0"/>
-              <a:t>7/28/2019</a:t>
+              <a:t>7/29/2019</a:t>
             </a:fld>
             <a:endParaRPr lang="en-US" dirty="0"/>
           </a:p>
@@ -12595,7 +12595,7 @@
           <a:p>
             <a:fld id="{48A87A34-81AB-432B-8DAE-1953F412C126}" type="datetimeFigureOut">
               <a:rPr lang="en-US" dirty="0"/>
-              <a:t>7/28/2019</a:t>
+              <a:t>7/29/2019</a:t>
             </a:fld>
             <a:endParaRPr lang="en-US" dirty="0"/>
           </a:p>
@@ -12685,7 +12685,7 @@
           <a:p>
             <a:fld id="{48A87A34-81AB-432B-8DAE-1953F412C126}" type="datetimeFigureOut">
               <a:rPr lang="en-US" dirty="0"/>
-              <a:t>7/28/2019</a:t>
+              <a:t>7/29/2019</a:t>
             </a:fld>
             <a:endParaRPr lang="en-US" dirty="0"/>
           </a:p>
@@ -12929,7 +12929,7 @@
           <a:p>
             <a:fld id="{48A87A34-81AB-432B-8DAE-1953F412C126}" type="datetimeFigureOut">
               <a:rPr lang="en-US" dirty="0"/>
-              <a:t>7/28/2019</a:t>
+              <a:t>7/29/2019</a:t>
             </a:fld>
             <a:endParaRPr lang="en-US" dirty="0"/>
           </a:p>
@@ -13203,7 +13203,7 @@
           <a:p>
             <a:fld id="{48A87A34-81AB-432B-8DAE-1953F412C126}" type="datetimeFigureOut">
               <a:rPr lang="en-US" dirty="0"/>
-              <a:t>7/28/2019</a:t>
+              <a:t>7/29/2019</a:t>
             </a:fld>
             <a:endParaRPr lang="en-US" dirty="0"/>
           </a:p>
@@ -16279,7 +16279,7 @@
             <a:fld id="{48A87A34-81AB-432B-8DAE-1953F412C126}" type="datetimeFigureOut">
               <a:rPr lang="en-US" dirty="0"/>
               <a:pPr/>
-              <a:t>7/28/2019</a:t>
+              <a:t>7/29/2019</a:t>
             </a:fld>
             <a:endParaRPr lang="en-US" dirty="0"/>
           </a:p>
@@ -20238,10 +20238,10 @@
       </p:sp>
       <p:sp>
         <p:nvSpPr>
-          <p:cNvPr id="88" name="Text Placeholder 87">
+          <p:cNvPr id="6" name="Text Placeholder 87">
             <a:extLst>
               <a:ext uri="{FF2B5EF4-FFF2-40B4-BE49-F238E27FC236}">
-                <a16:creationId xmlns:a16="http://schemas.microsoft.com/office/drawing/2014/main" id="{68633338-D6B8-4BC3-B368-FA09C7341ED4}"/>
+                <a16:creationId xmlns:a16="http://schemas.microsoft.com/office/drawing/2014/main" id="{D9C64461-2A83-4F5B-A887-DD69952B58FA}"/>
               </a:ext>
             </a:extLst>
           </p:cNvPr>
@@ -20254,16 +20254,88 @@
         </p:nvSpPr>
         <p:spPr>
           <a:xfrm>
-            <a:off x="2190749" y="1773238"/>
-            <a:ext cx="8791575" cy="1655762"/>
+            <a:off x="2243758" y="1470991"/>
+            <a:ext cx="8791575" cy="4041913"/>
           </a:xfrm>
         </p:spPr>
         <p:txBody>
           <a:bodyPr>
-            <a:normAutofit/>
+            <a:normAutofit fontScale="92500" lnSpcReduction="20000"/>
           </a:bodyPr>
           <a:lstStyle/>
           <a:p>
+            <a:pPr marL="342900" indent="-342900">
+              <a:buFont typeface="Arial" panose="020B0604020202020204" pitchFamily="34" charset="0"/>
+              <a:buChar char="•"/>
+            </a:pPr>
+            <a:r>
+              <a:rPr lang="en-US" cap="none" dirty="0"/>
+              <a:t>The analysis was conducted using two data sources: </a:t>
+            </a:r>
+          </a:p>
+          <a:p>
+            <a:r>
+              <a:rPr lang="en-US" cap="none" dirty="0"/>
+              <a:t>	Data Sources: 	</a:t>
+            </a:r>
+          </a:p>
+          <a:p>
+            <a:r>
+              <a:rPr lang="en-US" cap="none" dirty="0"/>
+              <a:t>		World Bank - GDP (US$) current report (last published 2018) </a:t>
+            </a:r>
+          </a:p>
+          <a:p>
+            <a:r>
+              <a:rPr lang="en-US" cap="none" dirty="0"/>
+              <a:t>		United Nations Migration Data (last published 2017) </a:t>
+            </a:r>
+          </a:p>
+          <a:p>
+            <a:pPr marL="342900" indent="-342900">
+              <a:buFont typeface="Arial" panose="020B0604020202020204" pitchFamily="34" charset="0"/>
+              <a:buChar char="•"/>
+            </a:pPr>
+            <a:r>
+              <a:rPr lang="en-US" cap="none" dirty="0"/>
+              <a:t>Years presented are 2005,2010,2015 and 2017. </a:t>
+            </a:r>
+          </a:p>
+          <a:p>
+            <a:pPr marL="800100" lvl="1" indent="-342900">
+              <a:buFont typeface="Arial" panose="020B0604020202020204" pitchFamily="34" charset="0"/>
+              <a:buChar char="•"/>
+            </a:pPr>
+            <a:r>
+              <a:rPr lang="en-US" cap="none" dirty="0"/>
+              <a:t>2017 was the last year published by the United Nations.</a:t>
+            </a:r>
+          </a:p>
+          <a:p>
+            <a:pPr marL="342900" indent="-342900">
+              <a:buFont typeface="Arial" panose="020B0604020202020204" pitchFamily="34" charset="0"/>
+              <a:buChar char="•"/>
+            </a:pPr>
+            <a:r>
+              <a:rPr lang="en-US" cap="none" dirty="0"/>
+              <a:t>The top 20 countries were selected using the total number of migrants from country of origination over the years selected.</a:t>
+            </a:r>
+          </a:p>
+          <a:p>
+            <a:pPr marL="342900" indent="-342900">
+              <a:buFont typeface="Arial" panose="020B0604020202020204" pitchFamily="34" charset="0"/>
+              <a:buChar char="•"/>
+            </a:pPr>
+            <a:r>
+              <a:rPr lang="en-US" cap="none" dirty="0"/>
+              <a:t>Countries are categorized within the World Bank GDP data and mapped to United Nations Migration Data.</a:t>
+            </a:r>
+          </a:p>
+          <a:p>
+            <a:pPr marL="800100" lvl="1" indent="-342900">
+              <a:buFont typeface="Arial" panose="020B0604020202020204" pitchFamily="34" charset="0"/>
+              <a:buChar char="•"/>
+            </a:pPr>
             <a:endParaRPr lang="en-US" cap="none" dirty="0"/>
           </a:p>
         </p:txBody>
@@ -23112,7 +23184,6 @@
                 <a:lumMod val="160000"/>
               </a:schemeClr>
             </a:duotone>
-            <a:extLst/>
           </a:blip>
           <a:stretch/>
         </a:blipFill>

--- a/IMPACT OF MIGRATION ON GDP.pptx
+++ b/IMPACT OF MIGRATION ON GDP.pptx
@@ -6,7 +6,7 @@
   </p:sldMasterIdLst>
   <p:sldIdLst>
     <p:sldId id="256" r:id="rId2"/>
-    <p:sldId id="273" r:id="rId3"/>
+    <p:sldId id="278" r:id="rId3"/>
     <p:sldId id="257" r:id="rId4"/>
     <p:sldId id="259" r:id="rId5"/>
     <p:sldId id="262" r:id="rId6"/>
@@ -18,8 +18,11 @@
     <p:sldId id="265" r:id="rId12"/>
     <p:sldId id="270" r:id="rId13"/>
     <p:sldId id="274" r:id="rId14"/>
-    <p:sldId id="272" r:id="rId15"/>
-    <p:sldId id="271" r:id="rId16"/>
+    <p:sldId id="275" r:id="rId15"/>
+    <p:sldId id="276" r:id="rId16"/>
+    <p:sldId id="277" r:id="rId17"/>
+    <p:sldId id="272" r:id="rId18"/>
+    <p:sldId id="271" r:id="rId19"/>
   </p:sldIdLst>
   <p:sldSz cx="12192000" cy="6858000"/>
   <p:notesSz cx="6858000" cy="9144000"/>
@@ -4511,7 +4514,7 @@
           <a:noFill/>
           <a:extLst>
             <a:ext uri="{909E8E84-426E-40dd-AFC4-6F175D3DCCD1}">
-              <a14:hiddenFill xmlns="" xmlns:a14="http://schemas.microsoft.com/office/drawing/2010/main">
+              <a14:hiddenFill xmlns:a14="http://schemas.microsoft.com/office/drawing/2010/main" xmlns="">
                 <a:solidFill>
                   <a:srgbClr val="FFFFFF"/>
                 </a:solidFill>
@@ -4571,7 +4574,7 @@
             </a:ln>
             <a:extLst>
               <a:ext uri="{91240B29-F687-4f45-9708-019B960494DF}">
-                <a14:hiddenLine xmlns="" xmlns:a14="http://schemas.microsoft.com/office/drawing/2010/main" w="9525">
+                <a14:hiddenLine xmlns:a14="http://schemas.microsoft.com/office/drawing/2010/main" xmlns="" w="9525">
                   <a:solidFill>
                     <a:srgbClr val="000000"/>
                   </a:solidFill>
@@ -4661,7 +4664,7 @@
             </a:ln>
             <a:extLst>
               <a:ext uri="{91240B29-F687-4f45-9708-019B960494DF}">
-                <a14:hiddenLine xmlns="" xmlns:a14="http://schemas.microsoft.com/office/drawing/2010/main" w="9525">
+                <a14:hiddenLine xmlns:a14="http://schemas.microsoft.com/office/drawing/2010/main" xmlns="" w="9525">
                   <a:solidFill>
                     <a:srgbClr val="000000"/>
                   </a:solidFill>
@@ -4751,7 +4754,7 @@
             </a:ln>
             <a:extLst>
               <a:ext uri="{91240B29-F687-4f45-9708-019B960494DF}">
-                <a14:hiddenLine xmlns="" xmlns:a14="http://schemas.microsoft.com/office/drawing/2010/main" w="9525">
+                <a14:hiddenLine xmlns:a14="http://schemas.microsoft.com/office/drawing/2010/main" xmlns="" w="9525">
                   <a:solidFill>
                     <a:srgbClr val="000000"/>
                   </a:solidFill>
@@ -4785,7 +4788,7 @@
             </a:ln>
             <a:extLst>
               <a:ext uri="{91240B29-F687-4f45-9708-019B960494DF}">
-                <a14:hiddenLine xmlns="" xmlns:a14="http://schemas.microsoft.com/office/drawing/2010/main" w="9525">
+                <a14:hiddenLine xmlns:a14="http://schemas.microsoft.com/office/drawing/2010/main" xmlns="" w="9525">
                   <a:solidFill>
                     <a:srgbClr val="000000"/>
                   </a:solidFill>
@@ -4875,7 +4878,7 @@
             </a:ln>
             <a:extLst>
               <a:ext uri="{91240B29-F687-4f45-9708-019B960494DF}">
-                <a14:hiddenLine xmlns="" xmlns:a14="http://schemas.microsoft.com/office/drawing/2010/main" w="9525">
+                <a14:hiddenLine xmlns:a14="http://schemas.microsoft.com/office/drawing/2010/main" xmlns="" w="9525">
                   <a:solidFill>
                     <a:srgbClr val="000000"/>
                   </a:solidFill>
@@ -4937,7 +4940,7 @@
             </a:ln>
             <a:extLst>
               <a:ext uri="{91240B29-F687-4f45-9708-019B960494DF}">
-                <a14:hiddenLine xmlns="" xmlns:a14="http://schemas.microsoft.com/office/drawing/2010/main" w="9525">
+                <a14:hiddenLine xmlns:a14="http://schemas.microsoft.com/office/drawing/2010/main" xmlns="" w="9525">
                   <a:solidFill>
                     <a:srgbClr val="000000"/>
                   </a:solidFill>
@@ -4999,7 +5002,7 @@
             </a:ln>
             <a:extLst>
               <a:ext uri="{91240B29-F687-4f45-9708-019B960494DF}">
-                <a14:hiddenLine xmlns="" xmlns:a14="http://schemas.microsoft.com/office/drawing/2010/main" w="9525">
+                <a14:hiddenLine xmlns:a14="http://schemas.microsoft.com/office/drawing/2010/main" xmlns="" w="9525">
                   <a:solidFill>
                     <a:srgbClr val="000000"/>
                   </a:solidFill>
@@ -5089,7 +5092,7 @@
             </a:ln>
             <a:extLst>
               <a:ext uri="{91240B29-F687-4f45-9708-019B960494DF}">
-                <a14:hiddenLine xmlns="" xmlns:a14="http://schemas.microsoft.com/office/drawing/2010/main" w="9525">
+                <a14:hiddenLine xmlns:a14="http://schemas.microsoft.com/office/drawing/2010/main" xmlns="" w="9525">
                   <a:solidFill>
                     <a:srgbClr val="000000"/>
                   </a:solidFill>
@@ -5151,7 +5154,7 @@
             </a:ln>
             <a:extLst>
               <a:ext uri="{91240B29-F687-4f45-9708-019B960494DF}">
-                <a14:hiddenLine xmlns="" xmlns:a14="http://schemas.microsoft.com/office/drawing/2010/main" w="9525">
+                <a14:hiddenLine xmlns:a14="http://schemas.microsoft.com/office/drawing/2010/main" xmlns="" w="9525">
                   <a:solidFill>
                     <a:srgbClr val="000000"/>
                   </a:solidFill>
@@ -5213,7 +5216,7 @@
             </a:ln>
             <a:extLst>
               <a:ext uri="{91240B29-F687-4f45-9708-019B960494DF}">
-                <a14:hiddenLine xmlns="" xmlns:a14="http://schemas.microsoft.com/office/drawing/2010/main" w="9525">
+                <a14:hiddenLine xmlns:a14="http://schemas.microsoft.com/office/drawing/2010/main" xmlns="" w="9525">
                   <a:solidFill>
                     <a:srgbClr val="000000"/>
                   </a:solidFill>
@@ -5303,7 +5306,7 @@
             </a:ln>
             <a:extLst>
               <a:ext uri="{91240B29-F687-4f45-9708-019B960494DF}">
-                <a14:hiddenLine xmlns="" xmlns:a14="http://schemas.microsoft.com/office/drawing/2010/main" w="9525">
+                <a14:hiddenLine xmlns:a14="http://schemas.microsoft.com/office/drawing/2010/main" xmlns="" w="9525">
                   <a:solidFill>
                     <a:srgbClr val="000000"/>
                   </a:solidFill>
@@ -5393,7 +5396,7 @@
             </a:ln>
             <a:extLst>
               <a:ext uri="{91240B29-F687-4f45-9708-019B960494DF}">
-                <a14:hiddenLine xmlns="" xmlns:a14="http://schemas.microsoft.com/office/drawing/2010/main" w="9525">
+                <a14:hiddenLine xmlns:a14="http://schemas.microsoft.com/office/drawing/2010/main" xmlns="" w="9525">
                   <a:solidFill>
                     <a:srgbClr val="000000"/>
                   </a:solidFill>
@@ -5455,7 +5458,7 @@
             </a:ln>
             <a:extLst>
               <a:ext uri="{91240B29-F687-4f45-9708-019B960494DF}">
-                <a14:hiddenLine xmlns="" xmlns:a14="http://schemas.microsoft.com/office/drawing/2010/main" w="9525">
+                <a14:hiddenLine xmlns:a14="http://schemas.microsoft.com/office/drawing/2010/main" xmlns="" w="9525">
                   <a:solidFill>
                     <a:srgbClr val="000000"/>
                   </a:solidFill>
@@ -5565,7 +5568,7 @@
             </a:ln>
             <a:extLst>
               <a:ext uri="{91240B29-F687-4f45-9708-019B960494DF}">
-                <a14:hiddenLine xmlns="" xmlns:a14="http://schemas.microsoft.com/office/drawing/2010/main" w="9525">
+                <a14:hiddenLine xmlns:a14="http://schemas.microsoft.com/office/drawing/2010/main" xmlns="" w="9525">
                   <a:solidFill>
                     <a:srgbClr val="000000"/>
                   </a:solidFill>
@@ -5627,7 +5630,7 @@
             </a:ln>
             <a:extLst>
               <a:ext uri="{91240B29-F687-4f45-9708-019B960494DF}">
-                <a14:hiddenLine xmlns="" xmlns:a14="http://schemas.microsoft.com/office/drawing/2010/main" w="9525">
+                <a14:hiddenLine xmlns:a14="http://schemas.microsoft.com/office/drawing/2010/main" xmlns="" w="9525">
                   <a:solidFill>
                     <a:srgbClr val="000000"/>
                   </a:solidFill>
@@ -5717,7 +5720,7 @@
             </a:ln>
             <a:extLst>
               <a:ext uri="{91240B29-F687-4f45-9708-019B960494DF}">
-                <a14:hiddenLine xmlns="" xmlns:a14="http://schemas.microsoft.com/office/drawing/2010/main" w="9525">
+                <a14:hiddenLine xmlns:a14="http://schemas.microsoft.com/office/drawing/2010/main" xmlns="" w="9525">
                   <a:solidFill>
                     <a:srgbClr val="000000"/>
                   </a:solidFill>
@@ -5807,7 +5810,7 @@
             </a:ln>
             <a:extLst>
               <a:ext uri="{91240B29-F687-4f45-9708-019B960494DF}">
-                <a14:hiddenLine xmlns="" xmlns:a14="http://schemas.microsoft.com/office/drawing/2010/main" w="9525">
+                <a14:hiddenLine xmlns:a14="http://schemas.microsoft.com/office/drawing/2010/main" xmlns="" w="9525">
                   <a:solidFill>
                     <a:srgbClr val="000000"/>
                   </a:solidFill>
@@ -5869,7 +5872,7 @@
             </a:ln>
             <a:extLst>
               <a:ext uri="{91240B29-F687-4f45-9708-019B960494DF}">
-                <a14:hiddenLine xmlns="" xmlns:a14="http://schemas.microsoft.com/office/drawing/2010/main" w="9525">
+                <a14:hiddenLine xmlns:a14="http://schemas.microsoft.com/office/drawing/2010/main" xmlns="" w="9525">
                   <a:solidFill>
                     <a:srgbClr val="000000"/>
                   </a:solidFill>
@@ -5959,7 +5962,7 @@
             </a:ln>
             <a:extLst>
               <a:ext uri="{91240B29-F687-4f45-9708-019B960494DF}">
-                <a14:hiddenLine xmlns="" xmlns:a14="http://schemas.microsoft.com/office/drawing/2010/main" w="9525">
+                <a14:hiddenLine xmlns:a14="http://schemas.microsoft.com/office/drawing/2010/main" xmlns="" w="9525">
                   <a:solidFill>
                     <a:srgbClr val="000000"/>
                   </a:solidFill>
@@ -6049,7 +6052,7 @@
             </a:ln>
             <a:extLst>
               <a:ext uri="{91240B29-F687-4f45-9708-019B960494DF}">
-                <a14:hiddenLine xmlns="" xmlns:a14="http://schemas.microsoft.com/office/drawing/2010/main" w="9525">
+                <a14:hiddenLine xmlns:a14="http://schemas.microsoft.com/office/drawing/2010/main" xmlns="" w="9525">
                   <a:solidFill>
                     <a:srgbClr val="000000"/>
                   </a:solidFill>
@@ -6105,7 +6108,7 @@
             </a:ln>
             <a:extLst>
               <a:ext uri="{91240B29-F687-4f45-9708-019B960494DF}">
-                <a14:hiddenLine xmlns="" xmlns:a14="http://schemas.microsoft.com/office/drawing/2010/main" w="9525">
+                <a14:hiddenLine xmlns:a14="http://schemas.microsoft.com/office/drawing/2010/main" xmlns="" w="9525">
                   <a:solidFill>
                     <a:srgbClr val="000000"/>
                   </a:solidFill>
@@ -6195,7 +6198,7 @@
             </a:ln>
             <a:extLst>
               <a:ext uri="{91240B29-F687-4f45-9708-019B960494DF}">
-                <a14:hiddenLine xmlns="" xmlns:a14="http://schemas.microsoft.com/office/drawing/2010/main" w="9525">
+                <a14:hiddenLine xmlns:a14="http://schemas.microsoft.com/office/drawing/2010/main" xmlns="" w="9525">
                   <a:solidFill>
                     <a:srgbClr val="000000"/>
                   </a:solidFill>
@@ -6251,7 +6254,7 @@
             </a:ln>
             <a:extLst>
               <a:ext uri="{91240B29-F687-4f45-9708-019B960494DF}">
-                <a14:hiddenLine xmlns="" xmlns:a14="http://schemas.microsoft.com/office/drawing/2010/main" w="9525">
+                <a14:hiddenLine xmlns:a14="http://schemas.microsoft.com/office/drawing/2010/main" xmlns="" w="9525">
                   <a:solidFill>
                     <a:srgbClr val="000000"/>
                   </a:solidFill>
@@ -6341,7 +6344,7 @@
             </a:ln>
             <a:extLst>
               <a:ext uri="{91240B29-F687-4f45-9708-019B960494DF}">
-                <a14:hiddenLine xmlns="" xmlns:a14="http://schemas.microsoft.com/office/drawing/2010/main" w="9525">
+                <a14:hiddenLine xmlns:a14="http://schemas.microsoft.com/office/drawing/2010/main" xmlns="" w="9525">
                   <a:solidFill>
                     <a:srgbClr val="000000"/>
                   </a:solidFill>
@@ -6409,7 +6412,7 @@
             </a:ln>
             <a:extLst>
               <a:ext uri="{91240B29-F687-4f45-9708-019B960494DF}">
-                <a14:hiddenLine xmlns="" xmlns:a14="http://schemas.microsoft.com/office/drawing/2010/main" w="9525">
+                <a14:hiddenLine xmlns:a14="http://schemas.microsoft.com/office/drawing/2010/main" xmlns="" w="9525">
                   <a:solidFill>
                     <a:srgbClr val="000000"/>
                   </a:solidFill>
@@ -6499,7 +6502,7 @@
             </a:ln>
             <a:extLst>
               <a:ext uri="{91240B29-F687-4f45-9708-019B960494DF}">
-                <a14:hiddenLine xmlns="" xmlns:a14="http://schemas.microsoft.com/office/drawing/2010/main" w="9525">
+                <a14:hiddenLine xmlns:a14="http://schemas.microsoft.com/office/drawing/2010/main" xmlns="" w="9525">
                   <a:solidFill>
                     <a:srgbClr val="000000"/>
                   </a:solidFill>
@@ -6567,7 +6570,7 @@
             </a:ln>
             <a:extLst>
               <a:ext uri="{91240B29-F687-4f45-9708-019B960494DF}">
-                <a14:hiddenLine xmlns="" xmlns:a14="http://schemas.microsoft.com/office/drawing/2010/main" w="9525">
+                <a14:hiddenLine xmlns:a14="http://schemas.microsoft.com/office/drawing/2010/main" xmlns="" w="9525">
                   <a:solidFill>
                     <a:srgbClr val="000000"/>
                   </a:solidFill>
@@ -6657,7 +6660,7 @@
             </a:ln>
             <a:extLst>
               <a:ext uri="{91240B29-F687-4f45-9708-019B960494DF}">
-                <a14:hiddenLine xmlns="" xmlns:a14="http://schemas.microsoft.com/office/drawing/2010/main" w="9525">
+                <a14:hiddenLine xmlns:a14="http://schemas.microsoft.com/office/drawing/2010/main" xmlns="" w="9525">
                   <a:solidFill>
                     <a:srgbClr val="000000"/>
                   </a:solidFill>
@@ -6691,7 +6694,7 @@
             </a:ln>
             <a:extLst>
               <a:ext uri="{91240B29-F687-4f45-9708-019B960494DF}">
-                <a14:hiddenLine xmlns="" xmlns:a14="http://schemas.microsoft.com/office/drawing/2010/main" w="9525">
+                <a14:hiddenLine xmlns:a14="http://schemas.microsoft.com/office/drawing/2010/main" xmlns="" w="9525">
                   <a:solidFill>
                     <a:srgbClr val="000000"/>
                   </a:solidFill>
@@ -6781,7 +6784,7 @@
             </a:ln>
             <a:extLst>
               <a:ext uri="{91240B29-F687-4f45-9708-019B960494DF}">
-                <a14:hiddenLine xmlns="" xmlns:a14="http://schemas.microsoft.com/office/drawing/2010/main" w="9525">
+                <a14:hiddenLine xmlns:a14="http://schemas.microsoft.com/office/drawing/2010/main" xmlns="" w="9525">
                   <a:solidFill>
                     <a:srgbClr val="000000"/>
                   </a:solidFill>
@@ -6843,7 +6846,7 @@
             </a:ln>
             <a:extLst>
               <a:ext uri="{91240B29-F687-4f45-9708-019B960494DF}">
-                <a14:hiddenLine xmlns="" xmlns:a14="http://schemas.microsoft.com/office/drawing/2010/main" w="9525">
+                <a14:hiddenLine xmlns:a14="http://schemas.microsoft.com/office/drawing/2010/main" xmlns="" w="9525">
                   <a:solidFill>
                     <a:srgbClr val="000000"/>
                   </a:solidFill>
@@ -6905,7 +6908,7 @@
             </a:ln>
             <a:extLst>
               <a:ext uri="{91240B29-F687-4f45-9708-019B960494DF}">
-                <a14:hiddenLine xmlns="" xmlns:a14="http://schemas.microsoft.com/office/drawing/2010/main" w="9525">
+                <a14:hiddenLine xmlns:a14="http://schemas.microsoft.com/office/drawing/2010/main" xmlns="" w="9525">
                   <a:solidFill>
                     <a:srgbClr val="000000"/>
                   </a:solidFill>
@@ -6995,7 +6998,7 @@
             </a:ln>
             <a:extLst>
               <a:ext uri="{91240B29-F687-4f45-9708-019B960494DF}">
-                <a14:hiddenLine xmlns="" xmlns:a14="http://schemas.microsoft.com/office/drawing/2010/main" w="9525">
+                <a14:hiddenLine xmlns:a14="http://schemas.microsoft.com/office/drawing/2010/main" xmlns="" w="9525">
                   <a:solidFill>
                     <a:srgbClr val="000000"/>
                   </a:solidFill>
@@ -7063,7 +7066,7 @@
             </a:ln>
             <a:extLst>
               <a:ext uri="{91240B29-F687-4f45-9708-019B960494DF}">
-                <a14:hiddenLine xmlns="" xmlns:a14="http://schemas.microsoft.com/office/drawing/2010/main" w="9525">
+                <a14:hiddenLine xmlns:a14="http://schemas.microsoft.com/office/drawing/2010/main" xmlns="" w="9525">
                   <a:solidFill>
                     <a:srgbClr val="000000"/>
                   </a:solidFill>
@@ -7125,7 +7128,7 @@
             </a:ln>
             <a:extLst>
               <a:ext uri="{91240B29-F687-4f45-9708-019B960494DF}">
-                <a14:hiddenLine xmlns="" xmlns:a14="http://schemas.microsoft.com/office/drawing/2010/main" w="9525">
+                <a14:hiddenLine xmlns:a14="http://schemas.microsoft.com/office/drawing/2010/main" xmlns="" w="9525">
                   <a:solidFill>
                     <a:srgbClr val="000000"/>
                   </a:solidFill>
@@ -7215,7 +7218,7 @@
             </a:ln>
             <a:extLst>
               <a:ext uri="{91240B29-F687-4f45-9708-019B960494DF}">
-                <a14:hiddenLine xmlns="" xmlns:a14="http://schemas.microsoft.com/office/drawing/2010/main" w="9525">
+                <a14:hiddenLine xmlns:a14="http://schemas.microsoft.com/office/drawing/2010/main" xmlns="" w="9525">
                   <a:solidFill>
                     <a:srgbClr val="000000"/>
                   </a:solidFill>
@@ -7277,7 +7280,7 @@
             </a:ln>
             <a:extLst>
               <a:ext uri="{91240B29-F687-4f45-9708-019B960494DF}">
-                <a14:hiddenLine xmlns="" xmlns:a14="http://schemas.microsoft.com/office/drawing/2010/main" w="9525">
+                <a14:hiddenLine xmlns:a14="http://schemas.microsoft.com/office/drawing/2010/main" xmlns="" w="9525">
                   <a:solidFill>
                     <a:srgbClr val="000000"/>
                   </a:solidFill>
@@ -7367,7 +7370,7 @@
             </a:ln>
             <a:extLst>
               <a:ext uri="{91240B29-F687-4f45-9708-019B960494DF}">
-                <a14:hiddenLine xmlns="" xmlns:a14="http://schemas.microsoft.com/office/drawing/2010/main" w="9525">
+                <a14:hiddenLine xmlns:a14="http://schemas.microsoft.com/office/drawing/2010/main" xmlns="" w="9525">
                   <a:solidFill>
                     <a:srgbClr val="000000"/>
                   </a:solidFill>
@@ -7429,7 +7432,7 @@
             </a:ln>
             <a:extLst>
               <a:ext uri="{91240B29-F687-4f45-9708-019B960494DF}">
-                <a14:hiddenLine xmlns="" xmlns:a14="http://schemas.microsoft.com/office/drawing/2010/main" w="9525">
+                <a14:hiddenLine xmlns:a14="http://schemas.microsoft.com/office/drawing/2010/main" xmlns="" w="9525">
                   <a:solidFill>
                     <a:srgbClr val="000000"/>
                   </a:solidFill>
@@ -7519,7 +7522,7 @@
             </a:ln>
             <a:extLst>
               <a:ext uri="{91240B29-F687-4f45-9708-019B960494DF}">
-                <a14:hiddenLine xmlns="" xmlns:a14="http://schemas.microsoft.com/office/drawing/2010/main" w="9525">
+                <a14:hiddenLine xmlns:a14="http://schemas.microsoft.com/office/drawing/2010/main" xmlns="" w="9525">
                   <a:solidFill>
                     <a:srgbClr val="000000"/>
                   </a:solidFill>
@@ -7553,7 +7556,7 @@
             </a:ln>
             <a:extLst>
               <a:ext uri="{91240B29-F687-4f45-9708-019B960494DF}">
-                <a14:hiddenLine xmlns="" xmlns:a14="http://schemas.microsoft.com/office/drawing/2010/main" w="9525">
+                <a14:hiddenLine xmlns:a14="http://schemas.microsoft.com/office/drawing/2010/main" xmlns="" w="9525">
                   <a:solidFill>
                     <a:srgbClr val="000000"/>
                   </a:solidFill>
@@ -7618,7 +7621,7 @@
             </a:ln>
             <a:extLst>
               <a:ext uri="{91240B29-F687-4f45-9708-019B960494DF}">
-                <a14:hiddenLine xmlns="" xmlns:a14="http://schemas.microsoft.com/office/drawing/2010/main" w="9525">
+                <a14:hiddenLine xmlns:a14="http://schemas.microsoft.com/office/drawing/2010/main" xmlns="" w="9525">
                   <a:solidFill>
                     <a:srgbClr val="000000"/>
                   </a:solidFill>
@@ -7708,7 +7711,7 @@
             </a:ln>
             <a:extLst>
               <a:ext uri="{91240B29-F687-4f45-9708-019B960494DF}">
-                <a14:hiddenLine xmlns="" xmlns:a14="http://schemas.microsoft.com/office/drawing/2010/main" w="9525">
+                <a14:hiddenLine xmlns:a14="http://schemas.microsoft.com/office/drawing/2010/main" xmlns="" w="9525">
                   <a:solidFill>
                     <a:srgbClr val="000000"/>
                   </a:solidFill>
@@ -7770,7 +7773,7 @@
             </a:ln>
             <a:extLst>
               <a:ext uri="{91240B29-F687-4f45-9708-019B960494DF}">
-                <a14:hiddenLine xmlns="" xmlns:a14="http://schemas.microsoft.com/office/drawing/2010/main" w="9525">
+                <a14:hiddenLine xmlns:a14="http://schemas.microsoft.com/office/drawing/2010/main" xmlns="" w="9525">
                   <a:solidFill>
                     <a:srgbClr val="000000"/>
                   </a:solidFill>
@@ -7860,7 +7863,7 @@
             </a:ln>
             <a:extLst>
               <a:ext uri="{91240B29-F687-4f45-9708-019B960494DF}">
-                <a14:hiddenLine xmlns="" xmlns:a14="http://schemas.microsoft.com/office/drawing/2010/main" w="9525">
+                <a14:hiddenLine xmlns:a14="http://schemas.microsoft.com/office/drawing/2010/main" xmlns="" w="9525">
                   <a:solidFill>
                     <a:srgbClr val="000000"/>
                   </a:solidFill>
@@ -7950,7 +7953,7 @@
             </a:ln>
             <a:extLst>
               <a:ext uri="{91240B29-F687-4f45-9708-019B960494DF}">
-                <a14:hiddenLine xmlns="" xmlns:a14="http://schemas.microsoft.com/office/drawing/2010/main" w="9525">
+                <a14:hiddenLine xmlns:a14="http://schemas.microsoft.com/office/drawing/2010/main" xmlns="" w="9525">
                   <a:solidFill>
                     <a:srgbClr val="000000"/>
                   </a:solidFill>
@@ -8015,7 +8018,7 @@
             </a:ln>
             <a:extLst>
               <a:ext uri="{91240B29-F687-4f45-9708-019B960494DF}">
-                <a14:hiddenLine xmlns="" xmlns:a14="http://schemas.microsoft.com/office/drawing/2010/main" w="9525">
+                <a14:hiddenLine xmlns:a14="http://schemas.microsoft.com/office/drawing/2010/main" xmlns="" w="9525">
                   <a:solidFill>
                     <a:srgbClr val="000000"/>
                   </a:solidFill>
@@ -8077,7 +8080,7 @@
             </a:ln>
             <a:extLst>
               <a:ext uri="{91240B29-F687-4f45-9708-019B960494DF}">
-                <a14:hiddenLine xmlns="" xmlns:a14="http://schemas.microsoft.com/office/drawing/2010/main" w="9525">
+                <a14:hiddenLine xmlns:a14="http://schemas.microsoft.com/office/drawing/2010/main" xmlns="" w="9525">
                   <a:solidFill>
                     <a:srgbClr val="000000"/>
                   </a:solidFill>
@@ -8167,7 +8170,7 @@
             </a:ln>
             <a:extLst>
               <a:ext uri="{91240B29-F687-4f45-9708-019B960494DF}">
-                <a14:hiddenLine xmlns="" xmlns:a14="http://schemas.microsoft.com/office/drawing/2010/main" w="9525">
+                <a14:hiddenLine xmlns:a14="http://schemas.microsoft.com/office/drawing/2010/main" xmlns="" w="9525">
                   <a:solidFill>
                     <a:srgbClr val="000000"/>
                   </a:solidFill>
@@ -8257,7 +8260,7 @@
             </a:ln>
             <a:extLst>
               <a:ext uri="{91240B29-F687-4f45-9708-019B960494DF}">
-                <a14:hiddenLine xmlns="" xmlns:a14="http://schemas.microsoft.com/office/drawing/2010/main" w="9525">
+                <a14:hiddenLine xmlns:a14="http://schemas.microsoft.com/office/drawing/2010/main" xmlns="" w="9525">
                   <a:solidFill>
                     <a:srgbClr val="000000"/>
                   </a:solidFill>
@@ -8319,7 +8322,7 @@
             </a:ln>
             <a:extLst>
               <a:ext uri="{91240B29-F687-4f45-9708-019B960494DF}">
-                <a14:hiddenLine xmlns="" xmlns:a14="http://schemas.microsoft.com/office/drawing/2010/main" w="9525">
+                <a14:hiddenLine xmlns:a14="http://schemas.microsoft.com/office/drawing/2010/main" xmlns="" w="9525">
                   <a:solidFill>
                     <a:srgbClr val="000000"/>
                   </a:solidFill>
@@ -8439,7 +8442,7 @@
             </a:ln>
             <a:extLst>
               <a:ext uri="{91240B29-F687-4f45-9708-019B960494DF}">
-                <a14:hiddenLine xmlns="" xmlns:a14="http://schemas.microsoft.com/office/drawing/2010/main" w="9525">
+                <a14:hiddenLine xmlns:a14="http://schemas.microsoft.com/office/drawing/2010/main" xmlns="" w="9525">
                   <a:solidFill>
                     <a:srgbClr val="000000"/>
                   </a:solidFill>
@@ -8507,7 +8510,7 @@
             </a:ln>
             <a:extLst>
               <a:ext uri="{91240B29-F687-4f45-9708-019B960494DF}">
-                <a14:hiddenLine xmlns="" xmlns:a14="http://schemas.microsoft.com/office/drawing/2010/main" w="9525">
+                <a14:hiddenLine xmlns:a14="http://schemas.microsoft.com/office/drawing/2010/main" xmlns="" w="9525">
                   <a:solidFill>
                     <a:srgbClr val="000000"/>
                   </a:solidFill>
@@ -8597,7 +8600,7 @@
             </a:ln>
             <a:extLst>
               <a:ext uri="{91240B29-F687-4f45-9708-019B960494DF}">
-                <a14:hiddenLine xmlns="" xmlns:a14="http://schemas.microsoft.com/office/drawing/2010/main" w="9525">
+                <a14:hiddenLine xmlns:a14="http://schemas.microsoft.com/office/drawing/2010/main" xmlns="" w="9525">
                   <a:solidFill>
                     <a:srgbClr val="000000"/>
                   </a:solidFill>
@@ -13317,7 +13320,7 @@
           <a:noFill/>
           <a:extLst>
             <a:ext uri="{909E8E84-426E-40dd-AFC4-6F175D3DCCD1}">
-              <a14:hiddenFill xmlns="" xmlns:a14="http://schemas.microsoft.com/office/drawing/2010/main">
+              <a14:hiddenFill xmlns:a14="http://schemas.microsoft.com/office/drawing/2010/main" xmlns="">
                 <a:solidFill>
                   <a:srgbClr val="FFFFFF"/>
                 </a:solidFill>
@@ -13391,7 +13394,7 @@
               </a:ln>
               <a:extLst>
                 <a:ext uri="{91240B29-F687-4f45-9708-019B960494DF}">
-                  <a14:hiddenLine xmlns="" xmlns:a14="http://schemas.microsoft.com/office/drawing/2010/main" w="9525">
+                  <a14:hiddenLine xmlns:a14="http://schemas.microsoft.com/office/drawing/2010/main" xmlns="" w="9525">
                     <a:solidFill>
                       <a:srgbClr val="000000"/>
                     </a:solidFill>
@@ -13481,7 +13484,7 @@
               </a:ln>
               <a:extLst>
                 <a:ext uri="{91240B29-F687-4f45-9708-019B960494DF}">
-                  <a14:hiddenLine xmlns="" xmlns:a14="http://schemas.microsoft.com/office/drawing/2010/main" w="9525">
+                  <a14:hiddenLine xmlns:a14="http://schemas.microsoft.com/office/drawing/2010/main" xmlns="" w="9525">
                     <a:solidFill>
                       <a:srgbClr val="000000"/>
                     </a:solidFill>
@@ -13571,7 +13574,7 @@
               </a:ln>
               <a:extLst>
                 <a:ext uri="{91240B29-F687-4f45-9708-019B960494DF}">
-                  <a14:hiddenLine xmlns="" xmlns:a14="http://schemas.microsoft.com/office/drawing/2010/main" w="9525">
+                  <a14:hiddenLine xmlns:a14="http://schemas.microsoft.com/office/drawing/2010/main" xmlns="" w="9525">
                     <a:solidFill>
                       <a:srgbClr val="000000"/>
                     </a:solidFill>
@@ -13633,7 +13636,7 @@
               </a:ln>
               <a:extLst>
                 <a:ext uri="{91240B29-F687-4f45-9708-019B960494DF}">
-                  <a14:hiddenLine xmlns="" xmlns:a14="http://schemas.microsoft.com/office/drawing/2010/main" w="9525">
+                  <a14:hiddenLine xmlns:a14="http://schemas.microsoft.com/office/drawing/2010/main" xmlns="" w="9525">
                     <a:solidFill>
                       <a:srgbClr val="000000"/>
                     </a:solidFill>
@@ -13723,7 +13726,7 @@
               </a:ln>
               <a:extLst>
                 <a:ext uri="{91240B29-F687-4f45-9708-019B960494DF}">
-                  <a14:hiddenLine xmlns="" xmlns:a14="http://schemas.microsoft.com/office/drawing/2010/main" w="9525">
+                  <a14:hiddenLine xmlns:a14="http://schemas.microsoft.com/office/drawing/2010/main" xmlns="" w="9525">
                     <a:solidFill>
                       <a:srgbClr val="000000"/>
                     </a:solidFill>
@@ -13785,7 +13788,7 @@
               </a:ln>
               <a:extLst>
                 <a:ext uri="{91240B29-F687-4f45-9708-019B960494DF}">
-                  <a14:hiddenLine xmlns="" xmlns:a14="http://schemas.microsoft.com/office/drawing/2010/main" w="9525">
+                  <a14:hiddenLine xmlns:a14="http://schemas.microsoft.com/office/drawing/2010/main" xmlns="" w="9525">
                     <a:solidFill>
                       <a:srgbClr val="000000"/>
                     </a:solidFill>
@@ -13847,7 +13850,7 @@
               </a:ln>
               <a:extLst>
                 <a:ext uri="{91240B29-F687-4f45-9708-019B960494DF}">
-                  <a14:hiddenLine xmlns="" xmlns:a14="http://schemas.microsoft.com/office/drawing/2010/main" w="9525">
+                  <a14:hiddenLine xmlns:a14="http://schemas.microsoft.com/office/drawing/2010/main" xmlns="" w="9525">
                     <a:solidFill>
                       <a:srgbClr val="000000"/>
                     </a:solidFill>
@@ -13937,7 +13940,7 @@
               </a:ln>
               <a:extLst>
                 <a:ext uri="{91240B29-F687-4f45-9708-019B960494DF}">
-                  <a14:hiddenLine xmlns="" xmlns:a14="http://schemas.microsoft.com/office/drawing/2010/main" w="9525">
+                  <a14:hiddenLine xmlns:a14="http://schemas.microsoft.com/office/drawing/2010/main" xmlns="" w="9525">
                     <a:solidFill>
                       <a:srgbClr val="000000"/>
                     </a:solidFill>
@@ -14027,7 +14030,7 @@
               </a:ln>
               <a:extLst>
                 <a:ext uri="{91240B29-F687-4f45-9708-019B960494DF}">
-                  <a14:hiddenLine xmlns="" xmlns:a14="http://schemas.microsoft.com/office/drawing/2010/main" w="9525">
+                  <a14:hiddenLine xmlns:a14="http://schemas.microsoft.com/office/drawing/2010/main" xmlns="" w="9525">
                     <a:solidFill>
                       <a:srgbClr val="000000"/>
                     </a:solidFill>
@@ -14089,7 +14092,7 @@
               </a:ln>
               <a:extLst>
                 <a:ext uri="{91240B29-F687-4f45-9708-019B960494DF}">
-                  <a14:hiddenLine xmlns="" xmlns:a14="http://schemas.microsoft.com/office/drawing/2010/main" w="9525">
+                  <a14:hiddenLine xmlns:a14="http://schemas.microsoft.com/office/drawing/2010/main" xmlns="" w="9525">
                     <a:solidFill>
                       <a:srgbClr val="000000"/>
                     </a:solidFill>
@@ -14199,7 +14202,7 @@
               </a:ln>
               <a:extLst>
                 <a:ext uri="{91240B29-F687-4f45-9708-019B960494DF}">
-                  <a14:hiddenLine xmlns="" xmlns:a14="http://schemas.microsoft.com/office/drawing/2010/main" w="9525">
+                  <a14:hiddenLine xmlns:a14="http://schemas.microsoft.com/office/drawing/2010/main" xmlns="" w="9525">
                     <a:solidFill>
                       <a:srgbClr val="000000"/>
                     </a:solidFill>
@@ -14283,7 +14286,7 @@
               </a:ln>
               <a:extLst>
                 <a:ext uri="{91240B29-F687-4f45-9708-019B960494DF}">
-                  <a14:hiddenLine xmlns="" xmlns:a14="http://schemas.microsoft.com/office/drawing/2010/main" w="9525">
+                  <a14:hiddenLine xmlns:a14="http://schemas.microsoft.com/office/drawing/2010/main" xmlns="" w="9525">
                     <a:solidFill>
                       <a:srgbClr val="000000"/>
                     </a:solidFill>
@@ -14345,7 +14348,7 @@
               </a:ln>
               <a:extLst>
                 <a:ext uri="{91240B29-F687-4f45-9708-019B960494DF}">
-                  <a14:hiddenLine xmlns="" xmlns:a14="http://schemas.microsoft.com/office/drawing/2010/main" w="9525">
+                  <a14:hiddenLine xmlns:a14="http://schemas.microsoft.com/office/drawing/2010/main" xmlns="" w="9525">
                     <a:solidFill>
                       <a:srgbClr val="000000"/>
                     </a:solidFill>
@@ -14407,7 +14410,7 @@
               </a:ln>
               <a:extLst>
                 <a:ext uri="{91240B29-F687-4f45-9708-019B960494DF}">
-                  <a14:hiddenLine xmlns="" xmlns:a14="http://schemas.microsoft.com/office/drawing/2010/main" w="9525">
+                  <a14:hiddenLine xmlns:a14="http://schemas.microsoft.com/office/drawing/2010/main" xmlns="" w="9525">
                     <a:solidFill>
                       <a:srgbClr val="000000"/>
                     </a:solidFill>
@@ -14497,7 +14500,7 @@
               </a:ln>
               <a:extLst>
                 <a:ext uri="{91240B29-F687-4f45-9708-019B960494DF}">
-                  <a14:hiddenLine xmlns="" xmlns:a14="http://schemas.microsoft.com/office/drawing/2010/main" w="9525">
+                  <a14:hiddenLine xmlns:a14="http://schemas.microsoft.com/office/drawing/2010/main" xmlns="" w="9525">
                     <a:solidFill>
                       <a:srgbClr val="000000"/>
                     </a:solidFill>
@@ -14531,7 +14534,7 @@
               </a:ln>
               <a:extLst>
                 <a:ext uri="{91240B29-F687-4f45-9708-019B960494DF}">
-                  <a14:hiddenLine xmlns="" xmlns:a14="http://schemas.microsoft.com/office/drawing/2010/main" w="9525">
+                  <a14:hiddenLine xmlns:a14="http://schemas.microsoft.com/office/drawing/2010/main" xmlns="" w="9525">
                     <a:solidFill>
                       <a:srgbClr val="000000"/>
                     </a:solidFill>
@@ -14596,7 +14599,7 @@
               </a:ln>
               <a:extLst>
                 <a:ext uri="{91240B29-F687-4f45-9708-019B960494DF}">
-                  <a14:hiddenLine xmlns="" xmlns:a14="http://schemas.microsoft.com/office/drawing/2010/main" w="9525">
+                  <a14:hiddenLine xmlns:a14="http://schemas.microsoft.com/office/drawing/2010/main" xmlns="" w="9525">
                     <a:solidFill>
                       <a:srgbClr val="000000"/>
                     </a:solidFill>
@@ -14686,7 +14689,7 @@
               </a:ln>
               <a:extLst>
                 <a:ext uri="{91240B29-F687-4f45-9708-019B960494DF}">
-                  <a14:hiddenLine xmlns="" xmlns:a14="http://schemas.microsoft.com/office/drawing/2010/main" w="9525">
+                  <a14:hiddenLine xmlns:a14="http://schemas.microsoft.com/office/drawing/2010/main" xmlns="" w="9525">
                     <a:solidFill>
                       <a:srgbClr val="000000"/>
                     </a:solidFill>
@@ -14748,7 +14751,7 @@
               </a:ln>
               <a:extLst>
                 <a:ext uri="{91240B29-F687-4f45-9708-019B960494DF}">
-                  <a14:hiddenLine xmlns="" xmlns:a14="http://schemas.microsoft.com/office/drawing/2010/main" w="9525">
+                  <a14:hiddenLine xmlns:a14="http://schemas.microsoft.com/office/drawing/2010/main" xmlns="" w="9525">
                     <a:solidFill>
                       <a:srgbClr val="000000"/>
                     </a:solidFill>
@@ -14838,7 +14841,7 @@
               </a:ln>
               <a:extLst>
                 <a:ext uri="{91240B29-F687-4f45-9708-019B960494DF}">
-                  <a14:hiddenLine xmlns="" xmlns:a14="http://schemas.microsoft.com/office/drawing/2010/main" w="9525">
+                  <a14:hiddenLine xmlns:a14="http://schemas.microsoft.com/office/drawing/2010/main" xmlns="" w="9525">
                     <a:solidFill>
                       <a:srgbClr val="000000"/>
                     </a:solidFill>
@@ -14903,7 +14906,7 @@
               </a:ln>
               <a:extLst>
                 <a:ext uri="{91240B29-F687-4f45-9708-019B960494DF}">
-                  <a14:hiddenLine xmlns="" xmlns:a14="http://schemas.microsoft.com/office/drawing/2010/main" w="9525">
+                  <a14:hiddenLine xmlns:a14="http://schemas.microsoft.com/office/drawing/2010/main" xmlns="" w="9525">
                     <a:solidFill>
                       <a:srgbClr val="000000"/>
                     </a:solidFill>
@@ -14965,7 +14968,7 @@
               </a:ln>
               <a:extLst>
                 <a:ext uri="{91240B29-F687-4f45-9708-019B960494DF}">
-                  <a14:hiddenLine xmlns="" xmlns:a14="http://schemas.microsoft.com/office/drawing/2010/main" w="9525">
+                  <a14:hiddenLine xmlns:a14="http://schemas.microsoft.com/office/drawing/2010/main" xmlns="" w="9525">
                     <a:solidFill>
                       <a:srgbClr val="000000"/>
                     </a:solidFill>
@@ -15055,7 +15058,7 @@
               </a:ln>
               <a:extLst>
                 <a:ext uri="{91240B29-F687-4f45-9708-019B960494DF}">
-                  <a14:hiddenLine xmlns="" xmlns:a14="http://schemas.microsoft.com/office/drawing/2010/main" w="9525">
+                  <a14:hiddenLine xmlns:a14="http://schemas.microsoft.com/office/drawing/2010/main" xmlns="" w="9525">
                     <a:solidFill>
                       <a:srgbClr val="000000"/>
                     </a:solidFill>
@@ -15145,7 +15148,7 @@
               </a:ln>
               <a:extLst>
                 <a:ext uri="{91240B29-F687-4f45-9708-019B960494DF}">
-                  <a14:hiddenLine xmlns="" xmlns:a14="http://schemas.microsoft.com/office/drawing/2010/main" w="9525">
+                  <a14:hiddenLine xmlns:a14="http://schemas.microsoft.com/office/drawing/2010/main" xmlns="" w="9525">
                     <a:solidFill>
                       <a:srgbClr val="000000"/>
                     </a:solidFill>
@@ -15210,7 +15213,7 @@
               </a:ln>
               <a:extLst>
                 <a:ext uri="{91240B29-F687-4f45-9708-019B960494DF}">
-                  <a14:hiddenLine xmlns="" xmlns:a14="http://schemas.microsoft.com/office/drawing/2010/main" w="9525">
+                  <a14:hiddenLine xmlns:a14="http://schemas.microsoft.com/office/drawing/2010/main" xmlns="" w="9525">
                     <a:solidFill>
                       <a:srgbClr val="000000"/>
                     </a:solidFill>
@@ -15330,7 +15333,7 @@
               </a:ln>
               <a:extLst>
                 <a:ext uri="{91240B29-F687-4f45-9708-019B960494DF}">
-                  <a14:hiddenLine xmlns="" xmlns:a14="http://schemas.microsoft.com/office/drawing/2010/main" w="9525">
+                  <a14:hiddenLine xmlns:a14="http://schemas.microsoft.com/office/drawing/2010/main" xmlns="" w="9525">
                     <a:solidFill>
                       <a:srgbClr val="000000"/>
                     </a:solidFill>
@@ -15428,7 +15431,7 @@
               </a:ln>
               <a:extLst>
                 <a:ext uri="{91240B29-F687-4f45-9708-019B960494DF}">
-                  <a14:hiddenLine xmlns="" xmlns:a14="http://schemas.microsoft.com/office/drawing/2010/main" w="9525">
+                  <a14:hiddenLine xmlns:a14="http://schemas.microsoft.com/office/drawing/2010/main" xmlns="" w="9525">
                     <a:solidFill>
                       <a:srgbClr val="000000"/>
                     </a:solidFill>
@@ -15543,7 +15546,7 @@
               </a:ln>
               <a:extLst>
                 <a:ext uri="{91240B29-F687-4f45-9708-019B960494DF}">
-                  <a14:hiddenLine xmlns="" xmlns:a14="http://schemas.microsoft.com/office/drawing/2010/main" w="9525">
+                  <a14:hiddenLine xmlns:a14="http://schemas.microsoft.com/office/drawing/2010/main" xmlns="" w="9525">
                     <a:solidFill>
                       <a:srgbClr val="000000"/>
                     </a:solidFill>
@@ -15633,7 +15636,7 @@
               </a:ln>
               <a:extLst>
                 <a:ext uri="{91240B29-F687-4f45-9708-019B960494DF}">
-                  <a14:hiddenLine xmlns="" xmlns:a14="http://schemas.microsoft.com/office/drawing/2010/main" w="9525">
+                  <a14:hiddenLine xmlns:a14="http://schemas.microsoft.com/office/drawing/2010/main" xmlns="" w="9525">
                     <a:solidFill>
                       <a:srgbClr val="000000"/>
                     </a:solidFill>
@@ -15698,7 +15701,7 @@
               </a:ln>
               <a:extLst>
                 <a:ext uri="{91240B29-F687-4f45-9708-019B960494DF}">
-                  <a14:hiddenLine xmlns="" xmlns:a14="http://schemas.microsoft.com/office/drawing/2010/main" w="9525">
+                  <a14:hiddenLine xmlns:a14="http://schemas.microsoft.com/office/drawing/2010/main" xmlns="" w="9525">
                     <a:solidFill>
                       <a:srgbClr val="000000"/>
                     </a:solidFill>
@@ -15788,7 +15791,7 @@
               </a:ln>
               <a:extLst>
                 <a:ext uri="{91240B29-F687-4f45-9708-019B960494DF}">
-                  <a14:hiddenLine xmlns="" xmlns:a14="http://schemas.microsoft.com/office/drawing/2010/main" w="9525">
+                  <a14:hiddenLine xmlns:a14="http://schemas.microsoft.com/office/drawing/2010/main" xmlns="" w="9525">
                     <a:solidFill>
                       <a:srgbClr val="000000"/>
                     </a:solidFill>
@@ -15856,7 +15859,7 @@
               </a:ln>
               <a:extLst>
                 <a:ext uri="{91240B29-F687-4f45-9708-019B960494DF}">
-                  <a14:hiddenLine xmlns="" xmlns:a14="http://schemas.microsoft.com/office/drawing/2010/main" w="9525">
+                  <a14:hiddenLine xmlns:a14="http://schemas.microsoft.com/office/drawing/2010/main" xmlns="" w="9525">
                     <a:solidFill>
                       <a:srgbClr val="000000"/>
                     </a:solidFill>
@@ -15946,7 +15949,7 @@
               </a:ln>
               <a:extLst>
                 <a:ext uri="{91240B29-F687-4f45-9708-019B960494DF}">
-                  <a14:hiddenLine xmlns="" xmlns:a14="http://schemas.microsoft.com/office/drawing/2010/main" w="9525">
+                  <a14:hiddenLine xmlns:a14="http://schemas.microsoft.com/office/drawing/2010/main" xmlns="" w="9525">
                     <a:solidFill>
                       <a:srgbClr val="000000"/>
                     </a:solidFill>
@@ -16014,7 +16017,7 @@
               </a:ln>
               <a:extLst>
                 <a:ext uri="{91240B29-F687-4f45-9708-019B960494DF}">
-                  <a14:hiddenLine xmlns="" xmlns:a14="http://schemas.microsoft.com/office/drawing/2010/main" w="9525">
+                  <a14:hiddenLine xmlns:a14="http://schemas.microsoft.com/office/drawing/2010/main" xmlns="" w="9525">
                     <a:solidFill>
                       <a:srgbClr val="000000"/>
                     </a:solidFill>
@@ -16104,7 +16107,7 @@
               </a:ln>
               <a:extLst>
                 <a:ext uri="{91240B29-F687-4f45-9708-019B960494DF}">
-                  <a14:hiddenLine xmlns="" xmlns:a14="http://schemas.microsoft.com/office/drawing/2010/main" w="9525">
+                  <a14:hiddenLine xmlns:a14="http://schemas.microsoft.com/office/drawing/2010/main" xmlns="" w="9525">
                     <a:solidFill>
                       <a:srgbClr val="000000"/>
                     </a:solidFill>
@@ -16138,7 +16141,7 @@
               </a:ln>
               <a:extLst>
                 <a:ext uri="{91240B29-F687-4f45-9708-019B960494DF}">
-                  <a14:hiddenLine xmlns="" xmlns:a14="http://schemas.microsoft.com/office/drawing/2010/main" w="9525">
+                  <a14:hiddenLine xmlns:a14="http://schemas.microsoft.com/office/drawing/2010/main" xmlns="" w="9525">
                     <a:solidFill>
                       <a:srgbClr val="000000"/>
                     </a:solidFill>
@@ -16947,7 +16950,7 @@
           </a:prstGeom>
           <a:extLst>
             <a:ext uri="{909E8E84-426E-40dd-AFC4-6F175D3DCCD1}">
-              <a14:hiddenFill xmlns:a14="http://schemas.microsoft.com/office/drawing/2010/main" xmlns:p14="http://schemas.microsoft.com/office/powerpoint/2010/main" xmlns:a16="http://schemas.microsoft.com/office/drawing/2014/main" xmlns="">
+              <a14:hiddenFill xmlns="" xmlns:a16="http://schemas.microsoft.com/office/drawing/2014/main" xmlns:p14="http://schemas.microsoft.com/office/powerpoint/2010/main" xmlns:a14="http://schemas.microsoft.com/office/drawing/2010/main">
                 <a:solidFill>
                   <a:srgbClr val="FFFFFF"/>
                 </a:solidFill>
@@ -17100,7 +17103,7 @@
           <a:noFill/>
           <a:extLst>
             <a:ext uri="{909E8E84-426E-40dd-AFC4-6F175D3DCCD1}">
-              <a14:hiddenFill xmlns:a14="http://schemas.microsoft.com/office/drawing/2010/main" xmlns:p14="http://schemas.microsoft.com/office/powerpoint/2010/main" xmlns:a16="http://schemas.microsoft.com/office/drawing/2014/main" xmlns="">
+              <a14:hiddenFill xmlns="" xmlns:a16="http://schemas.microsoft.com/office/drawing/2014/main" xmlns:p14="http://schemas.microsoft.com/office/powerpoint/2010/main" xmlns:a14="http://schemas.microsoft.com/office/drawing/2010/main">
                 <a:solidFill>
                   <a:srgbClr val="FFFFFF"/>
                 </a:solidFill>
@@ -17231,7 +17234,7 @@
             </a:ln>
             <a:extLst>
               <a:ext uri="{91240B29-F687-4f45-9708-019B960494DF}">
-                <a14:hiddenLine xmlns:a14="http://schemas.microsoft.com/office/drawing/2010/main" xmlns:p14="http://schemas.microsoft.com/office/powerpoint/2010/main" xmlns:a16="http://schemas.microsoft.com/office/drawing/2014/main" xmlns="" w="9525">
+                <a14:hiddenLine xmlns="" xmlns:a16="http://schemas.microsoft.com/office/drawing/2014/main" xmlns:p14="http://schemas.microsoft.com/office/powerpoint/2010/main" xmlns:a14="http://schemas.microsoft.com/office/drawing/2010/main" w="9525">
                   <a:solidFill>
                     <a:srgbClr val="000000"/>
                   </a:solidFill>
@@ -17336,7 +17339,7 @@
             </a:ln>
             <a:extLst>
               <a:ext uri="{91240B29-F687-4f45-9708-019B960494DF}">
-                <a14:hiddenLine xmlns:a14="http://schemas.microsoft.com/office/drawing/2010/main" xmlns:p14="http://schemas.microsoft.com/office/powerpoint/2010/main" xmlns:a16="http://schemas.microsoft.com/office/drawing/2014/main" xmlns="" w="9525">
+                <a14:hiddenLine xmlns="" xmlns:a16="http://schemas.microsoft.com/office/drawing/2014/main" xmlns:p14="http://schemas.microsoft.com/office/powerpoint/2010/main" xmlns:a14="http://schemas.microsoft.com/office/drawing/2010/main" w="9525">
                   <a:solidFill>
                     <a:srgbClr val="000000"/>
                   </a:solidFill>
@@ -17441,7 +17444,7 @@
             </a:ln>
             <a:extLst>
               <a:ext uri="{91240B29-F687-4f45-9708-019B960494DF}">
-                <a14:hiddenLine xmlns:a14="http://schemas.microsoft.com/office/drawing/2010/main" xmlns:p14="http://schemas.microsoft.com/office/powerpoint/2010/main" xmlns:a16="http://schemas.microsoft.com/office/drawing/2014/main" xmlns="" w="9525">
+                <a14:hiddenLine xmlns="" xmlns:a16="http://schemas.microsoft.com/office/drawing/2014/main" xmlns:p14="http://schemas.microsoft.com/office/powerpoint/2010/main" xmlns:a14="http://schemas.microsoft.com/office/drawing/2010/main" w="9525">
                   <a:solidFill>
                     <a:srgbClr val="000000"/>
                   </a:solidFill>
@@ -17518,7 +17521,7 @@
             </a:ln>
             <a:extLst>
               <a:ext uri="{91240B29-F687-4f45-9708-019B960494DF}">
-                <a14:hiddenLine xmlns:a14="http://schemas.microsoft.com/office/drawing/2010/main" xmlns:p14="http://schemas.microsoft.com/office/powerpoint/2010/main" xmlns:a16="http://schemas.microsoft.com/office/drawing/2014/main" xmlns="" w="9525">
+                <a14:hiddenLine xmlns="" xmlns:a16="http://schemas.microsoft.com/office/drawing/2014/main" xmlns:p14="http://schemas.microsoft.com/office/powerpoint/2010/main" xmlns:a14="http://schemas.microsoft.com/office/drawing/2010/main" w="9525">
                   <a:solidFill>
                     <a:srgbClr val="000000"/>
                   </a:solidFill>
@@ -17623,7 +17626,7 @@
             </a:ln>
             <a:extLst>
               <a:ext uri="{91240B29-F687-4f45-9708-019B960494DF}">
-                <a14:hiddenLine xmlns:a14="http://schemas.microsoft.com/office/drawing/2010/main" xmlns:p14="http://schemas.microsoft.com/office/powerpoint/2010/main" xmlns:a16="http://schemas.microsoft.com/office/drawing/2014/main" xmlns="" w="9525">
+                <a14:hiddenLine xmlns="" xmlns:a16="http://schemas.microsoft.com/office/drawing/2014/main" xmlns:p14="http://schemas.microsoft.com/office/powerpoint/2010/main" xmlns:a14="http://schemas.microsoft.com/office/drawing/2010/main" w="9525">
                   <a:solidFill>
                     <a:srgbClr val="000000"/>
                   </a:solidFill>
@@ -17700,7 +17703,7 @@
             </a:ln>
             <a:extLst>
               <a:ext uri="{91240B29-F687-4f45-9708-019B960494DF}">
-                <a14:hiddenLine xmlns:a14="http://schemas.microsoft.com/office/drawing/2010/main" xmlns:p14="http://schemas.microsoft.com/office/powerpoint/2010/main" xmlns:a16="http://schemas.microsoft.com/office/drawing/2014/main" xmlns="" w="9525">
+                <a14:hiddenLine xmlns="" xmlns:a16="http://schemas.microsoft.com/office/drawing/2014/main" xmlns:p14="http://schemas.microsoft.com/office/powerpoint/2010/main" xmlns:a14="http://schemas.microsoft.com/office/drawing/2010/main" w="9525">
                   <a:solidFill>
                     <a:srgbClr val="000000"/>
                   </a:solidFill>
@@ -17777,7 +17780,7 @@
             </a:ln>
             <a:extLst>
               <a:ext uri="{91240B29-F687-4f45-9708-019B960494DF}">
-                <a14:hiddenLine xmlns:a14="http://schemas.microsoft.com/office/drawing/2010/main" xmlns:p14="http://schemas.microsoft.com/office/powerpoint/2010/main" xmlns:a16="http://schemas.microsoft.com/office/drawing/2014/main" xmlns="" w="9525">
+                <a14:hiddenLine xmlns="" xmlns:a16="http://schemas.microsoft.com/office/drawing/2014/main" xmlns:p14="http://schemas.microsoft.com/office/powerpoint/2010/main" xmlns:a14="http://schemas.microsoft.com/office/drawing/2010/main" w="9525">
                   <a:solidFill>
                     <a:srgbClr val="000000"/>
                   </a:solidFill>
@@ -17882,7 +17885,7 @@
             </a:ln>
             <a:extLst>
               <a:ext uri="{91240B29-F687-4f45-9708-019B960494DF}">
-                <a14:hiddenLine xmlns:a14="http://schemas.microsoft.com/office/drawing/2010/main" xmlns:p14="http://schemas.microsoft.com/office/powerpoint/2010/main" xmlns:a16="http://schemas.microsoft.com/office/drawing/2014/main" xmlns="" w="9525">
+                <a14:hiddenLine xmlns="" xmlns:a16="http://schemas.microsoft.com/office/drawing/2014/main" xmlns:p14="http://schemas.microsoft.com/office/powerpoint/2010/main" xmlns:a14="http://schemas.microsoft.com/office/drawing/2010/main" w="9525">
                   <a:solidFill>
                     <a:srgbClr val="000000"/>
                   </a:solidFill>
@@ -17987,7 +17990,7 @@
             </a:ln>
             <a:extLst>
               <a:ext uri="{91240B29-F687-4f45-9708-019B960494DF}">
-                <a14:hiddenLine xmlns:a14="http://schemas.microsoft.com/office/drawing/2010/main" xmlns:p14="http://schemas.microsoft.com/office/powerpoint/2010/main" xmlns:a16="http://schemas.microsoft.com/office/drawing/2014/main" xmlns="" w="9525">
+                <a14:hiddenLine xmlns="" xmlns:a16="http://schemas.microsoft.com/office/drawing/2014/main" xmlns:p14="http://schemas.microsoft.com/office/powerpoint/2010/main" xmlns:a14="http://schemas.microsoft.com/office/drawing/2010/main" w="9525">
                   <a:solidFill>
                     <a:srgbClr val="000000"/>
                   </a:solidFill>
@@ -18064,7 +18067,7 @@
             </a:ln>
             <a:extLst>
               <a:ext uri="{91240B29-F687-4f45-9708-019B960494DF}">
-                <a14:hiddenLine xmlns:a14="http://schemas.microsoft.com/office/drawing/2010/main" xmlns:p14="http://schemas.microsoft.com/office/powerpoint/2010/main" xmlns:a16="http://schemas.microsoft.com/office/drawing/2014/main" xmlns="" w="9525">
+                <a14:hiddenLine xmlns="" xmlns:a16="http://schemas.microsoft.com/office/drawing/2014/main" xmlns:p14="http://schemas.microsoft.com/office/powerpoint/2010/main" xmlns:a14="http://schemas.microsoft.com/office/drawing/2010/main" w="9525">
                   <a:solidFill>
                     <a:srgbClr val="000000"/>
                   </a:solidFill>
@@ -18189,7 +18192,7 @@
             </a:ln>
             <a:extLst>
               <a:ext uri="{91240B29-F687-4f45-9708-019B960494DF}">
-                <a14:hiddenLine xmlns:a14="http://schemas.microsoft.com/office/drawing/2010/main" xmlns:p14="http://schemas.microsoft.com/office/powerpoint/2010/main" xmlns:a16="http://schemas.microsoft.com/office/drawing/2014/main" xmlns="" w="9525">
+                <a14:hiddenLine xmlns="" xmlns:a16="http://schemas.microsoft.com/office/drawing/2014/main" xmlns:p14="http://schemas.microsoft.com/office/powerpoint/2010/main" xmlns:a14="http://schemas.microsoft.com/office/drawing/2010/main" w="9525">
                   <a:solidFill>
                     <a:srgbClr val="000000"/>
                   </a:solidFill>
@@ -18303,7 +18306,7 @@
             </a:ln>
             <a:extLst>
               <a:ext uri="{91240B29-F687-4f45-9708-019B960494DF}">
-                <a14:hiddenLine xmlns:a14="http://schemas.microsoft.com/office/drawing/2010/main" xmlns:p14="http://schemas.microsoft.com/office/powerpoint/2010/main" xmlns:a16="http://schemas.microsoft.com/office/drawing/2014/main" xmlns="" w="9525">
+                <a14:hiddenLine xmlns="" xmlns:a16="http://schemas.microsoft.com/office/drawing/2014/main" xmlns:p14="http://schemas.microsoft.com/office/powerpoint/2010/main" xmlns:a14="http://schemas.microsoft.com/office/drawing/2010/main" w="9525">
                   <a:solidFill>
                     <a:srgbClr val="000000"/>
                   </a:solidFill>
@@ -18380,7 +18383,7 @@
             </a:ln>
             <a:extLst>
               <a:ext uri="{91240B29-F687-4f45-9708-019B960494DF}">
-                <a14:hiddenLine xmlns:a14="http://schemas.microsoft.com/office/drawing/2010/main" xmlns:p14="http://schemas.microsoft.com/office/powerpoint/2010/main" xmlns:a16="http://schemas.microsoft.com/office/drawing/2014/main" xmlns="" w="9525">
+                <a14:hiddenLine xmlns="" xmlns:a16="http://schemas.microsoft.com/office/drawing/2014/main" xmlns:p14="http://schemas.microsoft.com/office/powerpoint/2010/main" xmlns:a14="http://schemas.microsoft.com/office/drawing/2010/main" w="9525">
                   <a:solidFill>
                     <a:srgbClr val="000000"/>
                   </a:solidFill>
@@ -18457,7 +18460,7 @@
             </a:ln>
             <a:extLst>
               <a:ext uri="{91240B29-F687-4f45-9708-019B960494DF}">
-                <a14:hiddenLine xmlns:a14="http://schemas.microsoft.com/office/drawing/2010/main" xmlns:p14="http://schemas.microsoft.com/office/powerpoint/2010/main" xmlns:a16="http://schemas.microsoft.com/office/drawing/2014/main" xmlns="" w="9525">
+                <a14:hiddenLine xmlns="" xmlns:a16="http://schemas.microsoft.com/office/drawing/2014/main" xmlns:p14="http://schemas.microsoft.com/office/powerpoint/2010/main" xmlns:a14="http://schemas.microsoft.com/office/drawing/2010/main" w="9525">
                   <a:solidFill>
                     <a:srgbClr val="000000"/>
                   </a:solidFill>
@@ -18562,7 +18565,7 @@
             </a:ln>
             <a:extLst>
               <a:ext uri="{91240B29-F687-4f45-9708-019B960494DF}">
-                <a14:hiddenLine xmlns:a14="http://schemas.microsoft.com/office/drawing/2010/main" xmlns:p14="http://schemas.microsoft.com/office/powerpoint/2010/main" xmlns:a16="http://schemas.microsoft.com/office/drawing/2014/main" xmlns="" w="9525">
+                <a14:hiddenLine xmlns="" xmlns:a16="http://schemas.microsoft.com/office/drawing/2014/main" xmlns:p14="http://schemas.microsoft.com/office/powerpoint/2010/main" xmlns:a14="http://schemas.microsoft.com/office/drawing/2010/main" w="9525">
                   <a:solidFill>
                     <a:srgbClr val="000000"/>
                   </a:solidFill>
@@ -18611,7 +18614,7 @@
             </a:ln>
             <a:extLst>
               <a:ext uri="{91240B29-F687-4f45-9708-019B960494DF}">
-                <a14:hiddenLine xmlns:a14="http://schemas.microsoft.com/office/drawing/2010/main" xmlns:p14="http://schemas.microsoft.com/office/powerpoint/2010/main" xmlns:a16="http://schemas.microsoft.com/office/drawing/2014/main" xmlns="" w="9525">
+                <a14:hiddenLine xmlns="" xmlns:a16="http://schemas.microsoft.com/office/drawing/2014/main" xmlns:p14="http://schemas.microsoft.com/office/powerpoint/2010/main" xmlns:a14="http://schemas.microsoft.com/office/drawing/2010/main" w="9525">
                   <a:solidFill>
                     <a:srgbClr val="000000"/>
                   </a:solidFill>
@@ -18691,7 +18694,7 @@
             </a:ln>
             <a:extLst>
               <a:ext uri="{91240B29-F687-4f45-9708-019B960494DF}">
-                <a14:hiddenLine xmlns:a14="http://schemas.microsoft.com/office/drawing/2010/main" xmlns:p14="http://schemas.microsoft.com/office/powerpoint/2010/main" xmlns:a16="http://schemas.microsoft.com/office/drawing/2014/main" xmlns="" w="9525">
+                <a14:hiddenLine xmlns="" xmlns:a16="http://schemas.microsoft.com/office/drawing/2014/main" xmlns:p14="http://schemas.microsoft.com/office/powerpoint/2010/main" xmlns:a14="http://schemas.microsoft.com/office/drawing/2010/main" w="9525">
                   <a:solidFill>
                     <a:srgbClr val="000000"/>
                   </a:solidFill>
@@ -18796,7 +18799,7 @@
             </a:ln>
             <a:extLst>
               <a:ext uri="{91240B29-F687-4f45-9708-019B960494DF}">
-                <a14:hiddenLine xmlns:a14="http://schemas.microsoft.com/office/drawing/2010/main" xmlns:p14="http://schemas.microsoft.com/office/powerpoint/2010/main" xmlns:a16="http://schemas.microsoft.com/office/drawing/2014/main" xmlns="" w="9525">
+                <a14:hiddenLine xmlns="" xmlns:a16="http://schemas.microsoft.com/office/drawing/2014/main" xmlns:p14="http://schemas.microsoft.com/office/powerpoint/2010/main" xmlns:a14="http://schemas.microsoft.com/office/drawing/2010/main" w="9525">
                   <a:solidFill>
                     <a:srgbClr val="000000"/>
                   </a:solidFill>
@@ -18873,7 +18876,7 @@
             </a:ln>
             <a:extLst>
               <a:ext uri="{91240B29-F687-4f45-9708-019B960494DF}">
-                <a14:hiddenLine xmlns:a14="http://schemas.microsoft.com/office/drawing/2010/main" xmlns:p14="http://schemas.microsoft.com/office/powerpoint/2010/main" xmlns:a16="http://schemas.microsoft.com/office/drawing/2014/main" xmlns="" w="9525">
+                <a14:hiddenLine xmlns="" xmlns:a16="http://schemas.microsoft.com/office/drawing/2014/main" xmlns:p14="http://schemas.microsoft.com/office/powerpoint/2010/main" xmlns:a14="http://schemas.microsoft.com/office/drawing/2010/main" w="9525">
                   <a:solidFill>
                     <a:srgbClr val="000000"/>
                   </a:solidFill>
@@ -18978,7 +18981,7 @@
             </a:ln>
             <a:extLst>
               <a:ext uri="{91240B29-F687-4f45-9708-019B960494DF}">
-                <a14:hiddenLine xmlns:a14="http://schemas.microsoft.com/office/drawing/2010/main" xmlns:p14="http://schemas.microsoft.com/office/powerpoint/2010/main" xmlns:a16="http://schemas.microsoft.com/office/drawing/2014/main" xmlns="" w="9525">
+                <a14:hiddenLine xmlns="" xmlns:a16="http://schemas.microsoft.com/office/drawing/2014/main" xmlns:p14="http://schemas.microsoft.com/office/powerpoint/2010/main" xmlns:a14="http://schemas.microsoft.com/office/drawing/2010/main" w="9525">
                   <a:solidFill>
                     <a:srgbClr val="000000"/>
                   </a:solidFill>
@@ -19058,7 +19061,7 @@
             </a:ln>
             <a:extLst>
               <a:ext uri="{91240B29-F687-4f45-9708-019B960494DF}">
-                <a14:hiddenLine xmlns:a14="http://schemas.microsoft.com/office/drawing/2010/main" xmlns:p14="http://schemas.microsoft.com/office/powerpoint/2010/main" xmlns:a16="http://schemas.microsoft.com/office/drawing/2014/main" xmlns="" w="9525">
+                <a14:hiddenLine xmlns="" xmlns:a16="http://schemas.microsoft.com/office/drawing/2014/main" xmlns:p14="http://schemas.microsoft.com/office/powerpoint/2010/main" xmlns:a14="http://schemas.microsoft.com/office/drawing/2010/main" w="9525">
                   <a:solidFill>
                     <a:srgbClr val="000000"/>
                   </a:solidFill>
@@ -19135,7 +19138,7 @@
             </a:ln>
             <a:extLst>
               <a:ext uri="{91240B29-F687-4f45-9708-019B960494DF}">
-                <a14:hiddenLine xmlns:a14="http://schemas.microsoft.com/office/drawing/2010/main" xmlns:p14="http://schemas.microsoft.com/office/powerpoint/2010/main" xmlns:a16="http://schemas.microsoft.com/office/drawing/2014/main" xmlns="" w="9525">
+                <a14:hiddenLine xmlns="" xmlns:a16="http://schemas.microsoft.com/office/drawing/2014/main" xmlns:p14="http://schemas.microsoft.com/office/powerpoint/2010/main" xmlns:a14="http://schemas.microsoft.com/office/drawing/2010/main" w="9525">
                   <a:solidFill>
                     <a:srgbClr val="000000"/>
                   </a:solidFill>
@@ -19240,7 +19243,7 @@
             </a:ln>
             <a:extLst>
               <a:ext uri="{91240B29-F687-4f45-9708-019B960494DF}">
-                <a14:hiddenLine xmlns:a14="http://schemas.microsoft.com/office/drawing/2010/main" xmlns:p14="http://schemas.microsoft.com/office/powerpoint/2010/main" xmlns:a16="http://schemas.microsoft.com/office/drawing/2014/main" xmlns="" w="9525">
+                <a14:hiddenLine xmlns="" xmlns:a16="http://schemas.microsoft.com/office/drawing/2014/main" xmlns:p14="http://schemas.microsoft.com/office/powerpoint/2010/main" xmlns:a14="http://schemas.microsoft.com/office/drawing/2010/main" w="9525">
                   <a:solidFill>
                     <a:srgbClr val="000000"/>
                   </a:solidFill>
@@ -19345,7 +19348,7 @@
             </a:ln>
             <a:extLst>
               <a:ext uri="{91240B29-F687-4f45-9708-019B960494DF}">
-                <a14:hiddenLine xmlns:a14="http://schemas.microsoft.com/office/drawing/2010/main" xmlns:p14="http://schemas.microsoft.com/office/powerpoint/2010/main" xmlns:a16="http://schemas.microsoft.com/office/drawing/2014/main" xmlns="" w="9525">
+                <a14:hiddenLine xmlns="" xmlns:a16="http://schemas.microsoft.com/office/drawing/2014/main" xmlns:p14="http://schemas.microsoft.com/office/powerpoint/2010/main" xmlns:a14="http://schemas.microsoft.com/office/drawing/2010/main" w="9525">
                   <a:solidFill>
                     <a:srgbClr val="000000"/>
                   </a:solidFill>
@@ -19425,7 +19428,7 @@
             </a:ln>
             <a:extLst>
               <a:ext uri="{91240B29-F687-4f45-9708-019B960494DF}">
-                <a14:hiddenLine xmlns:a14="http://schemas.microsoft.com/office/drawing/2010/main" xmlns:p14="http://schemas.microsoft.com/office/powerpoint/2010/main" xmlns:a16="http://schemas.microsoft.com/office/drawing/2014/main" xmlns="" w="9525">
+                <a14:hiddenLine xmlns="" xmlns:a16="http://schemas.microsoft.com/office/drawing/2014/main" xmlns:p14="http://schemas.microsoft.com/office/powerpoint/2010/main" xmlns:a14="http://schemas.microsoft.com/office/drawing/2010/main" w="9525">
                   <a:solidFill>
                     <a:srgbClr val="000000"/>
                   </a:solidFill>
@@ -19560,7 +19563,7 @@
             </a:ln>
             <a:extLst>
               <a:ext uri="{91240B29-F687-4f45-9708-019B960494DF}">
-                <a14:hiddenLine xmlns:a14="http://schemas.microsoft.com/office/drawing/2010/main" xmlns:p14="http://schemas.microsoft.com/office/powerpoint/2010/main" xmlns:a16="http://schemas.microsoft.com/office/drawing/2014/main" xmlns="" w="9525">
+                <a14:hiddenLine xmlns="" xmlns:a16="http://schemas.microsoft.com/office/drawing/2014/main" xmlns:p14="http://schemas.microsoft.com/office/powerpoint/2010/main" xmlns:a14="http://schemas.microsoft.com/office/drawing/2010/main" w="9525">
                   <a:solidFill>
                     <a:srgbClr val="000000"/>
                   </a:solidFill>
@@ -20001,7 +20004,12 @@
             <p:ph type="title"/>
           </p:nvPr>
         </p:nvSpPr>
-        <p:spPr/>
+        <p:spPr>
+          <a:xfrm>
+            <a:off x="1141413" y="-70250"/>
+            <a:ext cx="9905998" cy="1478570"/>
+          </a:xfrm>
+        </p:spPr>
         <p:txBody>
           <a:bodyPr/>
           <a:lstStyle/>
@@ -20016,10 +20024,10 @@
       </p:sp>
       <p:sp>
         <p:nvSpPr>
-          <p:cNvPr id="3" name="Content Placeholder 2">
+          <p:cNvPr id="4" name="Content Placeholder 2">
             <a:extLst>
               <a:ext uri="{FF2B5EF4-FFF2-40B4-BE49-F238E27FC236}">
-                <a16:creationId xmlns:a16="http://schemas.microsoft.com/office/drawing/2014/main" id="{14A2BB39-0205-4D0C-B39C-5E1ACA368BC7}"/>
+                <a16:creationId xmlns:a16="http://schemas.microsoft.com/office/drawing/2014/main" id="{E208E04E-9BDD-410D-A02B-F1586DE7F1F6}"/>
               </a:ext>
             </a:extLst>
           </p:cNvPr>
@@ -20030,12 +20038,181 @@
             <p:ph idx="1"/>
           </p:nvPr>
         </p:nvSpPr>
-        <p:spPr/>
+        <p:spPr>
+          <a:xfrm>
+            <a:off x="961899" y="1199404"/>
+            <a:ext cx="10770919" cy="5676405"/>
+          </a:xfrm>
+        </p:spPr>
         <p:txBody>
-          <a:bodyPr/>
+          <a:bodyPr>
+            <a:noAutofit/>
+          </a:bodyPr>
           <a:lstStyle/>
           <a:p>
-            <a:endParaRPr lang="en-US" dirty="0"/>
+            <a:r>
+              <a:rPr lang="en-US" sz="1600" dirty="0"/>
+              <a:t>Sources of Data:</a:t>
+            </a:r>
+          </a:p>
+          <a:p>
+            <a:pPr lvl="1">
+              <a:spcBef>
+                <a:spcPts val="0"/>
+              </a:spcBef>
+            </a:pPr>
+            <a:r>
+              <a:rPr lang="en-US" sz="1600" dirty="0"/>
+              <a:t>United Nations - Department of Economic and Social Affairs. International Migration (</a:t>
+            </a:r>
+            <a:r>
+              <a:rPr lang="en-US" sz="1600" dirty="0">
+                <a:hlinkClick r:id="rId2"/>
+              </a:rPr>
+              <a:t>https://www.un.org/en/development/desa/population/migration/data/estimates2/estimates17.asp</a:t>
+            </a:r>
+            <a:r>
+              <a:rPr lang="en-US" sz="1600" dirty="0"/>
+              <a:t>) </a:t>
+            </a:r>
+          </a:p>
+          <a:p>
+            <a:pPr lvl="1">
+              <a:spcBef>
+                <a:spcPts val="0"/>
+              </a:spcBef>
+            </a:pPr>
+            <a:r>
+              <a:rPr lang="en-US" sz="1600" dirty="0"/>
+              <a:t>World bank – Economy and Growth (</a:t>
+            </a:r>
+            <a:r>
+              <a:rPr lang="en-US" sz="1600" dirty="0">
+                <a:hlinkClick r:id="rId3"/>
+              </a:rPr>
+              <a:t>https://data.worldbank.org/topic/economy-and-growth</a:t>
+            </a:r>
+            <a:r>
+              <a:rPr lang="en-US" sz="1600" dirty="0"/>
+              <a:t> )</a:t>
+            </a:r>
+          </a:p>
+          <a:p>
+            <a:r>
+              <a:rPr lang="en-US" sz="1600" dirty="0"/>
+              <a:t>Cleanup Process</a:t>
+            </a:r>
+          </a:p>
+          <a:p>
+            <a:pPr lvl="1">
+              <a:spcBef>
+                <a:spcPts val="0"/>
+              </a:spcBef>
+            </a:pPr>
+            <a:r>
+              <a:rPr lang="en-US" sz="1600" dirty="0"/>
+              <a:t>Data in XLS or CSV format. We uses Excel to cleanup logos and headers</a:t>
+            </a:r>
+          </a:p>
+          <a:p>
+            <a:pPr lvl="1">
+              <a:spcBef>
+                <a:spcPts val="0"/>
+              </a:spcBef>
+            </a:pPr>
+            <a:r>
+              <a:rPr lang="en-US" sz="1600" dirty="0"/>
+              <a:t>Once all data was in CSV format we manipulate it in Pandas</a:t>
+            </a:r>
+          </a:p>
+          <a:p>
+            <a:pPr lvl="1">
+              <a:spcBef>
+                <a:spcPts val="0"/>
+              </a:spcBef>
+            </a:pPr>
+            <a:r>
+              <a:rPr lang="en-US" sz="1600" dirty="0"/>
+              <a:t>Migration Data:</a:t>
+            </a:r>
+          </a:p>
+          <a:p>
+            <a:pPr lvl="2">
+              <a:spcBef>
+                <a:spcPts val="0"/>
+              </a:spcBef>
+            </a:pPr>
+            <a:r>
+              <a:rPr lang="en-US" sz="1400" dirty="0"/>
+              <a:t>Using a country catalog, we filtered the migration and economic data to drop any information NOT related to countries (regions, classifications, etc.) and obtained countries’ additional information (region, development level, income level)</a:t>
+            </a:r>
+          </a:p>
+          <a:p>
+            <a:pPr lvl="2">
+              <a:spcBef>
+                <a:spcPts val="0"/>
+              </a:spcBef>
+            </a:pPr>
+            <a:r>
+              <a:rPr lang="en-US" sz="1400" dirty="0"/>
+              <a:t>Format in migration data  did NOT help manipulation, so it was changed: from columns to rows, ellipses, commas in the numbers</a:t>
+            </a:r>
+          </a:p>
+          <a:p>
+            <a:pPr lvl="2">
+              <a:spcBef>
+                <a:spcPts val="0"/>
+              </a:spcBef>
+            </a:pPr>
+            <a:r>
+              <a:rPr lang="en-US" sz="1400" dirty="0"/>
+              <a:t>Top countries (origin and destination) were founds and CSV produced for plotting</a:t>
+            </a:r>
+          </a:p>
+          <a:p>
+            <a:pPr lvl="1">
+              <a:spcBef>
+                <a:spcPts val="0"/>
+              </a:spcBef>
+            </a:pPr>
+            <a:r>
+              <a:rPr lang="en-US" sz="1600" dirty="0"/>
+              <a:t>Economic Data:</a:t>
+            </a:r>
+          </a:p>
+          <a:p>
+            <a:pPr lvl="2">
+              <a:spcBef>
+                <a:spcPts val="0"/>
+              </a:spcBef>
+            </a:pPr>
+            <a:r>
+              <a:rPr lang="en-US" sz="1400" dirty="0"/>
+              <a:t>Using a country catalog, we filtered the migration and economic data to drop any information NOT related to countries (regions, classifications, etc.) </a:t>
+            </a:r>
+          </a:p>
+          <a:p>
+            <a:pPr lvl="2">
+              <a:spcBef>
+                <a:spcPts val="0"/>
+              </a:spcBef>
+            </a:pPr>
+            <a:r>
+              <a:rPr lang="en-US" sz="1400" dirty="0"/>
+              <a:t>Countries with missing economic data (GDP or remittances) had to be dropped</a:t>
+            </a:r>
+          </a:p>
+          <a:p>
+            <a:r>
+              <a:rPr lang="en-US" sz="1600" dirty="0"/>
+              <a:t>Surprises: top 20 countries of origination, flow between India and Pakistan, no low income countries in the top 20 list </a:t>
+            </a:r>
+          </a:p>
+          <a:p>
+            <a:r>
+              <a:rPr lang="en-US" sz="1600" dirty="0"/>
+              <a:t>Problems: not the same countries in both sources), format in migrant information, country names</a:t>
+            </a:r>
           </a:p>
         </p:txBody>
       </p:sp>
@@ -20053,6 +20230,186 @@
 </file>
 
 <file path=ppt/slides/slide14.xml><?xml version="1.0" encoding="utf-8"?>
+<p:sld xmlns:a="http://schemas.openxmlformats.org/drawingml/2006/main" xmlns:r="http://schemas.openxmlformats.org/officeDocument/2006/relationships" xmlns:p="http://schemas.openxmlformats.org/presentationml/2006/main" show="0">
+  <p:cSld>
+    <p:spTree>
+      <p:nvGrpSpPr>
+        <p:cNvPr id="1" name=""/>
+        <p:cNvGrpSpPr/>
+        <p:nvPr/>
+      </p:nvGrpSpPr>
+      <p:grpSpPr>
+        <a:xfrm>
+          <a:off x="0" y="0"/>
+          <a:ext cx="0" cy="0"/>
+          <a:chOff x="0" y="0"/>
+          <a:chExt cx="0" cy="0"/>
+        </a:xfrm>
+      </p:grpSpPr>
+      <p:pic>
+        <p:nvPicPr>
+          <p:cNvPr id="8" name="Picture 7">
+            <a:extLst>
+              <a:ext uri="{FF2B5EF4-FFF2-40B4-BE49-F238E27FC236}">
+                <a16:creationId xmlns:a16="http://schemas.microsoft.com/office/drawing/2014/main" id="{4658B18A-4F10-467E-BD82-1C6E22017027}"/>
+              </a:ext>
+            </a:extLst>
+          </p:cNvPr>
+          <p:cNvPicPr>
+            <a:picLocks noChangeAspect="1"/>
+          </p:cNvPicPr>
+          <p:nvPr/>
+        </p:nvPicPr>
+        <p:blipFill>
+          <a:blip r:embed="rId2"/>
+          <a:stretch>
+            <a:fillRect/>
+          </a:stretch>
+        </p:blipFill>
+        <p:spPr>
+          <a:xfrm>
+            <a:off x="1107558" y="0"/>
+            <a:ext cx="9976884" cy="6858000"/>
+          </a:xfrm>
+          <a:prstGeom prst="rect">
+            <a:avLst/>
+          </a:prstGeom>
+        </p:spPr>
+      </p:pic>
+    </p:spTree>
+    <p:extLst>
+      <p:ext uri="{BB962C8B-B14F-4D97-AF65-F5344CB8AC3E}">
+        <p14:creationId xmlns:p14="http://schemas.microsoft.com/office/powerpoint/2010/main" val="186611642"/>
+      </p:ext>
+    </p:extLst>
+  </p:cSld>
+  <p:clrMapOvr>
+    <a:masterClrMapping/>
+  </p:clrMapOvr>
+</p:sld>
+</file>
+
+<file path=ppt/slides/slide15.xml><?xml version="1.0" encoding="utf-8"?>
+<p:sld xmlns:a="http://schemas.openxmlformats.org/drawingml/2006/main" xmlns:r="http://schemas.openxmlformats.org/officeDocument/2006/relationships" xmlns:p="http://schemas.openxmlformats.org/presentationml/2006/main" show="0">
+  <p:cSld>
+    <p:spTree>
+      <p:nvGrpSpPr>
+        <p:cNvPr id="1" name=""/>
+        <p:cNvGrpSpPr/>
+        <p:nvPr/>
+      </p:nvGrpSpPr>
+      <p:grpSpPr>
+        <a:xfrm>
+          <a:off x="0" y="0"/>
+          <a:ext cx="0" cy="0"/>
+          <a:chOff x="0" y="0"/>
+          <a:chExt cx="0" cy="0"/>
+        </a:xfrm>
+      </p:grpSpPr>
+      <p:pic>
+        <p:nvPicPr>
+          <p:cNvPr id="2" name="Picture 1">
+            <a:extLst>
+              <a:ext uri="{FF2B5EF4-FFF2-40B4-BE49-F238E27FC236}">
+                <a16:creationId xmlns:a16="http://schemas.microsoft.com/office/drawing/2014/main" id="{35262419-74E5-4B5C-A977-76D5BB6DC9ED}"/>
+              </a:ext>
+            </a:extLst>
+          </p:cNvPr>
+          <p:cNvPicPr>
+            <a:picLocks noChangeAspect="1"/>
+          </p:cNvPicPr>
+          <p:nvPr/>
+        </p:nvPicPr>
+        <p:blipFill>
+          <a:blip r:embed="rId2"/>
+          <a:stretch>
+            <a:fillRect/>
+          </a:stretch>
+        </p:blipFill>
+        <p:spPr>
+          <a:xfrm>
+            <a:off x="1004454" y="1000125"/>
+            <a:ext cx="10515600" cy="4857750"/>
+          </a:xfrm>
+          <a:prstGeom prst="rect">
+            <a:avLst/>
+          </a:prstGeom>
+        </p:spPr>
+      </p:pic>
+    </p:spTree>
+    <p:extLst>
+      <p:ext uri="{BB962C8B-B14F-4D97-AF65-F5344CB8AC3E}">
+        <p14:creationId xmlns:p14="http://schemas.microsoft.com/office/powerpoint/2010/main" val="2895643671"/>
+      </p:ext>
+    </p:extLst>
+  </p:cSld>
+  <p:clrMapOvr>
+    <a:masterClrMapping/>
+  </p:clrMapOvr>
+</p:sld>
+</file>
+
+<file path=ppt/slides/slide16.xml><?xml version="1.0" encoding="utf-8"?>
+<p:sld xmlns:a="http://schemas.openxmlformats.org/drawingml/2006/main" xmlns:r="http://schemas.openxmlformats.org/officeDocument/2006/relationships" xmlns:p="http://schemas.openxmlformats.org/presentationml/2006/main" show="0">
+  <p:cSld>
+    <p:spTree>
+      <p:nvGrpSpPr>
+        <p:cNvPr id="1" name=""/>
+        <p:cNvGrpSpPr/>
+        <p:nvPr/>
+      </p:nvGrpSpPr>
+      <p:grpSpPr>
+        <a:xfrm>
+          <a:off x="0" y="0"/>
+          <a:ext cx="0" cy="0"/>
+          <a:chOff x="0" y="0"/>
+          <a:chExt cx="0" cy="0"/>
+        </a:xfrm>
+      </p:grpSpPr>
+      <p:pic>
+        <p:nvPicPr>
+          <p:cNvPr id="2" name="Picture 1">
+            <a:extLst>
+              <a:ext uri="{FF2B5EF4-FFF2-40B4-BE49-F238E27FC236}">
+                <a16:creationId xmlns:a16="http://schemas.microsoft.com/office/drawing/2014/main" id="{07845C0D-797E-497F-8BA0-F480FC84A52C}"/>
+              </a:ext>
+            </a:extLst>
+          </p:cNvPr>
+          <p:cNvPicPr>
+            <a:picLocks noChangeAspect="1"/>
+          </p:cNvPicPr>
+          <p:nvPr/>
+        </p:nvPicPr>
+        <p:blipFill>
+          <a:blip r:embed="rId2"/>
+          <a:stretch>
+            <a:fillRect/>
+          </a:stretch>
+        </p:blipFill>
+        <p:spPr>
+          <a:xfrm>
+            <a:off x="1579417" y="305653"/>
+            <a:ext cx="9274629" cy="6246693"/>
+          </a:xfrm>
+          <a:prstGeom prst="rect">
+            <a:avLst/>
+          </a:prstGeom>
+        </p:spPr>
+      </p:pic>
+    </p:spTree>
+    <p:extLst>
+      <p:ext uri="{BB962C8B-B14F-4D97-AF65-F5344CB8AC3E}">
+        <p14:creationId xmlns:p14="http://schemas.microsoft.com/office/powerpoint/2010/main" val="3120218374"/>
+      </p:ext>
+    </p:extLst>
+  </p:cSld>
+  <p:clrMapOvr>
+    <a:masterClrMapping/>
+  </p:clrMapOvr>
+</p:sld>
+</file>
+
+<file path=ppt/slides/slide17.xml><?xml version="1.0" encoding="utf-8"?>
 <p:sld xmlns:a="http://schemas.openxmlformats.org/drawingml/2006/main" xmlns:r="http://schemas.openxmlformats.org/officeDocument/2006/relationships" xmlns:p="http://schemas.openxmlformats.org/presentationml/2006/main">
   <p:cSld>
     <p:bg>
@@ -20126,7 +20483,7 @@
 </p:sld>
 </file>
 
-<file path=ppt/slides/slide15.xml><?xml version="1.0" encoding="utf-8"?>
+<file path=ppt/slides/slide18.xml><?xml version="1.0" encoding="utf-8"?>
 <p:sld xmlns:a="http://schemas.openxmlformats.org/drawingml/2006/main" xmlns:r="http://schemas.openxmlformats.org/officeDocument/2006/relationships" xmlns:p="http://schemas.openxmlformats.org/presentationml/2006/main">
   <p:cSld>
     <p:spTree>
@@ -20343,7 +20700,7 @@
     </p:spTree>
     <p:extLst>
       <p:ext uri="{BB962C8B-B14F-4D97-AF65-F5344CB8AC3E}">
-        <p14:creationId xmlns:p14="http://schemas.microsoft.com/office/powerpoint/2010/main" val="3805164908"/>
+        <p14:creationId xmlns:p14="http://schemas.microsoft.com/office/powerpoint/2010/main" val="1802946811"/>
       </p:ext>
     </p:extLst>
   </p:cSld>
@@ -20476,7 +20833,7 @@
           </a:prstGeom>
           <a:extLst>
             <a:ext uri="{909E8E84-426E-40dd-AFC4-6F175D3DCCD1}">
-              <a14:hiddenFill xmlns:a14="http://schemas.microsoft.com/office/drawing/2010/main" xmlns:p14="http://schemas.microsoft.com/office/powerpoint/2010/main" xmlns:a16="http://schemas.microsoft.com/office/drawing/2014/main" xmlns="">
+              <a14:hiddenFill xmlns="" xmlns:a16="http://schemas.microsoft.com/office/drawing/2014/main" xmlns:p14="http://schemas.microsoft.com/office/powerpoint/2010/main" xmlns:a14="http://schemas.microsoft.com/office/drawing/2010/main">
                 <a:solidFill>
                   <a:srgbClr val="FFFFFF"/>
                 </a:solidFill>
@@ -20600,7 +20957,7 @@
           <a:noFill/>
           <a:extLst>
             <a:ext uri="{909E8E84-426E-40dd-AFC4-6F175D3DCCD1}">
-              <a14:hiddenFill xmlns:a14="http://schemas.microsoft.com/office/drawing/2010/main" xmlns:p14="http://schemas.microsoft.com/office/powerpoint/2010/main" xmlns:a16="http://schemas.microsoft.com/office/drawing/2014/main" xmlns="">
+              <a14:hiddenFill xmlns="" xmlns:a16="http://schemas.microsoft.com/office/drawing/2014/main" xmlns:p14="http://schemas.microsoft.com/office/powerpoint/2010/main" xmlns:a14="http://schemas.microsoft.com/office/drawing/2010/main">
                 <a:solidFill>
                   <a:srgbClr val="FFFFFF"/>
                 </a:solidFill>
@@ -20736,7 +21093,7 @@
             </a:ln>
             <a:extLst>
               <a:ext uri="{91240B29-F687-4f45-9708-019B960494DF}">
-                <a14:hiddenLine xmlns:a14="http://schemas.microsoft.com/office/drawing/2010/main" xmlns:p14="http://schemas.microsoft.com/office/powerpoint/2010/main" xmlns:a16="http://schemas.microsoft.com/office/drawing/2014/main" xmlns="" w="9525">
+                <a14:hiddenLine xmlns="" xmlns:a16="http://schemas.microsoft.com/office/drawing/2014/main" xmlns:p14="http://schemas.microsoft.com/office/powerpoint/2010/main" xmlns:a14="http://schemas.microsoft.com/office/drawing/2010/main" w="9525">
                   <a:solidFill>
                     <a:srgbClr val="000000"/>
                   </a:solidFill>
@@ -20841,7 +21198,7 @@
             </a:ln>
             <a:extLst>
               <a:ext uri="{91240B29-F687-4f45-9708-019B960494DF}">
-                <a14:hiddenLine xmlns:a14="http://schemas.microsoft.com/office/drawing/2010/main" xmlns:p14="http://schemas.microsoft.com/office/powerpoint/2010/main" xmlns:a16="http://schemas.microsoft.com/office/drawing/2014/main" xmlns="" w="9525">
+                <a14:hiddenLine xmlns="" xmlns:a16="http://schemas.microsoft.com/office/drawing/2014/main" xmlns:p14="http://schemas.microsoft.com/office/powerpoint/2010/main" xmlns:a14="http://schemas.microsoft.com/office/drawing/2010/main" w="9525">
                   <a:solidFill>
                     <a:srgbClr val="000000"/>
                   </a:solidFill>
@@ -20946,7 +21303,7 @@
             </a:ln>
             <a:extLst>
               <a:ext uri="{91240B29-F687-4f45-9708-019B960494DF}">
-                <a14:hiddenLine xmlns:a14="http://schemas.microsoft.com/office/drawing/2010/main" xmlns:p14="http://schemas.microsoft.com/office/powerpoint/2010/main" xmlns:a16="http://schemas.microsoft.com/office/drawing/2014/main" xmlns="" w="9525">
+                <a14:hiddenLine xmlns="" xmlns:a16="http://schemas.microsoft.com/office/drawing/2014/main" xmlns:p14="http://schemas.microsoft.com/office/powerpoint/2010/main" xmlns:a14="http://schemas.microsoft.com/office/drawing/2010/main" w="9525">
                   <a:solidFill>
                     <a:srgbClr val="000000"/>
                   </a:solidFill>
@@ -21023,7 +21380,7 @@
             </a:ln>
             <a:extLst>
               <a:ext uri="{91240B29-F687-4f45-9708-019B960494DF}">
-                <a14:hiddenLine xmlns:a14="http://schemas.microsoft.com/office/drawing/2010/main" xmlns:p14="http://schemas.microsoft.com/office/powerpoint/2010/main" xmlns:a16="http://schemas.microsoft.com/office/drawing/2014/main" xmlns="" w="9525">
+                <a14:hiddenLine xmlns="" xmlns:a16="http://schemas.microsoft.com/office/drawing/2014/main" xmlns:p14="http://schemas.microsoft.com/office/powerpoint/2010/main" xmlns:a14="http://schemas.microsoft.com/office/drawing/2010/main" w="9525">
                   <a:solidFill>
                     <a:srgbClr val="000000"/>
                   </a:solidFill>
@@ -21128,7 +21485,7 @@
             </a:ln>
             <a:extLst>
               <a:ext uri="{91240B29-F687-4f45-9708-019B960494DF}">
-                <a14:hiddenLine xmlns:a14="http://schemas.microsoft.com/office/drawing/2010/main" xmlns:p14="http://schemas.microsoft.com/office/powerpoint/2010/main" xmlns:a16="http://schemas.microsoft.com/office/drawing/2014/main" xmlns="" w="9525">
+                <a14:hiddenLine xmlns="" xmlns:a16="http://schemas.microsoft.com/office/drawing/2014/main" xmlns:p14="http://schemas.microsoft.com/office/powerpoint/2010/main" xmlns:a14="http://schemas.microsoft.com/office/drawing/2010/main" w="9525">
                   <a:solidFill>
                     <a:srgbClr val="000000"/>
                   </a:solidFill>
@@ -21205,7 +21562,7 @@
             </a:ln>
             <a:extLst>
               <a:ext uri="{91240B29-F687-4f45-9708-019B960494DF}">
-                <a14:hiddenLine xmlns:a14="http://schemas.microsoft.com/office/drawing/2010/main" xmlns:p14="http://schemas.microsoft.com/office/powerpoint/2010/main" xmlns:a16="http://schemas.microsoft.com/office/drawing/2014/main" xmlns="" w="9525">
+                <a14:hiddenLine xmlns="" xmlns:a16="http://schemas.microsoft.com/office/drawing/2014/main" xmlns:p14="http://schemas.microsoft.com/office/powerpoint/2010/main" xmlns:a14="http://schemas.microsoft.com/office/drawing/2010/main" w="9525">
                   <a:solidFill>
                     <a:srgbClr val="000000"/>
                   </a:solidFill>
@@ -21282,7 +21639,7 @@
             </a:ln>
             <a:extLst>
               <a:ext uri="{91240B29-F687-4f45-9708-019B960494DF}">
-                <a14:hiddenLine xmlns:a14="http://schemas.microsoft.com/office/drawing/2010/main" xmlns:p14="http://schemas.microsoft.com/office/powerpoint/2010/main" xmlns:a16="http://schemas.microsoft.com/office/drawing/2014/main" xmlns="" w="9525">
+                <a14:hiddenLine xmlns="" xmlns:a16="http://schemas.microsoft.com/office/drawing/2014/main" xmlns:p14="http://schemas.microsoft.com/office/powerpoint/2010/main" xmlns:a14="http://schemas.microsoft.com/office/drawing/2010/main" w="9525">
                   <a:solidFill>
                     <a:srgbClr val="000000"/>
                   </a:solidFill>
@@ -21387,7 +21744,7 @@
             </a:ln>
             <a:extLst>
               <a:ext uri="{91240B29-F687-4f45-9708-019B960494DF}">
-                <a14:hiddenLine xmlns:a14="http://schemas.microsoft.com/office/drawing/2010/main" xmlns:p14="http://schemas.microsoft.com/office/powerpoint/2010/main" xmlns:a16="http://schemas.microsoft.com/office/drawing/2014/main" xmlns="" w="9525">
+                <a14:hiddenLine xmlns="" xmlns:a16="http://schemas.microsoft.com/office/drawing/2014/main" xmlns:p14="http://schemas.microsoft.com/office/powerpoint/2010/main" xmlns:a14="http://schemas.microsoft.com/office/drawing/2010/main" w="9525">
                   <a:solidFill>
                     <a:srgbClr val="000000"/>
                   </a:solidFill>
@@ -21492,7 +21849,7 @@
             </a:ln>
             <a:extLst>
               <a:ext uri="{91240B29-F687-4f45-9708-019B960494DF}">
-                <a14:hiddenLine xmlns:a14="http://schemas.microsoft.com/office/drawing/2010/main" xmlns:p14="http://schemas.microsoft.com/office/powerpoint/2010/main" xmlns:a16="http://schemas.microsoft.com/office/drawing/2014/main" xmlns="" w="9525">
+                <a14:hiddenLine xmlns="" xmlns:a16="http://schemas.microsoft.com/office/drawing/2014/main" xmlns:p14="http://schemas.microsoft.com/office/powerpoint/2010/main" xmlns:a14="http://schemas.microsoft.com/office/drawing/2010/main" w="9525">
                   <a:solidFill>
                     <a:srgbClr val="000000"/>
                   </a:solidFill>
@@ -21569,7 +21926,7 @@
             </a:ln>
             <a:extLst>
               <a:ext uri="{91240B29-F687-4f45-9708-019B960494DF}">
-                <a14:hiddenLine xmlns:a14="http://schemas.microsoft.com/office/drawing/2010/main" xmlns:p14="http://schemas.microsoft.com/office/powerpoint/2010/main" xmlns:a16="http://schemas.microsoft.com/office/drawing/2014/main" xmlns="" w="9525">
+                <a14:hiddenLine xmlns="" xmlns:a16="http://schemas.microsoft.com/office/drawing/2014/main" xmlns:p14="http://schemas.microsoft.com/office/powerpoint/2010/main" xmlns:a14="http://schemas.microsoft.com/office/drawing/2010/main" w="9525">
                   <a:solidFill>
                     <a:srgbClr val="000000"/>
                   </a:solidFill>
@@ -21694,7 +22051,7 @@
             </a:ln>
             <a:extLst>
               <a:ext uri="{91240B29-F687-4f45-9708-019B960494DF}">
-                <a14:hiddenLine xmlns:a14="http://schemas.microsoft.com/office/drawing/2010/main" xmlns:p14="http://schemas.microsoft.com/office/powerpoint/2010/main" xmlns:a16="http://schemas.microsoft.com/office/drawing/2014/main" xmlns="" w="9525">
+                <a14:hiddenLine xmlns="" xmlns:a16="http://schemas.microsoft.com/office/drawing/2014/main" xmlns:p14="http://schemas.microsoft.com/office/powerpoint/2010/main" xmlns:a14="http://schemas.microsoft.com/office/drawing/2010/main" w="9525">
                   <a:solidFill>
                     <a:srgbClr val="000000"/>
                   </a:solidFill>
@@ -21808,7 +22165,7 @@
             </a:ln>
             <a:extLst>
               <a:ext uri="{91240B29-F687-4f45-9708-019B960494DF}">
-                <a14:hiddenLine xmlns:a14="http://schemas.microsoft.com/office/drawing/2010/main" xmlns:p14="http://schemas.microsoft.com/office/powerpoint/2010/main" xmlns:a16="http://schemas.microsoft.com/office/drawing/2014/main" xmlns="" w="9525">
+                <a14:hiddenLine xmlns="" xmlns:a16="http://schemas.microsoft.com/office/drawing/2014/main" xmlns:p14="http://schemas.microsoft.com/office/powerpoint/2010/main" xmlns:a14="http://schemas.microsoft.com/office/drawing/2010/main" w="9525">
                   <a:solidFill>
                     <a:srgbClr val="000000"/>
                   </a:solidFill>
@@ -21885,7 +22242,7 @@
             </a:ln>
             <a:extLst>
               <a:ext uri="{91240B29-F687-4f45-9708-019B960494DF}">
-                <a14:hiddenLine xmlns:a14="http://schemas.microsoft.com/office/drawing/2010/main" xmlns:p14="http://schemas.microsoft.com/office/powerpoint/2010/main" xmlns:a16="http://schemas.microsoft.com/office/drawing/2014/main" xmlns="" w="9525">
+                <a14:hiddenLine xmlns="" xmlns:a16="http://schemas.microsoft.com/office/drawing/2014/main" xmlns:p14="http://schemas.microsoft.com/office/powerpoint/2010/main" xmlns:a14="http://schemas.microsoft.com/office/drawing/2010/main" w="9525">
                   <a:solidFill>
                     <a:srgbClr val="000000"/>
                   </a:solidFill>
@@ -21962,7 +22319,7 @@
             </a:ln>
             <a:extLst>
               <a:ext uri="{91240B29-F687-4f45-9708-019B960494DF}">
-                <a14:hiddenLine xmlns:a14="http://schemas.microsoft.com/office/drawing/2010/main" xmlns:p14="http://schemas.microsoft.com/office/powerpoint/2010/main" xmlns:a16="http://schemas.microsoft.com/office/drawing/2014/main" xmlns="" w="9525">
+                <a14:hiddenLine xmlns="" xmlns:a16="http://schemas.microsoft.com/office/drawing/2014/main" xmlns:p14="http://schemas.microsoft.com/office/powerpoint/2010/main" xmlns:a14="http://schemas.microsoft.com/office/drawing/2010/main" w="9525">
                   <a:solidFill>
                     <a:srgbClr val="000000"/>
                   </a:solidFill>
@@ -22067,7 +22424,7 @@
             </a:ln>
             <a:extLst>
               <a:ext uri="{91240B29-F687-4f45-9708-019B960494DF}">
-                <a14:hiddenLine xmlns:a14="http://schemas.microsoft.com/office/drawing/2010/main" xmlns:p14="http://schemas.microsoft.com/office/powerpoint/2010/main" xmlns:a16="http://schemas.microsoft.com/office/drawing/2014/main" xmlns="" w="9525">
+                <a14:hiddenLine xmlns="" xmlns:a16="http://schemas.microsoft.com/office/drawing/2014/main" xmlns:p14="http://schemas.microsoft.com/office/powerpoint/2010/main" xmlns:a14="http://schemas.microsoft.com/office/drawing/2010/main" w="9525">
                   <a:solidFill>
                     <a:srgbClr val="000000"/>
                   </a:solidFill>
@@ -22116,7 +22473,7 @@
             </a:ln>
             <a:extLst>
               <a:ext uri="{91240B29-F687-4f45-9708-019B960494DF}">
-                <a14:hiddenLine xmlns:a14="http://schemas.microsoft.com/office/drawing/2010/main" xmlns:p14="http://schemas.microsoft.com/office/powerpoint/2010/main" xmlns:a16="http://schemas.microsoft.com/office/drawing/2014/main" xmlns="" w="9525">
+                <a14:hiddenLine xmlns="" xmlns:a16="http://schemas.microsoft.com/office/drawing/2014/main" xmlns:p14="http://schemas.microsoft.com/office/powerpoint/2010/main" xmlns:a14="http://schemas.microsoft.com/office/drawing/2010/main" w="9525">
                   <a:solidFill>
                     <a:srgbClr val="000000"/>
                   </a:solidFill>
@@ -22196,7 +22553,7 @@
             </a:ln>
             <a:extLst>
               <a:ext uri="{91240B29-F687-4f45-9708-019B960494DF}">
-                <a14:hiddenLine xmlns:a14="http://schemas.microsoft.com/office/drawing/2010/main" xmlns:p14="http://schemas.microsoft.com/office/powerpoint/2010/main" xmlns:a16="http://schemas.microsoft.com/office/drawing/2014/main" xmlns="" w="9525">
+                <a14:hiddenLine xmlns="" xmlns:a16="http://schemas.microsoft.com/office/drawing/2014/main" xmlns:p14="http://schemas.microsoft.com/office/powerpoint/2010/main" xmlns:a14="http://schemas.microsoft.com/office/drawing/2010/main" w="9525">
                   <a:solidFill>
                     <a:srgbClr val="000000"/>
                   </a:solidFill>
@@ -22301,7 +22658,7 @@
             </a:ln>
             <a:extLst>
               <a:ext uri="{91240B29-F687-4f45-9708-019B960494DF}">
-                <a14:hiddenLine xmlns:a14="http://schemas.microsoft.com/office/drawing/2010/main" xmlns:p14="http://schemas.microsoft.com/office/powerpoint/2010/main" xmlns:a16="http://schemas.microsoft.com/office/drawing/2014/main" xmlns="" w="9525">
+                <a14:hiddenLine xmlns="" xmlns:a16="http://schemas.microsoft.com/office/drawing/2014/main" xmlns:p14="http://schemas.microsoft.com/office/powerpoint/2010/main" xmlns:a14="http://schemas.microsoft.com/office/drawing/2010/main" w="9525">
                   <a:solidFill>
                     <a:srgbClr val="000000"/>
                   </a:solidFill>
@@ -22378,7 +22735,7 @@
             </a:ln>
             <a:extLst>
               <a:ext uri="{91240B29-F687-4f45-9708-019B960494DF}">
-                <a14:hiddenLine xmlns:a14="http://schemas.microsoft.com/office/drawing/2010/main" xmlns:p14="http://schemas.microsoft.com/office/powerpoint/2010/main" xmlns:a16="http://schemas.microsoft.com/office/drawing/2014/main" xmlns="" w="9525">
+                <a14:hiddenLine xmlns="" xmlns:a16="http://schemas.microsoft.com/office/drawing/2014/main" xmlns:p14="http://schemas.microsoft.com/office/powerpoint/2010/main" xmlns:a14="http://schemas.microsoft.com/office/drawing/2010/main" w="9525">
                   <a:solidFill>
                     <a:srgbClr val="000000"/>
                   </a:solidFill>
@@ -22483,7 +22840,7 @@
             </a:ln>
             <a:extLst>
               <a:ext uri="{91240B29-F687-4f45-9708-019B960494DF}">
-                <a14:hiddenLine xmlns:a14="http://schemas.microsoft.com/office/drawing/2010/main" xmlns:p14="http://schemas.microsoft.com/office/powerpoint/2010/main" xmlns:a16="http://schemas.microsoft.com/office/drawing/2014/main" xmlns="" w="9525">
+                <a14:hiddenLine xmlns="" xmlns:a16="http://schemas.microsoft.com/office/drawing/2014/main" xmlns:p14="http://schemas.microsoft.com/office/powerpoint/2010/main" xmlns:a14="http://schemas.microsoft.com/office/drawing/2010/main" w="9525">
                   <a:solidFill>
                     <a:srgbClr val="000000"/>
                   </a:solidFill>
@@ -22563,7 +22920,7 @@
             </a:ln>
             <a:extLst>
               <a:ext uri="{91240B29-F687-4f45-9708-019B960494DF}">
-                <a14:hiddenLine xmlns:a14="http://schemas.microsoft.com/office/drawing/2010/main" xmlns:p14="http://schemas.microsoft.com/office/powerpoint/2010/main" xmlns:a16="http://schemas.microsoft.com/office/drawing/2014/main" xmlns="" w="9525">
+                <a14:hiddenLine xmlns="" xmlns:a16="http://schemas.microsoft.com/office/drawing/2014/main" xmlns:p14="http://schemas.microsoft.com/office/powerpoint/2010/main" xmlns:a14="http://schemas.microsoft.com/office/drawing/2010/main" w="9525">
                   <a:solidFill>
                     <a:srgbClr val="000000"/>
                   </a:solidFill>
@@ -22640,7 +22997,7 @@
             </a:ln>
             <a:extLst>
               <a:ext uri="{91240B29-F687-4f45-9708-019B960494DF}">
-                <a14:hiddenLine xmlns:a14="http://schemas.microsoft.com/office/drawing/2010/main" xmlns:p14="http://schemas.microsoft.com/office/powerpoint/2010/main" xmlns:a16="http://schemas.microsoft.com/office/drawing/2014/main" xmlns="" w="9525">
+                <a14:hiddenLine xmlns="" xmlns:a16="http://schemas.microsoft.com/office/drawing/2014/main" xmlns:p14="http://schemas.microsoft.com/office/powerpoint/2010/main" xmlns:a14="http://schemas.microsoft.com/office/drawing/2010/main" w="9525">
                   <a:solidFill>
                     <a:srgbClr val="000000"/>
                   </a:solidFill>
@@ -22745,7 +23102,7 @@
             </a:ln>
             <a:extLst>
               <a:ext uri="{91240B29-F687-4f45-9708-019B960494DF}">
-                <a14:hiddenLine xmlns:a14="http://schemas.microsoft.com/office/drawing/2010/main" xmlns:p14="http://schemas.microsoft.com/office/powerpoint/2010/main" xmlns:a16="http://schemas.microsoft.com/office/drawing/2014/main" xmlns="" w="9525">
+                <a14:hiddenLine xmlns="" xmlns:a16="http://schemas.microsoft.com/office/drawing/2014/main" xmlns:p14="http://schemas.microsoft.com/office/powerpoint/2010/main" xmlns:a14="http://schemas.microsoft.com/office/drawing/2010/main" w="9525">
                   <a:solidFill>
                     <a:srgbClr val="000000"/>
                   </a:solidFill>
@@ -22850,7 +23207,7 @@
             </a:ln>
             <a:extLst>
               <a:ext uri="{91240B29-F687-4f45-9708-019B960494DF}">
-                <a14:hiddenLine xmlns:a14="http://schemas.microsoft.com/office/drawing/2010/main" xmlns:p14="http://schemas.microsoft.com/office/powerpoint/2010/main" xmlns:a16="http://schemas.microsoft.com/office/drawing/2014/main" xmlns="" w="9525">
+                <a14:hiddenLine xmlns="" xmlns:a16="http://schemas.microsoft.com/office/drawing/2014/main" xmlns:p14="http://schemas.microsoft.com/office/powerpoint/2010/main" xmlns:a14="http://schemas.microsoft.com/office/drawing/2010/main" w="9525">
                   <a:solidFill>
                     <a:srgbClr val="000000"/>
                   </a:solidFill>
@@ -22930,7 +23287,7 @@
             </a:ln>
             <a:extLst>
               <a:ext uri="{91240B29-F687-4f45-9708-019B960494DF}">
-                <a14:hiddenLine xmlns:a14="http://schemas.microsoft.com/office/drawing/2010/main" xmlns:p14="http://schemas.microsoft.com/office/powerpoint/2010/main" xmlns:a16="http://schemas.microsoft.com/office/drawing/2014/main" xmlns="" w="9525">
+                <a14:hiddenLine xmlns="" xmlns:a16="http://schemas.microsoft.com/office/drawing/2014/main" xmlns:p14="http://schemas.microsoft.com/office/powerpoint/2010/main" xmlns:a14="http://schemas.microsoft.com/office/drawing/2010/main" w="9525">
                   <a:solidFill>
                     <a:srgbClr val="000000"/>
                   </a:solidFill>
@@ -23065,7 +23422,7 @@
             </a:ln>
             <a:extLst>
               <a:ext uri="{91240B29-F687-4f45-9708-019B960494DF}">
-                <a14:hiddenLine xmlns:a14="http://schemas.microsoft.com/office/drawing/2010/main" xmlns:p14="http://schemas.microsoft.com/office/powerpoint/2010/main" xmlns:a16="http://schemas.microsoft.com/office/drawing/2014/main" xmlns="" w="9525">
+                <a14:hiddenLine xmlns="" xmlns:a16="http://schemas.microsoft.com/office/drawing/2014/main" xmlns:p14="http://schemas.microsoft.com/office/powerpoint/2010/main" xmlns:a14="http://schemas.microsoft.com/office/drawing/2010/main" w="9525">
                   <a:solidFill>
                     <a:srgbClr val="000000"/>
                   </a:solidFill>
@@ -23184,6 +23541,7 @@
                 <a:lumMod val="160000"/>
               </a:schemeClr>
             </a:duotone>
+            <a:extLst/>
           </a:blip>
           <a:stretch/>
         </a:blipFill>
@@ -23348,7 +23706,7 @@
             <a:noFill/>
             <a:extLst>
               <a:ext uri="{909E8E84-426E-40dd-AFC4-6F175D3DCCD1}">
-                <a14:hiddenFill xmlns:p14="http://schemas.microsoft.com/office/powerpoint/2010/main" xmlns:a14="http://schemas.microsoft.com/office/drawing/2010/main" xmlns:a16="http://schemas.microsoft.com/office/drawing/2014/main" xmlns="">
+                <a14:hiddenFill xmlns="" xmlns:a16="http://schemas.microsoft.com/office/drawing/2014/main" xmlns:a14="http://schemas.microsoft.com/office/drawing/2010/main" xmlns:p14="http://schemas.microsoft.com/office/powerpoint/2010/main">
                   <a:solidFill>
                     <a:srgbClr val="FFFFFF"/>
                   </a:solidFill>
@@ -23497,7 +23855,7 @@
             </a:ln>
             <a:extLst>
               <a:ext uri="{91240B29-F687-4f45-9708-019B960494DF}">
-                <a14:hiddenLine xmlns:p14="http://schemas.microsoft.com/office/powerpoint/2010/main" xmlns:a14="http://schemas.microsoft.com/office/drawing/2010/main" xmlns:a16="http://schemas.microsoft.com/office/drawing/2014/main" xmlns="" w="9525">
+                <a14:hiddenLine xmlns="" xmlns:a16="http://schemas.microsoft.com/office/drawing/2014/main" xmlns:a14="http://schemas.microsoft.com/office/drawing/2010/main" xmlns:p14="http://schemas.microsoft.com/office/powerpoint/2010/main" w="9525">
                   <a:solidFill>
                     <a:srgbClr val="000000"/>
                   </a:solidFill>
@@ -23602,7 +23960,7 @@
             </a:ln>
             <a:extLst>
               <a:ext uri="{91240B29-F687-4f45-9708-019B960494DF}">
-                <a14:hiddenLine xmlns:p14="http://schemas.microsoft.com/office/powerpoint/2010/main" xmlns:a14="http://schemas.microsoft.com/office/drawing/2010/main" xmlns:a16="http://schemas.microsoft.com/office/drawing/2014/main" xmlns="" w="9525">
+                <a14:hiddenLine xmlns="" xmlns:a16="http://schemas.microsoft.com/office/drawing/2014/main" xmlns:a14="http://schemas.microsoft.com/office/drawing/2010/main" xmlns:p14="http://schemas.microsoft.com/office/powerpoint/2010/main" w="9525">
                   <a:solidFill>
                     <a:srgbClr val="000000"/>
                   </a:solidFill>
@@ -23707,7 +24065,7 @@
             </a:ln>
             <a:extLst>
               <a:ext uri="{91240B29-F687-4f45-9708-019B960494DF}">
-                <a14:hiddenLine xmlns:p14="http://schemas.microsoft.com/office/powerpoint/2010/main" xmlns:a14="http://schemas.microsoft.com/office/drawing/2010/main" xmlns:a16="http://schemas.microsoft.com/office/drawing/2014/main" xmlns="" w="9525">
+                <a14:hiddenLine xmlns="" xmlns:a16="http://schemas.microsoft.com/office/drawing/2014/main" xmlns:a14="http://schemas.microsoft.com/office/drawing/2010/main" xmlns:p14="http://schemas.microsoft.com/office/powerpoint/2010/main" w="9525">
                   <a:solidFill>
                     <a:srgbClr val="000000"/>
                   </a:solidFill>
@@ -23756,7 +24114,7 @@
             </a:ln>
             <a:extLst>
               <a:ext uri="{91240B29-F687-4f45-9708-019B960494DF}">
-                <a14:hiddenLine xmlns:p14="http://schemas.microsoft.com/office/powerpoint/2010/main" xmlns:a14="http://schemas.microsoft.com/office/drawing/2010/main" xmlns:a16="http://schemas.microsoft.com/office/drawing/2014/main" xmlns="" w="9525">
+                <a14:hiddenLine xmlns="" xmlns:a16="http://schemas.microsoft.com/office/drawing/2014/main" xmlns:a14="http://schemas.microsoft.com/office/drawing/2010/main" xmlns:p14="http://schemas.microsoft.com/office/powerpoint/2010/main" w="9525">
                   <a:solidFill>
                     <a:srgbClr val="000000"/>
                   </a:solidFill>
@@ -23861,7 +24219,7 @@
             </a:ln>
             <a:extLst>
               <a:ext uri="{91240B29-F687-4f45-9708-019B960494DF}">
-                <a14:hiddenLine xmlns:p14="http://schemas.microsoft.com/office/powerpoint/2010/main" xmlns:a14="http://schemas.microsoft.com/office/drawing/2010/main" xmlns:a16="http://schemas.microsoft.com/office/drawing/2014/main" xmlns="" w="9525">
+                <a14:hiddenLine xmlns="" xmlns:a16="http://schemas.microsoft.com/office/drawing/2014/main" xmlns:a14="http://schemas.microsoft.com/office/drawing/2010/main" xmlns:p14="http://schemas.microsoft.com/office/powerpoint/2010/main" w="9525">
                   <a:solidFill>
                     <a:srgbClr val="000000"/>
                   </a:solidFill>
@@ -23938,7 +24296,7 @@
             </a:ln>
             <a:extLst>
               <a:ext uri="{91240B29-F687-4f45-9708-019B960494DF}">
-                <a14:hiddenLine xmlns:p14="http://schemas.microsoft.com/office/powerpoint/2010/main" xmlns:a14="http://schemas.microsoft.com/office/drawing/2010/main" xmlns:a16="http://schemas.microsoft.com/office/drawing/2014/main" xmlns="" w="9525">
+                <a14:hiddenLine xmlns="" xmlns:a16="http://schemas.microsoft.com/office/drawing/2014/main" xmlns:a14="http://schemas.microsoft.com/office/drawing/2010/main" xmlns:p14="http://schemas.microsoft.com/office/powerpoint/2010/main" w="9525">
                   <a:solidFill>
                     <a:srgbClr val="000000"/>
                   </a:solidFill>
@@ -24015,7 +24373,7 @@
             </a:ln>
             <a:extLst>
               <a:ext uri="{91240B29-F687-4f45-9708-019B960494DF}">
-                <a14:hiddenLine xmlns:p14="http://schemas.microsoft.com/office/powerpoint/2010/main" xmlns:a14="http://schemas.microsoft.com/office/drawing/2010/main" xmlns:a16="http://schemas.microsoft.com/office/drawing/2014/main" xmlns="" w="9525">
+                <a14:hiddenLine xmlns="" xmlns:a16="http://schemas.microsoft.com/office/drawing/2014/main" xmlns:a14="http://schemas.microsoft.com/office/drawing/2010/main" xmlns:p14="http://schemas.microsoft.com/office/powerpoint/2010/main" w="9525">
                   <a:solidFill>
                     <a:srgbClr val="000000"/>
                   </a:solidFill>
@@ -24120,7 +24478,7 @@
             </a:ln>
             <a:extLst>
               <a:ext uri="{91240B29-F687-4f45-9708-019B960494DF}">
-                <a14:hiddenLine xmlns:p14="http://schemas.microsoft.com/office/powerpoint/2010/main" xmlns:a14="http://schemas.microsoft.com/office/drawing/2010/main" xmlns:a16="http://schemas.microsoft.com/office/drawing/2014/main" xmlns="" w="9525">
+                <a14:hiddenLine xmlns="" xmlns:a16="http://schemas.microsoft.com/office/drawing/2014/main" xmlns:a14="http://schemas.microsoft.com/office/drawing/2010/main" xmlns:p14="http://schemas.microsoft.com/office/powerpoint/2010/main" w="9525">
                   <a:solidFill>
                     <a:srgbClr val="000000"/>
                   </a:solidFill>
@@ -24197,7 +24555,7 @@
             </a:ln>
             <a:extLst>
               <a:ext uri="{91240B29-F687-4f45-9708-019B960494DF}">
-                <a14:hiddenLine xmlns:p14="http://schemas.microsoft.com/office/powerpoint/2010/main" xmlns:a14="http://schemas.microsoft.com/office/drawing/2010/main" xmlns:a16="http://schemas.microsoft.com/office/drawing/2014/main" xmlns="" w="9525">
+                <a14:hiddenLine xmlns="" xmlns:a16="http://schemas.microsoft.com/office/drawing/2014/main" xmlns:a14="http://schemas.microsoft.com/office/drawing/2010/main" xmlns:p14="http://schemas.microsoft.com/office/powerpoint/2010/main" w="9525">
                   <a:solidFill>
                     <a:srgbClr val="000000"/>
                   </a:solidFill>
@@ -24274,7 +24632,7 @@
             </a:ln>
             <a:extLst>
               <a:ext uri="{91240B29-F687-4f45-9708-019B960494DF}">
-                <a14:hiddenLine xmlns:p14="http://schemas.microsoft.com/office/powerpoint/2010/main" xmlns:a14="http://schemas.microsoft.com/office/drawing/2010/main" xmlns:a16="http://schemas.microsoft.com/office/drawing/2014/main" xmlns="" w="9525">
+                <a14:hiddenLine xmlns="" xmlns:a16="http://schemas.microsoft.com/office/drawing/2014/main" xmlns:a14="http://schemas.microsoft.com/office/drawing/2010/main" xmlns:p14="http://schemas.microsoft.com/office/powerpoint/2010/main" w="9525">
                   <a:solidFill>
                     <a:srgbClr val="000000"/>
                   </a:solidFill>
@@ -24379,7 +24737,7 @@
             </a:ln>
             <a:extLst>
               <a:ext uri="{91240B29-F687-4f45-9708-019B960494DF}">
-                <a14:hiddenLine xmlns:p14="http://schemas.microsoft.com/office/powerpoint/2010/main" xmlns:a14="http://schemas.microsoft.com/office/drawing/2010/main" xmlns:a16="http://schemas.microsoft.com/office/drawing/2014/main" xmlns="" w="9525">
+                <a14:hiddenLine xmlns="" xmlns:a16="http://schemas.microsoft.com/office/drawing/2014/main" xmlns:a14="http://schemas.microsoft.com/office/drawing/2010/main" xmlns:p14="http://schemas.microsoft.com/office/powerpoint/2010/main" w="9525">
                   <a:solidFill>
                     <a:srgbClr val="000000"/>
                   </a:solidFill>
@@ -24484,7 +24842,7 @@
             </a:ln>
             <a:extLst>
               <a:ext uri="{91240B29-F687-4f45-9708-019B960494DF}">
-                <a14:hiddenLine xmlns:p14="http://schemas.microsoft.com/office/powerpoint/2010/main" xmlns:a14="http://schemas.microsoft.com/office/drawing/2010/main" xmlns:a16="http://schemas.microsoft.com/office/drawing/2014/main" xmlns="" w="9525">
+                <a14:hiddenLine xmlns="" xmlns:a16="http://schemas.microsoft.com/office/drawing/2014/main" xmlns:a14="http://schemas.microsoft.com/office/drawing/2010/main" xmlns:p14="http://schemas.microsoft.com/office/powerpoint/2010/main" w="9525">
                   <a:solidFill>
                     <a:srgbClr val="000000"/>
                   </a:solidFill>
@@ -24561,7 +24919,7 @@
             </a:ln>
             <a:extLst>
               <a:ext uri="{91240B29-F687-4f45-9708-019B960494DF}">
-                <a14:hiddenLine xmlns:p14="http://schemas.microsoft.com/office/powerpoint/2010/main" xmlns:a14="http://schemas.microsoft.com/office/drawing/2010/main" xmlns:a16="http://schemas.microsoft.com/office/drawing/2014/main" xmlns="" w="9525">
+                <a14:hiddenLine xmlns="" xmlns:a16="http://schemas.microsoft.com/office/drawing/2014/main" xmlns:a14="http://schemas.microsoft.com/office/drawing/2010/main" xmlns:p14="http://schemas.microsoft.com/office/powerpoint/2010/main" w="9525">
                   <a:solidFill>
                     <a:srgbClr val="000000"/>
                   </a:solidFill>
@@ -24686,7 +25044,7 @@
             </a:ln>
             <a:extLst>
               <a:ext uri="{91240B29-F687-4f45-9708-019B960494DF}">
-                <a14:hiddenLine xmlns:p14="http://schemas.microsoft.com/office/powerpoint/2010/main" xmlns:a14="http://schemas.microsoft.com/office/drawing/2010/main" xmlns:a16="http://schemas.microsoft.com/office/drawing/2014/main" xmlns="" w="9525">
+                <a14:hiddenLine xmlns="" xmlns:a16="http://schemas.microsoft.com/office/drawing/2014/main" xmlns:a14="http://schemas.microsoft.com/office/drawing/2010/main" xmlns:p14="http://schemas.microsoft.com/office/powerpoint/2010/main" w="9525">
                   <a:solidFill>
                     <a:srgbClr val="000000"/>
                   </a:solidFill>
@@ -24763,7 +25121,7 @@
             </a:ln>
             <a:extLst>
               <a:ext uri="{91240B29-F687-4f45-9708-019B960494DF}">
-                <a14:hiddenLine xmlns:p14="http://schemas.microsoft.com/office/powerpoint/2010/main" xmlns:a14="http://schemas.microsoft.com/office/drawing/2010/main" xmlns:a16="http://schemas.microsoft.com/office/drawing/2014/main" xmlns="" w="9525">
+                <a14:hiddenLine xmlns="" xmlns:a16="http://schemas.microsoft.com/office/drawing/2014/main" xmlns:a14="http://schemas.microsoft.com/office/drawing/2010/main" xmlns:p14="http://schemas.microsoft.com/office/powerpoint/2010/main" w="9525">
                   <a:solidFill>
                     <a:srgbClr val="000000"/>
                   </a:solidFill>
@@ -24868,7 +25226,7 @@
             </a:ln>
             <a:extLst>
               <a:ext uri="{91240B29-F687-4f45-9708-019B960494DF}">
-                <a14:hiddenLine xmlns:p14="http://schemas.microsoft.com/office/powerpoint/2010/main" xmlns:a14="http://schemas.microsoft.com/office/drawing/2010/main" xmlns:a16="http://schemas.microsoft.com/office/drawing/2014/main" xmlns="" w="9525">
+                <a14:hiddenLine xmlns="" xmlns:a16="http://schemas.microsoft.com/office/drawing/2014/main" xmlns:a14="http://schemas.microsoft.com/office/drawing/2010/main" xmlns:p14="http://schemas.microsoft.com/office/powerpoint/2010/main" w="9525">
                   <a:solidFill>
                     <a:srgbClr val="000000"/>
                   </a:solidFill>
@@ -24973,7 +25331,7 @@
             </a:ln>
             <a:extLst>
               <a:ext uri="{91240B29-F687-4f45-9708-019B960494DF}">
-                <a14:hiddenLine xmlns:p14="http://schemas.microsoft.com/office/powerpoint/2010/main" xmlns:a14="http://schemas.microsoft.com/office/drawing/2010/main" xmlns:a16="http://schemas.microsoft.com/office/drawing/2014/main" xmlns="" w="9525">
+                <a14:hiddenLine xmlns="" xmlns:a16="http://schemas.microsoft.com/office/drawing/2014/main" xmlns:a14="http://schemas.microsoft.com/office/drawing/2010/main" xmlns:p14="http://schemas.microsoft.com/office/powerpoint/2010/main" w="9525">
                   <a:solidFill>
                     <a:srgbClr val="000000"/>
                   </a:solidFill>
@@ -25050,7 +25408,7 @@
             </a:ln>
             <a:extLst>
               <a:ext uri="{91240B29-F687-4f45-9708-019B960494DF}">
-                <a14:hiddenLine xmlns:p14="http://schemas.microsoft.com/office/powerpoint/2010/main" xmlns:a14="http://schemas.microsoft.com/office/drawing/2010/main" xmlns:a16="http://schemas.microsoft.com/office/drawing/2014/main" xmlns="" w="9525">
+                <a14:hiddenLine xmlns="" xmlns:a16="http://schemas.microsoft.com/office/drawing/2014/main" xmlns:a14="http://schemas.microsoft.com/office/drawing/2010/main" xmlns:p14="http://schemas.microsoft.com/office/powerpoint/2010/main" w="9525">
                   <a:solidFill>
                     <a:srgbClr val="000000"/>
                   </a:solidFill>
@@ -25155,7 +25513,7 @@
             </a:ln>
             <a:extLst>
               <a:ext uri="{91240B29-F687-4f45-9708-019B960494DF}">
-                <a14:hiddenLine xmlns:p14="http://schemas.microsoft.com/office/powerpoint/2010/main" xmlns:a14="http://schemas.microsoft.com/office/drawing/2010/main" xmlns:a16="http://schemas.microsoft.com/office/drawing/2014/main" xmlns="" w="9525">
+                <a14:hiddenLine xmlns="" xmlns:a16="http://schemas.microsoft.com/office/drawing/2014/main" xmlns:a14="http://schemas.microsoft.com/office/drawing/2010/main" xmlns:p14="http://schemas.microsoft.com/office/powerpoint/2010/main" w="9525">
                   <a:solidFill>
                     <a:srgbClr val="000000"/>
                   </a:solidFill>
@@ -25260,7 +25618,7 @@
             </a:ln>
             <a:extLst>
               <a:ext uri="{91240B29-F687-4f45-9708-019B960494DF}">
-                <a14:hiddenLine xmlns:p14="http://schemas.microsoft.com/office/powerpoint/2010/main" xmlns:a14="http://schemas.microsoft.com/office/drawing/2010/main" xmlns:a16="http://schemas.microsoft.com/office/drawing/2014/main" xmlns="" w="9525">
+                <a14:hiddenLine xmlns="" xmlns:a16="http://schemas.microsoft.com/office/drawing/2014/main" xmlns:a14="http://schemas.microsoft.com/office/drawing/2010/main" xmlns:p14="http://schemas.microsoft.com/office/powerpoint/2010/main" w="9525">
                   <a:solidFill>
                     <a:srgbClr val="000000"/>
                   </a:solidFill>
@@ -25331,7 +25689,7 @@
             </a:ln>
             <a:extLst>
               <a:ext uri="{91240B29-F687-4f45-9708-019B960494DF}">
-                <a14:hiddenLine xmlns:p14="http://schemas.microsoft.com/office/powerpoint/2010/main" xmlns:a14="http://schemas.microsoft.com/office/drawing/2010/main" xmlns:a16="http://schemas.microsoft.com/office/drawing/2014/main" xmlns="" w="9525">
+                <a14:hiddenLine xmlns="" xmlns:a16="http://schemas.microsoft.com/office/drawing/2014/main" xmlns:a14="http://schemas.microsoft.com/office/drawing/2010/main" xmlns:p14="http://schemas.microsoft.com/office/powerpoint/2010/main" w="9525">
                   <a:solidFill>
                     <a:srgbClr val="000000"/>
                   </a:solidFill>
@@ -25436,7 +25794,7 @@
             </a:ln>
             <a:extLst>
               <a:ext uri="{91240B29-F687-4f45-9708-019B960494DF}">
-                <a14:hiddenLine xmlns:p14="http://schemas.microsoft.com/office/powerpoint/2010/main" xmlns:a14="http://schemas.microsoft.com/office/drawing/2010/main" xmlns:a16="http://schemas.microsoft.com/office/drawing/2014/main" xmlns="" w="9525">
+                <a14:hiddenLine xmlns="" xmlns:a16="http://schemas.microsoft.com/office/drawing/2014/main" xmlns:a14="http://schemas.microsoft.com/office/drawing/2010/main" xmlns:p14="http://schemas.microsoft.com/office/powerpoint/2010/main" w="9525">
                   <a:solidFill>
                     <a:srgbClr val="000000"/>
                   </a:solidFill>
@@ -25507,7 +25865,7 @@
             </a:ln>
             <a:extLst>
               <a:ext uri="{91240B29-F687-4f45-9708-019B960494DF}">
-                <a14:hiddenLine xmlns:p14="http://schemas.microsoft.com/office/powerpoint/2010/main" xmlns:a14="http://schemas.microsoft.com/office/drawing/2010/main" xmlns:a16="http://schemas.microsoft.com/office/drawing/2014/main" xmlns="" w="9525">
+                <a14:hiddenLine xmlns="" xmlns:a16="http://schemas.microsoft.com/office/drawing/2014/main" xmlns:a14="http://schemas.microsoft.com/office/drawing/2010/main" xmlns:p14="http://schemas.microsoft.com/office/powerpoint/2010/main" w="9525">
                   <a:solidFill>
                     <a:srgbClr val="000000"/>
                   </a:solidFill>
@@ -25612,7 +25970,7 @@
             </a:ln>
             <a:extLst>
               <a:ext uri="{91240B29-F687-4f45-9708-019B960494DF}">
-                <a14:hiddenLine xmlns:p14="http://schemas.microsoft.com/office/powerpoint/2010/main" xmlns:a14="http://schemas.microsoft.com/office/drawing/2010/main" xmlns:a16="http://schemas.microsoft.com/office/drawing/2014/main" xmlns="" w="9525">
+                <a14:hiddenLine xmlns="" xmlns:a16="http://schemas.microsoft.com/office/drawing/2014/main" xmlns:a14="http://schemas.microsoft.com/office/drawing/2010/main" xmlns:p14="http://schemas.microsoft.com/office/powerpoint/2010/main" w="9525">
                   <a:solidFill>
                     <a:srgbClr val="000000"/>
                   </a:solidFill>
@@ -25695,7 +26053,7 @@
             </a:ln>
             <a:extLst>
               <a:ext uri="{91240B29-F687-4f45-9708-019B960494DF}">
-                <a14:hiddenLine xmlns:p14="http://schemas.microsoft.com/office/powerpoint/2010/main" xmlns:a14="http://schemas.microsoft.com/office/drawing/2010/main" xmlns:a16="http://schemas.microsoft.com/office/drawing/2014/main" xmlns="" w="9525">
+                <a14:hiddenLine xmlns="" xmlns:a16="http://schemas.microsoft.com/office/drawing/2014/main" xmlns:a14="http://schemas.microsoft.com/office/drawing/2010/main" xmlns:p14="http://schemas.microsoft.com/office/powerpoint/2010/main" w="9525">
                   <a:solidFill>
                     <a:srgbClr val="000000"/>
                   </a:solidFill>
@@ -25800,7 +26158,7 @@
             </a:ln>
             <a:extLst>
               <a:ext uri="{91240B29-F687-4f45-9708-019B960494DF}">
-                <a14:hiddenLine xmlns:p14="http://schemas.microsoft.com/office/powerpoint/2010/main" xmlns:a14="http://schemas.microsoft.com/office/drawing/2010/main" xmlns:a16="http://schemas.microsoft.com/office/drawing/2014/main" xmlns="" w="9525">
+                <a14:hiddenLine xmlns="" xmlns:a16="http://schemas.microsoft.com/office/drawing/2014/main" xmlns:a14="http://schemas.microsoft.com/office/drawing/2010/main" xmlns:p14="http://schemas.microsoft.com/office/powerpoint/2010/main" w="9525">
                   <a:solidFill>
                     <a:srgbClr val="000000"/>
                   </a:solidFill>
@@ -25883,7 +26241,7 @@
             </a:ln>
             <a:extLst>
               <a:ext uri="{91240B29-F687-4f45-9708-019B960494DF}">
-                <a14:hiddenLine xmlns:p14="http://schemas.microsoft.com/office/powerpoint/2010/main" xmlns:a14="http://schemas.microsoft.com/office/drawing/2010/main" xmlns:a16="http://schemas.microsoft.com/office/drawing/2014/main" xmlns="" w="9525">
+                <a14:hiddenLine xmlns="" xmlns:a16="http://schemas.microsoft.com/office/drawing/2014/main" xmlns:a14="http://schemas.microsoft.com/office/drawing/2010/main" xmlns:p14="http://schemas.microsoft.com/office/powerpoint/2010/main" w="9525">
                   <a:solidFill>
                     <a:srgbClr val="000000"/>
                   </a:solidFill>
@@ -25988,7 +26346,7 @@
             </a:ln>
             <a:extLst>
               <a:ext uri="{91240B29-F687-4f45-9708-019B960494DF}">
-                <a14:hiddenLine xmlns:p14="http://schemas.microsoft.com/office/powerpoint/2010/main" xmlns:a14="http://schemas.microsoft.com/office/drawing/2010/main" xmlns:a16="http://schemas.microsoft.com/office/drawing/2014/main" xmlns="" w="9525">
+                <a14:hiddenLine xmlns="" xmlns:a16="http://schemas.microsoft.com/office/drawing/2014/main" xmlns:a14="http://schemas.microsoft.com/office/drawing/2010/main" xmlns:p14="http://schemas.microsoft.com/office/powerpoint/2010/main" w="9525">
                   <a:solidFill>
                     <a:srgbClr val="000000"/>
                   </a:solidFill>
@@ -26037,7 +26395,7 @@
             </a:ln>
             <a:extLst>
               <a:ext uri="{91240B29-F687-4f45-9708-019B960494DF}">
-                <a14:hiddenLine xmlns:p14="http://schemas.microsoft.com/office/powerpoint/2010/main" xmlns:a14="http://schemas.microsoft.com/office/drawing/2010/main" xmlns:a16="http://schemas.microsoft.com/office/drawing/2014/main" xmlns="" w="9525">
+                <a14:hiddenLine xmlns="" xmlns:a16="http://schemas.microsoft.com/office/drawing/2014/main" xmlns:a14="http://schemas.microsoft.com/office/drawing/2010/main" xmlns:p14="http://schemas.microsoft.com/office/powerpoint/2010/main" w="9525">
                   <a:solidFill>
                     <a:srgbClr val="000000"/>
                   </a:solidFill>
@@ -26142,7 +26500,7 @@
             </a:ln>
             <a:extLst>
               <a:ext uri="{91240B29-F687-4f45-9708-019B960494DF}">
-                <a14:hiddenLine xmlns:p14="http://schemas.microsoft.com/office/powerpoint/2010/main" xmlns:a14="http://schemas.microsoft.com/office/drawing/2010/main" xmlns:a16="http://schemas.microsoft.com/office/drawing/2014/main" xmlns="" w="9525">
+                <a14:hiddenLine xmlns="" xmlns:a16="http://schemas.microsoft.com/office/drawing/2014/main" xmlns:a14="http://schemas.microsoft.com/office/drawing/2010/main" xmlns:p14="http://schemas.microsoft.com/office/powerpoint/2010/main" w="9525">
                   <a:solidFill>
                     <a:srgbClr val="000000"/>
                   </a:solidFill>
@@ -26219,7 +26577,7 @@
             </a:ln>
             <a:extLst>
               <a:ext uri="{91240B29-F687-4f45-9708-019B960494DF}">
-                <a14:hiddenLine xmlns:p14="http://schemas.microsoft.com/office/powerpoint/2010/main" xmlns:a14="http://schemas.microsoft.com/office/drawing/2010/main" xmlns:a16="http://schemas.microsoft.com/office/drawing/2014/main" xmlns="" w="9525">
+                <a14:hiddenLine xmlns="" xmlns:a16="http://schemas.microsoft.com/office/drawing/2014/main" xmlns:a14="http://schemas.microsoft.com/office/drawing/2010/main" xmlns:p14="http://schemas.microsoft.com/office/powerpoint/2010/main" w="9525">
                   <a:solidFill>
                     <a:srgbClr val="000000"/>
                   </a:solidFill>
@@ -26296,7 +26654,7 @@
             </a:ln>
             <a:extLst>
               <a:ext uri="{91240B29-F687-4f45-9708-019B960494DF}">
-                <a14:hiddenLine xmlns:p14="http://schemas.microsoft.com/office/powerpoint/2010/main" xmlns:a14="http://schemas.microsoft.com/office/drawing/2010/main" xmlns:a16="http://schemas.microsoft.com/office/drawing/2014/main" xmlns="" w="9525">
+                <a14:hiddenLine xmlns="" xmlns:a16="http://schemas.microsoft.com/office/drawing/2014/main" xmlns:a14="http://schemas.microsoft.com/office/drawing/2010/main" xmlns:p14="http://schemas.microsoft.com/office/powerpoint/2010/main" w="9525">
                   <a:solidFill>
                     <a:srgbClr val="000000"/>
                   </a:solidFill>
@@ -26401,7 +26759,7 @@
             </a:ln>
             <a:extLst>
               <a:ext uri="{91240B29-F687-4f45-9708-019B960494DF}">
-                <a14:hiddenLine xmlns:p14="http://schemas.microsoft.com/office/powerpoint/2010/main" xmlns:a14="http://schemas.microsoft.com/office/drawing/2010/main" xmlns:a16="http://schemas.microsoft.com/office/drawing/2014/main" xmlns="" w="9525">
+                <a14:hiddenLine xmlns="" xmlns:a16="http://schemas.microsoft.com/office/drawing/2014/main" xmlns:a14="http://schemas.microsoft.com/office/drawing/2010/main" xmlns:p14="http://schemas.microsoft.com/office/powerpoint/2010/main" w="9525">
                   <a:solidFill>
                     <a:srgbClr val="000000"/>
                   </a:solidFill>
@@ -26484,7 +26842,7 @@
             </a:ln>
             <a:extLst>
               <a:ext uri="{91240B29-F687-4f45-9708-019B960494DF}">
-                <a14:hiddenLine xmlns:p14="http://schemas.microsoft.com/office/powerpoint/2010/main" xmlns:a14="http://schemas.microsoft.com/office/drawing/2010/main" xmlns:a16="http://schemas.microsoft.com/office/drawing/2014/main" xmlns="" w="9525">
+                <a14:hiddenLine xmlns="" xmlns:a16="http://schemas.microsoft.com/office/drawing/2014/main" xmlns:a14="http://schemas.microsoft.com/office/drawing/2010/main" xmlns:p14="http://schemas.microsoft.com/office/powerpoint/2010/main" w="9525">
                   <a:solidFill>
                     <a:srgbClr val="000000"/>
                   </a:solidFill>
@@ -26561,7 +26919,7 @@
             </a:ln>
             <a:extLst>
               <a:ext uri="{91240B29-F687-4f45-9708-019B960494DF}">
-                <a14:hiddenLine xmlns:p14="http://schemas.microsoft.com/office/powerpoint/2010/main" xmlns:a14="http://schemas.microsoft.com/office/drawing/2010/main" xmlns:a16="http://schemas.microsoft.com/office/drawing/2014/main" xmlns="" w="9525">
+                <a14:hiddenLine xmlns="" xmlns:a16="http://schemas.microsoft.com/office/drawing/2014/main" xmlns:a14="http://schemas.microsoft.com/office/drawing/2010/main" xmlns:p14="http://schemas.microsoft.com/office/powerpoint/2010/main" w="9525">
                   <a:solidFill>
                     <a:srgbClr val="000000"/>
                   </a:solidFill>
@@ -26666,7 +27024,7 @@
             </a:ln>
             <a:extLst>
               <a:ext uri="{91240B29-F687-4f45-9708-019B960494DF}">
-                <a14:hiddenLine xmlns:p14="http://schemas.microsoft.com/office/powerpoint/2010/main" xmlns:a14="http://schemas.microsoft.com/office/drawing/2010/main" xmlns:a16="http://schemas.microsoft.com/office/drawing/2014/main" xmlns="" w="9525">
+                <a14:hiddenLine xmlns="" xmlns:a16="http://schemas.microsoft.com/office/drawing/2014/main" xmlns:a14="http://schemas.microsoft.com/office/drawing/2010/main" xmlns:p14="http://schemas.microsoft.com/office/powerpoint/2010/main" w="9525">
                   <a:solidFill>
                     <a:srgbClr val="000000"/>
                   </a:solidFill>
@@ -26743,7 +27101,7 @@
             </a:ln>
             <a:extLst>
               <a:ext uri="{91240B29-F687-4f45-9708-019B960494DF}">
-                <a14:hiddenLine xmlns:p14="http://schemas.microsoft.com/office/powerpoint/2010/main" xmlns:a14="http://schemas.microsoft.com/office/drawing/2010/main" xmlns:a16="http://schemas.microsoft.com/office/drawing/2014/main" xmlns="" w="9525">
+                <a14:hiddenLine xmlns="" xmlns:a16="http://schemas.microsoft.com/office/drawing/2014/main" xmlns:a14="http://schemas.microsoft.com/office/drawing/2010/main" xmlns:p14="http://schemas.microsoft.com/office/powerpoint/2010/main" w="9525">
                   <a:solidFill>
                     <a:srgbClr val="000000"/>
                   </a:solidFill>
@@ -26848,7 +27206,7 @@
             </a:ln>
             <a:extLst>
               <a:ext uri="{91240B29-F687-4f45-9708-019B960494DF}">
-                <a14:hiddenLine xmlns:p14="http://schemas.microsoft.com/office/powerpoint/2010/main" xmlns:a14="http://schemas.microsoft.com/office/drawing/2010/main" xmlns:a16="http://schemas.microsoft.com/office/drawing/2014/main" xmlns="" w="9525">
+                <a14:hiddenLine xmlns="" xmlns:a16="http://schemas.microsoft.com/office/drawing/2014/main" xmlns:a14="http://schemas.microsoft.com/office/drawing/2010/main" xmlns:p14="http://schemas.microsoft.com/office/powerpoint/2010/main" w="9525">
                   <a:solidFill>
                     <a:srgbClr val="000000"/>
                   </a:solidFill>
@@ -26925,7 +27283,7 @@
             </a:ln>
             <a:extLst>
               <a:ext uri="{91240B29-F687-4f45-9708-019B960494DF}">
-                <a14:hiddenLine xmlns:p14="http://schemas.microsoft.com/office/powerpoint/2010/main" xmlns:a14="http://schemas.microsoft.com/office/drawing/2010/main" xmlns:a16="http://schemas.microsoft.com/office/drawing/2014/main" xmlns="" w="9525">
+                <a14:hiddenLine xmlns="" xmlns:a16="http://schemas.microsoft.com/office/drawing/2014/main" xmlns:a14="http://schemas.microsoft.com/office/drawing/2010/main" xmlns:p14="http://schemas.microsoft.com/office/powerpoint/2010/main" w="9525">
                   <a:solidFill>
                     <a:srgbClr val="000000"/>
                   </a:solidFill>
@@ -27030,7 +27388,7 @@
             </a:ln>
             <a:extLst>
               <a:ext uri="{91240B29-F687-4f45-9708-019B960494DF}">
-                <a14:hiddenLine xmlns:p14="http://schemas.microsoft.com/office/powerpoint/2010/main" xmlns:a14="http://schemas.microsoft.com/office/drawing/2010/main" xmlns:a16="http://schemas.microsoft.com/office/drawing/2014/main" xmlns="" w="9525">
+                <a14:hiddenLine xmlns="" xmlns:a16="http://schemas.microsoft.com/office/drawing/2014/main" xmlns:a14="http://schemas.microsoft.com/office/drawing/2010/main" xmlns:p14="http://schemas.microsoft.com/office/powerpoint/2010/main" w="9525">
                   <a:solidFill>
                     <a:srgbClr val="000000"/>
                   </a:solidFill>
@@ -27079,7 +27437,7 @@
             </a:ln>
             <a:extLst>
               <a:ext uri="{91240B29-F687-4f45-9708-019B960494DF}">
-                <a14:hiddenLine xmlns:p14="http://schemas.microsoft.com/office/powerpoint/2010/main" xmlns:a14="http://schemas.microsoft.com/office/drawing/2010/main" xmlns:a16="http://schemas.microsoft.com/office/drawing/2014/main" xmlns="" w="9525">
+                <a14:hiddenLine xmlns="" xmlns:a16="http://schemas.microsoft.com/office/drawing/2014/main" xmlns:a14="http://schemas.microsoft.com/office/drawing/2010/main" xmlns:p14="http://schemas.microsoft.com/office/powerpoint/2010/main" w="9525">
                   <a:solidFill>
                     <a:srgbClr val="000000"/>
                   </a:solidFill>
@@ -27159,7 +27517,7 @@
             </a:ln>
             <a:extLst>
               <a:ext uri="{91240B29-F687-4f45-9708-019B960494DF}">
-                <a14:hiddenLine xmlns:p14="http://schemas.microsoft.com/office/powerpoint/2010/main" xmlns:a14="http://schemas.microsoft.com/office/drawing/2010/main" xmlns:a16="http://schemas.microsoft.com/office/drawing/2014/main" xmlns="" w="9525">
+                <a14:hiddenLine xmlns="" xmlns:a16="http://schemas.microsoft.com/office/drawing/2014/main" xmlns:a14="http://schemas.microsoft.com/office/drawing/2010/main" xmlns:p14="http://schemas.microsoft.com/office/powerpoint/2010/main" w="9525">
                   <a:solidFill>
                     <a:srgbClr val="000000"/>
                   </a:solidFill>
@@ -27264,7 +27622,7 @@
             </a:ln>
             <a:extLst>
               <a:ext uri="{91240B29-F687-4f45-9708-019B960494DF}">
-                <a14:hiddenLine xmlns:p14="http://schemas.microsoft.com/office/powerpoint/2010/main" xmlns:a14="http://schemas.microsoft.com/office/drawing/2010/main" xmlns:a16="http://schemas.microsoft.com/office/drawing/2014/main" xmlns="" w="9525">
+                <a14:hiddenLine xmlns="" xmlns:a16="http://schemas.microsoft.com/office/drawing/2014/main" xmlns:a14="http://schemas.microsoft.com/office/drawing/2010/main" xmlns:p14="http://schemas.microsoft.com/office/powerpoint/2010/main" w="9525">
                   <a:solidFill>
                     <a:srgbClr val="000000"/>
                   </a:solidFill>
@@ -27341,7 +27699,7 @@
             </a:ln>
             <a:extLst>
               <a:ext uri="{91240B29-F687-4f45-9708-019B960494DF}">
-                <a14:hiddenLine xmlns:p14="http://schemas.microsoft.com/office/powerpoint/2010/main" xmlns:a14="http://schemas.microsoft.com/office/drawing/2010/main" xmlns:a16="http://schemas.microsoft.com/office/drawing/2014/main" xmlns="" w="9525">
+                <a14:hiddenLine xmlns="" xmlns:a16="http://schemas.microsoft.com/office/drawing/2014/main" xmlns:a14="http://schemas.microsoft.com/office/drawing/2010/main" xmlns:p14="http://schemas.microsoft.com/office/powerpoint/2010/main" w="9525">
                   <a:solidFill>
                     <a:srgbClr val="000000"/>
                   </a:solidFill>
@@ -27446,7 +27804,7 @@
             </a:ln>
             <a:extLst>
               <a:ext uri="{91240B29-F687-4f45-9708-019B960494DF}">
-                <a14:hiddenLine xmlns:p14="http://schemas.microsoft.com/office/powerpoint/2010/main" xmlns:a14="http://schemas.microsoft.com/office/drawing/2010/main" xmlns:a16="http://schemas.microsoft.com/office/drawing/2014/main" xmlns="" w="9525">
+                <a14:hiddenLine xmlns="" xmlns:a16="http://schemas.microsoft.com/office/drawing/2014/main" xmlns:a14="http://schemas.microsoft.com/office/drawing/2010/main" xmlns:p14="http://schemas.microsoft.com/office/powerpoint/2010/main" w="9525">
                   <a:solidFill>
                     <a:srgbClr val="000000"/>
                   </a:solidFill>
@@ -27551,7 +27909,7 @@
             </a:ln>
             <a:extLst>
               <a:ext uri="{91240B29-F687-4f45-9708-019B960494DF}">
-                <a14:hiddenLine xmlns:p14="http://schemas.microsoft.com/office/powerpoint/2010/main" xmlns:a14="http://schemas.microsoft.com/office/drawing/2010/main" xmlns:a16="http://schemas.microsoft.com/office/drawing/2014/main" xmlns="" w="9525">
+                <a14:hiddenLine xmlns="" xmlns:a16="http://schemas.microsoft.com/office/drawing/2014/main" xmlns:a14="http://schemas.microsoft.com/office/drawing/2010/main" xmlns:p14="http://schemas.microsoft.com/office/powerpoint/2010/main" w="9525">
                   <a:solidFill>
                     <a:srgbClr val="000000"/>
                   </a:solidFill>
@@ -27631,7 +27989,7 @@
             </a:ln>
             <a:extLst>
               <a:ext uri="{91240B29-F687-4f45-9708-019B960494DF}">
-                <a14:hiddenLine xmlns:p14="http://schemas.microsoft.com/office/powerpoint/2010/main" xmlns:a14="http://schemas.microsoft.com/office/drawing/2010/main" xmlns:a16="http://schemas.microsoft.com/office/drawing/2014/main" xmlns="" w="9525">
+                <a14:hiddenLine xmlns="" xmlns:a16="http://schemas.microsoft.com/office/drawing/2014/main" xmlns:a14="http://schemas.microsoft.com/office/drawing/2010/main" xmlns:p14="http://schemas.microsoft.com/office/powerpoint/2010/main" w="9525">
                   <a:solidFill>
                     <a:srgbClr val="000000"/>
                   </a:solidFill>
@@ -27708,7 +28066,7 @@
             </a:ln>
             <a:extLst>
               <a:ext uri="{91240B29-F687-4f45-9708-019B960494DF}">
-                <a14:hiddenLine xmlns:p14="http://schemas.microsoft.com/office/powerpoint/2010/main" xmlns:a14="http://schemas.microsoft.com/office/drawing/2010/main" xmlns:a16="http://schemas.microsoft.com/office/drawing/2014/main" xmlns="" w="9525">
+                <a14:hiddenLine xmlns="" xmlns:a16="http://schemas.microsoft.com/office/drawing/2014/main" xmlns:a14="http://schemas.microsoft.com/office/drawing/2010/main" xmlns:p14="http://schemas.microsoft.com/office/powerpoint/2010/main" w="9525">
                   <a:solidFill>
                     <a:srgbClr val="000000"/>
                   </a:solidFill>
@@ -27813,7 +28171,7 @@
             </a:ln>
             <a:extLst>
               <a:ext uri="{91240B29-F687-4f45-9708-019B960494DF}">
-                <a14:hiddenLine xmlns:p14="http://schemas.microsoft.com/office/powerpoint/2010/main" xmlns:a14="http://schemas.microsoft.com/office/drawing/2010/main" xmlns:a16="http://schemas.microsoft.com/office/drawing/2014/main" xmlns="" w="9525">
+                <a14:hiddenLine xmlns="" xmlns:a16="http://schemas.microsoft.com/office/drawing/2014/main" xmlns:a14="http://schemas.microsoft.com/office/drawing/2010/main" xmlns:p14="http://schemas.microsoft.com/office/powerpoint/2010/main" w="9525">
                   <a:solidFill>
                     <a:srgbClr val="000000"/>
                   </a:solidFill>
@@ -27918,7 +28276,7 @@
             </a:ln>
             <a:extLst>
               <a:ext uri="{91240B29-F687-4f45-9708-019B960494DF}">
-                <a14:hiddenLine xmlns:p14="http://schemas.microsoft.com/office/powerpoint/2010/main" xmlns:a14="http://schemas.microsoft.com/office/drawing/2010/main" xmlns:a16="http://schemas.microsoft.com/office/drawing/2014/main" xmlns="" w="9525">
+                <a14:hiddenLine xmlns="" xmlns:a16="http://schemas.microsoft.com/office/drawing/2014/main" xmlns:a14="http://schemas.microsoft.com/office/drawing/2010/main" xmlns:p14="http://schemas.microsoft.com/office/powerpoint/2010/main" w="9525">
                   <a:solidFill>
                     <a:srgbClr val="000000"/>
                   </a:solidFill>
@@ -27995,7 +28353,7 @@
             </a:ln>
             <a:extLst>
               <a:ext uri="{91240B29-F687-4f45-9708-019B960494DF}">
-                <a14:hiddenLine xmlns:p14="http://schemas.microsoft.com/office/powerpoint/2010/main" xmlns:a14="http://schemas.microsoft.com/office/drawing/2010/main" xmlns:a16="http://schemas.microsoft.com/office/drawing/2014/main" xmlns="" w="9525">
+                <a14:hiddenLine xmlns="" xmlns:a16="http://schemas.microsoft.com/office/drawing/2014/main" xmlns:a14="http://schemas.microsoft.com/office/drawing/2010/main" xmlns:p14="http://schemas.microsoft.com/office/powerpoint/2010/main" w="9525">
                   <a:solidFill>
                     <a:srgbClr val="000000"/>
                   </a:solidFill>
@@ -28130,7 +28488,7 @@
             </a:ln>
             <a:extLst>
               <a:ext uri="{91240B29-F687-4f45-9708-019B960494DF}">
-                <a14:hiddenLine xmlns:p14="http://schemas.microsoft.com/office/powerpoint/2010/main" xmlns:a14="http://schemas.microsoft.com/office/drawing/2010/main" xmlns:a16="http://schemas.microsoft.com/office/drawing/2014/main" xmlns="" w="9525">
+                <a14:hiddenLine xmlns="" xmlns:a16="http://schemas.microsoft.com/office/drawing/2014/main" xmlns:a14="http://schemas.microsoft.com/office/drawing/2010/main" xmlns:p14="http://schemas.microsoft.com/office/powerpoint/2010/main" w="9525">
                   <a:solidFill>
                     <a:srgbClr val="000000"/>
                   </a:solidFill>
@@ -28213,7 +28571,7 @@
             </a:ln>
             <a:extLst>
               <a:ext uri="{91240B29-F687-4f45-9708-019B960494DF}">
-                <a14:hiddenLine xmlns:p14="http://schemas.microsoft.com/office/powerpoint/2010/main" xmlns:a14="http://schemas.microsoft.com/office/drawing/2010/main" xmlns:a16="http://schemas.microsoft.com/office/drawing/2014/main" xmlns="" w="9525">
+                <a14:hiddenLine xmlns="" xmlns:a16="http://schemas.microsoft.com/office/drawing/2014/main" xmlns:a14="http://schemas.microsoft.com/office/drawing/2010/main" xmlns:p14="http://schemas.microsoft.com/office/powerpoint/2010/main" w="9525">
                   <a:solidFill>
                     <a:srgbClr val="000000"/>
                   </a:solidFill>
@@ -28318,7 +28676,7 @@
             </a:ln>
             <a:extLst>
               <a:ext uri="{91240B29-F687-4f45-9708-019B960494DF}">
-                <a14:hiddenLine xmlns:p14="http://schemas.microsoft.com/office/powerpoint/2010/main" xmlns:a14="http://schemas.microsoft.com/office/drawing/2010/main" xmlns:a16="http://schemas.microsoft.com/office/drawing/2014/main" xmlns="" w="9525">
+                <a14:hiddenLine xmlns="" xmlns:a16="http://schemas.microsoft.com/office/drawing/2014/main" xmlns:a14="http://schemas.microsoft.com/office/drawing/2010/main" xmlns:p14="http://schemas.microsoft.com/office/powerpoint/2010/main" w="9525">
                   <a:solidFill>
                     <a:srgbClr val="000000"/>
                   </a:solidFill>
@@ -28604,7 +28962,7 @@
           <a:lstStyle/>
           <a:p>
             <a:r>
-              <a:rPr lang="en-US" dirty="0">
+              <a:rPr lang="en-US" b="1" dirty="0">
                 <a:solidFill>
                   <a:schemeClr val="bg1"/>
                 </a:solidFill>
@@ -28643,7 +29001,7 @@
           <a:lstStyle/>
           <a:p>
             <a:r>
-              <a:rPr lang="en-US" dirty="0">
+              <a:rPr lang="en-US" b="1" dirty="0">
                 <a:solidFill>
                   <a:schemeClr val="bg1"/>
                 </a:solidFill>
@@ -28682,7 +29040,7 @@
           <a:lstStyle/>
           <a:p>
             <a:r>
-              <a:rPr lang="en-US" dirty="0">
+              <a:rPr lang="en-US" b="1" dirty="0">
                 <a:solidFill>
                   <a:schemeClr val="bg1"/>
                 </a:solidFill>
@@ -28706,7 +29064,7 @@
         </p:nvSpPr>
         <p:spPr>
           <a:xfrm>
-            <a:off x="5417502" y="4021312"/>
+            <a:off x="5203744" y="4021312"/>
             <a:ext cx="962025" cy="369332"/>
           </a:xfrm>
           <a:prstGeom prst="rect">
@@ -28721,12 +29079,12 @@
           <a:lstStyle/>
           <a:p>
             <a:r>
-              <a:rPr lang="en-US" dirty="0">
+              <a:rPr lang="en-US" b="1" dirty="0">
                 <a:solidFill>
                   <a:schemeClr val="bg1"/>
                 </a:solidFill>
               </a:rPr>
-              <a:t>TBF</a:t>
+              <a:t>China</a:t>
             </a:r>
           </a:p>
         </p:txBody>
@@ -28745,7 +29103,7 @@
         </p:nvSpPr>
         <p:spPr>
           <a:xfrm>
-            <a:off x="1852612" y="5062680"/>
+            <a:off x="1757611" y="5050805"/>
             <a:ext cx="962025" cy="369332"/>
           </a:xfrm>
           <a:prstGeom prst="rect">
@@ -28760,16 +29118,60 @@
           <a:lstStyle/>
           <a:p>
             <a:r>
-              <a:rPr lang="en-US" dirty="0">
+              <a:rPr lang="en-US" b="1" dirty="0">
                 <a:solidFill>
                   <a:schemeClr val="bg1"/>
                 </a:solidFill>
               </a:rPr>
-              <a:t>TBF</a:t>
+              <a:t>Russia</a:t>
             </a:r>
           </a:p>
         </p:txBody>
       </p:sp>
+      <p:cxnSp>
+        <p:nvCxnSpPr>
+          <p:cNvPr id="5" name="Straight Arrow Connector 4">
+            <a:extLst>
+              <a:ext uri="{FF2B5EF4-FFF2-40B4-BE49-F238E27FC236}">
+                <a16:creationId xmlns:a16="http://schemas.microsoft.com/office/drawing/2014/main" id="{29C80415-0F62-4C2F-B7E0-07AF5B985A28}"/>
+              </a:ext>
+            </a:extLst>
+          </p:cNvPr>
+          <p:cNvCxnSpPr>
+            <a:cxnSpLocks/>
+          </p:cNvCxnSpPr>
+          <p:nvPr/>
+        </p:nvCxnSpPr>
+        <p:spPr>
+          <a:xfrm flipH="1">
+            <a:off x="2030682" y="5272644"/>
+            <a:ext cx="130627" cy="320634"/>
+          </a:xfrm>
+          <a:prstGeom prst="straightConnector1">
+            <a:avLst/>
+          </a:prstGeom>
+          <a:ln>
+            <a:solidFill>
+              <a:srgbClr val="FF0000"/>
+            </a:solidFill>
+            <a:tailEnd type="triangle"/>
+          </a:ln>
+        </p:spPr>
+        <p:style>
+          <a:lnRef idx="1">
+            <a:schemeClr val="accent1"/>
+          </a:lnRef>
+          <a:fillRef idx="0">
+            <a:schemeClr val="accent1"/>
+          </a:fillRef>
+          <a:effectRef idx="0">
+            <a:schemeClr val="accent1"/>
+          </a:effectRef>
+          <a:fontRef idx="minor">
+            <a:schemeClr val="tx1"/>
+          </a:fontRef>
+        </p:style>
+      </p:cxnSp>
     </p:spTree>
     <p:extLst>
       <p:ext uri="{BB962C8B-B14F-4D97-AF65-F5344CB8AC3E}">
@@ -28954,7 +29356,7 @@
             </a:ln>
             <a:extLst>
               <a:ext uri="{91240B29-F687-4f45-9708-019B960494DF}">
-                <a14:hiddenLine xmlns:a14="http://schemas.microsoft.com/office/drawing/2010/main" xmlns:p14="http://schemas.microsoft.com/office/powerpoint/2010/main" xmlns:a16="http://schemas.microsoft.com/office/drawing/2014/main" xmlns="" w="9525">
+                <a14:hiddenLine xmlns="" xmlns:a16="http://schemas.microsoft.com/office/drawing/2014/main" xmlns:p14="http://schemas.microsoft.com/office/powerpoint/2010/main" xmlns:a14="http://schemas.microsoft.com/office/drawing/2010/main" w="9525">
                   <a:solidFill>
                     <a:srgbClr val="000000"/>
                   </a:solidFill>
@@ -29059,7 +29461,7 @@
             </a:ln>
             <a:extLst>
               <a:ext uri="{91240B29-F687-4f45-9708-019B960494DF}">
-                <a14:hiddenLine xmlns:a14="http://schemas.microsoft.com/office/drawing/2010/main" xmlns:p14="http://schemas.microsoft.com/office/powerpoint/2010/main" xmlns:a16="http://schemas.microsoft.com/office/drawing/2014/main" xmlns="" w="9525">
+                <a14:hiddenLine xmlns="" xmlns:a16="http://schemas.microsoft.com/office/drawing/2014/main" xmlns:p14="http://schemas.microsoft.com/office/powerpoint/2010/main" xmlns:a14="http://schemas.microsoft.com/office/drawing/2010/main" w="9525">
                   <a:solidFill>
                     <a:srgbClr val="000000"/>
                   </a:solidFill>
@@ -29164,7 +29566,7 @@
             </a:ln>
             <a:extLst>
               <a:ext uri="{91240B29-F687-4f45-9708-019B960494DF}">
-                <a14:hiddenLine xmlns:a14="http://schemas.microsoft.com/office/drawing/2010/main" xmlns:p14="http://schemas.microsoft.com/office/powerpoint/2010/main" xmlns:a16="http://schemas.microsoft.com/office/drawing/2014/main" xmlns="" w="9525">
+                <a14:hiddenLine xmlns="" xmlns:a16="http://schemas.microsoft.com/office/drawing/2014/main" xmlns:p14="http://schemas.microsoft.com/office/powerpoint/2010/main" xmlns:a14="http://schemas.microsoft.com/office/drawing/2010/main" w="9525">
                   <a:solidFill>
                     <a:srgbClr val="000000"/>
                   </a:solidFill>
@@ -29241,7 +29643,7 @@
             </a:ln>
             <a:extLst>
               <a:ext uri="{91240B29-F687-4f45-9708-019B960494DF}">
-                <a14:hiddenLine xmlns:a14="http://schemas.microsoft.com/office/drawing/2010/main" xmlns:p14="http://schemas.microsoft.com/office/powerpoint/2010/main" xmlns:a16="http://schemas.microsoft.com/office/drawing/2014/main" xmlns="" w="9525">
+                <a14:hiddenLine xmlns="" xmlns:a16="http://schemas.microsoft.com/office/drawing/2014/main" xmlns:p14="http://schemas.microsoft.com/office/powerpoint/2010/main" xmlns:a14="http://schemas.microsoft.com/office/drawing/2010/main" w="9525">
                   <a:solidFill>
                     <a:srgbClr val="000000"/>
                   </a:solidFill>
@@ -29346,7 +29748,7 @@
             </a:ln>
             <a:extLst>
               <a:ext uri="{91240B29-F687-4f45-9708-019B960494DF}">
-                <a14:hiddenLine xmlns:a14="http://schemas.microsoft.com/office/drawing/2010/main" xmlns:p14="http://schemas.microsoft.com/office/powerpoint/2010/main" xmlns:a16="http://schemas.microsoft.com/office/drawing/2014/main" xmlns="" w="9525">
+                <a14:hiddenLine xmlns="" xmlns:a16="http://schemas.microsoft.com/office/drawing/2014/main" xmlns:p14="http://schemas.microsoft.com/office/powerpoint/2010/main" xmlns:a14="http://schemas.microsoft.com/office/drawing/2010/main" w="9525">
                   <a:solidFill>
                     <a:srgbClr val="000000"/>
                   </a:solidFill>
@@ -29423,7 +29825,7 @@
             </a:ln>
             <a:extLst>
               <a:ext uri="{91240B29-F687-4f45-9708-019B960494DF}">
-                <a14:hiddenLine xmlns:a14="http://schemas.microsoft.com/office/drawing/2010/main" xmlns:p14="http://schemas.microsoft.com/office/powerpoint/2010/main" xmlns:a16="http://schemas.microsoft.com/office/drawing/2014/main" xmlns="" w="9525">
+                <a14:hiddenLine xmlns="" xmlns:a16="http://schemas.microsoft.com/office/drawing/2014/main" xmlns:p14="http://schemas.microsoft.com/office/powerpoint/2010/main" xmlns:a14="http://schemas.microsoft.com/office/drawing/2010/main" w="9525">
                   <a:solidFill>
                     <a:srgbClr val="000000"/>
                   </a:solidFill>
@@ -29500,7 +29902,7 @@
             </a:ln>
             <a:extLst>
               <a:ext uri="{91240B29-F687-4f45-9708-019B960494DF}">
-                <a14:hiddenLine xmlns:a14="http://schemas.microsoft.com/office/drawing/2010/main" xmlns:p14="http://schemas.microsoft.com/office/powerpoint/2010/main" xmlns:a16="http://schemas.microsoft.com/office/drawing/2014/main" xmlns="" w="9525">
+                <a14:hiddenLine xmlns="" xmlns:a16="http://schemas.microsoft.com/office/drawing/2014/main" xmlns:p14="http://schemas.microsoft.com/office/powerpoint/2010/main" xmlns:a14="http://schemas.microsoft.com/office/drawing/2010/main" w="9525">
                   <a:solidFill>
                     <a:srgbClr val="000000"/>
                   </a:solidFill>
@@ -29605,7 +30007,7 @@
             </a:ln>
             <a:extLst>
               <a:ext uri="{91240B29-F687-4f45-9708-019B960494DF}">
-                <a14:hiddenLine xmlns:a14="http://schemas.microsoft.com/office/drawing/2010/main" xmlns:p14="http://schemas.microsoft.com/office/powerpoint/2010/main" xmlns:a16="http://schemas.microsoft.com/office/drawing/2014/main" xmlns="" w="9525">
+                <a14:hiddenLine xmlns="" xmlns:a16="http://schemas.microsoft.com/office/drawing/2014/main" xmlns:p14="http://schemas.microsoft.com/office/powerpoint/2010/main" xmlns:a14="http://schemas.microsoft.com/office/drawing/2010/main" w="9525">
                   <a:solidFill>
                     <a:srgbClr val="000000"/>
                   </a:solidFill>
@@ -29710,7 +30112,7 @@
             </a:ln>
             <a:extLst>
               <a:ext uri="{91240B29-F687-4f45-9708-019B960494DF}">
-                <a14:hiddenLine xmlns:a14="http://schemas.microsoft.com/office/drawing/2010/main" xmlns:p14="http://schemas.microsoft.com/office/powerpoint/2010/main" xmlns:a16="http://schemas.microsoft.com/office/drawing/2014/main" xmlns="" w="9525">
+                <a14:hiddenLine xmlns="" xmlns:a16="http://schemas.microsoft.com/office/drawing/2014/main" xmlns:p14="http://schemas.microsoft.com/office/powerpoint/2010/main" xmlns:a14="http://schemas.microsoft.com/office/drawing/2010/main" w="9525">
                   <a:solidFill>
                     <a:srgbClr val="000000"/>
                   </a:solidFill>
@@ -29787,7 +30189,7 @@
             </a:ln>
             <a:extLst>
               <a:ext uri="{91240B29-F687-4f45-9708-019B960494DF}">
-                <a14:hiddenLine xmlns:a14="http://schemas.microsoft.com/office/drawing/2010/main" xmlns:p14="http://schemas.microsoft.com/office/powerpoint/2010/main" xmlns:a16="http://schemas.microsoft.com/office/drawing/2014/main" xmlns="" w="9525">
+                <a14:hiddenLine xmlns="" xmlns:a16="http://schemas.microsoft.com/office/drawing/2014/main" xmlns:p14="http://schemas.microsoft.com/office/powerpoint/2010/main" xmlns:a14="http://schemas.microsoft.com/office/drawing/2010/main" w="9525">
                   <a:solidFill>
                     <a:srgbClr val="000000"/>
                   </a:solidFill>
@@ -29912,7 +30314,7 @@
             </a:ln>
             <a:extLst>
               <a:ext uri="{91240B29-F687-4f45-9708-019B960494DF}">
-                <a14:hiddenLine xmlns:a14="http://schemas.microsoft.com/office/drawing/2010/main" xmlns:p14="http://schemas.microsoft.com/office/powerpoint/2010/main" xmlns:a16="http://schemas.microsoft.com/office/drawing/2014/main" xmlns="" w="9525">
+                <a14:hiddenLine xmlns="" xmlns:a16="http://schemas.microsoft.com/office/drawing/2014/main" xmlns:p14="http://schemas.microsoft.com/office/powerpoint/2010/main" xmlns:a14="http://schemas.microsoft.com/office/drawing/2010/main" w="9525">
                   <a:solidFill>
                     <a:srgbClr val="000000"/>
                   </a:solidFill>
@@ -30026,7 +30428,7 @@
             </a:ln>
             <a:extLst>
               <a:ext uri="{91240B29-F687-4f45-9708-019B960494DF}">
-                <a14:hiddenLine xmlns:a14="http://schemas.microsoft.com/office/drawing/2010/main" xmlns:p14="http://schemas.microsoft.com/office/powerpoint/2010/main" xmlns:a16="http://schemas.microsoft.com/office/drawing/2014/main" xmlns="" w="9525">
+                <a14:hiddenLine xmlns="" xmlns:a16="http://schemas.microsoft.com/office/drawing/2014/main" xmlns:p14="http://schemas.microsoft.com/office/powerpoint/2010/main" xmlns:a14="http://schemas.microsoft.com/office/drawing/2010/main" w="9525">
                   <a:solidFill>
                     <a:srgbClr val="000000"/>
                   </a:solidFill>
@@ -30103,7 +30505,7 @@
             </a:ln>
             <a:extLst>
               <a:ext uri="{91240B29-F687-4f45-9708-019B960494DF}">
-                <a14:hiddenLine xmlns:a14="http://schemas.microsoft.com/office/drawing/2010/main" xmlns:p14="http://schemas.microsoft.com/office/powerpoint/2010/main" xmlns:a16="http://schemas.microsoft.com/office/drawing/2014/main" xmlns="" w="9525">
+                <a14:hiddenLine xmlns="" xmlns:a16="http://schemas.microsoft.com/office/drawing/2014/main" xmlns:p14="http://schemas.microsoft.com/office/powerpoint/2010/main" xmlns:a14="http://schemas.microsoft.com/office/drawing/2010/main" w="9525">
                   <a:solidFill>
                     <a:srgbClr val="000000"/>
                   </a:solidFill>
@@ -30180,7 +30582,7 @@
             </a:ln>
             <a:extLst>
               <a:ext uri="{91240B29-F687-4f45-9708-019B960494DF}">
-                <a14:hiddenLine xmlns:a14="http://schemas.microsoft.com/office/drawing/2010/main" xmlns:p14="http://schemas.microsoft.com/office/powerpoint/2010/main" xmlns:a16="http://schemas.microsoft.com/office/drawing/2014/main" xmlns="" w="9525">
+                <a14:hiddenLine xmlns="" xmlns:a16="http://schemas.microsoft.com/office/drawing/2014/main" xmlns:p14="http://schemas.microsoft.com/office/powerpoint/2010/main" xmlns:a14="http://schemas.microsoft.com/office/drawing/2010/main" w="9525">
                   <a:solidFill>
                     <a:srgbClr val="000000"/>
                   </a:solidFill>
@@ -30285,7 +30687,7 @@
             </a:ln>
             <a:extLst>
               <a:ext uri="{91240B29-F687-4f45-9708-019B960494DF}">
-                <a14:hiddenLine xmlns:a14="http://schemas.microsoft.com/office/drawing/2010/main" xmlns:p14="http://schemas.microsoft.com/office/powerpoint/2010/main" xmlns:a16="http://schemas.microsoft.com/office/drawing/2014/main" xmlns="" w="9525">
+                <a14:hiddenLine xmlns="" xmlns:a16="http://schemas.microsoft.com/office/drawing/2014/main" xmlns:p14="http://schemas.microsoft.com/office/powerpoint/2010/main" xmlns:a14="http://schemas.microsoft.com/office/drawing/2010/main" w="9525">
                   <a:solidFill>
                     <a:srgbClr val="000000"/>
                   </a:solidFill>
@@ -30334,7 +30736,7 @@
             </a:ln>
             <a:extLst>
               <a:ext uri="{91240B29-F687-4f45-9708-019B960494DF}">
-                <a14:hiddenLine xmlns:a14="http://schemas.microsoft.com/office/drawing/2010/main" xmlns:p14="http://schemas.microsoft.com/office/powerpoint/2010/main" xmlns:a16="http://schemas.microsoft.com/office/drawing/2014/main" xmlns="" w="9525">
+                <a14:hiddenLine xmlns="" xmlns:a16="http://schemas.microsoft.com/office/drawing/2014/main" xmlns:p14="http://schemas.microsoft.com/office/powerpoint/2010/main" xmlns:a14="http://schemas.microsoft.com/office/drawing/2010/main" w="9525">
                   <a:solidFill>
                     <a:srgbClr val="000000"/>
                   </a:solidFill>
@@ -30414,7 +30816,7 @@
             </a:ln>
             <a:extLst>
               <a:ext uri="{91240B29-F687-4f45-9708-019B960494DF}">
-                <a14:hiddenLine xmlns:a14="http://schemas.microsoft.com/office/drawing/2010/main" xmlns:p14="http://schemas.microsoft.com/office/powerpoint/2010/main" xmlns:a16="http://schemas.microsoft.com/office/drawing/2014/main" xmlns="" w="9525">
+                <a14:hiddenLine xmlns="" xmlns:a16="http://schemas.microsoft.com/office/drawing/2014/main" xmlns:p14="http://schemas.microsoft.com/office/powerpoint/2010/main" xmlns:a14="http://schemas.microsoft.com/office/drawing/2010/main" w="9525">
                   <a:solidFill>
                     <a:srgbClr val="000000"/>
                   </a:solidFill>
@@ -30519,7 +30921,7 @@
             </a:ln>
             <a:extLst>
               <a:ext uri="{91240B29-F687-4f45-9708-019B960494DF}">
-                <a14:hiddenLine xmlns:a14="http://schemas.microsoft.com/office/drawing/2010/main" xmlns:p14="http://schemas.microsoft.com/office/powerpoint/2010/main" xmlns:a16="http://schemas.microsoft.com/office/drawing/2014/main" xmlns="" w="9525">
+                <a14:hiddenLine xmlns="" xmlns:a16="http://schemas.microsoft.com/office/drawing/2014/main" xmlns:p14="http://schemas.microsoft.com/office/powerpoint/2010/main" xmlns:a14="http://schemas.microsoft.com/office/drawing/2010/main" w="9525">
                   <a:solidFill>
                     <a:srgbClr val="000000"/>
                   </a:solidFill>
@@ -30596,7 +30998,7 @@
             </a:ln>
             <a:extLst>
               <a:ext uri="{91240B29-F687-4f45-9708-019B960494DF}">
-                <a14:hiddenLine xmlns:a14="http://schemas.microsoft.com/office/drawing/2010/main" xmlns:p14="http://schemas.microsoft.com/office/powerpoint/2010/main" xmlns:a16="http://schemas.microsoft.com/office/drawing/2014/main" xmlns="" w="9525">
+                <a14:hiddenLine xmlns="" xmlns:a16="http://schemas.microsoft.com/office/drawing/2014/main" xmlns:p14="http://schemas.microsoft.com/office/powerpoint/2010/main" xmlns:a14="http://schemas.microsoft.com/office/drawing/2010/main" w="9525">
                   <a:solidFill>
                     <a:srgbClr val="000000"/>
                   </a:solidFill>
@@ -30701,7 +31103,7 @@
             </a:ln>
             <a:extLst>
               <a:ext uri="{91240B29-F687-4f45-9708-019B960494DF}">
-                <a14:hiddenLine xmlns:a14="http://schemas.microsoft.com/office/drawing/2010/main" xmlns:p14="http://schemas.microsoft.com/office/powerpoint/2010/main" xmlns:a16="http://schemas.microsoft.com/office/drawing/2014/main" xmlns="" w="9525">
+                <a14:hiddenLine xmlns="" xmlns:a16="http://schemas.microsoft.com/office/drawing/2014/main" xmlns:p14="http://schemas.microsoft.com/office/powerpoint/2010/main" xmlns:a14="http://schemas.microsoft.com/office/drawing/2010/main" w="9525">
                   <a:solidFill>
                     <a:srgbClr val="000000"/>
                   </a:solidFill>
@@ -30781,7 +31183,7 @@
             </a:ln>
             <a:extLst>
               <a:ext uri="{91240B29-F687-4f45-9708-019B960494DF}">
-                <a14:hiddenLine xmlns:a14="http://schemas.microsoft.com/office/drawing/2010/main" xmlns:p14="http://schemas.microsoft.com/office/powerpoint/2010/main" xmlns:a16="http://schemas.microsoft.com/office/drawing/2014/main" xmlns="" w="9525">
+                <a14:hiddenLine xmlns="" xmlns:a16="http://schemas.microsoft.com/office/drawing/2014/main" xmlns:p14="http://schemas.microsoft.com/office/powerpoint/2010/main" xmlns:a14="http://schemas.microsoft.com/office/drawing/2010/main" w="9525">
                   <a:solidFill>
                     <a:srgbClr val="000000"/>
                   </a:solidFill>
@@ -30858,7 +31260,7 @@
             </a:ln>
             <a:extLst>
               <a:ext uri="{91240B29-F687-4f45-9708-019B960494DF}">
-                <a14:hiddenLine xmlns:a14="http://schemas.microsoft.com/office/drawing/2010/main" xmlns:p14="http://schemas.microsoft.com/office/powerpoint/2010/main" xmlns:a16="http://schemas.microsoft.com/office/drawing/2014/main" xmlns="" w="9525">
+                <a14:hiddenLine xmlns="" xmlns:a16="http://schemas.microsoft.com/office/drawing/2014/main" xmlns:p14="http://schemas.microsoft.com/office/powerpoint/2010/main" xmlns:a14="http://schemas.microsoft.com/office/drawing/2010/main" w="9525">
                   <a:solidFill>
                     <a:srgbClr val="000000"/>
                   </a:solidFill>
@@ -30963,7 +31365,7 @@
             </a:ln>
             <a:extLst>
               <a:ext uri="{91240B29-F687-4f45-9708-019B960494DF}">
-                <a14:hiddenLine xmlns:a14="http://schemas.microsoft.com/office/drawing/2010/main" xmlns:p14="http://schemas.microsoft.com/office/powerpoint/2010/main" xmlns:a16="http://schemas.microsoft.com/office/drawing/2014/main" xmlns="" w="9525">
+                <a14:hiddenLine xmlns="" xmlns:a16="http://schemas.microsoft.com/office/drawing/2014/main" xmlns:p14="http://schemas.microsoft.com/office/powerpoint/2010/main" xmlns:a14="http://schemas.microsoft.com/office/drawing/2010/main" w="9525">
                   <a:solidFill>
                     <a:srgbClr val="000000"/>
                   </a:solidFill>
@@ -31068,7 +31470,7 @@
             </a:ln>
             <a:extLst>
               <a:ext uri="{91240B29-F687-4f45-9708-019B960494DF}">
-                <a14:hiddenLine xmlns:a14="http://schemas.microsoft.com/office/drawing/2010/main" xmlns:p14="http://schemas.microsoft.com/office/powerpoint/2010/main" xmlns:a16="http://schemas.microsoft.com/office/drawing/2014/main" xmlns="" w="9525">
+                <a14:hiddenLine xmlns="" xmlns:a16="http://schemas.microsoft.com/office/drawing/2014/main" xmlns:p14="http://schemas.microsoft.com/office/powerpoint/2010/main" xmlns:a14="http://schemas.microsoft.com/office/drawing/2010/main" w="9525">
                   <a:solidFill>
                     <a:srgbClr val="000000"/>
                   </a:solidFill>
@@ -31148,7 +31550,7 @@
             </a:ln>
             <a:extLst>
               <a:ext uri="{91240B29-F687-4f45-9708-019B960494DF}">
-                <a14:hiddenLine xmlns:a14="http://schemas.microsoft.com/office/drawing/2010/main" xmlns:p14="http://schemas.microsoft.com/office/powerpoint/2010/main" xmlns:a16="http://schemas.microsoft.com/office/drawing/2014/main" xmlns="" w="9525">
+                <a14:hiddenLine xmlns="" xmlns:a16="http://schemas.microsoft.com/office/drawing/2014/main" xmlns:p14="http://schemas.microsoft.com/office/powerpoint/2010/main" xmlns:a14="http://schemas.microsoft.com/office/drawing/2010/main" w="9525">
                   <a:solidFill>
                     <a:srgbClr val="000000"/>
                   </a:solidFill>
@@ -31283,7 +31685,7 @@
             </a:ln>
             <a:extLst>
               <a:ext uri="{91240B29-F687-4f45-9708-019B960494DF}">
-                <a14:hiddenLine xmlns:a14="http://schemas.microsoft.com/office/drawing/2010/main" xmlns:p14="http://schemas.microsoft.com/office/powerpoint/2010/main" xmlns:a16="http://schemas.microsoft.com/office/drawing/2014/main" xmlns="" w="9525">
+                <a14:hiddenLine xmlns="" xmlns:a16="http://schemas.microsoft.com/office/drawing/2014/main" xmlns:p14="http://schemas.microsoft.com/office/powerpoint/2010/main" xmlns:a14="http://schemas.microsoft.com/office/drawing/2010/main" w="9525">
                   <a:solidFill>
                     <a:srgbClr val="000000"/>
                   </a:solidFill>
@@ -31456,7 +31858,7 @@
             </a:ln>
             <a:extLst>
               <a:ext uri="{91240B29-F687-4f45-9708-019B960494DF}">
-                <a14:hiddenLine xmlns:a14="http://schemas.microsoft.com/office/drawing/2010/main" xmlns:p14="http://schemas.microsoft.com/office/powerpoint/2010/main" xmlns:a16="http://schemas.microsoft.com/office/drawing/2014/main" xmlns="" w="9525">
+                <a14:hiddenLine xmlns="" xmlns:a16="http://schemas.microsoft.com/office/drawing/2014/main" xmlns:p14="http://schemas.microsoft.com/office/powerpoint/2010/main" xmlns:a14="http://schemas.microsoft.com/office/drawing/2010/main" w="9525">
                   <a:solidFill>
                     <a:srgbClr val="000000"/>
                   </a:solidFill>
@@ -31586,7 +31988,7 @@
             </a:ln>
             <a:extLst>
               <a:ext uri="{91240B29-F687-4f45-9708-019B960494DF}">
-                <a14:hiddenLine xmlns:a14="http://schemas.microsoft.com/office/drawing/2010/main" xmlns:p14="http://schemas.microsoft.com/office/powerpoint/2010/main" xmlns:a16="http://schemas.microsoft.com/office/drawing/2014/main" xmlns="" w="9525">
+                <a14:hiddenLine xmlns="" xmlns:a16="http://schemas.microsoft.com/office/drawing/2014/main" xmlns:p14="http://schemas.microsoft.com/office/powerpoint/2010/main" xmlns:a14="http://schemas.microsoft.com/office/drawing/2010/main" w="9525">
                   <a:solidFill>
                     <a:srgbClr val="000000"/>
                   </a:solidFill>
@@ -31691,7 +32093,7 @@
             </a:ln>
             <a:extLst>
               <a:ext uri="{91240B29-F687-4f45-9708-019B960494DF}">
-                <a14:hiddenLine xmlns:a14="http://schemas.microsoft.com/office/drawing/2010/main" xmlns:p14="http://schemas.microsoft.com/office/powerpoint/2010/main" xmlns:a16="http://schemas.microsoft.com/office/drawing/2014/main" xmlns="" w="9525">
+                <a14:hiddenLine xmlns="" xmlns:a16="http://schemas.microsoft.com/office/drawing/2014/main" xmlns:p14="http://schemas.microsoft.com/office/powerpoint/2010/main" xmlns:a14="http://schemas.microsoft.com/office/drawing/2010/main" w="9525">
                   <a:solidFill>
                     <a:srgbClr val="000000"/>
                   </a:solidFill>
@@ -31771,7 +32173,7 @@
             </a:ln>
             <a:extLst>
               <a:ext uri="{91240B29-F687-4f45-9708-019B960494DF}">
-                <a14:hiddenLine xmlns:a14="http://schemas.microsoft.com/office/drawing/2010/main" xmlns:p14="http://schemas.microsoft.com/office/powerpoint/2010/main" xmlns:a16="http://schemas.microsoft.com/office/drawing/2014/main" xmlns="" w="9525">
+                <a14:hiddenLine xmlns="" xmlns:a16="http://schemas.microsoft.com/office/drawing/2014/main" xmlns:p14="http://schemas.microsoft.com/office/powerpoint/2010/main" xmlns:a14="http://schemas.microsoft.com/office/drawing/2010/main" w="9525">
                   <a:solidFill>
                     <a:srgbClr val="000000"/>
                   </a:solidFill>
@@ -31876,7 +32278,7 @@
             </a:ln>
             <a:extLst>
               <a:ext uri="{91240B29-F687-4f45-9708-019B960494DF}">
-                <a14:hiddenLine xmlns:a14="http://schemas.microsoft.com/office/drawing/2010/main" xmlns:p14="http://schemas.microsoft.com/office/powerpoint/2010/main" xmlns:a16="http://schemas.microsoft.com/office/drawing/2014/main" xmlns="" w="9525">
+                <a14:hiddenLine xmlns="" xmlns:a16="http://schemas.microsoft.com/office/drawing/2014/main" xmlns:p14="http://schemas.microsoft.com/office/powerpoint/2010/main" xmlns:a14="http://schemas.microsoft.com/office/drawing/2010/main" w="9525">
                   <a:solidFill>
                     <a:srgbClr val="000000"/>
                   </a:solidFill>
@@ -31959,7 +32361,7 @@
             </a:ln>
             <a:extLst>
               <a:ext uri="{91240B29-F687-4f45-9708-019B960494DF}">
-                <a14:hiddenLine xmlns:a14="http://schemas.microsoft.com/office/drawing/2010/main" xmlns:p14="http://schemas.microsoft.com/office/powerpoint/2010/main" xmlns:a16="http://schemas.microsoft.com/office/drawing/2014/main" xmlns="" w="9525">
+                <a14:hiddenLine xmlns="" xmlns:a16="http://schemas.microsoft.com/office/drawing/2014/main" xmlns:p14="http://schemas.microsoft.com/office/powerpoint/2010/main" xmlns:a14="http://schemas.microsoft.com/office/drawing/2010/main" w="9525">
                   <a:solidFill>
                     <a:srgbClr val="000000"/>
                   </a:solidFill>
@@ -32064,7 +32466,7 @@
             </a:ln>
             <a:extLst>
               <a:ext uri="{91240B29-F687-4f45-9708-019B960494DF}">
-                <a14:hiddenLine xmlns:a14="http://schemas.microsoft.com/office/drawing/2010/main" xmlns:p14="http://schemas.microsoft.com/office/powerpoint/2010/main" xmlns:a16="http://schemas.microsoft.com/office/drawing/2014/main" xmlns="" w="9525">
+                <a14:hiddenLine xmlns="" xmlns:a16="http://schemas.microsoft.com/office/drawing/2014/main" xmlns:p14="http://schemas.microsoft.com/office/powerpoint/2010/main" xmlns:a14="http://schemas.microsoft.com/office/drawing/2010/main" w="9525">
                   <a:solidFill>
                     <a:srgbClr val="000000"/>
                   </a:solidFill>
@@ -32147,7 +32549,7 @@
             </a:ln>
             <a:extLst>
               <a:ext uri="{91240B29-F687-4f45-9708-019B960494DF}">
-                <a14:hiddenLine xmlns:a14="http://schemas.microsoft.com/office/drawing/2010/main" xmlns:p14="http://schemas.microsoft.com/office/powerpoint/2010/main" xmlns:a16="http://schemas.microsoft.com/office/drawing/2014/main" xmlns="" w="9525">
+                <a14:hiddenLine xmlns="" xmlns:a16="http://schemas.microsoft.com/office/drawing/2014/main" xmlns:p14="http://schemas.microsoft.com/office/powerpoint/2010/main" xmlns:a14="http://schemas.microsoft.com/office/drawing/2010/main" w="9525">
                   <a:solidFill>
                     <a:srgbClr val="000000"/>
                   </a:solidFill>
@@ -32252,7 +32654,7 @@
             </a:ln>
             <a:extLst>
               <a:ext uri="{91240B29-F687-4f45-9708-019B960494DF}">
-                <a14:hiddenLine xmlns:a14="http://schemas.microsoft.com/office/drawing/2010/main" xmlns:p14="http://schemas.microsoft.com/office/powerpoint/2010/main" xmlns:a16="http://schemas.microsoft.com/office/drawing/2014/main" xmlns="" w="9525">
+                <a14:hiddenLine xmlns="" xmlns:a16="http://schemas.microsoft.com/office/drawing/2014/main" xmlns:p14="http://schemas.microsoft.com/office/powerpoint/2010/main" xmlns:a14="http://schemas.microsoft.com/office/drawing/2010/main" w="9525">
                   <a:solidFill>
                     <a:srgbClr val="000000"/>
                   </a:solidFill>
@@ -32301,7 +32703,7 @@
             </a:ln>
             <a:extLst>
               <a:ext uri="{91240B29-F687-4f45-9708-019B960494DF}">
-                <a14:hiddenLine xmlns:a14="http://schemas.microsoft.com/office/drawing/2010/main" xmlns:p14="http://schemas.microsoft.com/office/powerpoint/2010/main" xmlns:a16="http://schemas.microsoft.com/office/drawing/2014/main" xmlns="" w="9525">
+                <a14:hiddenLine xmlns="" xmlns:a16="http://schemas.microsoft.com/office/drawing/2014/main" xmlns:p14="http://schemas.microsoft.com/office/powerpoint/2010/main" xmlns:a14="http://schemas.microsoft.com/office/drawing/2010/main" w="9525">
                   <a:solidFill>
                     <a:srgbClr val="000000"/>
                   </a:solidFill>
@@ -32515,7 +32917,7 @@
           </a:prstGeom>
           <a:extLst>
             <a:ext uri="{909E8E84-426E-40dd-AFC4-6F175D3DCCD1}">
-              <a14:hiddenFill xmlns:a14="http://schemas.microsoft.com/office/drawing/2010/main" xmlns:p14="http://schemas.microsoft.com/office/powerpoint/2010/main" xmlns:a16="http://schemas.microsoft.com/office/drawing/2014/main" xmlns="">
+              <a14:hiddenFill xmlns="" xmlns:a16="http://schemas.microsoft.com/office/drawing/2014/main" xmlns:p14="http://schemas.microsoft.com/office/powerpoint/2010/main" xmlns:a14="http://schemas.microsoft.com/office/drawing/2010/main">
                 <a:solidFill>
                   <a:srgbClr val="FFFFFF"/>
                 </a:solidFill>
@@ -32668,7 +33070,7 @@
           <a:noFill/>
           <a:extLst>
             <a:ext uri="{909E8E84-426E-40dd-AFC4-6F175D3DCCD1}">
-              <a14:hiddenFill xmlns:a14="http://schemas.microsoft.com/office/drawing/2010/main" xmlns:p14="http://schemas.microsoft.com/office/powerpoint/2010/main" xmlns:a16="http://schemas.microsoft.com/office/drawing/2014/main" xmlns="">
+              <a14:hiddenFill xmlns="" xmlns:a16="http://schemas.microsoft.com/office/drawing/2014/main" xmlns:p14="http://schemas.microsoft.com/office/powerpoint/2010/main" xmlns:a14="http://schemas.microsoft.com/office/drawing/2010/main">
                 <a:solidFill>
                   <a:srgbClr val="FFFFFF"/>
                 </a:solidFill>
@@ -32799,7 +33201,7 @@
             </a:ln>
             <a:extLst>
               <a:ext uri="{91240B29-F687-4f45-9708-019B960494DF}">
-                <a14:hiddenLine xmlns:a14="http://schemas.microsoft.com/office/drawing/2010/main" xmlns:p14="http://schemas.microsoft.com/office/powerpoint/2010/main" xmlns:a16="http://schemas.microsoft.com/office/drawing/2014/main" xmlns="" w="9525">
+                <a14:hiddenLine xmlns="" xmlns:a16="http://schemas.microsoft.com/office/drawing/2014/main" xmlns:p14="http://schemas.microsoft.com/office/powerpoint/2010/main" xmlns:a14="http://schemas.microsoft.com/office/drawing/2010/main" w="9525">
                   <a:solidFill>
                     <a:srgbClr val="000000"/>
                   </a:solidFill>
@@ -32904,7 +33306,7 @@
             </a:ln>
             <a:extLst>
               <a:ext uri="{91240B29-F687-4f45-9708-019B960494DF}">
-                <a14:hiddenLine xmlns:a14="http://schemas.microsoft.com/office/drawing/2010/main" xmlns:p14="http://schemas.microsoft.com/office/powerpoint/2010/main" xmlns:a16="http://schemas.microsoft.com/office/drawing/2014/main" xmlns="" w="9525">
+                <a14:hiddenLine xmlns="" xmlns:a16="http://schemas.microsoft.com/office/drawing/2014/main" xmlns:p14="http://schemas.microsoft.com/office/powerpoint/2010/main" xmlns:a14="http://schemas.microsoft.com/office/drawing/2010/main" w="9525">
                   <a:solidFill>
                     <a:srgbClr val="000000"/>
                   </a:solidFill>
@@ -33009,7 +33411,7 @@
             </a:ln>
             <a:extLst>
               <a:ext uri="{91240B29-F687-4f45-9708-019B960494DF}">
-                <a14:hiddenLine xmlns:a14="http://schemas.microsoft.com/office/drawing/2010/main" xmlns:p14="http://schemas.microsoft.com/office/powerpoint/2010/main" xmlns:a16="http://schemas.microsoft.com/office/drawing/2014/main" xmlns="" w="9525">
+                <a14:hiddenLine xmlns="" xmlns:a16="http://schemas.microsoft.com/office/drawing/2014/main" xmlns:p14="http://schemas.microsoft.com/office/powerpoint/2010/main" xmlns:a14="http://schemas.microsoft.com/office/drawing/2010/main" w="9525">
                   <a:solidFill>
                     <a:srgbClr val="000000"/>
                   </a:solidFill>
@@ -33086,7 +33488,7 @@
             </a:ln>
             <a:extLst>
               <a:ext uri="{91240B29-F687-4f45-9708-019B960494DF}">
-                <a14:hiddenLine xmlns:a14="http://schemas.microsoft.com/office/drawing/2010/main" xmlns:p14="http://schemas.microsoft.com/office/powerpoint/2010/main" xmlns:a16="http://schemas.microsoft.com/office/drawing/2014/main" xmlns="" w="9525">
+                <a14:hiddenLine xmlns="" xmlns:a16="http://schemas.microsoft.com/office/drawing/2014/main" xmlns:p14="http://schemas.microsoft.com/office/powerpoint/2010/main" xmlns:a14="http://schemas.microsoft.com/office/drawing/2010/main" w="9525">
                   <a:solidFill>
                     <a:srgbClr val="000000"/>
                   </a:solidFill>
@@ -33191,7 +33593,7 @@
             </a:ln>
             <a:extLst>
               <a:ext uri="{91240B29-F687-4f45-9708-019B960494DF}">
-                <a14:hiddenLine xmlns:a14="http://schemas.microsoft.com/office/drawing/2010/main" xmlns:p14="http://schemas.microsoft.com/office/powerpoint/2010/main" xmlns:a16="http://schemas.microsoft.com/office/drawing/2014/main" xmlns="" w="9525">
+                <a14:hiddenLine xmlns="" xmlns:a16="http://schemas.microsoft.com/office/drawing/2014/main" xmlns:p14="http://schemas.microsoft.com/office/powerpoint/2010/main" xmlns:a14="http://schemas.microsoft.com/office/drawing/2010/main" w="9525">
                   <a:solidFill>
                     <a:srgbClr val="000000"/>
                   </a:solidFill>
@@ -33268,7 +33670,7 @@
             </a:ln>
             <a:extLst>
               <a:ext uri="{91240B29-F687-4f45-9708-019B960494DF}">
-                <a14:hiddenLine xmlns:a14="http://schemas.microsoft.com/office/drawing/2010/main" xmlns:p14="http://schemas.microsoft.com/office/powerpoint/2010/main" xmlns:a16="http://schemas.microsoft.com/office/drawing/2014/main" xmlns="" w="9525">
+                <a14:hiddenLine xmlns="" xmlns:a16="http://schemas.microsoft.com/office/drawing/2014/main" xmlns:p14="http://schemas.microsoft.com/office/powerpoint/2010/main" xmlns:a14="http://schemas.microsoft.com/office/drawing/2010/main" w="9525">
                   <a:solidFill>
                     <a:srgbClr val="000000"/>
                   </a:solidFill>
@@ -33345,7 +33747,7 @@
             </a:ln>
             <a:extLst>
               <a:ext uri="{91240B29-F687-4f45-9708-019B960494DF}">
-                <a14:hiddenLine xmlns:a14="http://schemas.microsoft.com/office/drawing/2010/main" xmlns:p14="http://schemas.microsoft.com/office/powerpoint/2010/main" xmlns:a16="http://schemas.microsoft.com/office/drawing/2014/main" xmlns="" w="9525">
+                <a14:hiddenLine xmlns="" xmlns:a16="http://schemas.microsoft.com/office/drawing/2014/main" xmlns:p14="http://schemas.microsoft.com/office/powerpoint/2010/main" xmlns:a14="http://schemas.microsoft.com/office/drawing/2010/main" w="9525">
                   <a:solidFill>
                     <a:srgbClr val="000000"/>
                   </a:solidFill>
@@ -33450,7 +33852,7 @@
             </a:ln>
             <a:extLst>
               <a:ext uri="{91240B29-F687-4f45-9708-019B960494DF}">
-                <a14:hiddenLine xmlns:a14="http://schemas.microsoft.com/office/drawing/2010/main" xmlns:p14="http://schemas.microsoft.com/office/powerpoint/2010/main" xmlns:a16="http://schemas.microsoft.com/office/drawing/2014/main" xmlns="" w="9525">
+                <a14:hiddenLine xmlns="" xmlns:a16="http://schemas.microsoft.com/office/drawing/2014/main" xmlns:p14="http://schemas.microsoft.com/office/powerpoint/2010/main" xmlns:a14="http://schemas.microsoft.com/office/drawing/2010/main" w="9525">
                   <a:solidFill>
                     <a:srgbClr val="000000"/>
                   </a:solidFill>
@@ -33555,7 +33957,7 @@
             </a:ln>
             <a:extLst>
               <a:ext uri="{91240B29-F687-4f45-9708-019B960494DF}">
-                <a14:hiddenLine xmlns:a14="http://schemas.microsoft.com/office/drawing/2010/main" xmlns:p14="http://schemas.microsoft.com/office/powerpoint/2010/main" xmlns:a16="http://schemas.microsoft.com/office/drawing/2014/main" xmlns="" w="9525">
+                <a14:hiddenLine xmlns="" xmlns:a16="http://schemas.microsoft.com/office/drawing/2014/main" xmlns:p14="http://schemas.microsoft.com/office/powerpoint/2010/main" xmlns:a14="http://schemas.microsoft.com/office/drawing/2010/main" w="9525">
                   <a:solidFill>
                     <a:srgbClr val="000000"/>
                   </a:solidFill>
@@ -33632,7 +34034,7 @@
             </a:ln>
             <a:extLst>
               <a:ext uri="{91240B29-F687-4f45-9708-019B960494DF}">
-                <a14:hiddenLine xmlns:a14="http://schemas.microsoft.com/office/drawing/2010/main" xmlns:p14="http://schemas.microsoft.com/office/powerpoint/2010/main" xmlns:a16="http://schemas.microsoft.com/office/drawing/2014/main" xmlns="" w="9525">
+                <a14:hiddenLine xmlns="" xmlns:a16="http://schemas.microsoft.com/office/drawing/2014/main" xmlns:p14="http://schemas.microsoft.com/office/powerpoint/2010/main" xmlns:a14="http://schemas.microsoft.com/office/drawing/2010/main" w="9525">
                   <a:solidFill>
                     <a:srgbClr val="000000"/>
                   </a:solidFill>
@@ -33757,7 +34159,7 @@
             </a:ln>
             <a:extLst>
               <a:ext uri="{91240B29-F687-4f45-9708-019B960494DF}">
-                <a14:hiddenLine xmlns:a14="http://schemas.microsoft.com/office/drawing/2010/main" xmlns:p14="http://schemas.microsoft.com/office/powerpoint/2010/main" xmlns:a16="http://schemas.microsoft.com/office/drawing/2014/main" xmlns="" w="9525">
+                <a14:hiddenLine xmlns="" xmlns:a16="http://schemas.microsoft.com/office/drawing/2014/main" xmlns:p14="http://schemas.microsoft.com/office/powerpoint/2010/main" xmlns:a14="http://schemas.microsoft.com/office/drawing/2010/main" w="9525">
                   <a:solidFill>
                     <a:srgbClr val="000000"/>
                   </a:solidFill>
@@ -33871,7 +34273,7 @@
             </a:ln>
             <a:extLst>
               <a:ext uri="{91240B29-F687-4f45-9708-019B960494DF}">
-                <a14:hiddenLine xmlns:a14="http://schemas.microsoft.com/office/drawing/2010/main" xmlns:p14="http://schemas.microsoft.com/office/powerpoint/2010/main" xmlns:a16="http://schemas.microsoft.com/office/drawing/2014/main" xmlns="" w="9525">
+                <a14:hiddenLine xmlns="" xmlns:a16="http://schemas.microsoft.com/office/drawing/2014/main" xmlns:p14="http://schemas.microsoft.com/office/powerpoint/2010/main" xmlns:a14="http://schemas.microsoft.com/office/drawing/2010/main" w="9525">
                   <a:solidFill>
                     <a:srgbClr val="000000"/>
                   </a:solidFill>
@@ -33948,7 +34350,7 @@
             </a:ln>
             <a:extLst>
               <a:ext uri="{91240B29-F687-4f45-9708-019B960494DF}">
-                <a14:hiddenLine xmlns:a14="http://schemas.microsoft.com/office/drawing/2010/main" xmlns:p14="http://schemas.microsoft.com/office/powerpoint/2010/main" xmlns:a16="http://schemas.microsoft.com/office/drawing/2014/main" xmlns="" w="9525">
+                <a14:hiddenLine xmlns="" xmlns:a16="http://schemas.microsoft.com/office/drawing/2014/main" xmlns:p14="http://schemas.microsoft.com/office/powerpoint/2010/main" xmlns:a14="http://schemas.microsoft.com/office/drawing/2010/main" w="9525">
                   <a:solidFill>
                     <a:srgbClr val="000000"/>
                   </a:solidFill>
@@ -34025,7 +34427,7 @@
             </a:ln>
             <a:extLst>
               <a:ext uri="{91240B29-F687-4f45-9708-019B960494DF}">
-                <a14:hiddenLine xmlns:a14="http://schemas.microsoft.com/office/drawing/2010/main" xmlns:p14="http://schemas.microsoft.com/office/powerpoint/2010/main" xmlns:a16="http://schemas.microsoft.com/office/drawing/2014/main" xmlns="" w="9525">
+                <a14:hiddenLine xmlns="" xmlns:a16="http://schemas.microsoft.com/office/drawing/2014/main" xmlns:p14="http://schemas.microsoft.com/office/powerpoint/2010/main" xmlns:a14="http://schemas.microsoft.com/office/drawing/2010/main" w="9525">
                   <a:solidFill>
                     <a:srgbClr val="000000"/>
                   </a:solidFill>
@@ -34130,7 +34532,7 @@
             </a:ln>
             <a:extLst>
               <a:ext uri="{91240B29-F687-4f45-9708-019B960494DF}">
-                <a14:hiddenLine xmlns:a14="http://schemas.microsoft.com/office/drawing/2010/main" xmlns:p14="http://schemas.microsoft.com/office/powerpoint/2010/main" xmlns:a16="http://schemas.microsoft.com/office/drawing/2014/main" xmlns="" w="9525">
+                <a14:hiddenLine xmlns="" xmlns:a16="http://schemas.microsoft.com/office/drawing/2014/main" xmlns:p14="http://schemas.microsoft.com/office/powerpoint/2010/main" xmlns:a14="http://schemas.microsoft.com/office/drawing/2010/main" w="9525">
                   <a:solidFill>
                     <a:srgbClr val="000000"/>
                   </a:solidFill>
@@ -34179,7 +34581,7 @@
             </a:ln>
             <a:extLst>
               <a:ext uri="{91240B29-F687-4f45-9708-019B960494DF}">
-                <a14:hiddenLine xmlns:a14="http://schemas.microsoft.com/office/drawing/2010/main" xmlns:p14="http://schemas.microsoft.com/office/powerpoint/2010/main" xmlns:a16="http://schemas.microsoft.com/office/drawing/2014/main" xmlns="" w="9525">
+                <a14:hiddenLine xmlns="" xmlns:a16="http://schemas.microsoft.com/office/drawing/2014/main" xmlns:p14="http://schemas.microsoft.com/office/powerpoint/2010/main" xmlns:a14="http://schemas.microsoft.com/office/drawing/2010/main" w="9525">
                   <a:solidFill>
                     <a:srgbClr val="000000"/>
                   </a:solidFill>
@@ -34259,7 +34661,7 @@
             </a:ln>
             <a:extLst>
               <a:ext uri="{91240B29-F687-4f45-9708-019B960494DF}">
-                <a14:hiddenLine xmlns:a14="http://schemas.microsoft.com/office/drawing/2010/main" xmlns:p14="http://schemas.microsoft.com/office/powerpoint/2010/main" xmlns:a16="http://schemas.microsoft.com/office/drawing/2014/main" xmlns="" w="9525">
+                <a14:hiddenLine xmlns="" xmlns:a16="http://schemas.microsoft.com/office/drawing/2014/main" xmlns:p14="http://schemas.microsoft.com/office/powerpoint/2010/main" xmlns:a14="http://schemas.microsoft.com/office/drawing/2010/main" w="9525">
                   <a:solidFill>
                     <a:srgbClr val="000000"/>
                   </a:solidFill>
@@ -34364,7 +34766,7 @@
             </a:ln>
             <a:extLst>
               <a:ext uri="{91240B29-F687-4f45-9708-019B960494DF}">
-                <a14:hiddenLine xmlns:a14="http://schemas.microsoft.com/office/drawing/2010/main" xmlns:p14="http://schemas.microsoft.com/office/powerpoint/2010/main" xmlns:a16="http://schemas.microsoft.com/office/drawing/2014/main" xmlns="" w="9525">
+                <a14:hiddenLine xmlns="" xmlns:a16="http://schemas.microsoft.com/office/drawing/2014/main" xmlns:p14="http://schemas.microsoft.com/office/powerpoint/2010/main" xmlns:a14="http://schemas.microsoft.com/office/drawing/2010/main" w="9525">
                   <a:solidFill>
                     <a:srgbClr val="000000"/>
                   </a:solidFill>
@@ -34441,7 +34843,7 @@
             </a:ln>
             <a:extLst>
               <a:ext uri="{91240B29-F687-4f45-9708-019B960494DF}">
-                <a14:hiddenLine xmlns:a14="http://schemas.microsoft.com/office/drawing/2010/main" xmlns:p14="http://schemas.microsoft.com/office/powerpoint/2010/main" xmlns:a16="http://schemas.microsoft.com/office/drawing/2014/main" xmlns="" w="9525">
+                <a14:hiddenLine xmlns="" xmlns:a16="http://schemas.microsoft.com/office/drawing/2014/main" xmlns:p14="http://schemas.microsoft.com/office/powerpoint/2010/main" xmlns:a14="http://schemas.microsoft.com/office/drawing/2010/main" w="9525">
                   <a:solidFill>
                     <a:srgbClr val="000000"/>
                   </a:solidFill>
@@ -34546,7 +34948,7 @@
             </a:ln>
             <a:extLst>
               <a:ext uri="{91240B29-F687-4f45-9708-019B960494DF}">
-                <a14:hiddenLine xmlns:a14="http://schemas.microsoft.com/office/drawing/2010/main" xmlns:p14="http://schemas.microsoft.com/office/powerpoint/2010/main" xmlns:a16="http://schemas.microsoft.com/office/drawing/2014/main" xmlns="" w="9525">
+                <a14:hiddenLine xmlns="" xmlns:a16="http://schemas.microsoft.com/office/drawing/2014/main" xmlns:p14="http://schemas.microsoft.com/office/powerpoint/2010/main" xmlns:a14="http://schemas.microsoft.com/office/drawing/2010/main" w="9525">
                   <a:solidFill>
                     <a:srgbClr val="000000"/>
                   </a:solidFill>
@@ -34626,7 +35028,7 @@
             </a:ln>
             <a:extLst>
               <a:ext uri="{91240B29-F687-4f45-9708-019B960494DF}">
-                <a14:hiddenLine xmlns:a14="http://schemas.microsoft.com/office/drawing/2010/main" xmlns:p14="http://schemas.microsoft.com/office/powerpoint/2010/main" xmlns:a16="http://schemas.microsoft.com/office/drawing/2014/main" xmlns="" w="9525">
+                <a14:hiddenLine xmlns="" xmlns:a16="http://schemas.microsoft.com/office/drawing/2014/main" xmlns:p14="http://schemas.microsoft.com/office/powerpoint/2010/main" xmlns:a14="http://schemas.microsoft.com/office/drawing/2010/main" w="9525">
                   <a:solidFill>
                     <a:srgbClr val="000000"/>
                   </a:solidFill>
@@ -34703,7 +35105,7 @@
             </a:ln>
             <a:extLst>
               <a:ext uri="{91240B29-F687-4f45-9708-019B960494DF}">
-                <a14:hiddenLine xmlns:a14="http://schemas.microsoft.com/office/drawing/2010/main" xmlns:p14="http://schemas.microsoft.com/office/powerpoint/2010/main" xmlns:a16="http://schemas.microsoft.com/office/drawing/2014/main" xmlns="" w="9525">
+                <a14:hiddenLine xmlns="" xmlns:a16="http://schemas.microsoft.com/office/drawing/2014/main" xmlns:p14="http://schemas.microsoft.com/office/powerpoint/2010/main" xmlns:a14="http://schemas.microsoft.com/office/drawing/2010/main" w="9525">
                   <a:solidFill>
                     <a:srgbClr val="000000"/>
                   </a:solidFill>
@@ -34808,7 +35210,7 @@
             </a:ln>
             <a:extLst>
               <a:ext uri="{91240B29-F687-4f45-9708-019B960494DF}">
-                <a14:hiddenLine xmlns:a14="http://schemas.microsoft.com/office/drawing/2010/main" xmlns:p14="http://schemas.microsoft.com/office/powerpoint/2010/main" xmlns:a16="http://schemas.microsoft.com/office/drawing/2014/main" xmlns="" w="9525">
+                <a14:hiddenLine xmlns="" xmlns:a16="http://schemas.microsoft.com/office/drawing/2014/main" xmlns:p14="http://schemas.microsoft.com/office/powerpoint/2010/main" xmlns:a14="http://schemas.microsoft.com/office/drawing/2010/main" w="9525">
                   <a:solidFill>
                     <a:srgbClr val="000000"/>
                   </a:solidFill>
@@ -34913,7 +35315,7 @@
             </a:ln>
             <a:extLst>
               <a:ext uri="{91240B29-F687-4f45-9708-019B960494DF}">
-                <a14:hiddenLine xmlns:a14="http://schemas.microsoft.com/office/drawing/2010/main" xmlns:p14="http://schemas.microsoft.com/office/powerpoint/2010/main" xmlns:a16="http://schemas.microsoft.com/office/drawing/2014/main" xmlns="" w="9525">
+                <a14:hiddenLine xmlns="" xmlns:a16="http://schemas.microsoft.com/office/drawing/2014/main" xmlns:p14="http://schemas.microsoft.com/office/powerpoint/2010/main" xmlns:a14="http://schemas.microsoft.com/office/drawing/2010/main" w="9525">
                   <a:solidFill>
                     <a:srgbClr val="000000"/>
                   </a:solidFill>
@@ -34993,7 +35395,7 @@
             </a:ln>
             <a:extLst>
               <a:ext uri="{91240B29-F687-4f45-9708-019B960494DF}">
-                <a14:hiddenLine xmlns:a14="http://schemas.microsoft.com/office/drawing/2010/main" xmlns:p14="http://schemas.microsoft.com/office/powerpoint/2010/main" xmlns:a16="http://schemas.microsoft.com/office/drawing/2014/main" xmlns="" w="9525">
+                <a14:hiddenLine xmlns="" xmlns:a16="http://schemas.microsoft.com/office/drawing/2014/main" xmlns:p14="http://schemas.microsoft.com/office/powerpoint/2010/main" xmlns:a14="http://schemas.microsoft.com/office/drawing/2010/main" w="9525">
                   <a:solidFill>
                     <a:srgbClr val="000000"/>
                   </a:solidFill>
@@ -35128,7 +35530,7 @@
             </a:ln>
             <a:extLst>
               <a:ext uri="{91240B29-F687-4f45-9708-019B960494DF}">
-                <a14:hiddenLine xmlns:a14="http://schemas.microsoft.com/office/drawing/2010/main" xmlns:p14="http://schemas.microsoft.com/office/powerpoint/2010/main" xmlns:a16="http://schemas.microsoft.com/office/drawing/2014/main" xmlns="" w="9525">
+                <a14:hiddenLine xmlns="" xmlns:a16="http://schemas.microsoft.com/office/drawing/2014/main" xmlns:p14="http://schemas.microsoft.com/office/powerpoint/2010/main" xmlns:a14="http://schemas.microsoft.com/office/drawing/2010/main" w="9525">
                   <a:solidFill>
                     <a:srgbClr val="000000"/>
                   </a:solidFill>
@@ -35201,7 +35603,7 @@
                 <a:ea typeface="+mn-ea"/>
                 <a:cs typeface="+mn-cs"/>
               </a:rPr>
-              <a:t>This dataset presents remittances to GDP ratio and the migrant flow for the lower </a:t>
+              <a:t>This dataset presents remittances to GDP ratio and the migrant flow for the lower-</a:t>
             </a:r>
             <a:r>
               <a:rPr kumimoji="0" lang="en-US" sz="2400" b="0" i="0" u="none" strike="noStrike" kern="1200" cap="none" spc="0" normalizeH="0" baseline="0" noProof="0" dirty="0" err="1">
@@ -35449,7 +35851,7 @@
           </a:prstGeom>
           <a:extLst>
             <a:ext uri="{909E8E84-426E-40dd-AFC4-6F175D3DCCD1}">
-              <a14:hiddenFill xmlns:a14="http://schemas.microsoft.com/office/drawing/2010/main" xmlns:p14="http://schemas.microsoft.com/office/powerpoint/2010/main" xmlns:a16="http://schemas.microsoft.com/office/drawing/2014/main" xmlns="">
+              <a14:hiddenFill xmlns="" xmlns:a16="http://schemas.microsoft.com/office/drawing/2014/main" xmlns:p14="http://schemas.microsoft.com/office/powerpoint/2010/main" xmlns:a14="http://schemas.microsoft.com/office/drawing/2010/main">
                 <a:solidFill>
                   <a:srgbClr val="FFFFFF"/>
                 </a:solidFill>
@@ -35602,7 +36004,7 @@
           <a:noFill/>
           <a:extLst>
             <a:ext uri="{909E8E84-426E-40dd-AFC4-6F175D3DCCD1}">
-              <a14:hiddenFill xmlns:a14="http://schemas.microsoft.com/office/drawing/2010/main" xmlns:p14="http://schemas.microsoft.com/office/powerpoint/2010/main" xmlns:a16="http://schemas.microsoft.com/office/drawing/2014/main" xmlns="">
+              <a14:hiddenFill xmlns="" xmlns:a16="http://schemas.microsoft.com/office/drawing/2014/main" xmlns:p14="http://schemas.microsoft.com/office/powerpoint/2010/main" xmlns:a14="http://schemas.microsoft.com/office/drawing/2010/main">
                 <a:solidFill>
                   <a:srgbClr val="FFFFFF"/>
                 </a:solidFill>
@@ -35733,7 +36135,7 @@
             </a:ln>
             <a:extLst>
               <a:ext uri="{91240B29-F687-4f45-9708-019B960494DF}">
-                <a14:hiddenLine xmlns:a14="http://schemas.microsoft.com/office/drawing/2010/main" xmlns:p14="http://schemas.microsoft.com/office/powerpoint/2010/main" xmlns:a16="http://schemas.microsoft.com/office/drawing/2014/main" xmlns="" w="9525">
+                <a14:hiddenLine xmlns="" xmlns:a16="http://schemas.microsoft.com/office/drawing/2014/main" xmlns:p14="http://schemas.microsoft.com/office/powerpoint/2010/main" xmlns:a14="http://schemas.microsoft.com/office/drawing/2010/main" w="9525">
                   <a:solidFill>
                     <a:srgbClr val="000000"/>
                   </a:solidFill>
@@ -35838,7 +36240,7 @@
             </a:ln>
             <a:extLst>
               <a:ext uri="{91240B29-F687-4f45-9708-019B960494DF}">
-                <a14:hiddenLine xmlns:a14="http://schemas.microsoft.com/office/drawing/2010/main" xmlns:p14="http://schemas.microsoft.com/office/powerpoint/2010/main" xmlns:a16="http://schemas.microsoft.com/office/drawing/2014/main" xmlns="" w="9525">
+                <a14:hiddenLine xmlns="" xmlns:a16="http://schemas.microsoft.com/office/drawing/2014/main" xmlns:p14="http://schemas.microsoft.com/office/powerpoint/2010/main" xmlns:a14="http://schemas.microsoft.com/office/drawing/2010/main" w="9525">
                   <a:solidFill>
                     <a:srgbClr val="000000"/>
                   </a:solidFill>
@@ -35943,7 +36345,7 @@
             </a:ln>
             <a:extLst>
               <a:ext uri="{91240B29-F687-4f45-9708-019B960494DF}">
-                <a14:hiddenLine xmlns:a14="http://schemas.microsoft.com/office/drawing/2010/main" xmlns:p14="http://schemas.microsoft.com/office/powerpoint/2010/main" xmlns:a16="http://schemas.microsoft.com/office/drawing/2014/main" xmlns="" w="9525">
+                <a14:hiddenLine xmlns="" xmlns:a16="http://schemas.microsoft.com/office/drawing/2014/main" xmlns:p14="http://schemas.microsoft.com/office/powerpoint/2010/main" xmlns:a14="http://schemas.microsoft.com/office/drawing/2010/main" w="9525">
                   <a:solidFill>
                     <a:srgbClr val="000000"/>
                   </a:solidFill>
@@ -36020,7 +36422,7 @@
             </a:ln>
             <a:extLst>
               <a:ext uri="{91240B29-F687-4f45-9708-019B960494DF}">
-                <a14:hiddenLine xmlns:a14="http://schemas.microsoft.com/office/drawing/2010/main" xmlns:p14="http://schemas.microsoft.com/office/powerpoint/2010/main" xmlns:a16="http://schemas.microsoft.com/office/drawing/2014/main" xmlns="" w="9525">
+                <a14:hiddenLine xmlns="" xmlns:a16="http://schemas.microsoft.com/office/drawing/2014/main" xmlns:p14="http://schemas.microsoft.com/office/powerpoint/2010/main" xmlns:a14="http://schemas.microsoft.com/office/drawing/2010/main" w="9525">
                   <a:solidFill>
                     <a:srgbClr val="000000"/>
                   </a:solidFill>
@@ -36125,7 +36527,7 @@
             </a:ln>
             <a:extLst>
               <a:ext uri="{91240B29-F687-4f45-9708-019B960494DF}">
-                <a14:hiddenLine xmlns:a14="http://schemas.microsoft.com/office/drawing/2010/main" xmlns:p14="http://schemas.microsoft.com/office/powerpoint/2010/main" xmlns:a16="http://schemas.microsoft.com/office/drawing/2014/main" xmlns="" w="9525">
+                <a14:hiddenLine xmlns="" xmlns:a16="http://schemas.microsoft.com/office/drawing/2014/main" xmlns:p14="http://schemas.microsoft.com/office/powerpoint/2010/main" xmlns:a14="http://schemas.microsoft.com/office/drawing/2010/main" w="9525">
                   <a:solidFill>
                     <a:srgbClr val="000000"/>
                   </a:solidFill>
@@ -36202,7 +36604,7 @@
             </a:ln>
             <a:extLst>
               <a:ext uri="{91240B29-F687-4f45-9708-019B960494DF}">
-                <a14:hiddenLine xmlns:a14="http://schemas.microsoft.com/office/drawing/2010/main" xmlns:p14="http://schemas.microsoft.com/office/powerpoint/2010/main" xmlns:a16="http://schemas.microsoft.com/office/drawing/2014/main" xmlns="" w="9525">
+                <a14:hiddenLine xmlns="" xmlns:a16="http://schemas.microsoft.com/office/drawing/2014/main" xmlns:p14="http://schemas.microsoft.com/office/powerpoint/2010/main" xmlns:a14="http://schemas.microsoft.com/office/drawing/2010/main" w="9525">
                   <a:solidFill>
                     <a:srgbClr val="000000"/>
                   </a:solidFill>
@@ -36279,7 +36681,7 @@
             </a:ln>
             <a:extLst>
               <a:ext uri="{91240B29-F687-4f45-9708-019B960494DF}">
-                <a14:hiddenLine xmlns:a14="http://schemas.microsoft.com/office/drawing/2010/main" xmlns:p14="http://schemas.microsoft.com/office/powerpoint/2010/main" xmlns:a16="http://schemas.microsoft.com/office/drawing/2014/main" xmlns="" w="9525">
+                <a14:hiddenLine xmlns="" xmlns:a16="http://schemas.microsoft.com/office/drawing/2014/main" xmlns:p14="http://schemas.microsoft.com/office/powerpoint/2010/main" xmlns:a14="http://schemas.microsoft.com/office/drawing/2010/main" w="9525">
                   <a:solidFill>
                     <a:srgbClr val="000000"/>
                   </a:solidFill>
@@ -36384,7 +36786,7 @@
             </a:ln>
             <a:extLst>
               <a:ext uri="{91240B29-F687-4f45-9708-019B960494DF}">
-                <a14:hiddenLine xmlns:a14="http://schemas.microsoft.com/office/drawing/2010/main" xmlns:p14="http://schemas.microsoft.com/office/powerpoint/2010/main" xmlns:a16="http://schemas.microsoft.com/office/drawing/2014/main" xmlns="" w="9525">
+                <a14:hiddenLine xmlns="" xmlns:a16="http://schemas.microsoft.com/office/drawing/2014/main" xmlns:p14="http://schemas.microsoft.com/office/powerpoint/2010/main" xmlns:a14="http://schemas.microsoft.com/office/drawing/2010/main" w="9525">
                   <a:solidFill>
                     <a:srgbClr val="000000"/>
                   </a:solidFill>
@@ -36489,7 +36891,7 @@
             </a:ln>
             <a:extLst>
               <a:ext uri="{91240B29-F687-4f45-9708-019B960494DF}">
-                <a14:hiddenLine xmlns:a14="http://schemas.microsoft.com/office/drawing/2010/main" xmlns:p14="http://schemas.microsoft.com/office/powerpoint/2010/main" xmlns:a16="http://schemas.microsoft.com/office/drawing/2014/main" xmlns="" w="9525">
+                <a14:hiddenLine xmlns="" xmlns:a16="http://schemas.microsoft.com/office/drawing/2014/main" xmlns:p14="http://schemas.microsoft.com/office/powerpoint/2010/main" xmlns:a14="http://schemas.microsoft.com/office/drawing/2010/main" w="9525">
                   <a:solidFill>
                     <a:srgbClr val="000000"/>
                   </a:solidFill>
@@ -36566,7 +36968,7 @@
             </a:ln>
             <a:extLst>
               <a:ext uri="{91240B29-F687-4f45-9708-019B960494DF}">
-                <a14:hiddenLine xmlns:a14="http://schemas.microsoft.com/office/drawing/2010/main" xmlns:p14="http://schemas.microsoft.com/office/powerpoint/2010/main" xmlns:a16="http://schemas.microsoft.com/office/drawing/2014/main" xmlns="" w="9525">
+                <a14:hiddenLine xmlns="" xmlns:a16="http://schemas.microsoft.com/office/drawing/2014/main" xmlns:p14="http://schemas.microsoft.com/office/powerpoint/2010/main" xmlns:a14="http://schemas.microsoft.com/office/drawing/2010/main" w="9525">
                   <a:solidFill>
                     <a:srgbClr val="000000"/>
                   </a:solidFill>
@@ -36691,7 +37093,7 @@
             </a:ln>
             <a:extLst>
               <a:ext uri="{91240B29-F687-4f45-9708-019B960494DF}">
-                <a14:hiddenLine xmlns:a14="http://schemas.microsoft.com/office/drawing/2010/main" xmlns:p14="http://schemas.microsoft.com/office/powerpoint/2010/main" xmlns:a16="http://schemas.microsoft.com/office/drawing/2014/main" xmlns="" w="9525">
+                <a14:hiddenLine xmlns="" xmlns:a16="http://schemas.microsoft.com/office/drawing/2014/main" xmlns:p14="http://schemas.microsoft.com/office/powerpoint/2010/main" xmlns:a14="http://schemas.microsoft.com/office/drawing/2010/main" w="9525">
                   <a:solidFill>
                     <a:srgbClr val="000000"/>
                   </a:solidFill>
@@ -36805,7 +37207,7 @@
             </a:ln>
             <a:extLst>
               <a:ext uri="{91240B29-F687-4f45-9708-019B960494DF}">
-                <a14:hiddenLine xmlns:a14="http://schemas.microsoft.com/office/drawing/2010/main" xmlns:p14="http://schemas.microsoft.com/office/powerpoint/2010/main" xmlns:a16="http://schemas.microsoft.com/office/drawing/2014/main" xmlns="" w="9525">
+                <a14:hiddenLine xmlns="" xmlns:a16="http://schemas.microsoft.com/office/drawing/2014/main" xmlns:p14="http://schemas.microsoft.com/office/powerpoint/2010/main" xmlns:a14="http://schemas.microsoft.com/office/drawing/2010/main" w="9525">
                   <a:solidFill>
                     <a:srgbClr val="000000"/>
                   </a:solidFill>
@@ -36882,7 +37284,7 @@
             </a:ln>
             <a:extLst>
               <a:ext uri="{91240B29-F687-4f45-9708-019B960494DF}">
-                <a14:hiddenLine xmlns:a14="http://schemas.microsoft.com/office/drawing/2010/main" xmlns:p14="http://schemas.microsoft.com/office/powerpoint/2010/main" xmlns:a16="http://schemas.microsoft.com/office/drawing/2014/main" xmlns="" w="9525">
+                <a14:hiddenLine xmlns="" xmlns:a16="http://schemas.microsoft.com/office/drawing/2014/main" xmlns:p14="http://schemas.microsoft.com/office/powerpoint/2010/main" xmlns:a14="http://schemas.microsoft.com/office/drawing/2010/main" w="9525">
                   <a:solidFill>
                     <a:srgbClr val="000000"/>
                   </a:solidFill>
@@ -36959,7 +37361,7 @@
             </a:ln>
             <a:extLst>
               <a:ext uri="{91240B29-F687-4f45-9708-019B960494DF}">
-                <a14:hiddenLine xmlns:a14="http://schemas.microsoft.com/office/drawing/2010/main" xmlns:p14="http://schemas.microsoft.com/office/powerpoint/2010/main" xmlns:a16="http://schemas.microsoft.com/office/drawing/2014/main" xmlns="" w="9525">
+                <a14:hiddenLine xmlns="" xmlns:a16="http://schemas.microsoft.com/office/drawing/2014/main" xmlns:p14="http://schemas.microsoft.com/office/powerpoint/2010/main" xmlns:a14="http://schemas.microsoft.com/office/drawing/2010/main" w="9525">
                   <a:solidFill>
                     <a:srgbClr val="000000"/>
                   </a:solidFill>
@@ -37064,7 +37466,7 @@
             </a:ln>
             <a:extLst>
               <a:ext uri="{91240B29-F687-4f45-9708-019B960494DF}">
-                <a14:hiddenLine xmlns:a14="http://schemas.microsoft.com/office/drawing/2010/main" xmlns:p14="http://schemas.microsoft.com/office/powerpoint/2010/main" xmlns:a16="http://schemas.microsoft.com/office/drawing/2014/main" xmlns="" w="9525">
+                <a14:hiddenLine xmlns="" xmlns:a16="http://schemas.microsoft.com/office/drawing/2014/main" xmlns:p14="http://schemas.microsoft.com/office/powerpoint/2010/main" xmlns:a14="http://schemas.microsoft.com/office/drawing/2010/main" w="9525">
                   <a:solidFill>
                     <a:srgbClr val="000000"/>
                   </a:solidFill>
@@ -37113,7 +37515,7 @@
             </a:ln>
             <a:extLst>
               <a:ext uri="{91240B29-F687-4f45-9708-019B960494DF}">
-                <a14:hiddenLine xmlns:a14="http://schemas.microsoft.com/office/drawing/2010/main" xmlns:p14="http://schemas.microsoft.com/office/powerpoint/2010/main" xmlns:a16="http://schemas.microsoft.com/office/drawing/2014/main" xmlns="" w="9525">
+                <a14:hiddenLine xmlns="" xmlns:a16="http://schemas.microsoft.com/office/drawing/2014/main" xmlns:p14="http://schemas.microsoft.com/office/powerpoint/2010/main" xmlns:a14="http://schemas.microsoft.com/office/drawing/2010/main" w="9525">
                   <a:solidFill>
                     <a:srgbClr val="000000"/>
                   </a:solidFill>
@@ -37193,7 +37595,7 @@
             </a:ln>
             <a:extLst>
               <a:ext uri="{91240B29-F687-4f45-9708-019B960494DF}">
-                <a14:hiddenLine xmlns:a14="http://schemas.microsoft.com/office/drawing/2010/main" xmlns:p14="http://schemas.microsoft.com/office/powerpoint/2010/main" xmlns:a16="http://schemas.microsoft.com/office/drawing/2014/main" xmlns="" w="9525">
+                <a14:hiddenLine xmlns="" xmlns:a16="http://schemas.microsoft.com/office/drawing/2014/main" xmlns:p14="http://schemas.microsoft.com/office/powerpoint/2010/main" xmlns:a14="http://schemas.microsoft.com/office/drawing/2010/main" w="9525">
                   <a:solidFill>
                     <a:srgbClr val="000000"/>
                   </a:solidFill>
@@ -37298,7 +37700,7 @@
             </a:ln>
             <a:extLst>
               <a:ext uri="{91240B29-F687-4f45-9708-019B960494DF}">
-                <a14:hiddenLine xmlns:a14="http://schemas.microsoft.com/office/drawing/2010/main" xmlns:p14="http://schemas.microsoft.com/office/powerpoint/2010/main" xmlns:a16="http://schemas.microsoft.com/office/drawing/2014/main" xmlns="" w="9525">
+                <a14:hiddenLine xmlns="" xmlns:a16="http://schemas.microsoft.com/office/drawing/2014/main" xmlns:p14="http://schemas.microsoft.com/office/powerpoint/2010/main" xmlns:a14="http://schemas.microsoft.com/office/drawing/2010/main" w="9525">
                   <a:solidFill>
                     <a:srgbClr val="000000"/>
                   </a:solidFill>
@@ -37375,7 +37777,7 @@
             </a:ln>
             <a:extLst>
               <a:ext uri="{91240B29-F687-4f45-9708-019B960494DF}">
-                <a14:hiddenLine xmlns:a14="http://schemas.microsoft.com/office/drawing/2010/main" xmlns:p14="http://schemas.microsoft.com/office/powerpoint/2010/main" xmlns:a16="http://schemas.microsoft.com/office/drawing/2014/main" xmlns="" w="9525">
+                <a14:hiddenLine xmlns="" xmlns:a16="http://schemas.microsoft.com/office/drawing/2014/main" xmlns:p14="http://schemas.microsoft.com/office/powerpoint/2010/main" xmlns:a14="http://schemas.microsoft.com/office/drawing/2010/main" w="9525">
                   <a:solidFill>
                     <a:srgbClr val="000000"/>
                   </a:solidFill>
@@ -37480,7 +37882,7 @@
             </a:ln>
             <a:extLst>
               <a:ext uri="{91240B29-F687-4f45-9708-019B960494DF}">
-                <a14:hiddenLine xmlns:a14="http://schemas.microsoft.com/office/drawing/2010/main" xmlns:p14="http://schemas.microsoft.com/office/powerpoint/2010/main" xmlns:a16="http://schemas.microsoft.com/office/drawing/2014/main" xmlns="" w="9525">
+                <a14:hiddenLine xmlns="" xmlns:a16="http://schemas.microsoft.com/office/drawing/2014/main" xmlns:p14="http://schemas.microsoft.com/office/powerpoint/2010/main" xmlns:a14="http://schemas.microsoft.com/office/drawing/2010/main" w="9525">
                   <a:solidFill>
                     <a:srgbClr val="000000"/>
                   </a:solidFill>
@@ -37560,7 +37962,7 @@
             </a:ln>
             <a:extLst>
               <a:ext uri="{91240B29-F687-4f45-9708-019B960494DF}">
-                <a14:hiddenLine xmlns:a14="http://schemas.microsoft.com/office/drawing/2010/main" xmlns:p14="http://schemas.microsoft.com/office/powerpoint/2010/main" xmlns:a16="http://schemas.microsoft.com/office/drawing/2014/main" xmlns="" w="9525">
+                <a14:hiddenLine xmlns="" xmlns:a16="http://schemas.microsoft.com/office/drawing/2014/main" xmlns:p14="http://schemas.microsoft.com/office/powerpoint/2010/main" xmlns:a14="http://schemas.microsoft.com/office/drawing/2010/main" w="9525">
                   <a:solidFill>
                     <a:srgbClr val="000000"/>
                   </a:solidFill>
@@ -37637,7 +38039,7 @@
             </a:ln>
             <a:extLst>
               <a:ext uri="{91240B29-F687-4f45-9708-019B960494DF}">
-                <a14:hiddenLine xmlns:a14="http://schemas.microsoft.com/office/drawing/2010/main" xmlns:p14="http://schemas.microsoft.com/office/powerpoint/2010/main" xmlns:a16="http://schemas.microsoft.com/office/drawing/2014/main" xmlns="" w="9525">
+                <a14:hiddenLine xmlns="" xmlns:a16="http://schemas.microsoft.com/office/drawing/2014/main" xmlns:p14="http://schemas.microsoft.com/office/powerpoint/2010/main" xmlns:a14="http://schemas.microsoft.com/office/drawing/2010/main" w="9525">
                   <a:solidFill>
                     <a:srgbClr val="000000"/>
                   </a:solidFill>
@@ -37742,7 +38144,7 @@
             </a:ln>
             <a:extLst>
               <a:ext uri="{91240B29-F687-4f45-9708-019B960494DF}">
-                <a14:hiddenLine xmlns:a14="http://schemas.microsoft.com/office/drawing/2010/main" xmlns:p14="http://schemas.microsoft.com/office/powerpoint/2010/main" xmlns:a16="http://schemas.microsoft.com/office/drawing/2014/main" xmlns="" w="9525">
+                <a14:hiddenLine xmlns="" xmlns:a16="http://schemas.microsoft.com/office/drawing/2014/main" xmlns:p14="http://schemas.microsoft.com/office/powerpoint/2010/main" xmlns:a14="http://schemas.microsoft.com/office/drawing/2010/main" w="9525">
                   <a:solidFill>
                     <a:srgbClr val="000000"/>
                   </a:solidFill>
@@ -37847,7 +38249,7 @@
             </a:ln>
             <a:extLst>
               <a:ext uri="{91240B29-F687-4f45-9708-019B960494DF}">
-                <a14:hiddenLine xmlns:a14="http://schemas.microsoft.com/office/drawing/2010/main" xmlns:p14="http://schemas.microsoft.com/office/powerpoint/2010/main" xmlns:a16="http://schemas.microsoft.com/office/drawing/2014/main" xmlns="" w="9525">
+                <a14:hiddenLine xmlns="" xmlns:a16="http://schemas.microsoft.com/office/drawing/2014/main" xmlns:p14="http://schemas.microsoft.com/office/powerpoint/2010/main" xmlns:a14="http://schemas.microsoft.com/office/drawing/2010/main" w="9525">
                   <a:solidFill>
                     <a:srgbClr val="000000"/>
                   </a:solidFill>
@@ -37927,7 +38329,7 @@
             </a:ln>
             <a:extLst>
               <a:ext uri="{91240B29-F687-4f45-9708-019B960494DF}">
-                <a14:hiddenLine xmlns:a14="http://schemas.microsoft.com/office/drawing/2010/main" xmlns:p14="http://schemas.microsoft.com/office/powerpoint/2010/main" xmlns:a16="http://schemas.microsoft.com/office/drawing/2014/main" xmlns="" w="9525">
+                <a14:hiddenLine xmlns="" xmlns:a16="http://schemas.microsoft.com/office/drawing/2014/main" xmlns:p14="http://schemas.microsoft.com/office/powerpoint/2010/main" xmlns:a14="http://schemas.microsoft.com/office/drawing/2010/main" w="9525">
                   <a:solidFill>
                     <a:srgbClr val="000000"/>
                   </a:solidFill>
@@ -38062,7 +38464,7 @@
             </a:ln>
             <a:extLst>
               <a:ext uri="{91240B29-F687-4f45-9708-019B960494DF}">
-                <a14:hiddenLine xmlns:a14="http://schemas.microsoft.com/office/drawing/2010/main" xmlns:p14="http://schemas.microsoft.com/office/powerpoint/2010/main" xmlns:a16="http://schemas.microsoft.com/office/drawing/2014/main" xmlns="" w="9525">
+                <a14:hiddenLine xmlns="" xmlns:a16="http://schemas.microsoft.com/office/drawing/2014/main" xmlns:p14="http://schemas.microsoft.com/office/powerpoint/2010/main" xmlns:a14="http://schemas.microsoft.com/office/drawing/2010/main" w="9525">
                   <a:solidFill>
                     <a:srgbClr val="000000"/>
                   </a:solidFill>
@@ -38109,7 +38511,7 @@
                   <a:prstClr val="white"/>
                 </a:solidFill>
               </a:rPr>
-              <a:t>This dataset presents remittances to GDP ratio and the migrant flow for the upper middle income countries over a period of 12 years.</a:t>
+              <a:t>This dataset presents remittances to GDP ratio and the migrant flow for the upper- middle income countries over a period of 12 years.</a:t>
             </a:r>
             <a:endParaRPr kumimoji="0" lang="en-US" sz="2400" b="0" i="0" u="none" strike="noStrike" kern="1200" cap="none" spc="0" normalizeH="0" baseline="0" noProof="0" dirty="0">
               <a:ln>

--- a/IMPACT OF MIGRATION ON GDP.pptx
+++ b/IMPACT OF MIGRATION ON GDP.pptx
@@ -10,7 +10,7 @@
     <p:sldId id="257" r:id="rId4"/>
     <p:sldId id="259" r:id="rId5"/>
     <p:sldId id="262" r:id="rId6"/>
-    <p:sldId id="269" r:id="rId7"/>
+    <p:sldId id="279" r:id="rId7"/>
     <p:sldId id="261" r:id="rId8"/>
     <p:sldId id="266" r:id="rId9"/>
     <p:sldId id="268" r:id="rId10"/>
@@ -178,7 +178,7 @@
           <a:noFill/>
           <a:extLst>
             <a:ext uri="{909E8E84-426E-40dd-AFC4-6F175D3DCCD1}">
-              <a14:hiddenFill xmlns="" xmlns:a14="http://schemas.microsoft.com/office/drawing/2010/main">
+              <a14:hiddenFill xmlns:a14="http://schemas.microsoft.com/office/drawing/2010/main" xmlns="">
                 <a:solidFill>
                   <a:srgbClr val="FFFFFF"/>
                 </a:solidFill>
@@ -238,7 +238,7 @@
             </a:ln>
             <a:extLst>
               <a:ext uri="{91240B29-F687-4f45-9708-019B960494DF}">
-                <a14:hiddenLine xmlns="" xmlns:a14="http://schemas.microsoft.com/office/drawing/2010/main" w="9525">
+                <a14:hiddenLine xmlns:a14="http://schemas.microsoft.com/office/drawing/2010/main" xmlns="" w="9525">
                   <a:solidFill>
                     <a:srgbClr val="000000"/>
                   </a:solidFill>
@@ -328,7 +328,7 @@
             </a:ln>
             <a:extLst>
               <a:ext uri="{91240B29-F687-4f45-9708-019B960494DF}">
-                <a14:hiddenLine xmlns="" xmlns:a14="http://schemas.microsoft.com/office/drawing/2010/main" w="9525">
+                <a14:hiddenLine xmlns:a14="http://schemas.microsoft.com/office/drawing/2010/main" xmlns="" w="9525">
                   <a:solidFill>
                     <a:srgbClr val="000000"/>
                   </a:solidFill>
@@ -418,7 +418,7 @@
             </a:ln>
             <a:extLst>
               <a:ext uri="{91240B29-F687-4f45-9708-019B960494DF}">
-                <a14:hiddenLine xmlns="" xmlns:a14="http://schemas.microsoft.com/office/drawing/2010/main" w="9525">
+                <a14:hiddenLine xmlns:a14="http://schemas.microsoft.com/office/drawing/2010/main" xmlns="" w="9525">
                   <a:solidFill>
                     <a:srgbClr val="000000"/>
                   </a:solidFill>
@@ -452,7 +452,7 @@
             </a:ln>
             <a:extLst>
               <a:ext uri="{91240B29-F687-4f45-9708-019B960494DF}">
-                <a14:hiddenLine xmlns="" xmlns:a14="http://schemas.microsoft.com/office/drawing/2010/main" w="9525">
+                <a14:hiddenLine xmlns:a14="http://schemas.microsoft.com/office/drawing/2010/main" xmlns="" w="9525">
                   <a:solidFill>
                     <a:srgbClr val="000000"/>
                   </a:solidFill>
@@ -542,7 +542,7 @@
             </a:ln>
             <a:extLst>
               <a:ext uri="{91240B29-F687-4f45-9708-019B960494DF}">
-                <a14:hiddenLine xmlns="" xmlns:a14="http://schemas.microsoft.com/office/drawing/2010/main" w="9525">
+                <a14:hiddenLine xmlns:a14="http://schemas.microsoft.com/office/drawing/2010/main" xmlns="" w="9525">
                   <a:solidFill>
                     <a:srgbClr val="000000"/>
                   </a:solidFill>
@@ -604,7 +604,7 @@
             </a:ln>
             <a:extLst>
               <a:ext uri="{91240B29-F687-4f45-9708-019B960494DF}">
-                <a14:hiddenLine xmlns="" xmlns:a14="http://schemas.microsoft.com/office/drawing/2010/main" w="9525">
+                <a14:hiddenLine xmlns:a14="http://schemas.microsoft.com/office/drawing/2010/main" xmlns="" w="9525">
                   <a:solidFill>
                     <a:srgbClr val="000000"/>
                   </a:solidFill>
@@ -666,7 +666,7 @@
             </a:ln>
             <a:extLst>
               <a:ext uri="{91240B29-F687-4f45-9708-019B960494DF}">
-                <a14:hiddenLine xmlns="" xmlns:a14="http://schemas.microsoft.com/office/drawing/2010/main" w="9525">
+                <a14:hiddenLine xmlns:a14="http://schemas.microsoft.com/office/drawing/2010/main" xmlns="" w="9525">
                   <a:solidFill>
                     <a:srgbClr val="000000"/>
                   </a:solidFill>
@@ -756,7 +756,7 @@
             </a:ln>
             <a:extLst>
               <a:ext uri="{91240B29-F687-4f45-9708-019B960494DF}">
-                <a14:hiddenLine xmlns="" xmlns:a14="http://schemas.microsoft.com/office/drawing/2010/main" w="9525">
+                <a14:hiddenLine xmlns:a14="http://schemas.microsoft.com/office/drawing/2010/main" xmlns="" w="9525">
                   <a:solidFill>
                     <a:srgbClr val="000000"/>
                   </a:solidFill>
@@ -818,7 +818,7 @@
             </a:ln>
             <a:extLst>
               <a:ext uri="{91240B29-F687-4f45-9708-019B960494DF}">
-                <a14:hiddenLine xmlns="" xmlns:a14="http://schemas.microsoft.com/office/drawing/2010/main" w="9525">
+                <a14:hiddenLine xmlns:a14="http://schemas.microsoft.com/office/drawing/2010/main" xmlns="" w="9525">
                   <a:solidFill>
                     <a:srgbClr val="000000"/>
                   </a:solidFill>
@@ -880,7 +880,7 @@
             </a:ln>
             <a:extLst>
               <a:ext uri="{91240B29-F687-4f45-9708-019B960494DF}">
-                <a14:hiddenLine xmlns="" xmlns:a14="http://schemas.microsoft.com/office/drawing/2010/main" w="9525">
+                <a14:hiddenLine xmlns:a14="http://schemas.microsoft.com/office/drawing/2010/main" xmlns="" w="9525">
                   <a:solidFill>
                     <a:srgbClr val="000000"/>
                   </a:solidFill>
@@ -970,7 +970,7 @@
             </a:ln>
             <a:extLst>
               <a:ext uri="{91240B29-F687-4f45-9708-019B960494DF}">
-                <a14:hiddenLine xmlns="" xmlns:a14="http://schemas.microsoft.com/office/drawing/2010/main" w="9525">
+                <a14:hiddenLine xmlns:a14="http://schemas.microsoft.com/office/drawing/2010/main" xmlns="" w="9525">
                   <a:solidFill>
                     <a:srgbClr val="000000"/>
                   </a:solidFill>
@@ -1060,7 +1060,7 @@
             </a:ln>
             <a:extLst>
               <a:ext uri="{91240B29-F687-4f45-9708-019B960494DF}">
-                <a14:hiddenLine xmlns="" xmlns:a14="http://schemas.microsoft.com/office/drawing/2010/main" w="9525">
+                <a14:hiddenLine xmlns:a14="http://schemas.microsoft.com/office/drawing/2010/main" xmlns="" w="9525">
                   <a:solidFill>
                     <a:srgbClr val="000000"/>
                   </a:solidFill>
@@ -1122,7 +1122,7 @@
             </a:ln>
             <a:extLst>
               <a:ext uri="{91240B29-F687-4f45-9708-019B960494DF}">
-                <a14:hiddenLine xmlns="" xmlns:a14="http://schemas.microsoft.com/office/drawing/2010/main" w="9525">
+                <a14:hiddenLine xmlns:a14="http://schemas.microsoft.com/office/drawing/2010/main" xmlns="" w="9525">
                   <a:solidFill>
                     <a:srgbClr val="000000"/>
                   </a:solidFill>
@@ -1232,7 +1232,7 @@
             </a:ln>
             <a:extLst>
               <a:ext uri="{91240B29-F687-4f45-9708-019B960494DF}">
-                <a14:hiddenLine xmlns="" xmlns:a14="http://schemas.microsoft.com/office/drawing/2010/main" w="9525">
+                <a14:hiddenLine xmlns:a14="http://schemas.microsoft.com/office/drawing/2010/main" xmlns="" w="9525">
                   <a:solidFill>
                     <a:srgbClr val="000000"/>
                   </a:solidFill>
@@ -1294,7 +1294,7 @@
             </a:ln>
             <a:extLst>
               <a:ext uri="{91240B29-F687-4f45-9708-019B960494DF}">
-                <a14:hiddenLine xmlns="" xmlns:a14="http://schemas.microsoft.com/office/drawing/2010/main" w="9525">
+                <a14:hiddenLine xmlns:a14="http://schemas.microsoft.com/office/drawing/2010/main" xmlns="" w="9525">
                   <a:solidFill>
                     <a:srgbClr val="000000"/>
                   </a:solidFill>
@@ -1384,7 +1384,7 @@
             </a:ln>
             <a:extLst>
               <a:ext uri="{91240B29-F687-4f45-9708-019B960494DF}">
-                <a14:hiddenLine xmlns="" xmlns:a14="http://schemas.microsoft.com/office/drawing/2010/main" w="9525">
+                <a14:hiddenLine xmlns:a14="http://schemas.microsoft.com/office/drawing/2010/main" xmlns="" w="9525">
                   <a:solidFill>
                     <a:srgbClr val="000000"/>
                   </a:solidFill>
@@ -1474,7 +1474,7 @@
             </a:ln>
             <a:extLst>
               <a:ext uri="{91240B29-F687-4f45-9708-019B960494DF}">
-                <a14:hiddenLine xmlns="" xmlns:a14="http://schemas.microsoft.com/office/drawing/2010/main" w="9525">
+                <a14:hiddenLine xmlns:a14="http://schemas.microsoft.com/office/drawing/2010/main" xmlns="" w="9525">
                   <a:solidFill>
                     <a:srgbClr val="000000"/>
                   </a:solidFill>
@@ -1536,7 +1536,7 @@
             </a:ln>
             <a:extLst>
               <a:ext uri="{91240B29-F687-4f45-9708-019B960494DF}">
-                <a14:hiddenLine xmlns="" xmlns:a14="http://schemas.microsoft.com/office/drawing/2010/main" w="9525">
+                <a14:hiddenLine xmlns:a14="http://schemas.microsoft.com/office/drawing/2010/main" xmlns="" w="9525">
                   <a:solidFill>
                     <a:srgbClr val="000000"/>
                   </a:solidFill>
@@ -1626,7 +1626,7 @@
             </a:ln>
             <a:extLst>
               <a:ext uri="{91240B29-F687-4f45-9708-019B960494DF}">
-                <a14:hiddenLine xmlns="" xmlns:a14="http://schemas.microsoft.com/office/drawing/2010/main" w="9525">
+                <a14:hiddenLine xmlns:a14="http://schemas.microsoft.com/office/drawing/2010/main" xmlns="" w="9525">
                   <a:solidFill>
                     <a:srgbClr val="000000"/>
                   </a:solidFill>
@@ -1716,7 +1716,7 @@
             </a:ln>
             <a:extLst>
               <a:ext uri="{91240B29-F687-4f45-9708-019B960494DF}">
-                <a14:hiddenLine xmlns="" xmlns:a14="http://schemas.microsoft.com/office/drawing/2010/main" w="9525">
+                <a14:hiddenLine xmlns:a14="http://schemas.microsoft.com/office/drawing/2010/main" xmlns="" w="9525">
                   <a:solidFill>
                     <a:srgbClr val="000000"/>
                   </a:solidFill>
@@ -1772,7 +1772,7 @@
             </a:ln>
             <a:extLst>
               <a:ext uri="{91240B29-F687-4f45-9708-019B960494DF}">
-                <a14:hiddenLine xmlns="" xmlns:a14="http://schemas.microsoft.com/office/drawing/2010/main" w="9525">
+                <a14:hiddenLine xmlns:a14="http://schemas.microsoft.com/office/drawing/2010/main" xmlns="" w="9525">
                   <a:solidFill>
                     <a:srgbClr val="000000"/>
                   </a:solidFill>
@@ -1862,7 +1862,7 @@
             </a:ln>
             <a:extLst>
               <a:ext uri="{91240B29-F687-4f45-9708-019B960494DF}">
-                <a14:hiddenLine xmlns="" xmlns:a14="http://schemas.microsoft.com/office/drawing/2010/main" w="9525">
+                <a14:hiddenLine xmlns:a14="http://schemas.microsoft.com/office/drawing/2010/main" xmlns="" w="9525">
                   <a:solidFill>
                     <a:srgbClr val="000000"/>
                   </a:solidFill>
@@ -1918,7 +1918,7 @@
             </a:ln>
             <a:extLst>
               <a:ext uri="{91240B29-F687-4f45-9708-019B960494DF}">
-                <a14:hiddenLine xmlns="" xmlns:a14="http://schemas.microsoft.com/office/drawing/2010/main" w="9525">
+                <a14:hiddenLine xmlns:a14="http://schemas.microsoft.com/office/drawing/2010/main" xmlns="" w="9525">
                   <a:solidFill>
                     <a:srgbClr val="000000"/>
                   </a:solidFill>
@@ -2008,7 +2008,7 @@
             </a:ln>
             <a:extLst>
               <a:ext uri="{91240B29-F687-4f45-9708-019B960494DF}">
-                <a14:hiddenLine xmlns="" xmlns:a14="http://schemas.microsoft.com/office/drawing/2010/main" w="9525">
+                <a14:hiddenLine xmlns:a14="http://schemas.microsoft.com/office/drawing/2010/main" xmlns="" w="9525">
                   <a:solidFill>
                     <a:srgbClr val="000000"/>
                   </a:solidFill>
@@ -2076,7 +2076,7 @@
             </a:ln>
             <a:extLst>
               <a:ext uri="{91240B29-F687-4f45-9708-019B960494DF}">
-                <a14:hiddenLine xmlns="" xmlns:a14="http://schemas.microsoft.com/office/drawing/2010/main" w="9525">
+                <a14:hiddenLine xmlns:a14="http://schemas.microsoft.com/office/drawing/2010/main" xmlns="" w="9525">
                   <a:solidFill>
                     <a:srgbClr val="000000"/>
                   </a:solidFill>
@@ -2166,7 +2166,7 @@
             </a:ln>
             <a:extLst>
               <a:ext uri="{91240B29-F687-4f45-9708-019B960494DF}">
-                <a14:hiddenLine xmlns="" xmlns:a14="http://schemas.microsoft.com/office/drawing/2010/main" w="9525">
+                <a14:hiddenLine xmlns:a14="http://schemas.microsoft.com/office/drawing/2010/main" xmlns="" w="9525">
                   <a:solidFill>
                     <a:srgbClr val="000000"/>
                   </a:solidFill>
@@ -2234,7 +2234,7 @@
             </a:ln>
             <a:extLst>
               <a:ext uri="{91240B29-F687-4f45-9708-019B960494DF}">
-                <a14:hiddenLine xmlns="" xmlns:a14="http://schemas.microsoft.com/office/drawing/2010/main" w="9525">
+                <a14:hiddenLine xmlns:a14="http://schemas.microsoft.com/office/drawing/2010/main" xmlns="" w="9525">
                   <a:solidFill>
                     <a:srgbClr val="000000"/>
                   </a:solidFill>
@@ -2324,7 +2324,7 @@
             </a:ln>
             <a:extLst>
               <a:ext uri="{91240B29-F687-4f45-9708-019B960494DF}">
-                <a14:hiddenLine xmlns="" xmlns:a14="http://schemas.microsoft.com/office/drawing/2010/main" w="9525">
+                <a14:hiddenLine xmlns:a14="http://schemas.microsoft.com/office/drawing/2010/main" xmlns="" w="9525">
                   <a:solidFill>
                     <a:srgbClr val="000000"/>
                   </a:solidFill>
@@ -2358,7 +2358,7 @@
             </a:ln>
             <a:extLst>
               <a:ext uri="{91240B29-F687-4f45-9708-019B960494DF}">
-                <a14:hiddenLine xmlns="" xmlns:a14="http://schemas.microsoft.com/office/drawing/2010/main" w="9525">
+                <a14:hiddenLine xmlns:a14="http://schemas.microsoft.com/office/drawing/2010/main" xmlns="" w="9525">
                   <a:solidFill>
                     <a:srgbClr val="000000"/>
                   </a:solidFill>
@@ -2448,7 +2448,7 @@
             </a:ln>
             <a:extLst>
               <a:ext uri="{91240B29-F687-4f45-9708-019B960494DF}">
-                <a14:hiddenLine xmlns="" xmlns:a14="http://schemas.microsoft.com/office/drawing/2010/main" w="9525">
+                <a14:hiddenLine xmlns:a14="http://schemas.microsoft.com/office/drawing/2010/main" xmlns="" w="9525">
                   <a:solidFill>
                     <a:srgbClr val="000000"/>
                   </a:solidFill>
@@ -2510,7 +2510,7 @@
             </a:ln>
             <a:extLst>
               <a:ext uri="{91240B29-F687-4f45-9708-019B960494DF}">
-                <a14:hiddenLine xmlns="" xmlns:a14="http://schemas.microsoft.com/office/drawing/2010/main" w="9525">
+                <a14:hiddenLine xmlns:a14="http://schemas.microsoft.com/office/drawing/2010/main" xmlns="" w="9525">
                   <a:solidFill>
                     <a:srgbClr val="000000"/>
                   </a:solidFill>
@@ -2572,7 +2572,7 @@
             </a:ln>
             <a:extLst>
               <a:ext uri="{91240B29-F687-4f45-9708-019B960494DF}">
-                <a14:hiddenLine xmlns="" xmlns:a14="http://schemas.microsoft.com/office/drawing/2010/main" w="9525">
+                <a14:hiddenLine xmlns:a14="http://schemas.microsoft.com/office/drawing/2010/main" xmlns="" w="9525">
                   <a:solidFill>
                     <a:srgbClr val="000000"/>
                   </a:solidFill>
@@ -2662,7 +2662,7 @@
             </a:ln>
             <a:extLst>
               <a:ext uri="{91240B29-F687-4f45-9708-019B960494DF}">
-                <a14:hiddenLine xmlns="" xmlns:a14="http://schemas.microsoft.com/office/drawing/2010/main" w="9525">
+                <a14:hiddenLine xmlns:a14="http://schemas.microsoft.com/office/drawing/2010/main" xmlns="" w="9525">
                   <a:solidFill>
                     <a:srgbClr val="000000"/>
                   </a:solidFill>
@@ -2730,7 +2730,7 @@
             </a:ln>
             <a:extLst>
               <a:ext uri="{91240B29-F687-4f45-9708-019B960494DF}">
-                <a14:hiddenLine xmlns="" xmlns:a14="http://schemas.microsoft.com/office/drawing/2010/main" w="9525">
+                <a14:hiddenLine xmlns:a14="http://schemas.microsoft.com/office/drawing/2010/main" xmlns="" w="9525">
                   <a:solidFill>
                     <a:srgbClr val="000000"/>
                   </a:solidFill>
@@ -2792,7 +2792,7 @@
             </a:ln>
             <a:extLst>
               <a:ext uri="{91240B29-F687-4f45-9708-019B960494DF}">
-                <a14:hiddenLine xmlns="" xmlns:a14="http://schemas.microsoft.com/office/drawing/2010/main" w="9525">
+                <a14:hiddenLine xmlns:a14="http://schemas.microsoft.com/office/drawing/2010/main" xmlns="" w="9525">
                   <a:solidFill>
                     <a:srgbClr val="000000"/>
                   </a:solidFill>
@@ -2882,7 +2882,7 @@
             </a:ln>
             <a:extLst>
               <a:ext uri="{91240B29-F687-4f45-9708-019B960494DF}">
-                <a14:hiddenLine xmlns="" xmlns:a14="http://schemas.microsoft.com/office/drawing/2010/main" w="9525">
+                <a14:hiddenLine xmlns:a14="http://schemas.microsoft.com/office/drawing/2010/main" xmlns="" w="9525">
                   <a:solidFill>
                     <a:srgbClr val="000000"/>
                   </a:solidFill>
@@ -2944,7 +2944,7 @@
             </a:ln>
             <a:extLst>
               <a:ext uri="{91240B29-F687-4f45-9708-019B960494DF}">
-                <a14:hiddenLine xmlns="" xmlns:a14="http://schemas.microsoft.com/office/drawing/2010/main" w="9525">
+                <a14:hiddenLine xmlns:a14="http://schemas.microsoft.com/office/drawing/2010/main" xmlns="" w="9525">
                   <a:solidFill>
                     <a:srgbClr val="000000"/>
                   </a:solidFill>
@@ -3034,7 +3034,7 @@
             </a:ln>
             <a:extLst>
               <a:ext uri="{91240B29-F687-4f45-9708-019B960494DF}">
-                <a14:hiddenLine xmlns="" xmlns:a14="http://schemas.microsoft.com/office/drawing/2010/main" w="9525">
+                <a14:hiddenLine xmlns:a14="http://schemas.microsoft.com/office/drawing/2010/main" xmlns="" w="9525">
                   <a:solidFill>
                     <a:srgbClr val="000000"/>
                   </a:solidFill>
@@ -3096,7 +3096,7 @@
             </a:ln>
             <a:extLst>
               <a:ext uri="{91240B29-F687-4f45-9708-019B960494DF}">
-                <a14:hiddenLine xmlns="" xmlns:a14="http://schemas.microsoft.com/office/drawing/2010/main" w="9525">
+                <a14:hiddenLine xmlns:a14="http://schemas.microsoft.com/office/drawing/2010/main" xmlns="" w="9525">
                   <a:solidFill>
                     <a:srgbClr val="000000"/>
                   </a:solidFill>
@@ -3186,7 +3186,7 @@
             </a:ln>
             <a:extLst>
               <a:ext uri="{91240B29-F687-4f45-9708-019B960494DF}">
-                <a14:hiddenLine xmlns="" xmlns:a14="http://schemas.microsoft.com/office/drawing/2010/main" w="9525">
+                <a14:hiddenLine xmlns:a14="http://schemas.microsoft.com/office/drawing/2010/main" xmlns="" w="9525">
                   <a:solidFill>
                     <a:srgbClr val="000000"/>
                   </a:solidFill>
@@ -3220,7 +3220,7 @@
             </a:ln>
             <a:extLst>
               <a:ext uri="{91240B29-F687-4f45-9708-019B960494DF}">
-                <a14:hiddenLine xmlns="" xmlns:a14="http://schemas.microsoft.com/office/drawing/2010/main" w="9525">
+                <a14:hiddenLine xmlns:a14="http://schemas.microsoft.com/office/drawing/2010/main" xmlns="" w="9525">
                   <a:solidFill>
                     <a:srgbClr val="000000"/>
                   </a:solidFill>
@@ -3285,7 +3285,7 @@
             </a:ln>
             <a:extLst>
               <a:ext uri="{91240B29-F687-4f45-9708-019B960494DF}">
-                <a14:hiddenLine xmlns="" xmlns:a14="http://schemas.microsoft.com/office/drawing/2010/main" w="9525">
+                <a14:hiddenLine xmlns:a14="http://schemas.microsoft.com/office/drawing/2010/main" xmlns="" w="9525">
                   <a:solidFill>
                     <a:srgbClr val="000000"/>
                   </a:solidFill>
@@ -3375,7 +3375,7 @@
             </a:ln>
             <a:extLst>
               <a:ext uri="{91240B29-F687-4f45-9708-019B960494DF}">
-                <a14:hiddenLine xmlns="" xmlns:a14="http://schemas.microsoft.com/office/drawing/2010/main" w="9525">
+                <a14:hiddenLine xmlns:a14="http://schemas.microsoft.com/office/drawing/2010/main" xmlns="" w="9525">
                   <a:solidFill>
                     <a:srgbClr val="000000"/>
                   </a:solidFill>
@@ -3437,7 +3437,7 @@
             </a:ln>
             <a:extLst>
               <a:ext uri="{91240B29-F687-4f45-9708-019B960494DF}">
-                <a14:hiddenLine xmlns="" xmlns:a14="http://schemas.microsoft.com/office/drawing/2010/main" w="9525">
+                <a14:hiddenLine xmlns:a14="http://schemas.microsoft.com/office/drawing/2010/main" xmlns="" w="9525">
                   <a:solidFill>
                     <a:srgbClr val="000000"/>
                   </a:solidFill>
@@ -3527,7 +3527,7 @@
             </a:ln>
             <a:extLst>
               <a:ext uri="{91240B29-F687-4f45-9708-019B960494DF}">
-                <a14:hiddenLine xmlns="" xmlns:a14="http://schemas.microsoft.com/office/drawing/2010/main" w="9525">
+                <a14:hiddenLine xmlns:a14="http://schemas.microsoft.com/office/drawing/2010/main" xmlns="" w="9525">
                   <a:solidFill>
                     <a:srgbClr val="000000"/>
                   </a:solidFill>
@@ -3617,7 +3617,7 @@
             </a:ln>
             <a:extLst>
               <a:ext uri="{91240B29-F687-4f45-9708-019B960494DF}">
-                <a14:hiddenLine xmlns="" xmlns:a14="http://schemas.microsoft.com/office/drawing/2010/main" w="9525">
+                <a14:hiddenLine xmlns:a14="http://schemas.microsoft.com/office/drawing/2010/main" xmlns="" w="9525">
                   <a:solidFill>
                     <a:srgbClr val="000000"/>
                   </a:solidFill>
@@ -3682,7 +3682,7 @@
             </a:ln>
             <a:extLst>
               <a:ext uri="{91240B29-F687-4f45-9708-019B960494DF}">
-                <a14:hiddenLine xmlns="" xmlns:a14="http://schemas.microsoft.com/office/drawing/2010/main" w="9525">
+                <a14:hiddenLine xmlns:a14="http://schemas.microsoft.com/office/drawing/2010/main" xmlns="" w="9525">
                   <a:solidFill>
                     <a:srgbClr val="000000"/>
                   </a:solidFill>
@@ -3744,7 +3744,7 @@
             </a:ln>
             <a:extLst>
               <a:ext uri="{91240B29-F687-4f45-9708-019B960494DF}">
-                <a14:hiddenLine xmlns="" xmlns:a14="http://schemas.microsoft.com/office/drawing/2010/main" w="9525">
+                <a14:hiddenLine xmlns:a14="http://schemas.microsoft.com/office/drawing/2010/main" xmlns="" w="9525">
                   <a:solidFill>
                     <a:srgbClr val="000000"/>
                   </a:solidFill>
@@ -3834,7 +3834,7 @@
             </a:ln>
             <a:extLst>
               <a:ext uri="{91240B29-F687-4f45-9708-019B960494DF}">
-                <a14:hiddenLine xmlns="" xmlns:a14="http://schemas.microsoft.com/office/drawing/2010/main" w="9525">
+                <a14:hiddenLine xmlns:a14="http://schemas.microsoft.com/office/drawing/2010/main" xmlns="" w="9525">
                   <a:solidFill>
                     <a:srgbClr val="000000"/>
                   </a:solidFill>
@@ -3924,7 +3924,7 @@
             </a:ln>
             <a:extLst>
               <a:ext uri="{91240B29-F687-4f45-9708-019B960494DF}">
-                <a14:hiddenLine xmlns="" xmlns:a14="http://schemas.microsoft.com/office/drawing/2010/main" w="9525">
+                <a14:hiddenLine xmlns:a14="http://schemas.microsoft.com/office/drawing/2010/main" xmlns="" w="9525">
                   <a:solidFill>
                     <a:srgbClr val="000000"/>
                   </a:solidFill>
@@ -3986,7 +3986,7 @@
             </a:ln>
             <a:extLst>
               <a:ext uri="{91240B29-F687-4f45-9708-019B960494DF}">
-                <a14:hiddenLine xmlns="" xmlns:a14="http://schemas.microsoft.com/office/drawing/2010/main" w="9525">
+                <a14:hiddenLine xmlns:a14="http://schemas.microsoft.com/office/drawing/2010/main" xmlns="" w="9525">
                   <a:solidFill>
                     <a:srgbClr val="000000"/>
                   </a:solidFill>
@@ -4106,7 +4106,7 @@
             </a:ln>
             <a:extLst>
               <a:ext uri="{91240B29-F687-4f45-9708-019B960494DF}">
-                <a14:hiddenLine xmlns="" xmlns:a14="http://schemas.microsoft.com/office/drawing/2010/main" w="9525">
+                <a14:hiddenLine xmlns:a14="http://schemas.microsoft.com/office/drawing/2010/main" xmlns="" w="9525">
                   <a:solidFill>
                     <a:srgbClr val="000000"/>
                   </a:solidFill>
@@ -4174,7 +4174,7 @@
             </a:ln>
             <a:extLst>
               <a:ext uri="{91240B29-F687-4f45-9708-019B960494DF}">
-                <a14:hiddenLine xmlns="" xmlns:a14="http://schemas.microsoft.com/office/drawing/2010/main" w="9525">
+                <a14:hiddenLine xmlns:a14="http://schemas.microsoft.com/office/drawing/2010/main" xmlns="" w="9525">
                   <a:solidFill>
                     <a:srgbClr val="000000"/>
                   </a:solidFill>
@@ -4264,7 +4264,7 @@
             </a:ln>
             <a:extLst>
               <a:ext uri="{91240B29-F687-4f45-9708-019B960494DF}">
-                <a14:hiddenLine xmlns="" xmlns:a14="http://schemas.microsoft.com/office/drawing/2010/main" w="9525">
+                <a14:hiddenLine xmlns:a14="http://schemas.microsoft.com/office/drawing/2010/main" xmlns="" w="9525">
                   <a:solidFill>
                     <a:srgbClr val="000000"/>
                   </a:solidFill>
@@ -8984,7 +8984,7 @@
           <a:noFill/>
           <a:extLst>
             <a:ext uri="{909E8E84-426E-40dd-AFC4-6F175D3DCCD1}">
-              <a14:hiddenFill xmlns="" xmlns:a14="http://schemas.microsoft.com/office/drawing/2010/main">
+              <a14:hiddenFill xmlns:a14="http://schemas.microsoft.com/office/drawing/2010/main" xmlns="">
                 <a:solidFill>
                   <a:srgbClr val="FFFFFF"/>
                 </a:solidFill>
@@ -9058,7 +9058,7 @@
               </a:ln>
               <a:extLst>
                 <a:ext uri="{91240B29-F687-4f45-9708-019B960494DF}">
-                  <a14:hiddenLine xmlns="" xmlns:a14="http://schemas.microsoft.com/office/drawing/2010/main" w="9525">
+                  <a14:hiddenLine xmlns:a14="http://schemas.microsoft.com/office/drawing/2010/main" xmlns="" w="9525">
                     <a:solidFill>
                       <a:srgbClr val="000000"/>
                     </a:solidFill>
@@ -9148,7 +9148,7 @@
               </a:ln>
               <a:extLst>
                 <a:ext uri="{91240B29-F687-4f45-9708-019B960494DF}">
-                  <a14:hiddenLine xmlns="" xmlns:a14="http://schemas.microsoft.com/office/drawing/2010/main" w="9525">
+                  <a14:hiddenLine xmlns:a14="http://schemas.microsoft.com/office/drawing/2010/main" xmlns="" w="9525">
                     <a:solidFill>
                       <a:srgbClr val="000000"/>
                     </a:solidFill>
@@ -9238,7 +9238,7 @@
               </a:ln>
               <a:extLst>
                 <a:ext uri="{91240B29-F687-4f45-9708-019B960494DF}">
-                  <a14:hiddenLine xmlns="" xmlns:a14="http://schemas.microsoft.com/office/drawing/2010/main" w="9525">
+                  <a14:hiddenLine xmlns:a14="http://schemas.microsoft.com/office/drawing/2010/main" xmlns="" w="9525">
                     <a:solidFill>
                       <a:srgbClr val="000000"/>
                     </a:solidFill>
@@ -9300,7 +9300,7 @@
               </a:ln>
               <a:extLst>
                 <a:ext uri="{91240B29-F687-4f45-9708-019B960494DF}">
-                  <a14:hiddenLine xmlns="" xmlns:a14="http://schemas.microsoft.com/office/drawing/2010/main" w="9525">
+                  <a14:hiddenLine xmlns:a14="http://schemas.microsoft.com/office/drawing/2010/main" xmlns="" w="9525">
                     <a:solidFill>
                       <a:srgbClr val="000000"/>
                     </a:solidFill>
@@ -9390,7 +9390,7 @@
               </a:ln>
               <a:extLst>
                 <a:ext uri="{91240B29-F687-4f45-9708-019B960494DF}">
-                  <a14:hiddenLine xmlns="" xmlns:a14="http://schemas.microsoft.com/office/drawing/2010/main" w="9525">
+                  <a14:hiddenLine xmlns:a14="http://schemas.microsoft.com/office/drawing/2010/main" xmlns="" w="9525">
                     <a:solidFill>
                       <a:srgbClr val="000000"/>
                     </a:solidFill>
@@ -9452,7 +9452,7 @@
               </a:ln>
               <a:extLst>
                 <a:ext uri="{91240B29-F687-4f45-9708-019B960494DF}">
-                  <a14:hiddenLine xmlns="" xmlns:a14="http://schemas.microsoft.com/office/drawing/2010/main" w="9525">
+                  <a14:hiddenLine xmlns:a14="http://schemas.microsoft.com/office/drawing/2010/main" xmlns="" w="9525">
                     <a:solidFill>
                       <a:srgbClr val="000000"/>
                     </a:solidFill>
@@ -9514,7 +9514,7 @@
               </a:ln>
               <a:extLst>
                 <a:ext uri="{91240B29-F687-4f45-9708-019B960494DF}">
-                  <a14:hiddenLine xmlns="" xmlns:a14="http://schemas.microsoft.com/office/drawing/2010/main" w="9525">
+                  <a14:hiddenLine xmlns:a14="http://schemas.microsoft.com/office/drawing/2010/main" xmlns="" w="9525">
                     <a:solidFill>
                       <a:srgbClr val="000000"/>
                     </a:solidFill>
@@ -9604,7 +9604,7 @@
               </a:ln>
               <a:extLst>
                 <a:ext uri="{91240B29-F687-4f45-9708-019B960494DF}">
-                  <a14:hiddenLine xmlns="" xmlns:a14="http://schemas.microsoft.com/office/drawing/2010/main" w="9525">
+                  <a14:hiddenLine xmlns:a14="http://schemas.microsoft.com/office/drawing/2010/main" xmlns="" w="9525">
                     <a:solidFill>
                       <a:srgbClr val="000000"/>
                     </a:solidFill>
@@ -9694,7 +9694,7 @@
               </a:ln>
               <a:extLst>
                 <a:ext uri="{91240B29-F687-4f45-9708-019B960494DF}">
-                  <a14:hiddenLine xmlns="" xmlns:a14="http://schemas.microsoft.com/office/drawing/2010/main" w="9525">
+                  <a14:hiddenLine xmlns:a14="http://schemas.microsoft.com/office/drawing/2010/main" xmlns="" w="9525">
                     <a:solidFill>
                       <a:srgbClr val="000000"/>
                     </a:solidFill>
@@ -9756,7 +9756,7 @@
               </a:ln>
               <a:extLst>
                 <a:ext uri="{91240B29-F687-4f45-9708-019B960494DF}">
-                  <a14:hiddenLine xmlns="" xmlns:a14="http://schemas.microsoft.com/office/drawing/2010/main" w="9525">
+                  <a14:hiddenLine xmlns:a14="http://schemas.microsoft.com/office/drawing/2010/main" xmlns="" w="9525">
                     <a:solidFill>
                       <a:srgbClr val="000000"/>
                     </a:solidFill>
@@ -9866,7 +9866,7 @@
               </a:ln>
               <a:extLst>
                 <a:ext uri="{91240B29-F687-4f45-9708-019B960494DF}">
-                  <a14:hiddenLine xmlns="" xmlns:a14="http://schemas.microsoft.com/office/drawing/2010/main" w="9525">
+                  <a14:hiddenLine xmlns:a14="http://schemas.microsoft.com/office/drawing/2010/main" xmlns="" w="9525">
                     <a:solidFill>
                       <a:srgbClr val="000000"/>
                     </a:solidFill>
@@ -9950,7 +9950,7 @@
               </a:ln>
               <a:extLst>
                 <a:ext uri="{91240B29-F687-4f45-9708-019B960494DF}">
-                  <a14:hiddenLine xmlns="" xmlns:a14="http://schemas.microsoft.com/office/drawing/2010/main" w="9525">
+                  <a14:hiddenLine xmlns:a14="http://schemas.microsoft.com/office/drawing/2010/main" xmlns="" w="9525">
                     <a:solidFill>
                       <a:srgbClr val="000000"/>
                     </a:solidFill>
@@ -10012,7 +10012,7 @@
               </a:ln>
               <a:extLst>
                 <a:ext uri="{91240B29-F687-4f45-9708-019B960494DF}">
-                  <a14:hiddenLine xmlns="" xmlns:a14="http://schemas.microsoft.com/office/drawing/2010/main" w="9525">
+                  <a14:hiddenLine xmlns:a14="http://schemas.microsoft.com/office/drawing/2010/main" xmlns="" w="9525">
                     <a:solidFill>
                       <a:srgbClr val="000000"/>
                     </a:solidFill>
@@ -10074,7 +10074,7 @@
               </a:ln>
               <a:extLst>
                 <a:ext uri="{91240B29-F687-4f45-9708-019B960494DF}">
-                  <a14:hiddenLine xmlns="" xmlns:a14="http://schemas.microsoft.com/office/drawing/2010/main" w="9525">
+                  <a14:hiddenLine xmlns:a14="http://schemas.microsoft.com/office/drawing/2010/main" xmlns="" w="9525">
                     <a:solidFill>
                       <a:srgbClr val="000000"/>
                     </a:solidFill>
@@ -10164,7 +10164,7 @@
               </a:ln>
               <a:extLst>
                 <a:ext uri="{91240B29-F687-4f45-9708-019B960494DF}">
-                  <a14:hiddenLine xmlns="" xmlns:a14="http://schemas.microsoft.com/office/drawing/2010/main" w="9525">
+                  <a14:hiddenLine xmlns:a14="http://schemas.microsoft.com/office/drawing/2010/main" xmlns="" w="9525">
                     <a:solidFill>
                       <a:srgbClr val="000000"/>
                     </a:solidFill>
@@ -10198,7 +10198,7 @@
               </a:ln>
               <a:extLst>
                 <a:ext uri="{91240B29-F687-4f45-9708-019B960494DF}">
-                  <a14:hiddenLine xmlns="" xmlns:a14="http://schemas.microsoft.com/office/drawing/2010/main" w="9525">
+                  <a14:hiddenLine xmlns:a14="http://schemas.microsoft.com/office/drawing/2010/main" xmlns="" w="9525">
                     <a:solidFill>
                       <a:srgbClr val="000000"/>
                     </a:solidFill>
@@ -10263,7 +10263,7 @@
               </a:ln>
               <a:extLst>
                 <a:ext uri="{91240B29-F687-4f45-9708-019B960494DF}">
-                  <a14:hiddenLine xmlns="" xmlns:a14="http://schemas.microsoft.com/office/drawing/2010/main" w="9525">
+                  <a14:hiddenLine xmlns:a14="http://schemas.microsoft.com/office/drawing/2010/main" xmlns="" w="9525">
                     <a:solidFill>
                       <a:srgbClr val="000000"/>
                     </a:solidFill>
@@ -10353,7 +10353,7 @@
               </a:ln>
               <a:extLst>
                 <a:ext uri="{91240B29-F687-4f45-9708-019B960494DF}">
-                  <a14:hiddenLine xmlns="" xmlns:a14="http://schemas.microsoft.com/office/drawing/2010/main" w="9525">
+                  <a14:hiddenLine xmlns:a14="http://schemas.microsoft.com/office/drawing/2010/main" xmlns="" w="9525">
                     <a:solidFill>
                       <a:srgbClr val="000000"/>
                     </a:solidFill>
@@ -10415,7 +10415,7 @@
               </a:ln>
               <a:extLst>
                 <a:ext uri="{91240B29-F687-4f45-9708-019B960494DF}">
-                  <a14:hiddenLine xmlns="" xmlns:a14="http://schemas.microsoft.com/office/drawing/2010/main" w="9525">
+                  <a14:hiddenLine xmlns:a14="http://schemas.microsoft.com/office/drawing/2010/main" xmlns="" w="9525">
                     <a:solidFill>
                       <a:srgbClr val="000000"/>
                     </a:solidFill>
@@ -10505,7 +10505,7 @@
               </a:ln>
               <a:extLst>
                 <a:ext uri="{91240B29-F687-4f45-9708-019B960494DF}">
-                  <a14:hiddenLine xmlns="" xmlns:a14="http://schemas.microsoft.com/office/drawing/2010/main" w="9525">
+                  <a14:hiddenLine xmlns:a14="http://schemas.microsoft.com/office/drawing/2010/main" xmlns="" w="9525">
                     <a:solidFill>
                       <a:srgbClr val="000000"/>
                     </a:solidFill>
@@ -10570,7 +10570,7 @@
               </a:ln>
               <a:extLst>
                 <a:ext uri="{91240B29-F687-4f45-9708-019B960494DF}">
-                  <a14:hiddenLine xmlns="" xmlns:a14="http://schemas.microsoft.com/office/drawing/2010/main" w="9525">
+                  <a14:hiddenLine xmlns:a14="http://schemas.microsoft.com/office/drawing/2010/main" xmlns="" w="9525">
                     <a:solidFill>
                       <a:srgbClr val="000000"/>
                     </a:solidFill>
@@ -10632,7 +10632,7 @@
               </a:ln>
               <a:extLst>
                 <a:ext uri="{91240B29-F687-4f45-9708-019B960494DF}">
-                  <a14:hiddenLine xmlns="" xmlns:a14="http://schemas.microsoft.com/office/drawing/2010/main" w="9525">
+                  <a14:hiddenLine xmlns:a14="http://schemas.microsoft.com/office/drawing/2010/main" xmlns="" w="9525">
                     <a:solidFill>
                       <a:srgbClr val="000000"/>
                     </a:solidFill>
@@ -10722,7 +10722,7 @@
               </a:ln>
               <a:extLst>
                 <a:ext uri="{91240B29-F687-4f45-9708-019B960494DF}">
-                  <a14:hiddenLine xmlns="" xmlns:a14="http://schemas.microsoft.com/office/drawing/2010/main" w="9525">
+                  <a14:hiddenLine xmlns:a14="http://schemas.microsoft.com/office/drawing/2010/main" xmlns="" w="9525">
                     <a:solidFill>
                       <a:srgbClr val="000000"/>
                     </a:solidFill>
@@ -10812,7 +10812,7 @@
               </a:ln>
               <a:extLst>
                 <a:ext uri="{91240B29-F687-4f45-9708-019B960494DF}">
-                  <a14:hiddenLine xmlns="" xmlns:a14="http://schemas.microsoft.com/office/drawing/2010/main" w="9525">
+                  <a14:hiddenLine xmlns:a14="http://schemas.microsoft.com/office/drawing/2010/main" xmlns="" w="9525">
                     <a:solidFill>
                       <a:srgbClr val="000000"/>
                     </a:solidFill>
@@ -10877,7 +10877,7 @@
               </a:ln>
               <a:extLst>
                 <a:ext uri="{91240B29-F687-4f45-9708-019B960494DF}">
-                  <a14:hiddenLine xmlns="" xmlns:a14="http://schemas.microsoft.com/office/drawing/2010/main" w="9525">
+                  <a14:hiddenLine xmlns:a14="http://schemas.microsoft.com/office/drawing/2010/main" xmlns="" w="9525">
                     <a:solidFill>
                       <a:srgbClr val="000000"/>
                     </a:solidFill>
@@ -10997,7 +10997,7 @@
               </a:ln>
               <a:extLst>
                 <a:ext uri="{91240B29-F687-4f45-9708-019B960494DF}">
-                  <a14:hiddenLine xmlns="" xmlns:a14="http://schemas.microsoft.com/office/drawing/2010/main" w="9525">
+                  <a14:hiddenLine xmlns:a14="http://schemas.microsoft.com/office/drawing/2010/main" xmlns="" w="9525">
                     <a:solidFill>
                       <a:srgbClr val="000000"/>
                     </a:solidFill>
@@ -11095,7 +11095,7 @@
               </a:ln>
               <a:extLst>
                 <a:ext uri="{91240B29-F687-4f45-9708-019B960494DF}">
-                  <a14:hiddenLine xmlns="" xmlns:a14="http://schemas.microsoft.com/office/drawing/2010/main" w="9525">
+                  <a14:hiddenLine xmlns:a14="http://schemas.microsoft.com/office/drawing/2010/main" xmlns="" w="9525">
                     <a:solidFill>
                       <a:srgbClr val="000000"/>
                     </a:solidFill>
@@ -11210,7 +11210,7 @@
               </a:ln>
               <a:extLst>
                 <a:ext uri="{91240B29-F687-4f45-9708-019B960494DF}">
-                  <a14:hiddenLine xmlns="" xmlns:a14="http://schemas.microsoft.com/office/drawing/2010/main" w="9525">
+                  <a14:hiddenLine xmlns:a14="http://schemas.microsoft.com/office/drawing/2010/main" xmlns="" w="9525">
                     <a:solidFill>
                       <a:srgbClr val="000000"/>
                     </a:solidFill>
@@ -11300,7 +11300,7 @@
               </a:ln>
               <a:extLst>
                 <a:ext uri="{91240B29-F687-4f45-9708-019B960494DF}">
-                  <a14:hiddenLine xmlns="" xmlns:a14="http://schemas.microsoft.com/office/drawing/2010/main" w="9525">
+                  <a14:hiddenLine xmlns:a14="http://schemas.microsoft.com/office/drawing/2010/main" xmlns="" w="9525">
                     <a:solidFill>
                       <a:srgbClr val="000000"/>
                     </a:solidFill>
@@ -11365,7 +11365,7 @@
               </a:ln>
               <a:extLst>
                 <a:ext uri="{91240B29-F687-4f45-9708-019B960494DF}">
-                  <a14:hiddenLine xmlns="" xmlns:a14="http://schemas.microsoft.com/office/drawing/2010/main" w="9525">
+                  <a14:hiddenLine xmlns:a14="http://schemas.microsoft.com/office/drawing/2010/main" xmlns="" w="9525">
                     <a:solidFill>
                       <a:srgbClr val="000000"/>
                     </a:solidFill>
@@ -11455,7 +11455,7 @@
               </a:ln>
               <a:extLst>
                 <a:ext uri="{91240B29-F687-4f45-9708-019B960494DF}">
-                  <a14:hiddenLine xmlns="" xmlns:a14="http://schemas.microsoft.com/office/drawing/2010/main" w="9525">
+                  <a14:hiddenLine xmlns:a14="http://schemas.microsoft.com/office/drawing/2010/main" xmlns="" w="9525">
                     <a:solidFill>
                       <a:srgbClr val="000000"/>
                     </a:solidFill>
@@ -11523,7 +11523,7 @@
               </a:ln>
               <a:extLst>
                 <a:ext uri="{91240B29-F687-4f45-9708-019B960494DF}">
-                  <a14:hiddenLine xmlns="" xmlns:a14="http://schemas.microsoft.com/office/drawing/2010/main" w="9525">
+                  <a14:hiddenLine xmlns:a14="http://schemas.microsoft.com/office/drawing/2010/main" xmlns="" w="9525">
                     <a:solidFill>
                       <a:srgbClr val="000000"/>
                     </a:solidFill>
@@ -11613,7 +11613,7 @@
               </a:ln>
               <a:extLst>
                 <a:ext uri="{91240B29-F687-4f45-9708-019B960494DF}">
-                  <a14:hiddenLine xmlns="" xmlns:a14="http://schemas.microsoft.com/office/drawing/2010/main" w="9525">
+                  <a14:hiddenLine xmlns:a14="http://schemas.microsoft.com/office/drawing/2010/main" xmlns="" w="9525">
                     <a:solidFill>
                       <a:srgbClr val="000000"/>
                     </a:solidFill>
@@ -11681,7 +11681,7 @@
               </a:ln>
               <a:extLst>
                 <a:ext uri="{91240B29-F687-4f45-9708-019B960494DF}">
-                  <a14:hiddenLine xmlns="" xmlns:a14="http://schemas.microsoft.com/office/drawing/2010/main" w="9525">
+                  <a14:hiddenLine xmlns:a14="http://schemas.microsoft.com/office/drawing/2010/main" xmlns="" w="9525">
                     <a:solidFill>
                       <a:srgbClr val="000000"/>
                     </a:solidFill>
@@ -11771,7 +11771,7 @@
               </a:ln>
               <a:extLst>
                 <a:ext uri="{91240B29-F687-4f45-9708-019B960494DF}">
-                  <a14:hiddenLine xmlns="" xmlns:a14="http://schemas.microsoft.com/office/drawing/2010/main" w="9525">
+                  <a14:hiddenLine xmlns:a14="http://schemas.microsoft.com/office/drawing/2010/main" xmlns="" w="9525">
                     <a:solidFill>
                       <a:srgbClr val="000000"/>
                     </a:solidFill>
@@ -11805,7 +11805,7 @@
               </a:ln>
               <a:extLst>
                 <a:ext uri="{91240B29-F687-4f45-9708-019B960494DF}">
-                  <a14:hiddenLine xmlns="" xmlns:a14="http://schemas.microsoft.com/office/drawing/2010/main" w="9525">
+                  <a14:hiddenLine xmlns:a14="http://schemas.microsoft.com/office/drawing/2010/main" xmlns="" w="9525">
                     <a:solidFill>
                       <a:srgbClr val="000000"/>
                     </a:solidFill>
@@ -12614,7 +12614,7 @@
           </a:prstGeom>
           <a:extLst>
             <a:ext uri="{909E8E84-426E-40dd-AFC4-6F175D3DCCD1}">
-              <a14:hiddenFill xmlns:a14="http://schemas.microsoft.com/office/drawing/2010/main" xmlns:p14="http://schemas.microsoft.com/office/powerpoint/2010/main" xmlns:a16="http://schemas.microsoft.com/office/drawing/2014/main" xmlns="">
+              <a14:hiddenFill xmlns="" xmlns:a16="http://schemas.microsoft.com/office/drawing/2014/main" xmlns:p14="http://schemas.microsoft.com/office/powerpoint/2010/main" xmlns:a14="http://schemas.microsoft.com/office/drawing/2010/main">
                 <a:solidFill>
                   <a:srgbClr val="FFFFFF"/>
                 </a:solidFill>
@@ -12767,7 +12767,7 @@
           <a:noFill/>
           <a:extLst>
             <a:ext uri="{909E8E84-426E-40dd-AFC4-6F175D3DCCD1}">
-              <a14:hiddenFill xmlns:a14="http://schemas.microsoft.com/office/drawing/2010/main" xmlns:p14="http://schemas.microsoft.com/office/powerpoint/2010/main" xmlns:a16="http://schemas.microsoft.com/office/drawing/2014/main" xmlns="">
+              <a14:hiddenFill xmlns="" xmlns:a16="http://schemas.microsoft.com/office/drawing/2014/main" xmlns:p14="http://schemas.microsoft.com/office/powerpoint/2010/main" xmlns:a14="http://schemas.microsoft.com/office/drawing/2010/main">
                 <a:solidFill>
                   <a:srgbClr val="FFFFFF"/>
                 </a:solidFill>
@@ -12898,7 +12898,7 @@
             </a:ln>
             <a:extLst>
               <a:ext uri="{91240B29-F687-4f45-9708-019B960494DF}">
-                <a14:hiddenLine xmlns:a14="http://schemas.microsoft.com/office/drawing/2010/main" xmlns:p14="http://schemas.microsoft.com/office/powerpoint/2010/main" xmlns:a16="http://schemas.microsoft.com/office/drawing/2014/main" xmlns="" w="9525">
+                <a14:hiddenLine xmlns="" xmlns:a16="http://schemas.microsoft.com/office/drawing/2014/main" xmlns:p14="http://schemas.microsoft.com/office/powerpoint/2010/main" xmlns:a14="http://schemas.microsoft.com/office/drawing/2010/main" w="9525">
                   <a:solidFill>
                     <a:srgbClr val="000000"/>
                   </a:solidFill>
@@ -13003,7 +13003,7 @@
             </a:ln>
             <a:extLst>
               <a:ext uri="{91240B29-F687-4f45-9708-019B960494DF}">
-                <a14:hiddenLine xmlns:a14="http://schemas.microsoft.com/office/drawing/2010/main" xmlns:p14="http://schemas.microsoft.com/office/powerpoint/2010/main" xmlns:a16="http://schemas.microsoft.com/office/drawing/2014/main" xmlns="" w="9525">
+                <a14:hiddenLine xmlns="" xmlns:a16="http://schemas.microsoft.com/office/drawing/2014/main" xmlns:p14="http://schemas.microsoft.com/office/powerpoint/2010/main" xmlns:a14="http://schemas.microsoft.com/office/drawing/2010/main" w="9525">
                   <a:solidFill>
                     <a:srgbClr val="000000"/>
                   </a:solidFill>
@@ -13108,7 +13108,7 @@
             </a:ln>
             <a:extLst>
               <a:ext uri="{91240B29-F687-4f45-9708-019B960494DF}">
-                <a14:hiddenLine xmlns:a14="http://schemas.microsoft.com/office/drawing/2010/main" xmlns:p14="http://schemas.microsoft.com/office/powerpoint/2010/main" xmlns:a16="http://schemas.microsoft.com/office/drawing/2014/main" xmlns="" w="9525">
+                <a14:hiddenLine xmlns="" xmlns:a16="http://schemas.microsoft.com/office/drawing/2014/main" xmlns:p14="http://schemas.microsoft.com/office/powerpoint/2010/main" xmlns:a14="http://schemas.microsoft.com/office/drawing/2010/main" w="9525">
                   <a:solidFill>
                     <a:srgbClr val="000000"/>
                   </a:solidFill>
@@ -13185,7 +13185,7 @@
             </a:ln>
             <a:extLst>
               <a:ext uri="{91240B29-F687-4f45-9708-019B960494DF}">
-                <a14:hiddenLine xmlns:a14="http://schemas.microsoft.com/office/drawing/2010/main" xmlns:p14="http://schemas.microsoft.com/office/powerpoint/2010/main" xmlns:a16="http://schemas.microsoft.com/office/drawing/2014/main" xmlns="" w="9525">
+                <a14:hiddenLine xmlns="" xmlns:a16="http://schemas.microsoft.com/office/drawing/2014/main" xmlns:p14="http://schemas.microsoft.com/office/powerpoint/2010/main" xmlns:a14="http://schemas.microsoft.com/office/drawing/2010/main" w="9525">
                   <a:solidFill>
                     <a:srgbClr val="000000"/>
                   </a:solidFill>
@@ -13290,7 +13290,7 @@
             </a:ln>
             <a:extLst>
               <a:ext uri="{91240B29-F687-4f45-9708-019B960494DF}">
-                <a14:hiddenLine xmlns:a14="http://schemas.microsoft.com/office/drawing/2010/main" xmlns:p14="http://schemas.microsoft.com/office/powerpoint/2010/main" xmlns:a16="http://schemas.microsoft.com/office/drawing/2014/main" xmlns="" w="9525">
+                <a14:hiddenLine xmlns="" xmlns:a16="http://schemas.microsoft.com/office/drawing/2014/main" xmlns:p14="http://schemas.microsoft.com/office/powerpoint/2010/main" xmlns:a14="http://schemas.microsoft.com/office/drawing/2010/main" w="9525">
                   <a:solidFill>
                     <a:srgbClr val="000000"/>
                   </a:solidFill>
@@ -13367,7 +13367,7 @@
             </a:ln>
             <a:extLst>
               <a:ext uri="{91240B29-F687-4f45-9708-019B960494DF}">
-                <a14:hiddenLine xmlns:a14="http://schemas.microsoft.com/office/drawing/2010/main" xmlns:p14="http://schemas.microsoft.com/office/powerpoint/2010/main" xmlns:a16="http://schemas.microsoft.com/office/drawing/2014/main" xmlns="" w="9525">
+                <a14:hiddenLine xmlns="" xmlns:a16="http://schemas.microsoft.com/office/drawing/2014/main" xmlns:p14="http://schemas.microsoft.com/office/powerpoint/2010/main" xmlns:a14="http://schemas.microsoft.com/office/drawing/2010/main" w="9525">
                   <a:solidFill>
                     <a:srgbClr val="000000"/>
                   </a:solidFill>
@@ -13444,7 +13444,7 @@
             </a:ln>
             <a:extLst>
               <a:ext uri="{91240B29-F687-4f45-9708-019B960494DF}">
-                <a14:hiddenLine xmlns:a14="http://schemas.microsoft.com/office/drawing/2010/main" xmlns:p14="http://schemas.microsoft.com/office/powerpoint/2010/main" xmlns:a16="http://schemas.microsoft.com/office/drawing/2014/main" xmlns="" w="9525">
+                <a14:hiddenLine xmlns="" xmlns:a16="http://schemas.microsoft.com/office/drawing/2014/main" xmlns:p14="http://schemas.microsoft.com/office/powerpoint/2010/main" xmlns:a14="http://schemas.microsoft.com/office/drawing/2010/main" w="9525">
                   <a:solidFill>
                     <a:srgbClr val="000000"/>
                   </a:solidFill>
@@ -13549,7 +13549,7 @@
             </a:ln>
             <a:extLst>
               <a:ext uri="{91240B29-F687-4f45-9708-019B960494DF}">
-                <a14:hiddenLine xmlns:a14="http://schemas.microsoft.com/office/drawing/2010/main" xmlns:p14="http://schemas.microsoft.com/office/powerpoint/2010/main" xmlns:a16="http://schemas.microsoft.com/office/drawing/2014/main" xmlns="" w="9525">
+                <a14:hiddenLine xmlns="" xmlns:a16="http://schemas.microsoft.com/office/drawing/2014/main" xmlns:p14="http://schemas.microsoft.com/office/powerpoint/2010/main" xmlns:a14="http://schemas.microsoft.com/office/drawing/2010/main" w="9525">
                   <a:solidFill>
                     <a:srgbClr val="000000"/>
                   </a:solidFill>
@@ -13654,7 +13654,7 @@
             </a:ln>
             <a:extLst>
               <a:ext uri="{91240B29-F687-4f45-9708-019B960494DF}">
-                <a14:hiddenLine xmlns:a14="http://schemas.microsoft.com/office/drawing/2010/main" xmlns:p14="http://schemas.microsoft.com/office/powerpoint/2010/main" xmlns:a16="http://schemas.microsoft.com/office/drawing/2014/main" xmlns="" w="9525">
+                <a14:hiddenLine xmlns="" xmlns:a16="http://schemas.microsoft.com/office/drawing/2014/main" xmlns:p14="http://schemas.microsoft.com/office/powerpoint/2010/main" xmlns:a14="http://schemas.microsoft.com/office/drawing/2010/main" w="9525">
                   <a:solidFill>
                     <a:srgbClr val="000000"/>
                   </a:solidFill>
@@ -13731,7 +13731,7 @@
             </a:ln>
             <a:extLst>
               <a:ext uri="{91240B29-F687-4f45-9708-019B960494DF}">
-                <a14:hiddenLine xmlns:a14="http://schemas.microsoft.com/office/drawing/2010/main" xmlns:p14="http://schemas.microsoft.com/office/powerpoint/2010/main" xmlns:a16="http://schemas.microsoft.com/office/drawing/2014/main" xmlns="" w="9525">
+                <a14:hiddenLine xmlns="" xmlns:a16="http://schemas.microsoft.com/office/drawing/2014/main" xmlns:p14="http://schemas.microsoft.com/office/powerpoint/2010/main" xmlns:a14="http://schemas.microsoft.com/office/drawing/2010/main" w="9525">
                   <a:solidFill>
                     <a:srgbClr val="000000"/>
                   </a:solidFill>
@@ -13856,7 +13856,7 @@
             </a:ln>
             <a:extLst>
               <a:ext uri="{91240B29-F687-4f45-9708-019B960494DF}">
-                <a14:hiddenLine xmlns:a14="http://schemas.microsoft.com/office/drawing/2010/main" xmlns:p14="http://schemas.microsoft.com/office/powerpoint/2010/main" xmlns:a16="http://schemas.microsoft.com/office/drawing/2014/main" xmlns="" w="9525">
+                <a14:hiddenLine xmlns="" xmlns:a16="http://schemas.microsoft.com/office/drawing/2014/main" xmlns:p14="http://schemas.microsoft.com/office/powerpoint/2010/main" xmlns:a14="http://schemas.microsoft.com/office/drawing/2010/main" w="9525">
                   <a:solidFill>
                     <a:srgbClr val="000000"/>
                   </a:solidFill>
@@ -13970,7 +13970,7 @@
             </a:ln>
             <a:extLst>
               <a:ext uri="{91240B29-F687-4f45-9708-019B960494DF}">
-                <a14:hiddenLine xmlns:a14="http://schemas.microsoft.com/office/drawing/2010/main" xmlns:p14="http://schemas.microsoft.com/office/powerpoint/2010/main" xmlns:a16="http://schemas.microsoft.com/office/drawing/2014/main" xmlns="" w="9525">
+                <a14:hiddenLine xmlns="" xmlns:a16="http://schemas.microsoft.com/office/drawing/2014/main" xmlns:p14="http://schemas.microsoft.com/office/powerpoint/2010/main" xmlns:a14="http://schemas.microsoft.com/office/drawing/2010/main" w="9525">
                   <a:solidFill>
                     <a:srgbClr val="000000"/>
                   </a:solidFill>
@@ -14047,7 +14047,7 @@
             </a:ln>
             <a:extLst>
               <a:ext uri="{91240B29-F687-4f45-9708-019B960494DF}">
-                <a14:hiddenLine xmlns:a14="http://schemas.microsoft.com/office/drawing/2010/main" xmlns:p14="http://schemas.microsoft.com/office/powerpoint/2010/main" xmlns:a16="http://schemas.microsoft.com/office/drawing/2014/main" xmlns="" w="9525">
+                <a14:hiddenLine xmlns="" xmlns:a16="http://schemas.microsoft.com/office/drawing/2014/main" xmlns:p14="http://schemas.microsoft.com/office/powerpoint/2010/main" xmlns:a14="http://schemas.microsoft.com/office/drawing/2010/main" w="9525">
                   <a:solidFill>
                     <a:srgbClr val="000000"/>
                   </a:solidFill>
@@ -14124,7 +14124,7 @@
             </a:ln>
             <a:extLst>
               <a:ext uri="{91240B29-F687-4f45-9708-019B960494DF}">
-                <a14:hiddenLine xmlns:a14="http://schemas.microsoft.com/office/drawing/2010/main" xmlns:p14="http://schemas.microsoft.com/office/powerpoint/2010/main" xmlns:a16="http://schemas.microsoft.com/office/drawing/2014/main" xmlns="" w="9525">
+                <a14:hiddenLine xmlns="" xmlns:a16="http://schemas.microsoft.com/office/drawing/2014/main" xmlns:p14="http://schemas.microsoft.com/office/powerpoint/2010/main" xmlns:a14="http://schemas.microsoft.com/office/drawing/2010/main" w="9525">
                   <a:solidFill>
                     <a:srgbClr val="000000"/>
                   </a:solidFill>
@@ -14229,7 +14229,7 @@
             </a:ln>
             <a:extLst>
               <a:ext uri="{91240B29-F687-4f45-9708-019B960494DF}">
-                <a14:hiddenLine xmlns:a14="http://schemas.microsoft.com/office/drawing/2010/main" xmlns:p14="http://schemas.microsoft.com/office/powerpoint/2010/main" xmlns:a16="http://schemas.microsoft.com/office/drawing/2014/main" xmlns="" w="9525">
+                <a14:hiddenLine xmlns="" xmlns:a16="http://schemas.microsoft.com/office/drawing/2014/main" xmlns:p14="http://schemas.microsoft.com/office/powerpoint/2010/main" xmlns:a14="http://schemas.microsoft.com/office/drawing/2010/main" w="9525">
                   <a:solidFill>
                     <a:srgbClr val="000000"/>
                   </a:solidFill>
@@ -14278,7 +14278,7 @@
             </a:ln>
             <a:extLst>
               <a:ext uri="{91240B29-F687-4f45-9708-019B960494DF}">
-                <a14:hiddenLine xmlns:a14="http://schemas.microsoft.com/office/drawing/2010/main" xmlns:p14="http://schemas.microsoft.com/office/powerpoint/2010/main" xmlns:a16="http://schemas.microsoft.com/office/drawing/2014/main" xmlns="" w="9525">
+                <a14:hiddenLine xmlns="" xmlns:a16="http://schemas.microsoft.com/office/drawing/2014/main" xmlns:p14="http://schemas.microsoft.com/office/powerpoint/2010/main" xmlns:a14="http://schemas.microsoft.com/office/drawing/2010/main" w="9525">
                   <a:solidFill>
                     <a:srgbClr val="000000"/>
                   </a:solidFill>
@@ -14358,7 +14358,7 @@
             </a:ln>
             <a:extLst>
               <a:ext uri="{91240B29-F687-4f45-9708-019B960494DF}">
-                <a14:hiddenLine xmlns:a14="http://schemas.microsoft.com/office/drawing/2010/main" xmlns:p14="http://schemas.microsoft.com/office/powerpoint/2010/main" xmlns:a16="http://schemas.microsoft.com/office/drawing/2014/main" xmlns="" w="9525">
+                <a14:hiddenLine xmlns="" xmlns:a16="http://schemas.microsoft.com/office/drawing/2014/main" xmlns:p14="http://schemas.microsoft.com/office/powerpoint/2010/main" xmlns:a14="http://schemas.microsoft.com/office/drawing/2010/main" w="9525">
                   <a:solidFill>
                     <a:srgbClr val="000000"/>
                   </a:solidFill>
@@ -14463,7 +14463,7 @@
             </a:ln>
             <a:extLst>
               <a:ext uri="{91240B29-F687-4f45-9708-019B960494DF}">
-                <a14:hiddenLine xmlns:a14="http://schemas.microsoft.com/office/drawing/2010/main" xmlns:p14="http://schemas.microsoft.com/office/powerpoint/2010/main" xmlns:a16="http://schemas.microsoft.com/office/drawing/2014/main" xmlns="" w="9525">
+                <a14:hiddenLine xmlns="" xmlns:a16="http://schemas.microsoft.com/office/drawing/2014/main" xmlns:p14="http://schemas.microsoft.com/office/powerpoint/2010/main" xmlns:a14="http://schemas.microsoft.com/office/drawing/2010/main" w="9525">
                   <a:solidFill>
                     <a:srgbClr val="000000"/>
                   </a:solidFill>
@@ -14540,7 +14540,7 @@
             </a:ln>
             <a:extLst>
               <a:ext uri="{91240B29-F687-4f45-9708-019B960494DF}">
-                <a14:hiddenLine xmlns:a14="http://schemas.microsoft.com/office/drawing/2010/main" xmlns:p14="http://schemas.microsoft.com/office/powerpoint/2010/main" xmlns:a16="http://schemas.microsoft.com/office/drawing/2014/main" xmlns="" w="9525">
+                <a14:hiddenLine xmlns="" xmlns:a16="http://schemas.microsoft.com/office/drawing/2014/main" xmlns:p14="http://schemas.microsoft.com/office/powerpoint/2010/main" xmlns:a14="http://schemas.microsoft.com/office/drawing/2010/main" w="9525">
                   <a:solidFill>
                     <a:srgbClr val="000000"/>
                   </a:solidFill>
@@ -14645,7 +14645,7 @@
             </a:ln>
             <a:extLst>
               <a:ext uri="{91240B29-F687-4f45-9708-019B960494DF}">
-                <a14:hiddenLine xmlns:a14="http://schemas.microsoft.com/office/drawing/2010/main" xmlns:p14="http://schemas.microsoft.com/office/powerpoint/2010/main" xmlns:a16="http://schemas.microsoft.com/office/drawing/2014/main" xmlns="" w="9525">
+                <a14:hiddenLine xmlns="" xmlns:a16="http://schemas.microsoft.com/office/drawing/2014/main" xmlns:p14="http://schemas.microsoft.com/office/powerpoint/2010/main" xmlns:a14="http://schemas.microsoft.com/office/drawing/2010/main" w="9525">
                   <a:solidFill>
                     <a:srgbClr val="000000"/>
                   </a:solidFill>
@@ -14725,7 +14725,7 @@
             </a:ln>
             <a:extLst>
               <a:ext uri="{91240B29-F687-4f45-9708-019B960494DF}">
-                <a14:hiddenLine xmlns:a14="http://schemas.microsoft.com/office/drawing/2010/main" xmlns:p14="http://schemas.microsoft.com/office/powerpoint/2010/main" xmlns:a16="http://schemas.microsoft.com/office/drawing/2014/main" xmlns="" w="9525">
+                <a14:hiddenLine xmlns="" xmlns:a16="http://schemas.microsoft.com/office/drawing/2014/main" xmlns:p14="http://schemas.microsoft.com/office/powerpoint/2010/main" xmlns:a14="http://schemas.microsoft.com/office/drawing/2010/main" w="9525">
                   <a:solidFill>
                     <a:srgbClr val="000000"/>
                   </a:solidFill>
@@ -14802,7 +14802,7 @@
             </a:ln>
             <a:extLst>
               <a:ext uri="{91240B29-F687-4f45-9708-019B960494DF}">
-                <a14:hiddenLine xmlns:a14="http://schemas.microsoft.com/office/drawing/2010/main" xmlns:p14="http://schemas.microsoft.com/office/powerpoint/2010/main" xmlns:a16="http://schemas.microsoft.com/office/drawing/2014/main" xmlns="" w="9525">
+                <a14:hiddenLine xmlns="" xmlns:a16="http://schemas.microsoft.com/office/drawing/2014/main" xmlns:p14="http://schemas.microsoft.com/office/powerpoint/2010/main" xmlns:a14="http://schemas.microsoft.com/office/drawing/2010/main" w="9525">
                   <a:solidFill>
                     <a:srgbClr val="000000"/>
                   </a:solidFill>
@@ -14907,7 +14907,7 @@
             </a:ln>
             <a:extLst>
               <a:ext uri="{91240B29-F687-4f45-9708-019B960494DF}">
-                <a14:hiddenLine xmlns:a14="http://schemas.microsoft.com/office/drawing/2010/main" xmlns:p14="http://schemas.microsoft.com/office/powerpoint/2010/main" xmlns:a16="http://schemas.microsoft.com/office/drawing/2014/main" xmlns="" w="9525">
+                <a14:hiddenLine xmlns="" xmlns:a16="http://schemas.microsoft.com/office/drawing/2014/main" xmlns:p14="http://schemas.microsoft.com/office/powerpoint/2010/main" xmlns:a14="http://schemas.microsoft.com/office/drawing/2010/main" w="9525">
                   <a:solidFill>
                     <a:srgbClr val="000000"/>
                   </a:solidFill>
@@ -15012,7 +15012,7 @@
             </a:ln>
             <a:extLst>
               <a:ext uri="{91240B29-F687-4f45-9708-019B960494DF}">
-                <a14:hiddenLine xmlns:a14="http://schemas.microsoft.com/office/drawing/2010/main" xmlns:p14="http://schemas.microsoft.com/office/powerpoint/2010/main" xmlns:a16="http://schemas.microsoft.com/office/drawing/2014/main" xmlns="" w="9525">
+                <a14:hiddenLine xmlns="" xmlns:a16="http://schemas.microsoft.com/office/drawing/2014/main" xmlns:p14="http://schemas.microsoft.com/office/powerpoint/2010/main" xmlns:a14="http://schemas.microsoft.com/office/drawing/2010/main" w="9525">
                   <a:solidFill>
                     <a:srgbClr val="000000"/>
                   </a:solidFill>
@@ -15092,7 +15092,7 @@
             </a:ln>
             <a:extLst>
               <a:ext uri="{91240B29-F687-4f45-9708-019B960494DF}">
-                <a14:hiddenLine xmlns:a14="http://schemas.microsoft.com/office/drawing/2010/main" xmlns:p14="http://schemas.microsoft.com/office/powerpoint/2010/main" xmlns:a16="http://schemas.microsoft.com/office/drawing/2014/main" xmlns="" w="9525">
+                <a14:hiddenLine xmlns="" xmlns:a16="http://schemas.microsoft.com/office/drawing/2014/main" xmlns:p14="http://schemas.microsoft.com/office/powerpoint/2010/main" xmlns:a14="http://schemas.microsoft.com/office/drawing/2010/main" w="9525">
                   <a:solidFill>
                     <a:srgbClr val="000000"/>
                   </a:solidFill>
@@ -15227,7 +15227,7 @@
             </a:ln>
             <a:extLst>
               <a:ext uri="{91240B29-F687-4f45-9708-019B960494DF}">
-                <a14:hiddenLine xmlns:a14="http://schemas.microsoft.com/office/drawing/2010/main" xmlns:p14="http://schemas.microsoft.com/office/powerpoint/2010/main" xmlns:a16="http://schemas.microsoft.com/office/drawing/2014/main" xmlns="" w="9525">
+                <a14:hiddenLine xmlns="" xmlns:a16="http://schemas.microsoft.com/office/drawing/2014/main" xmlns:p14="http://schemas.microsoft.com/office/powerpoint/2010/main" xmlns:a14="http://schemas.microsoft.com/office/drawing/2010/main" w="9525">
                   <a:solidFill>
                     <a:srgbClr val="000000"/>
                   </a:solidFill>
@@ -16964,7 +16964,7 @@
           </a:prstGeom>
           <a:extLst>
             <a:ext uri="{909E8E84-426E-40dd-AFC4-6F175D3DCCD1}">
-              <a14:hiddenFill xmlns:a14="http://schemas.microsoft.com/office/drawing/2010/main" xmlns:p14="http://schemas.microsoft.com/office/powerpoint/2010/main" xmlns:a16="http://schemas.microsoft.com/office/drawing/2014/main" xmlns="">
+              <a14:hiddenFill xmlns="" xmlns:a16="http://schemas.microsoft.com/office/drawing/2014/main" xmlns:p14="http://schemas.microsoft.com/office/powerpoint/2010/main" xmlns:a14="http://schemas.microsoft.com/office/drawing/2010/main">
                 <a:solidFill>
                   <a:srgbClr val="FFFFFF"/>
                 </a:solidFill>
@@ -17088,7 +17088,7 @@
           <a:noFill/>
           <a:extLst>
             <a:ext uri="{909E8E84-426E-40dd-AFC4-6F175D3DCCD1}">
-              <a14:hiddenFill xmlns:a14="http://schemas.microsoft.com/office/drawing/2010/main" xmlns:p14="http://schemas.microsoft.com/office/powerpoint/2010/main" xmlns:a16="http://schemas.microsoft.com/office/drawing/2014/main" xmlns="">
+              <a14:hiddenFill xmlns="" xmlns:a16="http://schemas.microsoft.com/office/drawing/2014/main" xmlns:p14="http://schemas.microsoft.com/office/powerpoint/2010/main" xmlns:a14="http://schemas.microsoft.com/office/drawing/2010/main">
                 <a:solidFill>
                   <a:srgbClr val="FFFFFF"/>
                 </a:solidFill>
@@ -17224,7 +17224,7 @@
             </a:ln>
             <a:extLst>
               <a:ext uri="{91240B29-F687-4f45-9708-019B960494DF}">
-                <a14:hiddenLine xmlns:a14="http://schemas.microsoft.com/office/drawing/2010/main" xmlns:p14="http://schemas.microsoft.com/office/powerpoint/2010/main" xmlns:a16="http://schemas.microsoft.com/office/drawing/2014/main" xmlns="" w="9525">
+                <a14:hiddenLine xmlns="" xmlns:a16="http://schemas.microsoft.com/office/drawing/2014/main" xmlns:p14="http://schemas.microsoft.com/office/powerpoint/2010/main" xmlns:a14="http://schemas.microsoft.com/office/drawing/2010/main" w="9525">
                   <a:solidFill>
                     <a:srgbClr val="000000"/>
                   </a:solidFill>
@@ -17329,7 +17329,7 @@
             </a:ln>
             <a:extLst>
               <a:ext uri="{91240B29-F687-4f45-9708-019B960494DF}">
-                <a14:hiddenLine xmlns:a14="http://schemas.microsoft.com/office/drawing/2010/main" xmlns:p14="http://schemas.microsoft.com/office/powerpoint/2010/main" xmlns:a16="http://schemas.microsoft.com/office/drawing/2014/main" xmlns="" w="9525">
+                <a14:hiddenLine xmlns="" xmlns:a16="http://schemas.microsoft.com/office/drawing/2014/main" xmlns:p14="http://schemas.microsoft.com/office/powerpoint/2010/main" xmlns:a14="http://schemas.microsoft.com/office/drawing/2010/main" w="9525">
                   <a:solidFill>
                     <a:srgbClr val="000000"/>
                   </a:solidFill>
@@ -17434,7 +17434,7 @@
             </a:ln>
             <a:extLst>
               <a:ext uri="{91240B29-F687-4f45-9708-019B960494DF}">
-                <a14:hiddenLine xmlns:a14="http://schemas.microsoft.com/office/drawing/2010/main" xmlns:p14="http://schemas.microsoft.com/office/powerpoint/2010/main" xmlns:a16="http://schemas.microsoft.com/office/drawing/2014/main" xmlns="" w="9525">
+                <a14:hiddenLine xmlns="" xmlns:a16="http://schemas.microsoft.com/office/drawing/2014/main" xmlns:p14="http://schemas.microsoft.com/office/powerpoint/2010/main" xmlns:a14="http://schemas.microsoft.com/office/drawing/2010/main" w="9525">
                   <a:solidFill>
                     <a:srgbClr val="000000"/>
                   </a:solidFill>
@@ -17511,7 +17511,7 @@
             </a:ln>
             <a:extLst>
               <a:ext uri="{91240B29-F687-4f45-9708-019B960494DF}">
-                <a14:hiddenLine xmlns:a14="http://schemas.microsoft.com/office/drawing/2010/main" xmlns:p14="http://schemas.microsoft.com/office/powerpoint/2010/main" xmlns:a16="http://schemas.microsoft.com/office/drawing/2014/main" xmlns="" w="9525">
+                <a14:hiddenLine xmlns="" xmlns:a16="http://schemas.microsoft.com/office/drawing/2014/main" xmlns:p14="http://schemas.microsoft.com/office/powerpoint/2010/main" xmlns:a14="http://schemas.microsoft.com/office/drawing/2010/main" w="9525">
                   <a:solidFill>
                     <a:srgbClr val="000000"/>
                   </a:solidFill>
@@ -17616,7 +17616,7 @@
             </a:ln>
             <a:extLst>
               <a:ext uri="{91240B29-F687-4f45-9708-019B960494DF}">
-                <a14:hiddenLine xmlns:a14="http://schemas.microsoft.com/office/drawing/2010/main" xmlns:p14="http://schemas.microsoft.com/office/powerpoint/2010/main" xmlns:a16="http://schemas.microsoft.com/office/drawing/2014/main" xmlns="" w="9525">
+                <a14:hiddenLine xmlns="" xmlns:a16="http://schemas.microsoft.com/office/drawing/2014/main" xmlns:p14="http://schemas.microsoft.com/office/powerpoint/2010/main" xmlns:a14="http://schemas.microsoft.com/office/drawing/2010/main" w="9525">
                   <a:solidFill>
                     <a:srgbClr val="000000"/>
                   </a:solidFill>
@@ -17693,7 +17693,7 @@
             </a:ln>
             <a:extLst>
               <a:ext uri="{91240B29-F687-4f45-9708-019B960494DF}">
-                <a14:hiddenLine xmlns:a14="http://schemas.microsoft.com/office/drawing/2010/main" xmlns:p14="http://schemas.microsoft.com/office/powerpoint/2010/main" xmlns:a16="http://schemas.microsoft.com/office/drawing/2014/main" xmlns="" w="9525">
+                <a14:hiddenLine xmlns="" xmlns:a16="http://schemas.microsoft.com/office/drawing/2014/main" xmlns:p14="http://schemas.microsoft.com/office/powerpoint/2010/main" xmlns:a14="http://schemas.microsoft.com/office/drawing/2010/main" w="9525">
                   <a:solidFill>
                     <a:srgbClr val="000000"/>
                   </a:solidFill>
@@ -17770,7 +17770,7 @@
             </a:ln>
             <a:extLst>
               <a:ext uri="{91240B29-F687-4f45-9708-019B960494DF}">
-                <a14:hiddenLine xmlns:a14="http://schemas.microsoft.com/office/drawing/2010/main" xmlns:p14="http://schemas.microsoft.com/office/powerpoint/2010/main" xmlns:a16="http://schemas.microsoft.com/office/drawing/2014/main" xmlns="" w="9525">
+                <a14:hiddenLine xmlns="" xmlns:a16="http://schemas.microsoft.com/office/drawing/2014/main" xmlns:p14="http://schemas.microsoft.com/office/powerpoint/2010/main" xmlns:a14="http://schemas.microsoft.com/office/drawing/2010/main" w="9525">
                   <a:solidFill>
                     <a:srgbClr val="000000"/>
                   </a:solidFill>
@@ -17875,7 +17875,7 @@
             </a:ln>
             <a:extLst>
               <a:ext uri="{91240B29-F687-4f45-9708-019B960494DF}">
-                <a14:hiddenLine xmlns:a14="http://schemas.microsoft.com/office/drawing/2010/main" xmlns:p14="http://schemas.microsoft.com/office/powerpoint/2010/main" xmlns:a16="http://schemas.microsoft.com/office/drawing/2014/main" xmlns="" w="9525">
+                <a14:hiddenLine xmlns="" xmlns:a16="http://schemas.microsoft.com/office/drawing/2014/main" xmlns:p14="http://schemas.microsoft.com/office/powerpoint/2010/main" xmlns:a14="http://schemas.microsoft.com/office/drawing/2010/main" w="9525">
                   <a:solidFill>
                     <a:srgbClr val="000000"/>
                   </a:solidFill>
@@ -17980,7 +17980,7 @@
             </a:ln>
             <a:extLst>
               <a:ext uri="{91240B29-F687-4f45-9708-019B960494DF}">
-                <a14:hiddenLine xmlns:a14="http://schemas.microsoft.com/office/drawing/2010/main" xmlns:p14="http://schemas.microsoft.com/office/powerpoint/2010/main" xmlns:a16="http://schemas.microsoft.com/office/drawing/2014/main" xmlns="" w="9525">
+                <a14:hiddenLine xmlns="" xmlns:a16="http://schemas.microsoft.com/office/drawing/2014/main" xmlns:p14="http://schemas.microsoft.com/office/powerpoint/2010/main" xmlns:a14="http://schemas.microsoft.com/office/drawing/2010/main" w="9525">
                   <a:solidFill>
                     <a:srgbClr val="000000"/>
                   </a:solidFill>
@@ -18057,7 +18057,7 @@
             </a:ln>
             <a:extLst>
               <a:ext uri="{91240B29-F687-4f45-9708-019B960494DF}">
-                <a14:hiddenLine xmlns:a14="http://schemas.microsoft.com/office/drawing/2010/main" xmlns:p14="http://schemas.microsoft.com/office/powerpoint/2010/main" xmlns:a16="http://schemas.microsoft.com/office/drawing/2014/main" xmlns="" w="9525">
+                <a14:hiddenLine xmlns="" xmlns:a16="http://schemas.microsoft.com/office/drawing/2014/main" xmlns:p14="http://schemas.microsoft.com/office/powerpoint/2010/main" xmlns:a14="http://schemas.microsoft.com/office/drawing/2010/main" w="9525">
                   <a:solidFill>
                     <a:srgbClr val="000000"/>
                   </a:solidFill>
@@ -18182,7 +18182,7 @@
             </a:ln>
             <a:extLst>
               <a:ext uri="{91240B29-F687-4f45-9708-019B960494DF}">
-                <a14:hiddenLine xmlns:a14="http://schemas.microsoft.com/office/drawing/2010/main" xmlns:p14="http://schemas.microsoft.com/office/powerpoint/2010/main" xmlns:a16="http://schemas.microsoft.com/office/drawing/2014/main" xmlns="" w="9525">
+                <a14:hiddenLine xmlns="" xmlns:a16="http://schemas.microsoft.com/office/drawing/2014/main" xmlns:p14="http://schemas.microsoft.com/office/powerpoint/2010/main" xmlns:a14="http://schemas.microsoft.com/office/drawing/2010/main" w="9525">
                   <a:solidFill>
                     <a:srgbClr val="000000"/>
                   </a:solidFill>
@@ -18296,7 +18296,7 @@
             </a:ln>
             <a:extLst>
               <a:ext uri="{91240B29-F687-4f45-9708-019B960494DF}">
-                <a14:hiddenLine xmlns:a14="http://schemas.microsoft.com/office/drawing/2010/main" xmlns:p14="http://schemas.microsoft.com/office/powerpoint/2010/main" xmlns:a16="http://schemas.microsoft.com/office/drawing/2014/main" xmlns="" w="9525">
+                <a14:hiddenLine xmlns="" xmlns:a16="http://schemas.microsoft.com/office/drawing/2014/main" xmlns:p14="http://schemas.microsoft.com/office/powerpoint/2010/main" xmlns:a14="http://schemas.microsoft.com/office/drawing/2010/main" w="9525">
                   <a:solidFill>
                     <a:srgbClr val="000000"/>
                   </a:solidFill>
@@ -18373,7 +18373,7 @@
             </a:ln>
             <a:extLst>
               <a:ext uri="{91240B29-F687-4f45-9708-019B960494DF}">
-                <a14:hiddenLine xmlns:a14="http://schemas.microsoft.com/office/drawing/2010/main" xmlns:p14="http://schemas.microsoft.com/office/powerpoint/2010/main" xmlns:a16="http://schemas.microsoft.com/office/drawing/2014/main" xmlns="" w="9525">
+                <a14:hiddenLine xmlns="" xmlns:a16="http://schemas.microsoft.com/office/drawing/2014/main" xmlns:p14="http://schemas.microsoft.com/office/powerpoint/2010/main" xmlns:a14="http://schemas.microsoft.com/office/drawing/2010/main" w="9525">
                   <a:solidFill>
                     <a:srgbClr val="000000"/>
                   </a:solidFill>
@@ -18450,7 +18450,7 @@
             </a:ln>
             <a:extLst>
               <a:ext uri="{91240B29-F687-4f45-9708-019B960494DF}">
-                <a14:hiddenLine xmlns:a14="http://schemas.microsoft.com/office/drawing/2010/main" xmlns:p14="http://schemas.microsoft.com/office/powerpoint/2010/main" xmlns:a16="http://schemas.microsoft.com/office/drawing/2014/main" xmlns="" w="9525">
+                <a14:hiddenLine xmlns="" xmlns:a16="http://schemas.microsoft.com/office/drawing/2014/main" xmlns:p14="http://schemas.microsoft.com/office/powerpoint/2010/main" xmlns:a14="http://schemas.microsoft.com/office/drawing/2010/main" w="9525">
                   <a:solidFill>
                     <a:srgbClr val="000000"/>
                   </a:solidFill>
@@ -18555,7 +18555,7 @@
             </a:ln>
             <a:extLst>
               <a:ext uri="{91240B29-F687-4f45-9708-019B960494DF}">
-                <a14:hiddenLine xmlns:a14="http://schemas.microsoft.com/office/drawing/2010/main" xmlns:p14="http://schemas.microsoft.com/office/powerpoint/2010/main" xmlns:a16="http://schemas.microsoft.com/office/drawing/2014/main" xmlns="" w="9525">
+                <a14:hiddenLine xmlns="" xmlns:a16="http://schemas.microsoft.com/office/drawing/2014/main" xmlns:p14="http://schemas.microsoft.com/office/powerpoint/2010/main" xmlns:a14="http://schemas.microsoft.com/office/drawing/2010/main" w="9525">
                   <a:solidFill>
                     <a:srgbClr val="000000"/>
                   </a:solidFill>
@@ -18604,7 +18604,7 @@
             </a:ln>
             <a:extLst>
               <a:ext uri="{91240B29-F687-4f45-9708-019B960494DF}">
-                <a14:hiddenLine xmlns:a14="http://schemas.microsoft.com/office/drawing/2010/main" xmlns:p14="http://schemas.microsoft.com/office/powerpoint/2010/main" xmlns:a16="http://schemas.microsoft.com/office/drawing/2014/main" xmlns="" w="9525">
+                <a14:hiddenLine xmlns="" xmlns:a16="http://schemas.microsoft.com/office/drawing/2014/main" xmlns:p14="http://schemas.microsoft.com/office/powerpoint/2010/main" xmlns:a14="http://schemas.microsoft.com/office/drawing/2010/main" w="9525">
                   <a:solidFill>
                     <a:srgbClr val="000000"/>
                   </a:solidFill>
@@ -18684,7 +18684,7 @@
             </a:ln>
             <a:extLst>
               <a:ext uri="{91240B29-F687-4f45-9708-019B960494DF}">
-                <a14:hiddenLine xmlns:a14="http://schemas.microsoft.com/office/drawing/2010/main" xmlns:p14="http://schemas.microsoft.com/office/powerpoint/2010/main" xmlns:a16="http://schemas.microsoft.com/office/drawing/2014/main" xmlns="" w="9525">
+                <a14:hiddenLine xmlns="" xmlns:a16="http://schemas.microsoft.com/office/drawing/2014/main" xmlns:p14="http://schemas.microsoft.com/office/powerpoint/2010/main" xmlns:a14="http://schemas.microsoft.com/office/drawing/2010/main" w="9525">
                   <a:solidFill>
                     <a:srgbClr val="000000"/>
                   </a:solidFill>
@@ -18789,7 +18789,7 @@
             </a:ln>
             <a:extLst>
               <a:ext uri="{91240B29-F687-4f45-9708-019B960494DF}">
-                <a14:hiddenLine xmlns:a14="http://schemas.microsoft.com/office/drawing/2010/main" xmlns:p14="http://schemas.microsoft.com/office/powerpoint/2010/main" xmlns:a16="http://schemas.microsoft.com/office/drawing/2014/main" xmlns="" w="9525">
+                <a14:hiddenLine xmlns="" xmlns:a16="http://schemas.microsoft.com/office/drawing/2014/main" xmlns:p14="http://schemas.microsoft.com/office/powerpoint/2010/main" xmlns:a14="http://schemas.microsoft.com/office/drawing/2010/main" w="9525">
                   <a:solidFill>
                     <a:srgbClr val="000000"/>
                   </a:solidFill>
@@ -18866,7 +18866,7 @@
             </a:ln>
             <a:extLst>
               <a:ext uri="{91240B29-F687-4f45-9708-019B960494DF}">
-                <a14:hiddenLine xmlns:a14="http://schemas.microsoft.com/office/drawing/2010/main" xmlns:p14="http://schemas.microsoft.com/office/powerpoint/2010/main" xmlns:a16="http://schemas.microsoft.com/office/drawing/2014/main" xmlns="" w="9525">
+                <a14:hiddenLine xmlns="" xmlns:a16="http://schemas.microsoft.com/office/drawing/2014/main" xmlns:p14="http://schemas.microsoft.com/office/powerpoint/2010/main" xmlns:a14="http://schemas.microsoft.com/office/drawing/2010/main" w="9525">
                   <a:solidFill>
                     <a:srgbClr val="000000"/>
                   </a:solidFill>
@@ -18971,7 +18971,7 @@
             </a:ln>
             <a:extLst>
               <a:ext uri="{91240B29-F687-4f45-9708-019B960494DF}">
-                <a14:hiddenLine xmlns:a14="http://schemas.microsoft.com/office/drawing/2010/main" xmlns:p14="http://schemas.microsoft.com/office/powerpoint/2010/main" xmlns:a16="http://schemas.microsoft.com/office/drawing/2014/main" xmlns="" w="9525">
+                <a14:hiddenLine xmlns="" xmlns:a16="http://schemas.microsoft.com/office/drawing/2014/main" xmlns:p14="http://schemas.microsoft.com/office/powerpoint/2010/main" xmlns:a14="http://schemas.microsoft.com/office/drawing/2010/main" w="9525">
                   <a:solidFill>
                     <a:srgbClr val="000000"/>
                   </a:solidFill>
@@ -19051,7 +19051,7 @@
             </a:ln>
             <a:extLst>
               <a:ext uri="{91240B29-F687-4f45-9708-019B960494DF}">
-                <a14:hiddenLine xmlns:a14="http://schemas.microsoft.com/office/drawing/2010/main" xmlns:p14="http://schemas.microsoft.com/office/powerpoint/2010/main" xmlns:a16="http://schemas.microsoft.com/office/drawing/2014/main" xmlns="" w="9525">
+                <a14:hiddenLine xmlns="" xmlns:a16="http://schemas.microsoft.com/office/drawing/2014/main" xmlns:p14="http://schemas.microsoft.com/office/powerpoint/2010/main" xmlns:a14="http://schemas.microsoft.com/office/drawing/2010/main" w="9525">
                   <a:solidFill>
                     <a:srgbClr val="000000"/>
                   </a:solidFill>
@@ -19128,7 +19128,7 @@
             </a:ln>
             <a:extLst>
               <a:ext uri="{91240B29-F687-4f45-9708-019B960494DF}">
-                <a14:hiddenLine xmlns:a14="http://schemas.microsoft.com/office/drawing/2010/main" xmlns:p14="http://schemas.microsoft.com/office/powerpoint/2010/main" xmlns:a16="http://schemas.microsoft.com/office/drawing/2014/main" xmlns="" w="9525">
+                <a14:hiddenLine xmlns="" xmlns:a16="http://schemas.microsoft.com/office/drawing/2014/main" xmlns:p14="http://schemas.microsoft.com/office/powerpoint/2010/main" xmlns:a14="http://schemas.microsoft.com/office/drawing/2010/main" w="9525">
                   <a:solidFill>
                     <a:srgbClr val="000000"/>
                   </a:solidFill>
@@ -19233,7 +19233,7 @@
             </a:ln>
             <a:extLst>
               <a:ext uri="{91240B29-F687-4f45-9708-019B960494DF}">
-                <a14:hiddenLine xmlns:a14="http://schemas.microsoft.com/office/drawing/2010/main" xmlns:p14="http://schemas.microsoft.com/office/powerpoint/2010/main" xmlns:a16="http://schemas.microsoft.com/office/drawing/2014/main" xmlns="" w="9525">
+                <a14:hiddenLine xmlns="" xmlns:a16="http://schemas.microsoft.com/office/drawing/2014/main" xmlns:p14="http://schemas.microsoft.com/office/powerpoint/2010/main" xmlns:a14="http://schemas.microsoft.com/office/drawing/2010/main" w="9525">
                   <a:solidFill>
                     <a:srgbClr val="000000"/>
                   </a:solidFill>
@@ -19338,7 +19338,7 @@
             </a:ln>
             <a:extLst>
               <a:ext uri="{91240B29-F687-4f45-9708-019B960494DF}">
-                <a14:hiddenLine xmlns:a14="http://schemas.microsoft.com/office/drawing/2010/main" xmlns:p14="http://schemas.microsoft.com/office/powerpoint/2010/main" xmlns:a16="http://schemas.microsoft.com/office/drawing/2014/main" xmlns="" w="9525">
+                <a14:hiddenLine xmlns="" xmlns:a16="http://schemas.microsoft.com/office/drawing/2014/main" xmlns:p14="http://schemas.microsoft.com/office/powerpoint/2010/main" xmlns:a14="http://schemas.microsoft.com/office/drawing/2010/main" w="9525">
                   <a:solidFill>
                     <a:srgbClr val="000000"/>
                   </a:solidFill>
@@ -19418,7 +19418,7 @@
             </a:ln>
             <a:extLst>
               <a:ext uri="{91240B29-F687-4f45-9708-019B960494DF}">
-                <a14:hiddenLine xmlns:a14="http://schemas.microsoft.com/office/drawing/2010/main" xmlns:p14="http://schemas.microsoft.com/office/powerpoint/2010/main" xmlns:a16="http://schemas.microsoft.com/office/drawing/2014/main" xmlns="" w="9525">
+                <a14:hiddenLine xmlns="" xmlns:a16="http://schemas.microsoft.com/office/drawing/2014/main" xmlns:p14="http://schemas.microsoft.com/office/powerpoint/2010/main" xmlns:a14="http://schemas.microsoft.com/office/drawing/2010/main" w="9525">
                   <a:solidFill>
                     <a:srgbClr val="000000"/>
                   </a:solidFill>
@@ -19553,7 +19553,7 @@
             </a:ln>
             <a:extLst>
               <a:ext uri="{91240B29-F687-4f45-9708-019B960494DF}">
-                <a14:hiddenLine xmlns:a14="http://schemas.microsoft.com/office/drawing/2010/main" xmlns:p14="http://schemas.microsoft.com/office/powerpoint/2010/main" xmlns:a16="http://schemas.microsoft.com/office/drawing/2014/main" xmlns="" w="9525">
+                <a14:hiddenLine xmlns="" xmlns:a16="http://schemas.microsoft.com/office/drawing/2014/main" xmlns:p14="http://schemas.microsoft.com/office/powerpoint/2010/main" xmlns:a14="http://schemas.microsoft.com/office/drawing/2010/main" w="9525">
                   <a:solidFill>
                     <a:srgbClr val="000000"/>
                   </a:solidFill>
@@ -19837,7 +19837,7 @@
             <a:noFill/>
             <a:extLst>
               <a:ext uri="{909E8E84-426E-40dd-AFC4-6F175D3DCCD1}">
-                <a14:hiddenFill xmlns:p14="http://schemas.microsoft.com/office/powerpoint/2010/main" xmlns:a14="http://schemas.microsoft.com/office/drawing/2010/main" xmlns:a16="http://schemas.microsoft.com/office/drawing/2014/main" xmlns="">
+                <a14:hiddenFill xmlns="" xmlns:a16="http://schemas.microsoft.com/office/drawing/2014/main" xmlns:a14="http://schemas.microsoft.com/office/drawing/2010/main" xmlns:p14="http://schemas.microsoft.com/office/powerpoint/2010/main">
                   <a:solidFill>
                     <a:srgbClr val="FFFFFF"/>
                   </a:solidFill>
@@ -19986,7 +19986,7 @@
             </a:ln>
             <a:extLst>
               <a:ext uri="{91240B29-F687-4f45-9708-019B960494DF}">
-                <a14:hiddenLine xmlns:p14="http://schemas.microsoft.com/office/powerpoint/2010/main" xmlns:a14="http://schemas.microsoft.com/office/drawing/2010/main" xmlns:a16="http://schemas.microsoft.com/office/drawing/2014/main" xmlns="" w="9525">
+                <a14:hiddenLine xmlns="" xmlns:a16="http://schemas.microsoft.com/office/drawing/2014/main" xmlns:a14="http://schemas.microsoft.com/office/drawing/2010/main" xmlns:p14="http://schemas.microsoft.com/office/powerpoint/2010/main" w="9525">
                   <a:solidFill>
                     <a:srgbClr val="000000"/>
                   </a:solidFill>
@@ -20091,7 +20091,7 @@
             </a:ln>
             <a:extLst>
               <a:ext uri="{91240B29-F687-4f45-9708-019B960494DF}">
-                <a14:hiddenLine xmlns:p14="http://schemas.microsoft.com/office/powerpoint/2010/main" xmlns:a14="http://schemas.microsoft.com/office/drawing/2010/main" xmlns:a16="http://schemas.microsoft.com/office/drawing/2014/main" xmlns="" w="9525">
+                <a14:hiddenLine xmlns="" xmlns:a16="http://schemas.microsoft.com/office/drawing/2014/main" xmlns:a14="http://schemas.microsoft.com/office/drawing/2010/main" xmlns:p14="http://schemas.microsoft.com/office/powerpoint/2010/main" w="9525">
                   <a:solidFill>
                     <a:srgbClr val="000000"/>
                   </a:solidFill>
@@ -20196,7 +20196,7 @@
             </a:ln>
             <a:extLst>
               <a:ext uri="{91240B29-F687-4f45-9708-019B960494DF}">
-                <a14:hiddenLine xmlns:p14="http://schemas.microsoft.com/office/powerpoint/2010/main" xmlns:a14="http://schemas.microsoft.com/office/drawing/2010/main" xmlns:a16="http://schemas.microsoft.com/office/drawing/2014/main" xmlns="" w="9525">
+                <a14:hiddenLine xmlns="" xmlns:a16="http://schemas.microsoft.com/office/drawing/2014/main" xmlns:a14="http://schemas.microsoft.com/office/drawing/2010/main" xmlns:p14="http://schemas.microsoft.com/office/powerpoint/2010/main" w="9525">
                   <a:solidFill>
                     <a:srgbClr val="000000"/>
                   </a:solidFill>
@@ -20245,7 +20245,7 @@
             </a:ln>
             <a:extLst>
               <a:ext uri="{91240B29-F687-4f45-9708-019B960494DF}">
-                <a14:hiddenLine xmlns:p14="http://schemas.microsoft.com/office/powerpoint/2010/main" xmlns:a14="http://schemas.microsoft.com/office/drawing/2010/main" xmlns:a16="http://schemas.microsoft.com/office/drawing/2014/main" xmlns="" w="9525">
+                <a14:hiddenLine xmlns="" xmlns:a16="http://schemas.microsoft.com/office/drawing/2014/main" xmlns:a14="http://schemas.microsoft.com/office/drawing/2010/main" xmlns:p14="http://schemas.microsoft.com/office/powerpoint/2010/main" w="9525">
                   <a:solidFill>
                     <a:srgbClr val="000000"/>
                   </a:solidFill>
@@ -20350,7 +20350,7 @@
             </a:ln>
             <a:extLst>
               <a:ext uri="{91240B29-F687-4f45-9708-019B960494DF}">
-                <a14:hiddenLine xmlns:p14="http://schemas.microsoft.com/office/powerpoint/2010/main" xmlns:a14="http://schemas.microsoft.com/office/drawing/2010/main" xmlns:a16="http://schemas.microsoft.com/office/drawing/2014/main" xmlns="" w="9525">
+                <a14:hiddenLine xmlns="" xmlns:a16="http://schemas.microsoft.com/office/drawing/2014/main" xmlns:a14="http://schemas.microsoft.com/office/drawing/2010/main" xmlns:p14="http://schemas.microsoft.com/office/powerpoint/2010/main" w="9525">
                   <a:solidFill>
                     <a:srgbClr val="000000"/>
                   </a:solidFill>
@@ -20427,7 +20427,7 @@
             </a:ln>
             <a:extLst>
               <a:ext uri="{91240B29-F687-4f45-9708-019B960494DF}">
-                <a14:hiddenLine xmlns:p14="http://schemas.microsoft.com/office/powerpoint/2010/main" xmlns:a14="http://schemas.microsoft.com/office/drawing/2010/main" xmlns:a16="http://schemas.microsoft.com/office/drawing/2014/main" xmlns="" w="9525">
+                <a14:hiddenLine xmlns="" xmlns:a16="http://schemas.microsoft.com/office/drawing/2014/main" xmlns:a14="http://schemas.microsoft.com/office/drawing/2010/main" xmlns:p14="http://schemas.microsoft.com/office/powerpoint/2010/main" w="9525">
                   <a:solidFill>
                     <a:srgbClr val="000000"/>
                   </a:solidFill>
@@ -20504,7 +20504,7 @@
             </a:ln>
             <a:extLst>
               <a:ext uri="{91240B29-F687-4f45-9708-019B960494DF}">
-                <a14:hiddenLine xmlns:p14="http://schemas.microsoft.com/office/powerpoint/2010/main" xmlns:a14="http://schemas.microsoft.com/office/drawing/2010/main" xmlns:a16="http://schemas.microsoft.com/office/drawing/2014/main" xmlns="" w="9525">
+                <a14:hiddenLine xmlns="" xmlns:a16="http://schemas.microsoft.com/office/drawing/2014/main" xmlns:a14="http://schemas.microsoft.com/office/drawing/2010/main" xmlns:p14="http://schemas.microsoft.com/office/powerpoint/2010/main" w="9525">
                   <a:solidFill>
                     <a:srgbClr val="000000"/>
                   </a:solidFill>
@@ -20609,7 +20609,7 @@
             </a:ln>
             <a:extLst>
               <a:ext uri="{91240B29-F687-4f45-9708-019B960494DF}">
-                <a14:hiddenLine xmlns:p14="http://schemas.microsoft.com/office/powerpoint/2010/main" xmlns:a14="http://schemas.microsoft.com/office/drawing/2010/main" xmlns:a16="http://schemas.microsoft.com/office/drawing/2014/main" xmlns="" w="9525">
+                <a14:hiddenLine xmlns="" xmlns:a16="http://schemas.microsoft.com/office/drawing/2014/main" xmlns:a14="http://schemas.microsoft.com/office/drawing/2010/main" xmlns:p14="http://schemas.microsoft.com/office/powerpoint/2010/main" w="9525">
                   <a:solidFill>
                     <a:srgbClr val="000000"/>
                   </a:solidFill>
@@ -20686,7 +20686,7 @@
             </a:ln>
             <a:extLst>
               <a:ext uri="{91240B29-F687-4f45-9708-019B960494DF}">
-                <a14:hiddenLine xmlns:p14="http://schemas.microsoft.com/office/powerpoint/2010/main" xmlns:a14="http://schemas.microsoft.com/office/drawing/2010/main" xmlns:a16="http://schemas.microsoft.com/office/drawing/2014/main" xmlns="" w="9525">
+                <a14:hiddenLine xmlns="" xmlns:a16="http://schemas.microsoft.com/office/drawing/2014/main" xmlns:a14="http://schemas.microsoft.com/office/drawing/2010/main" xmlns:p14="http://schemas.microsoft.com/office/powerpoint/2010/main" w="9525">
                   <a:solidFill>
                     <a:srgbClr val="000000"/>
                   </a:solidFill>
@@ -20763,7 +20763,7 @@
             </a:ln>
             <a:extLst>
               <a:ext uri="{91240B29-F687-4f45-9708-019B960494DF}">
-                <a14:hiddenLine xmlns:p14="http://schemas.microsoft.com/office/powerpoint/2010/main" xmlns:a14="http://schemas.microsoft.com/office/drawing/2010/main" xmlns:a16="http://schemas.microsoft.com/office/drawing/2014/main" xmlns="" w="9525">
+                <a14:hiddenLine xmlns="" xmlns:a16="http://schemas.microsoft.com/office/drawing/2014/main" xmlns:a14="http://schemas.microsoft.com/office/drawing/2010/main" xmlns:p14="http://schemas.microsoft.com/office/powerpoint/2010/main" w="9525">
                   <a:solidFill>
                     <a:srgbClr val="000000"/>
                   </a:solidFill>
@@ -20868,7 +20868,7 @@
             </a:ln>
             <a:extLst>
               <a:ext uri="{91240B29-F687-4f45-9708-019B960494DF}">
-                <a14:hiddenLine xmlns:p14="http://schemas.microsoft.com/office/powerpoint/2010/main" xmlns:a14="http://schemas.microsoft.com/office/drawing/2010/main" xmlns:a16="http://schemas.microsoft.com/office/drawing/2014/main" xmlns="" w="9525">
+                <a14:hiddenLine xmlns="" xmlns:a16="http://schemas.microsoft.com/office/drawing/2014/main" xmlns:a14="http://schemas.microsoft.com/office/drawing/2010/main" xmlns:p14="http://schemas.microsoft.com/office/powerpoint/2010/main" w="9525">
                   <a:solidFill>
                     <a:srgbClr val="000000"/>
                   </a:solidFill>
@@ -20973,7 +20973,7 @@
             </a:ln>
             <a:extLst>
               <a:ext uri="{91240B29-F687-4f45-9708-019B960494DF}">
-                <a14:hiddenLine xmlns:p14="http://schemas.microsoft.com/office/powerpoint/2010/main" xmlns:a14="http://schemas.microsoft.com/office/drawing/2010/main" xmlns:a16="http://schemas.microsoft.com/office/drawing/2014/main" xmlns="" w="9525">
+                <a14:hiddenLine xmlns="" xmlns:a16="http://schemas.microsoft.com/office/drawing/2014/main" xmlns:a14="http://schemas.microsoft.com/office/drawing/2010/main" xmlns:p14="http://schemas.microsoft.com/office/powerpoint/2010/main" w="9525">
                   <a:solidFill>
                     <a:srgbClr val="000000"/>
                   </a:solidFill>
@@ -21050,7 +21050,7 @@
             </a:ln>
             <a:extLst>
               <a:ext uri="{91240B29-F687-4f45-9708-019B960494DF}">
-                <a14:hiddenLine xmlns:p14="http://schemas.microsoft.com/office/powerpoint/2010/main" xmlns:a14="http://schemas.microsoft.com/office/drawing/2010/main" xmlns:a16="http://schemas.microsoft.com/office/drawing/2014/main" xmlns="" w="9525">
+                <a14:hiddenLine xmlns="" xmlns:a16="http://schemas.microsoft.com/office/drawing/2014/main" xmlns:a14="http://schemas.microsoft.com/office/drawing/2010/main" xmlns:p14="http://schemas.microsoft.com/office/powerpoint/2010/main" w="9525">
                   <a:solidFill>
                     <a:srgbClr val="000000"/>
                   </a:solidFill>
@@ -21175,7 +21175,7 @@
             </a:ln>
             <a:extLst>
               <a:ext uri="{91240B29-F687-4f45-9708-019B960494DF}">
-                <a14:hiddenLine xmlns:p14="http://schemas.microsoft.com/office/powerpoint/2010/main" xmlns:a14="http://schemas.microsoft.com/office/drawing/2010/main" xmlns:a16="http://schemas.microsoft.com/office/drawing/2014/main" xmlns="" w="9525">
+                <a14:hiddenLine xmlns="" xmlns:a16="http://schemas.microsoft.com/office/drawing/2014/main" xmlns:a14="http://schemas.microsoft.com/office/drawing/2010/main" xmlns:p14="http://schemas.microsoft.com/office/powerpoint/2010/main" w="9525">
                   <a:solidFill>
                     <a:srgbClr val="000000"/>
                   </a:solidFill>
@@ -21252,7 +21252,7 @@
             </a:ln>
             <a:extLst>
               <a:ext uri="{91240B29-F687-4f45-9708-019B960494DF}">
-                <a14:hiddenLine xmlns:p14="http://schemas.microsoft.com/office/powerpoint/2010/main" xmlns:a14="http://schemas.microsoft.com/office/drawing/2010/main" xmlns:a16="http://schemas.microsoft.com/office/drawing/2014/main" xmlns="" w="9525">
+                <a14:hiddenLine xmlns="" xmlns:a16="http://schemas.microsoft.com/office/drawing/2014/main" xmlns:a14="http://schemas.microsoft.com/office/drawing/2010/main" xmlns:p14="http://schemas.microsoft.com/office/powerpoint/2010/main" w="9525">
                   <a:solidFill>
                     <a:srgbClr val="000000"/>
                   </a:solidFill>
@@ -21357,7 +21357,7 @@
             </a:ln>
             <a:extLst>
               <a:ext uri="{91240B29-F687-4f45-9708-019B960494DF}">
-                <a14:hiddenLine xmlns:p14="http://schemas.microsoft.com/office/powerpoint/2010/main" xmlns:a14="http://schemas.microsoft.com/office/drawing/2010/main" xmlns:a16="http://schemas.microsoft.com/office/drawing/2014/main" xmlns="" w="9525">
+                <a14:hiddenLine xmlns="" xmlns:a16="http://schemas.microsoft.com/office/drawing/2014/main" xmlns:a14="http://schemas.microsoft.com/office/drawing/2010/main" xmlns:p14="http://schemas.microsoft.com/office/powerpoint/2010/main" w="9525">
                   <a:solidFill>
                     <a:srgbClr val="000000"/>
                   </a:solidFill>
@@ -21462,7 +21462,7 @@
             </a:ln>
             <a:extLst>
               <a:ext uri="{91240B29-F687-4f45-9708-019B960494DF}">
-                <a14:hiddenLine xmlns:p14="http://schemas.microsoft.com/office/powerpoint/2010/main" xmlns:a14="http://schemas.microsoft.com/office/drawing/2010/main" xmlns:a16="http://schemas.microsoft.com/office/drawing/2014/main" xmlns="" w="9525">
+                <a14:hiddenLine xmlns="" xmlns:a16="http://schemas.microsoft.com/office/drawing/2014/main" xmlns:a14="http://schemas.microsoft.com/office/drawing/2010/main" xmlns:p14="http://schemas.microsoft.com/office/powerpoint/2010/main" w="9525">
                   <a:solidFill>
                     <a:srgbClr val="000000"/>
                   </a:solidFill>
@@ -21539,7 +21539,7 @@
             </a:ln>
             <a:extLst>
               <a:ext uri="{91240B29-F687-4f45-9708-019B960494DF}">
-                <a14:hiddenLine xmlns:p14="http://schemas.microsoft.com/office/powerpoint/2010/main" xmlns:a14="http://schemas.microsoft.com/office/drawing/2010/main" xmlns:a16="http://schemas.microsoft.com/office/drawing/2014/main" xmlns="" w="9525">
+                <a14:hiddenLine xmlns="" xmlns:a16="http://schemas.microsoft.com/office/drawing/2014/main" xmlns:a14="http://schemas.microsoft.com/office/drawing/2010/main" xmlns:p14="http://schemas.microsoft.com/office/powerpoint/2010/main" w="9525">
                   <a:solidFill>
                     <a:srgbClr val="000000"/>
                   </a:solidFill>
@@ -21644,7 +21644,7 @@
             </a:ln>
             <a:extLst>
               <a:ext uri="{91240B29-F687-4f45-9708-019B960494DF}">
-                <a14:hiddenLine xmlns:p14="http://schemas.microsoft.com/office/powerpoint/2010/main" xmlns:a14="http://schemas.microsoft.com/office/drawing/2010/main" xmlns:a16="http://schemas.microsoft.com/office/drawing/2014/main" xmlns="" w="9525">
+                <a14:hiddenLine xmlns="" xmlns:a16="http://schemas.microsoft.com/office/drawing/2014/main" xmlns:a14="http://schemas.microsoft.com/office/drawing/2010/main" xmlns:p14="http://schemas.microsoft.com/office/powerpoint/2010/main" w="9525">
                   <a:solidFill>
                     <a:srgbClr val="000000"/>
                   </a:solidFill>
@@ -21749,7 +21749,7 @@
             </a:ln>
             <a:extLst>
               <a:ext uri="{91240B29-F687-4f45-9708-019B960494DF}">
-                <a14:hiddenLine xmlns:p14="http://schemas.microsoft.com/office/powerpoint/2010/main" xmlns:a14="http://schemas.microsoft.com/office/drawing/2010/main" xmlns:a16="http://schemas.microsoft.com/office/drawing/2014/main" xmlns="" w="9525">
+                <a14:hiddenLine xmlns="" xmlns:a16="http://schemas.microsoft.com/office/drawing/2014/main" xmlns:a14="http://schemas.microsoft.com/office/drawing/2010/main" xmlns:p14="http://schemas.microsoft.com/office/powerpoint/2010/main" w="9525">
                   <a:solidFill>
                     <a:srgbClr val="000000"/>
                   </a:solidFill>
@@ -21820,7 +21820,7 @@
             </a:ln>
             <a:extLst>
               <a:ext uri="{91240B29-F687-4f45-9708-019B960494DF}">
-                <a14:hiddenLine xmlns:p14="http://schemas.microsoft.com/office/powerpoint/2010/main" xmlns:a14="http://schemas.microsoft.com/office/drawing/2010/main" xmlns:a16="http://schemas.microsoft.com/office/drawing/2014/main" xmlns="" w="9525">
+                <a14:hiddenLine xmlns="" xmlns:a16="http://schemas.microsoft.com/office/drawing/2014/main" xmlns:a14="http://schemas.microsoft.com/office/drawing/2010/main" xmlns:p14="http://schemas.microsoft.com/office/powerpoint/2010/main" w="9525">
                   <a:solidFill>
                     <a:srgbClr val="000000"/>
                   </a:solidFill>
@@ -21925,7 +21925,7 @@
             </a:ln>
             <a:extLst>
               <a:ext uri="{91240B29-F687-4f45-9708-019B960494DF}">
-                <a14:hiddenLine xmlns:p14="http://schemas.microsoft.com/office/powerpoint/2010/main" xmlns:a14="http://schemas.microsoft.com/office/drawing/2010/main" xmlns:a16="http://schemas.microsoft.com/office/drawing/2014/main" xmlns="" w="9525">
+                <a14:hiddenLine xmlns="" xmlns:a16="http://schemas.microsoft.com/office/drawing/2014/main" xmlns:a14="http://schemas.microsoft.com/office/drawing/2010/main" xmlns:p14="http://schemas.microsoft.com/office/powerpoint/2010/main" w="9525">
                   <a:solidFill>
                     <a:srgbClr val="000000"/>
                   </a:solidFill>
@@ -21996,7 +21996,7 @@
             </a:ln>
             <a:extLst>
               <a:ext uri="{91240B29-F687-4f45-9708-019B960494DF}">
-                <a14:hiddenLine xmlns:p14="http://schemas.microsoft.com/office/powerpoint/2010/main" xmlns:a14="http://schemas.microsoft.com/office/drawing/2010/main" xmlns:a16="http://schemas.microsoft.com/office/drawing/2014/main" xmlns="" w="9525">
+                <a14:hiddenLine xmlns="" xmlns:a16="http://schemas.microsoft.com/office/drawing/2014/main" xmlns:a14="http://schemas.microsoft.com/office/drawing/2010/main" xmlns:p14="http://schemas.microsoft.com/office/powerpoint/2010/main" w="9525">
                   <a:solidFill>
                     <a:srgbClr val="000000"/>
                   </a:solidFill>
@@ -22101,7 +22101,7 @@
             </a:ln>
             <a:extLst>
               <a:ext uri="{91240B29-F687-4f45-9708-019B960494DF}">
-                <a14:hiddenLine xmlns:p14="http://schemas.microsoft.com/office/powerpoint/2010/main" xmlns:a14="http://schemas.microsoft.com/office/drawing/2010/main" xmlns:a16="http://schemas.microsoft.com/office/drawing/2014/main" xmlns="" w="9525">
+                <a14:hiddenLine xmlns="" xmlns:a16="http://schemas.microsoft.com/office/drawing/2014/main" xmlns:a14="http://schemas.microsoft.com/office/drawing/2010/main" xmlns:p14="http://schemas.microsoft.com/office/powerpoint/2010/main" w="9525">
                   <a:solidFill>
                     <a:srgbClr val="000000"/>
                   </a:solidFill>
@@ -22184,7 +22184,7 @@
             </a:ln>
             <a:extLst>
               <a:ext uri="{91240B29-F687-4f45-9708-019B960494DF}">
-                <a14:hiddenLine xmlns:p14="http://schemas.microsoft.com/office/powerpoint/2010/main" xmlns:a14="http://schemas.microsoft.com/office/drawing/2010/main" xmlns:a16="http://schemas.microsoft.com/office/drawing/2014/main" xmlns="" w="9525">
+                <a14:hiddenLine xmlns="" xmlns:a16="http://schemas.microsoft.com/office/drawing/2014/main" xmlns:a14="http://schemas.microsoft.com/office/drawing/2010/main" xmlns:p14="http://schemas.microsoft.com/office/powerpoint/2010/main" w="9525">
                   <a:solidFill>
                     <a:srgbClr val="000000"/>
                   </a:solidFill>
@@ -22289,7 +22289,7 @@
             </a:ln>
             <a:extLst>
               <a:ext uri="{91240B29-F687-4f45-9708-019B960494DF}">
-                <a14:hiddenLine xmlns:p14="http://schemas.microsoft.com/office/powerpoint/2010/main" xmlns:a14="http://schemas.microsoft.com/office/drawing/2010/main" xmlns:a16="http://schemas.microsoft.com/office/drawing/2014/main" xmlns="" w="9525">
+                <a14:hiddenLine xmlns="" xmlns:a16="http://schemas.microsoft.com/office/drawing/2014/main" xmlns:a14="http://schemas.microsoft.com/office/drawing/2010/main" xmlns:p14="http://schemas.microsoft.com/office/powerpoint/2010/main" w="9525">
                   <a:solidFill>
                     <a:srgbClr val="000000"/>
                   </a:solidFill>
@@ -22372,7 +22372,7 @@
             </a:ln>
             <a:extLst>
               <a:ext uri="{91240B29-F687-4f45-9708-019B960494DF}">
-                <a14:hiddenLine xmlns:p14="http://schemas.microsoft.com/office/powerpoint/2010/main" xmlns:a14="http://schemas.microsoft.com/office/drawing/2010/main" xmlns:a16="http://schemas.microsoft.com/office/drawing/2014/main" xmlns="" w="9525">
+                <a14:hiddenLine xmlns="" xmlns:a16="http://schemas.microsoft.com/office/drawing/2014/main" xmlns:a14="http://schemas.microsoft.com/office/drawing/2010/main" xmlns:p14="http://schemas.microsoft.com/office/powerpoint/2010/main" w="9525">
                   <a:solidFill>
                     <a:srgbClr val="000000"/>
                   </a:solidFill>
@@ -22477,7 +22477,7 @@
             </a:ln>
             <a:extLst>
               <a:ext uri="{91240B29-F687-4f45-9708-019B960494DF}">
-                <a14:hiddenLine xmlns:p14="http://schemas.microsoft.com/office/powerpoint/2010/main" xmlns:a14="http://schemas.microsoft.com/office/drawing/2010/main" xmlns:a16="http://schemas.microsoft.com/office/drawing/2014/main" xmlns="" w="9525">
+                <a14:hiddenLine xmlns="" xmlns:a16="http://schemas.microsoft.com/office/drawing/2014/main" xmlns:a14="http://schemas.microsoft.com/office/drawing/2010/main" xmlns:p14="http://schemas.microsoft.com/office/powerpoint/2010/main" w="9525">
                   <a:solidFill>
                     <a:srgbClr val="000000"/>
                   </a:solidFill>
@@ -22526,7 +22526,7 @@
             </a:ln>
             <a:extLst>
               <a:ext uri="{91240B29-F687-4f45-9708-019B960494DF}">
-                <a14:hiddenLine xmlns:p14="http://schemas.microsoft.com/office/powerpoint/2010/main" xmlns:a14="http://schemas.microsoft.com/office/drawing/2010/main" xmlns:a16="http://schemas.microsoft.com/office/drawing/2014/main" xmlns="" w="9525">
+                <a14:hiddenLine xmlns="" xmlns:a16="http://schemas.microsoft.com/office/drawing/2014/main" xmlns:a14="http://schemas.microsoft.com/office/drawing/2010/main" xmlns:p14="http://schemas.microsoft.com/office/powerpoint/2010/main" w="9525">
                   <a:solidFill>
                     <a:srgbClr val="000000"/>
                   </a:solidFill>
@@ -22631,7 +22631,7 @@
             </a:ln>
             <a:extLst>
               <a:ext uri="{91240B29-F687-4f45-9708-019B960494DF}">
-                <a14:hiddenLine xmlns:p14="http://schemas.microsoft.com/office/powerpoint/2010/main" xmlns:a14="http://schemas.microsoft.com/office/drawing/2010/main" xmlns:a16="http://schemas.microsoft.com/office/drawing/2014/main" xmlns="" w="9525">
+                <a14:hiddenLine xmlns="" xmlns:a16="http://schemas.microsoft.com/office/drawing/2014/main" xmlns:a14="http://schemas.microsoft.com/office/drawing/2010/main" xmlns:p14="http://schemas.microsoft.com/office/powerpoint/2010/main" w="9525">
                   <a:solidFill>
                     <a:srgbClr val="000000"/>
                   </a:solidFill>
@@ -22708,7 +22708,7 @@
             </a:ln>
             <a:extLst>
               <a:ext uri="{91240B29-F687-4f45-9708-019B960494DF}">
-                <a14:hiddenLine xmlns:p14="http://schemas.microsoft.com/office/powerpoint/2010/main" xmlns:a14="http://schemas.microsoft.com/office/drawing/2010/main" xmlns:a16="http://schemas.microsoft.com/office/drawing/2014/main" xmlns="" w="9525">
+                <a14:hiddenLine xmlns="" xmlns:a16="http://schemas.microsoft.com/office/drawing/2014/main" xmlns:a14="http://schemas.microsoft.com/office/drawing/2010/main" xmlns:p14="http://schemas.microsoft.com/office/powerpoint/2010/main" w="9525">
                   <a:solidFill>
                     <a:srgbClr val="000000"/>
                   </a:solidFill>
@@ -22785,7 +22785,7 @@
             </a:ln>
             <a:extLst>
               <a:ext uri="{91240B29-F687-4f45-9708-019B960494DF}">
-                <a14:hiddenLine xmlns:p14="http://schemas.microsoft.com/office/powerpoint/2010/main" xmlns:a14="http://schemas.microsoft.com/office/drawing/2010/main" xmlns:a16="http://schemas.microsoft.com/office/drawing/2014/main" xmlns="" w="9525">
+                <a14:hiddenLine xmlns="" xmlns:a16="http://schemas.microsoft.com/office/drawing/2014/main" xmlns:a14="http://schemas.microsoft.com/office/drawing/2010/main" xmlns:p14="http://schemas.microsoft.com/office/powerpoint/2010/main" w="9525">
                   <a:solidFill>
                     <a:srgbClr val="000000"/>
                   </a:solidFill>
@@ -22890,7 +22890,7 @@
             </a:ln>
             <a:extLst>
               <a:ext uri="{91240B29-F687-4f45-9708-019B960494DF}">
-                <a14:hiddenLine xmlns:p14="http://schemas.microsoft.com/office/powerpoint/2010/main" xmlns:a14="http://schemas.microsoft.com/office/drawing/2010/main" xmlns:a16="http://schemas.microsoft.com/office/drawing/2014/main" xmlns="" w="9525">
+                <a14:hiddenLine xmlns="" xmlns:a16="http://schemas.microsoft.com/office/drawing/2014/main" xmlns:a14="http://schemas.microsoft.com/office/drawing/2010/main" xmlns:p14="http://schemas.microsoft.com/office/powerpoint/2010/main" w="9525">
                   <a:solidFill>
                     <a:srgbClr val="000000"/>
                   </a:solidFill>
@@ -22973,7 +22973,7 @@
             </a:ln>
             <a:extLst>
               <a:ext uri="{91240B29-F687-4f45-9708-019B960494DF}">
-                <a14:hiddenLine xmlns:p14="http://schemas.microsoft.com/office/powerpoint/2010/main" xmlns:a14="http://schemas.microsoft.com/office/drawing/2010/main" xmlns:a16="http://schemas.microsoft.com/office/drawing/2014/main" xmlns="" w="9525">
+                <a14:hiddenLine xmlns="" xmlns:a16="http://schemas.microsoft.com/office/drawing/2014/main" xmlns:a14="http://schemas.microsoft.com/office/drawing/2010/main" xmlns:p14="http://schemas.microsoft.com/office/powerpoint/2010/main" w="9525">
                   <a:solidFill>
                     <a:srgbClr val="000000"/>
                   </a:solidFill>
@@ -23050,7 +23050,7 @@
             </a:ln>
             <a:extLst>
               <a:ext uri="{91240B29-F687-4f45-9708-019B960494DF}">
-                <a14:hiddenLine xmlns:p14="http://schemas.microsoft.com/office/powerpoint/2010/main" xmlns:a14="http://schemas.microsoft.com/office/drawing/2010/main" xmlns:a16="http://schemas.microsoft.com/office/drawing/2014/main" xmlns="" w="9525">
+                <a14:hiddenLine xmlns="" xmlns:a16="http://schemas.microsoft.com/office/drawing/2014/main" xmlns:a14="http://schemas.microsoft.com/office/drawing/2010/main" xmlns:p14="http://schemas.microsoft.com/office/powerpoint/2010/main" w="9525">
                   <a:solidFill>
                     <a:srgbClr val="000000"/>
                   </a:solidFill>
@@ -23155,7 +23155,7 @@
             </a:ln>
             <a:extLst>
               <a:ext uri="{91240B29-F687-4f45-9708-019B960494DF}">
-                <a14:hiddenLine xmlns:p14="http://schemas.microsoft.com/office/powerpoint/2010/main" xmlns:a14="http://schemas.microsoft.com/office/drawing/2010/main" xmlns:a16="http://schemas.microsoft.com/office/drawing/2014/main" xmlns="" w="9525">
+                <a14:hiddenLine xmlns="" xmlns:a16="http://schemas.microsoft.com/office/drawing/2014/main" xmlns:a14="http://schemas.microsoft.com/office/drawing/2010/main" xmlns:p14="http://schemas.microsoft.com/office/powerpoint/2010/main" w="9525">
                   <a:solidFill>
                     <a:srgbClr val="000000"/>
                   </a:solidFill>
@@ -23232,7 +23232,7 @@
             </a:ln>
             <a:extLst>
               <a:ext uri="{91240B29-F687-4f45-9708-019B960494DF}">
-                <a14:hiddenLine xmlns:p14="http://schemas.microsoft.com/office/powerpoint/2010/main" xmlns:a14="http://schemas.microsoft.com/office/drawing/2010/main" xmlns:a16="http://schemas.microsoft.com/office/drawing/2014/main" xmlns="" w="9525">
+                <a14:hiddenLine xmlns="" xmlns:a16="http://schemas.microsoft.com/office/drawing/2014/main" xmlns:a14="http://schemas.microsoft.com/office/drawing/2010/main" xmlns:p14="http://schemas.microsoft.com/office/powerpoint/2010/main" w="9525">
                   <a:solidFill>
                     <a:srgbClr val="000000"/>
                   </a:solidFill>
@@ -23337,7 +23337,7 @@
             </a:ln>
             <a:extLst>
               <a:ext uri="{91240B29-F687-4f45-9708-019B960494DF}">
-                <a14:hiddenLine xmlns:p14="http://schemas.microsoft.com/office/powerpoint/2010/main" xmlns:a14="http://schemas.microsoft.com/office/drawing/2010/main" xmlns:a16="http://schemas.microsoft.com/office/drawing/2014/main" xmlns="" w="9525">
+                <a14:hiddenLine xmlns="" xmlns:a16="http://schemas.microsoft.com/office/drawing/2014/main" xmlns:a14="http://schemas.microsoft.com/office/drawing/2010/main" xmlns:p14="http://schemas.microsoft.com/office/powerpoint/2010/main" w="9525">
                   <a:solidFill>
                     <a:srgbClr val="000000"/>
                   </a:solidFill>
@@ -23414,7 +23414,7 @@
             </a:ln>
             <a:extLst>
               <a:ext uri="{91240B29-F687-4f45-9708-019B960494DF}">
-                <a14:hiddenLine xmlns:p14="http://schemas.microsoft.com/office/powerpoint/2010/main" xmlns:a14="http://schemas.microsoft.com/office/drawing/2010/main" xmlns:a16="http://schemas.microsoft.com/office/drawing/2014/main" xmlns="" w="9525">
+                <a14:hiddenLine xmlns="" xmlns:a16="http://schemas.microsoft.com/office/drawing/2014/main" xmlns:a14="http://schemas.microsoft.com/office/drawing/2010/main" xmlns:p14="http://schemas.microsoft.com/office/powerpoint/2010/main" w="9525">
                   <a:solidFill>
                     <a:srgbClr val="000000"/>
                   </a:solidFill>
@@ -23519,7 +23519,7 @@
             </a:ln>
             <a:extLst>
               <a:ext uri="{91240B29-F687-4f45-9708-019B960494DF}">
-                <a14:hiddenLine xmlns:p14="http://schemas.microsoft.com/office/powerpoint/2010/main" xmlns:a14="http://schemas.microsoft.com/office/drawing/2010/main" xmlns:a16="http://schemas.microsoft.com/office/drawing/2014/main" xmlns="" w="9525">
+                <a14:hiddenLine xmlns="" xmlns:a16="http://schemas.microsoft.com/office/drawing/2014/main" xmlns:a14="http://schemas.microsoft.com/office/drawing/2010/main" xmlns:p14="http://schemas.microsoft.com/office/powerpoint/2010/main" w="9525">
                   <a:solidFill>
                     <a:srgbClr val="000000"/>
                   </a:solidFill>
@@ -23568,7 +23568,7 @@
             </a:ln>
             <a:extLst>
               <a:ext uri="{91240B29-F687-4f45-9708-019B960494DF}">
-                <a14:hiddenLine xmlns:p14="http://schemas.microsoft.com/office/powerpoint/2010/main" xmlns:a14="http://schemas.microsoft.com/office/drawing/2010/main" xmlns:a16="http://schemas.microsoft.com/office/drawing/2014/main" xmlns="" w="9525">
+                <a14:hiddenLine xmlns="" xmlns:a16="http://schemas.microsoft.com/office/drawing/2014/main" xmlns:a14="http://schemas.microsoft.com/office/drawing/2010/main" xmlns:p14="http://schemas.microsoft.com/office/powerpoint/2010/main" w="9525">
                   <a:solidFill>
                     <a:srgbClr val="000000"/>
                   </a:solidFill>
@@ -23648,7 +23648,7 @@
             </a:ln>
             <a:extLst>
               <a:ext uri="{91240B29-F687-4f45-9708-019B960494DF}">
-                <a14:hiddenLine xmlns:p14="http://schemas.microsoft.com/office/powerpoint/2010/main" xmlns:a14="http://schemas.microsoft.com/office/drawing/2010/main" xmlns:a16="http://schemas.microsoft.com/office/drawing/2014/main" xmlns="" w="9525">
+                <a14:hiddenLine xmlns="" xmlns:a16="http://schemas.microsoft.com/office/drawing/2014/main" xmlns:a14="http://schemas.microsoft.com/office/drawing/2010/main" xmlns:p14="http://schemas.microsoft.com/office/powerpoint/2010/main" w="9525">
                   <a:solidFill>
                     <a:srgbClr val="000000"/>
                   </a:solidFill>
@@ -23753,7 +23753,7 @@
             </a:ln>
             <a:extLst>
               <a:ext uri="{91240B29-F687-4f45-9708-019B960494DF}">
-                <a14:hiddenLine xmlns:p14="http://schemas.microsoft.com/office/powerpoint/2010/main" xmlns:a14="http://schemas.microsoft.com/office/drawing/2010/main" xmlns:a16="http://schemas.microsoft.com/office/drawing/2014/main" xmlns="" w="9525">
+                <a14:hiddenLine xmlns="" xmlns:a16="http://schemas.microsoft.com/office/drawing/2014/main" xmlns:a14="http://schemas.microsoft.com/office/drawing/2010/main" xmlns:p14="http://schemas.microsoft.com/office/powerpoint/2010/main" w="9525">
                   <a:solidFill>
                     <a:srgbClr val="000000"/>
                   </a:solidFill>
@@ -23830,7 +23830,7 @@
             </a:ln>
             <a:extLst>
               <a:ext uri="{91240B29-F687-4f45-9708-019B960494DF}">
-                <a14:hiddenLine xmlns:p14="http://schemas.microsoft.com/office/powerpoint/2010/main" xmlns:a14="http://schemas.microsoft.com/office/drawing/2010/main" xmlns:a16="http://schemas.microsoft.com/office/drawing/2014/main" xmlns="" w="9525">
+                <a14:hiddenLine xmlns="" xmlns:a16="http://schemas.microsoft.com/office/drawing/2014/main" xmlns:a14="http://schemas.microsoft.com/office/drawing/2010/main" xmlns:p14="http://schemas.microsoft.com/office/powerpoint/2010/main" w="9525">
                   <a:solidFill>
                     <a:srgbClr val="000000"/>
                   </a:solidFill>
@@ -23935,7 +23935,7 @@
             </a:ln>
             <a:extLst>
               <a:ext uri="{91240B29-F687-4f45-9708-019B960494DF}">
-                <a14:hiddenLine xmlns:p14="http://schemas.microsoft.com/office/powerpoint/2010/main" xmlns:a14="http://schemas.microsoft.com/office/drawing/2010/main" xmlns:a16="http://schemas.microsoft.com/office/drawing/2014/main" xmlns="" w="9525">
+                <a14:hiddenLine xmlns="" xmlns:a16="http://schemas.microsoft.com/office/drawing/2014/main" xmlns:a14="http://schemas.microsoft.com/office/drawing/2010/main" xmlns:p14="http://schemas.microsoft.com/office/powerpoint/2010/main" w="9525">
                   <a:solidFill>
                     <a:srgbClr val="000000"/>
                   </a:solidFill>
@@ -24040,7 +24040,7 @@
             </a:ln>
             <a:extLst>
               <a:ext uri="{91240B29-F687-4f45-9708-019B960494DF}">
-                <a14:hiddenLine xmlns:p14="http://schemas.microsoft.com/office/powerpoint/2010/main" xmlns:a14="http://schemas.microsoft.com/office/drawing/2010/main" xmlns:a16="http://schemas.microsoft.com/office/drawing/2014/main" xmlns="" w="9525">
+                <a14:hiddenLine xmlns="" xmlns:a16="http://schemas.microsoft.com/office/drawing/2014/main" xmlns:a14="http://schemas.microsoft.com/office/drawing/2010/main" xmlns:p14="http://schemas.microsoft.com/office/powerpoint/2010/main" w="9525">
                   <a:solidFill>
                     <a:srgbClr val="000000"/>
                   </a:solidFill>
@@ -24120,7 +24120,7 @@
             </a:ln>
             <a:extLst>
               <a:ext uri="{91240B29-F687-4f45-9708-019B960494DF}">
-                <a14:hiddenLine xmlns:p14="http://schemas.microsoft.com/office/powerpoint/2010/main" xmlns:a14="http://schemas.microsoft.com/office/drawing/2010/main" xmlns:a16="http://schemas.microsoft.com/office/drawing/2014/main" xmlns="" w="9525">
+                <a14:hiddenLine xmlns="" xmlns:a16="http://schemas.microsoft.com/office/drawing/2014/main" xmlns:a14="http://schemas.microsoft.com/office/drawing/2010/main" xmlns:p14="http://schemas.microsoft.com/office/powerpoint/2010/main" w="9525">
                   <a:solidFill>
                     <a:srgbClr val="000000"/>
                   </a:solidFill>
@@ -24197,7 +24197,7 @@
             </a:ln>
             <a:extLst>
               <a:ext uri="{91240B29-F687-4f45-9708-019B960494DF}">
-                <a14:hiddenLine xmlns:p14="http://schemas.microsoft.com/office/powerpoint/2010/main" xmlns:a14="http://schemas.microsoft.com/office/drawing/2010/main" xmlns:a16="http://schemas.microsoft.com/office/drawing/2014/main" xmlns="" w="9525">
+                <a14:hiddenLine xmlns="" xmlns:a16="http://schemas.microsoft.com/office/drawing/2014/main" xmlns:a14="http://schemas.microsoft.com/office/drawing/2010/main" xmlns:p14="http://schemas.microsoft.com/office/powerpoint/2010/main" w="9525">
                   <a:solidFill>
                     <a:srgbClr val="000000"/>
                   </a:solidFill>
@@ -24302,7 +24302,7 @@
             </a:ln>
             <a:extLst>
               <a:ext uri="{91240B29-F687-4f45-9708-019B960494DF}">
-                <a14:hiddenLine xmlns:p14="http://schemas.microsoft.com/office/powerpoint/2010/main" xmlns:a14="http://schemas.microsoft.com/office/drawing/2010/main" xmlns:a16="http://schemas.microsoft.com/office/drawing/2014/main" xmlns="" w="9525">
+                <a14:hiddenLine xmlns="" xmlns:a16="http://schemas.microsoft.com/office/drawing/2014/main" xmlns:a14="http://schemas.microsoft.com/office/drawing/2010/main" xmlns:p14="http://schemas.microsoft.com/office/powerpoint/2010/main" w="9525">
                   <a:solidFill>
                     <a:srgbClr val="000000"/>
                   </a:solidFill>
@@ -24407,7 +24407,7 @@
             </a:ln>
             <a:extLst>
               <a:ext uri="{91240B29-F687-4f45-9708-019B960494DF}">
-                <a14:hiddenLine xmlns:p14="http://schemas.microsoft.com/office/powerpoint/2010/main" xmlns:a14="http://schemas.microsoft.com/office/drawing/2010/main" xmlns:a16="http://schemas.microsoft.com/office/drawing/2014/main" xmlns="" w="9525">
+                <a14:hiddenLine xmlns="" xmlns:a16="http://schemas.microsoft.com/office/drawing/2014/main" xmlns:a14="http://schemas.microsoft.com/office/drawing/2010/main" xmlns:p14="http://schemas.microsoft.com/office/powerpoint/2010/main" w="9525">
                   <a:solidFill>
                     <a:srgbClr val="000000"/>
                   </a:solidFill>
@@ -24484,7 +24484,7 @@
             </a:ln>
             <a:extLst>
               <a:ext uri="{91240B29-F687-4f45-9708-019B960494DF}">
-                <a14:hiddenLine xmlns:p14="http://schemas.microsoft.com/office/powerpoint/2010/main" xmlns:a14="http://schemas.microsoft.com/office/drawing/2010/main" xmlns:a16="http://schemas.microsoft.com/office/drawing/2014/main" xmlns="" w="9525">
+                <a14:hiddenLine xmlns="" xmlns:a16="http://schemas.microsoft.com/office/drawing/2014/main" xmlns:a14="http://schemas.microsoft.com/office/drawing/2010/main" xmlns:p14="http://schemas.microsoft.com/office/powerpoint/2010/main" w="9525">
                   <a:solidFill>
                     <a:srgbClr val="000000"/>
                   </a:solidFill>
@@ -24619,7 +24619,7 @@
             </a:ln>
             <a:extLst>
               <a:ext uri="{91240B29-F687-4f45-9708-019B960494DF}">
-                <a14:hiddenLine xmlns:p14="http://schemas.microsoft.com/office/powerpoint/2010/main" xmlns:a14="http://schemas.microsoft.com/office/drawing/2010/main" xmlns:a16="http://schemas.microsoft.com/office/drawing/2014/main" xmlns="" w="9525">
+                <a14:hiddenLine xmlns="" xmlns:a16="http://schemas.microsoft.com/office/drawing/2014/main" xmlns:a14="http://schemas.microsoft.com/office/drawing/2010/main" xmlns:p14="http://schemas.microsoft.com/office/powerpoint/2010/main" w="9525">
                   <a:solidFill>
                     <a:srgbClr val="000000"/>
                   </a:solidFill>
@@ -24702,7 +24702,7 @@
             </a:ln>
             <a:extLst>
               <a:ext uri="{91240B29-F687-4f45-9708-019B960494DF}">
-                <a14:hiddenLine xmlns:p14="http://schemas.microsoft.com/office/powerpoint/2010/main" xmlns:a14="http://schemas.microsoft.com/office/drawing/2010/main" xmlns:a16="http://schemas.microsoft.com/office/drawing/2014/main" xmlns="" w="9525">
+                <a14:hiddenLine xmlns="" xmlns:a16="http://schemas.microsoft.com/office/drawing/2014/main" xmlns:a14="http://schemas.microsoft.com/office/drawing/2010/main" xmlns:p14="http://schemas.microsoft.com/office/powerpoint/2010/main" w="9525">
                   <a:solidFill>
                     <a:srgbClr val="000000"/>
                   </a:solidFill>
@@ -24807,7 +24807,7 @@
             </a:ln>
             <a:extLst>
               <a:ext uri="{91240B29-F687-4f45-9708-019B960494DF}">
-                <a14:hiddenLine xmlns:p14="http://schemas.microsoft.com/office/powerpoint/2010/main" xmlns:a14="http://schemas.microsoft.com/office/drawing/2010/main" xmlns:a16="http://schemas.microsoft.com/office/drawing/2014/main" xmlns="" w="9525">
+                <a14:hiddenLine xmlns="" xmlns:a16="http://schemas.microsoft.com/office/drawing/2014/main" xmlns:a14="http://schemas.microsoft.com/office/drawing/2010/main" xmlns:p14="http://schemas.microsoft.com/office/powerpoint/2010/main" w="9525">
                   <a:solidFill>
                     <a:srgbClr val="000000"/>
                   </a:solidFill>
@@ -25093,7 +25093,7 @@
           <a:lstStyle/>
           <a:p>
             <a:r>
-              <a:rPr lang="en-US" dirty="0">
+              <a:rPr lang="en-US" b="1" dirty="0">
                 <a:solidFill>
                   <a:schemeClr val="bg1"/>
                 </a:solidFill>
@@ -25132,7 +25132,7 @@
           <a:lstStyle/>
           <a:p>
             <a:r>
-              <a:rPr lang="en-US" dirty="0">
+              <a:rPr lang="en-US" b="1" dirty="0">
                 <a:solidFill>
                   <a:schemeClr val="bg1"/>
                 </a:solidFill>
@@ -25171,7 +25171,7 @@
           <a:lstStyle/>
           <a:p>
             <a:r>
-              <a:rPr lang="en-US" dirty="0">
+              <a:rPr lang="en-US" b="1" dirty="0">
                 <a:solidFill>
                   <a:schemeClr val="bg1"/>
                 </a:solidFill>
@@ -25195,7 +25195,7 @@
         </p:nvSpPr>
         <p:spPr>
           <a:xfrm>
-            <a:off x="5417502" y="4021312"/>
+            <a:off x="5203744" y="4021312"/>
             <a:ext cx="962025" cy="369332"/>
           </a:xfrm>
           <a:prstGeom prst="rect">
@@ -25210,12 +25210,12 @@
           <a:lstStyle/>
           <a:p>
             <a:r>
-              <a:rPr lang="en-US" dirty="0">
+              <a:rPr lang="en-US" b="1" dirty="0">
                 <a:solidFill>
                   <a:schemeClr val="bg1"/>
                 </a:solidFill>
               </a:rPr>
-              <a:t>TBF</a:t>
+              <a:t>China</a:t>
             </a:r>
           </a:p>
         </p:txBody>
@@ -25234,7 +25234,7 @@
         </p:nvSpPr>
         <p:spPr>
           <a:xfrm>
-            <a:off x="1852612" y="5062680"/>
+            <a:off x="1757611" y="5050805"/>
             <a:ext cx="962025" cy="369332"/>
           </a:xfrm>
           <a:prstGeom prst="rect">
@@ -25249,20 +25249,64 @@
           <a:lstStyle/>
           <a:p>
             <a:r>
-              <a:rPr lang="en-US" dirty="0">
+              <a:rPr lang="en-US" b="1" dirty="0">
                 <a:solidFill>
                   <a:schemeClr val="bg1"/>
                 </a:solidFill>
               </a:rPr>
-              <a:t>TBF</a:t>
+              <a:t>Russia</a:t>
             </a:r>
           </a:p>
         </p:txBody>
       </p:sp>
+      <p:cxnSp>
+        <p:nvCxnSpPr>
+          <p:cNvPr id="5" name="Straight Arrow Connector 4">
+            <a:extLst>
+              <a:ext uri="{FF2B5EF4-FFF2-40B4-BE49-F238E27FC236}">
+                <a16:creationId xmlns:a16="http://schemas.microsoft.com/office/drawing/2014/main" id="{29C80415-0F62-4C2F-B7E0-07AF5B985A28}"/>
+              </a:ext>
+            </a:extLst>
+          </p:cNvPr>
+          <p:cNvCxnSpPr>
+            <a:cxnSpLocks/>
+          </p:cNvCxnSpPr>
+          <p:nvPr/>
+        </p:nvCxnSpPr>
+        <p:spPr>
+          <a:xfrm flipH="1">
+            <a:off x="2030682" y="5272644"/>
+            <a:ext cx="130627" cy="320634"/>
+          </a:xfrm>
+          <a:prstGeom prst="straightConnector1">
+            <a:avLst/>
+          </a:prstGeom>
+          <a:ln>
+            <a:solidFill>
+              <a:srgbClr val="FF0000"/>
+            </a:solidFill>
+            <a:tailEnd type="triangle"/>
+          </a:ln>
+        </p:spPr>
+        <p:style>
+          <a:lnRef idx="1">
+            <a:schemeClr val="accent1"/>
+          </a:lnRef>
+          <a:fillRef idx="0">
+            <a:schemeClr val="accent1"/>
+          </a:fillRef>
+          <a:effectRef idx="0">
+            <a:schemeClr val="accent1"/>
+          </a:effectRef>
+          <a:fontRef idx="minor">
+            <a:schemeClr val="tx1"/>
+          </a:fontRef>
+        </p:style>
+      </p:cxnSp>
     </p:spTree>
     <p:extLst>
       <p:ext uri="{BB962C8B-B14F-4D97-AF65-F5344CB8AC3E}">
-        <p14:creationId xmlns:p14="http://schemas.microsoft.com/office/powerpoint/2010/main" val="3475140709"/>
+        <p14:creationId xmlns:p14="http://schemas.microsoft.com/office/powerpoint/2010/main" val="3346159741"/>
       </p:ext>
     </p:extLst>
   </p:cSld>
@@ -25443,7 +25487,7 @@
             </a:ln>
             <a:extLst>
               <a:ext uri="{91240B29-F687-4f45-9708-019B960494DF}">
-                <a14:hiddenLine xmlns:a14="http://schemas.microsoft.com/office/drawing/2010/main" xmlns:p14="http://schemas.microsoft.com/office/powerpoint/2010/main" xmlns:a16="http://schemas.microsoft.com/office/drawing/2014/main" xmlns="" w="9525">
+                <a14:hiddenLine xmlns="" xmlns:a16="http://schemas.microsoft.com/office/drawing/2014/main" xmlns:p14="http://schemas.microsoft.com/office/powerpoint/2010/main" xmlns:a14="http://schemas.microsoft.com/office/drawing/2010/main" w="9525">
                   <a:solidFill>
                     <a:srgbClr val="000000"/>
                   </a:solidFill>
@@ -25548,7 +25592,7 @@
             </a:ln>
             <a:extLst>
               <a:ext uri="{91240B29-F687-4f45-9708-019B960494DF}">
-                <a14:hiddenLine xmlns:a14="http://schemas.microsoft.com/office/drawing/2010/main" xmlns:p14="http://schemas.microsoft.com/office/powerpoint/2010/main" xmlns:a16="http://schemas.microsoft.com/office/drawing/2014/main" xmlns="" w="9525">
+                <a14:hiddenLine xmlns="" xmlns:a16="http://schemas.microsoft.com/office/drawing/2014/main" xmlns:p14="http://schemas.microsoft.com/office/powerpoint/2010/main" xmlns:a14="http://schemas.microsoft.com/office/drawing/2010/main" w="9525">
                   <a:solidFill>
                     <a:srgbClr val="000000"/>
                   </a:solidFill>
@@ -25653,7 +25697,7 @@
             </a:ln>
             <a:extLst>
               <a:ext uri="{91240B29-F687-4f45-9708-019B960494DF}">
-                <a14:hiddenLine xmlns:a14="http://schemas.microsoft.com/office/drawing/2010/main" xmlns:p14="http://schemas.microsoft.com/office/powerpoint/2010/main" xmlns:a16="http://schemas.microsoft.com/office/drawing/2014/main" xmlns="" w="9525">
+                <a14:hiddenLine xmlns="" xmlns:a16="http://schemas.microsoft.com/office/drawing/2014/main" xmlns:p14="http://schemas.microsoft.com/office/powerpoint/2010/main" xmlns:a14="http://schemas.microsoft.com/office/drawing/2010/main" w="9525">
                   <a:solidFill>
                     <a:srgbClr val="000000"/>
                   </a:solidFill>
@@ -25730,7 +25774,7 @@
             </a:ln>
             <a:extLst>
               <a:ext uri="{91240B29-F687-4f45-9708-019B960494DF}">
-                <a14:hiddenLine xmlns:a14="http://schemas.microsoft.com/office/drawing/2010/main" xmlns:p14="http://schemas.microsoft.com/office/powerpoint/2010/main" xmlns:a16="http://schemas.microsoft.com/office/drawing/2014/main" xmlns="" w="9525">
+                <a14:hiddenLine xmlns="" xmlns:a16="http://schemas.microsoft.com/office/drawing/2014/main" xmlns:p14="http://schemas.microsoft.com/office/powerpoint/2010/main" xmlns:a14="http://schemas.microsoft.com/office/drawing/2010/main" w="9525">
                   <a:solidFill>
                     <a:srgbClr val="000000"/>
                   </a:solidFill>
@@ -25835,7 +25879,7 @@
             </a:ln>
             <a:extLst>
               <a:ext uri="{91240B29-F687-4f45-9708-019B960494DF}">
-                <a14:hiddenLine xmlns:a14="http://schemas.microsoft.com/office/drawing/2010/main" xmlns:p14="http://schemas.microsoft.com/office/powerpoint/2010/main" xmlns:a16="http://schemas.microsoft.com/office/drawing/2014/main" xmlns="" w="9525">
+                <a14:hiddenLine xmlns="" xmlns:a16="http://schemas.microsoft.com/office/drawing/2014/main" xmlns:p14="http://schemas.microsoft.com/office/powerpoint/2010/main" xmlns:a14="http://schemas.microsoft.com/office/drawing/2010/main" w="9525">
                   <a:solidFill>
                     <a:srgbClr val="000000"/>
                   </a:solidFill>
@@ -25912,7 +25956,7 @@
             </a:ln>
             <a:extLst>
               <a:ext uri="{91240B29-F687-4f45-9708-019B960494DF}">
-                <a14:hiddenLine xmlns:a14="http://schemas.microsoft.com/office/drawing/2010/main" xmlns:p14="http://schemas.microsoft.com/office/powerpoint/2010/main" xmlns:a16="http://schemas.microsoft.com/office/drawing/2014/main" xmlns="" w="9525">
+                <a14:hiddenLine xmlns="" xmlns:a16="http://schemas.microsoft.com/office/drawing/2014/main" xmlns:p14="http://schemas.microsoft.com/office/powerpoint/2010/main" xmlns:a14="http://schemas.microsoft.com/office/drawing/2010/main" w="9525">
                   <a:solidFill>
                     <a:srgbClr val="000000"/>
                   </a:solidFill>
@@ -25989,7 +26033,7 @@
             </a:ln>
             <a:extLst>
               <a:ext uri="{91240B29-F687-4f45-9708-019B960494DF}">
-                <a14:hiddenLine xmlns:a14="http://schemas.microsoft.com/office/drawing/2010/main" xmlns:p14="http://schemas.microsoft.com/office/powerpoint/2010/main" xmlns:a16="http://schemas.microsoft.com/office/drawing/2014/main" xmlns="" w="9525">
+                <a14:hiddenLine xmlns="" xmlns:a16="http://schemas.microsoft.com/office/drawing/2014/main" xmlns:p14="http://schemas.microsoft.com/office/powerpoint/2010/main" xmlns:a14="http://schemas.microsoft.com/office/drawing/2010/main" w="9525">
                   <a:solidFill>
                     <a:srgbClr val="000000"/>
                   </a:solidFill>
@@ -26094,7 +26138,7 @@
             </a:ln>
             <a:extLst>
               <a:ext uri="{91240B29-F687-4f45-9708-019B960494DF}">
-                <a14:hiddenLine xmlns:a14="http://schemas.microsoft.com/office/drawing/2010/main" xmlns:p14="http://schemas.microsoft.com/office/powerpoint/2010/main" xmlns:a16="http://schemas.microsoft.com/office/drawing/2014/main" xmlns="" w="9525">
+                <a14:hiddenLine xmlns="" xmlns:a16="http://schemas.microsoft.com/office/drawing/2014/main" xmlns:p14="http://schemas.microsoft.com/office/powerpoint/2010/main" xmlns:a14="http://schemas.microsoft.com/office/drawing/2010/main" w="9525">
                   <a:solidFill>
                     <a:srgbClr val="000000"/>
                   </a:solidFill>
@@ -26199,7 +26243,7 @@
             </a:ln>
             <a:extLst>
               <a:ext uri="{91240B29-F687-4f45-9708-019B960494DF}">
-                <a14:hiddenLine xmlns:a14="http://schemas.microsoft.com/office/drawing/2010/main" xmlns:p14="http://schemas.microsoft.com/office/powerpoint/2010/main" xmlns:a16="http://schemas.microsoft.com/office/drawing/2014/main" xmlns="" w="9525">
+                <a14:hiddenLine xmlns="" xmlns:a16="http://schemas.microsoft.com/office/drawing/2014/main" xmlns:p14="http://schemas.microsoft.com/office/powerpoint/2010/main" xmlns:a14="http://schemas.microsoft.com/office/drawing/2010/main" w="9525">
                   <a:solidFill>
                     <a:srgbClr val="000000"/>
                   </a:solidFill>
@@ -26276,7 +26320,7 @@
             </a:ln>
             <a:extLst>
               <a:ext uri="{91240B29-F687-4f45-9708-019B960494DF}">
-                <a14:hiddenLine xmlns:a14="http://schemas.microsoft.com/office/drawing/2010/main" xmlns:p14="http://schemas.microsoft.com/office/powerpoint/2010/main" xmlns:a16="http://schemas.microsoft.com/office/drawing/2014/main" xmlns="" w="9525">
+                <a14:hiddenLine xmlns="" xmlns:a16="http://schemas.microsoft.com/office/drawing/2014/main" xmlns:p14="http://schemas.microsoft.com/office/powerpoint/2010/main" xmlns:a14="http://schemas.microsoft.com/office/drawing/2010/main" w="9525">
                   <a:solidFill>
                     <a:srgbClr val="000000"/>
                   </a:solidFill>
@@ -26401,7 +26445,7 @@
             </a:ln>
             <a:extLst>
               <a:ext uri="{91240B29-F687-4f45-9708-019B960494DF}">
-                <a14:hiddenLine xmlns:a14="http://schemas.microsoft.com/office/drawing/2010/main" xmlns:p14="http://schemas.microsoft.com/office/powerpoint/2010/main" xmlns:a16="http://schemas.microsoft.com/office/drawing/2014/main" xmlns="" w="9525">
+                <a14:hiddenLine xmlns="" xmlns:a16="http://schemas.microsoft.com/office/drawing/2014/main" xmlns:p14="http://schemas.microsoft.com/office/powerpoint/2010/main" xmlns:a14="http://schemas.microsoft.com/office/drawing/2010/main" w="9525">
                   <a:solidFill>
                     <a:srgbClr val="000000"/>
                   </a:solidFill>
@@ -26515,7 +26559,7 @@
             </a:ln>
             <a:extLst>
               <a:ext uri="{91240B29-F687-4f45-9708-019B960494DF}">
-                <a14:hiddenLine xmlns:a14="http://schemas.microsoft.com/office/drawing/2010/main" xmlns:p14="http://schemas.microsoft.com/office/powerpoint/2010/main" xmlns:a16="http://schemas.microsoft.com/office/drawing/2014/main" xmlns="" w="9525">
+                <a14:hiddenLine xmlns="" xmlns:a16="http://schemas.microsoft.com/office/drawing/2014/main" xmlns:p14="http://schemas.microsoft.com/office/powerpoint/2010/main" xmlns:a14="http://schemas.microsoft.com/office/drawing/2010/main" w="9525">
                   <a:solidFill>
                     <a:srgbClr val="000000"/>
                   </a:solidFill>
@@ -26592,7 +26636,7 @@
             </a:ln>
             <a:extLst>
               <a:ext uri="{91240B29-F687-4f45-9708-019B960494DF}">
-                <a14:hiddenLine xmlns:a14="http://schemas.microsoft.com/office/drawing/2010/main" xmlns:p14="http://schemas.microsoft.com/office/powerpoint/2010/main" xmlns:a16="http://schemas.microsoft.com/office/drawing/2014/main" xmlns="" w="9525">
+                <a14:hiddenLine xmlns="" xmlns:a16="http://schemas.microsoft.com/office/drawing/2014/main" xmlns:p14="http://schemas.microsoft.com/office/powerpoint/2010/main" xmlns:a14="http://schemas.microsoft.com/office/drawing/2010/main" w="9525">
                   <a:solidFill>
                     <a:srgbClr val="000000"/>
                   </a:solidFill>
@@ -26669,7 +26713,7 @@
             </a:ln>
             <a:extLst>
               <a:ext uri="{91240B29-F687-4f45-9708-019B960494DF}">
-                <a14:hiddenLine xmlns:a14="http://schemas.microsoft.com/office/drawing/2010/main" xmlns:p14="http://schemas.microsoft.com/office/powerpoint/2010/main" xmlns:a16="http://schemas.microsoft.com/office/drawing/2014/main" xmlns="" w="9525">
+                <a14:hiddenLine xmlns="" xmlns:a16="http://schemas.microsoft.com/office/drawing/2014/main" xmlns:p14="http://schemas.microsoft.com/office/powerpoint/2010/main" xmlns:a14="http://schemas.microsoft.com/office/drawing/2010/main" w="9525">
                   <a:solidFill>
                     <a:srgbClr val="000000"/>
                   </a:solidFill>
@@ -26774,7 +26818,7 @@
             </a:ln>
             <a:extLst>
               <a:ext uri="{91240B29-F687-4f45-9708-019B960494DF}">
-                <a14:hiddenLine xmlns:a14="http://schemas.microsoft.com/office/drawing/2010/main" xmlns:p14="http://schemas.microsoft.com/office/powerpoint/2010/main" xmlns:a16="http://schemas.microsoft.com/office/drawing/2014/main" xmlns="" w="9525">
+                <a14:hiddenLine xmlns="" xmlns:a16="http://schemas.microsoft.com/office/drawing/2014/main" xmlns:p14="http://schemas.microsoft.com/office/powerpoint/2010/main" xmlns:a14="http://schemas.microsoft.com/office/drawing/2010/main" w="9525">
                   <a:solidFill>
                     <a:srgbClr val="000000"/>
                   </a:solidFill>
@@ -26823,7 +26867,7 @@
             </a:ln>
             <a:extLst>
               <a:ext uri="{91240B29-F687-4f45-9708-019B960494DF}">
-                <a14:hiddenLine xmlns:a14="http://schemas.microsoft.com/office/drawing/2010/main" xmlns:p14="http://schemas.microsoft.com/office/powerpoint/2010/main" xmlns:a16="http://schemas.microsoft.com/office/drawing/2014/main" xmlns="" w="9525">
+                <a14:hiddenLine xmlns="" xmlns:a16="http://schemas.microsoft.com/office/drawing/2014/main" xmlns:p14="http://schemas.microsoft.com/office/powerpoint/2010/main" xmlns:a14="http://schemas.microsoft.com/office/drawing/2010/main" w="9525">
                   <a:solidFill>
                     <a:srgbClr val="000000"/>
                   </a:solidFill>
@@ -26903,7 +26947,7 @@
             </a:ln>
             <a:extLst>
               <a:ext uri="{91240B29-F687-4f45-9708-019B960494DF}">
-                <a14:hiddenLine xmlns:a14="http://schemas.microsoft.com/office/drawing/2010/main" xmlns:p14="http://schemas.microsoft.com/office/powerpoint/2010/main" xmlns:a16="http://schemas.microsoft.com/office/drawing/2014/main" xmlns="" w="9525">
+                <a14:hiddenLine xmlns="" xmlns:a16="http://schemas.microsoft.com/office/drawing/2014/main" xmlns:p14="http://schemas.microsoft.com/office/powerpoint/2010/main" xmlns:a14="http://schemas.microsoft.com/office/drawing/2010/main" w="9525">
                   <a:solidFill>
                     <a:srgbClr val="000000"/>
                   </a:solidFill>
@@ -27008,7 +27052,7 @@
             </a:ln>
             <a:extLst>
               <a:ext uri="{91240B29-F687-4f45-9708-019B960494DF}">
-                <a14:hiddenLine xmlns:a14="http://schemas.microsoft.com/office/drawing/2010/main" xmlns:p14="http://schemas.microsoft.com/office/powerpoint/2010/main" xmlns:a16="http://schemas.microsoft.com/office/drawing/2014/main" xmlns="" w="9525">
+                <a14:hiddenLine xmlns="" xmlns:a16="http://schemas.microsoft.com/office/drawing/2014/main" xmlns:p14="http://schemas.microsoft.com/office/powerpoint/2010/main" xmlns:a14="http://schemas.microsoft.com/office/drawing/2010/main" w="9525">
                   <a:solidFill>
                     <a:srgbClr val="000000"/>
                   </a:solidFill>
@@ -27085,7 +27129,7 @@
             </a:ln>
             <a:extLst>
               <a:ext uri="{91240B29-F687-4f45-9708-019B960494DF}">
-                <a14:hiddenLine xmlns:a14="http://schemas.microsoft.com/office/drawing/2010/main" xmlns:p14="http://schemas.microsoft.com/office/powerpoint/2010/main" xmlns:a16="http://schemas.microsoft.com/office/drawing/2014/main" xmlns="" w="9525">
+                <a14:hiddenLine xmlns="" xmlns:a16="http://schemas.microsoft.com/office/drawing/2014/main" xmlns:p14="http://schemas.microsoft.com/office/powerpoint/2010/main" xmlns:a14="http://schemas.microsoft.com/office/drawing/2010/main" w="9525">
                   <a:solidFill>
                     <a:srgbClr val="000000"/>
                   </a:solidFill>
@@ -27190,7 +27234,7 @@
             </a:ln>
             <a:extLst>
               <a:ext uri="{91240B29-F687-4f45-9708-019B960494DF}">
-                <a14:hiddenLine xmlns:a14="http://schemas.microsoft.com/office/drawing/2010/main" xmlns:p14="http://schemas.microsoft.com/office/powerpoint/2010/main" xmlns:a16="http://schemas.microsoft.com/office/drawing/2014/main" xmlns="" w="9525">
+                <a14:hiddenLine xmlns="" xmlns:a16="http://schemas.microsoft.com/office/drawing/2014/main" xmlns:p14="http://schemas.microsoft.com/office/powerpoint/2010/main" xmlns:a14="http://schemas.microsoft.com/office/drawing/2010/main" w="9525">
                   <a:solidFill>
                     <a:srgbClr val="000000"/>
                   </a:solidFill>
@@ -27270,7 +27314,7 @@
             </a:ln>
             <a:extLst>
               <a:ext uri="{91240B29-F687-4f45-9708-019B960494DF}">
-                <a14:hiddenLine xmlns:a14="http://schemas.microsoft.com/office/drawing/2010/main" xmlns:p14="http://schemas.microsoft.com/office/powerpoint/2010/main" xmlns:a16="http://schemas.microsoft.com/office/drawing/2014/main" xmlns="" w="9525">
+                <a14:hiddenLine xmlns="" xmlns:a16="http://schemas.microsoft.com/office/drawing/2014/main" xmlns:p14="http://schemas.microsoft.com/office/powerpoint/2010/main" xmlns:a14="http://schemas.microsoft.com/office/drawing/2010/main" w="9525">
                   <a:solidFill>
                     <a:srgbClr val="000000"/>
                   </a:solidFill>
@@ -27347,7 +27391,7 @@
             </a:ln>
             <a:extLst>
               <a:ext uri="{91240B29-F687-4f45-9708-019B960494DF}">
-                <a14:hiddenLine xmlns:a14="http://schemas.microsoft.com/office/drawing/2010/main" xmlns:p14="http://schemas.microsoft.com/office/powerpoint/2010/main" xmlns:a16="http://schemas.microsoft.com/office/drawing/2014/main" xmlns="" w="9525">
+                <a14:hiddenLine xmlns="" xmlns:a16="http://schemas.microsoft.com/office/drawing/2014/main" xmlns:p14="http://schemas.microsoft.com/office/powerpoint/2010/main" xmlns:a14="http://schemas.microsoft.com/office/drawing/2010/main" w="9525">
                   <a:solidFill>
                     <a:srgbClr val="000000"/>
                   </a:solidFill>
@@ -27452,7 +27496,7 @@
             </a:ln>
             <a:extLst>
               <a:ext uri="{91240B29-F687-4f45-9708-019B960494DF}">
-                <a14:hiddenLine xmlns:a14="http://schemas.microsoft.com/office/drawing/2010/main" xmlns:p14="http://schemas.microsoft.com/office/powerpoint/2010/main" xmlns:a16="http://schemas.microsoft.com/office/drawing/2014/main" xmlns="" w="9525">
+                <a14:hiddenLine xmlns="" xmlns:a16="http://schemas.microsoft.com/office/drawing/2014/main" xmlns:p14="http://schemas.microsoft.com/office/powerpoint/2010/main" xmlns:a14="http://schemas.microsoft.com/office/drawing/2010/main" w="9525">
                   <a:solidFill>
                     <a:srgbClr val="000000"/>
                   </a:solidFill>
@@ -27557,7 +27601,7 @@
             </a:ln>
             <a:extLst>
               <a:ext uri="{91240B29-F687-4f45-9708-019B960494DF}">
-                <a14:hiddenLine xmlns:a14="http://schemas.microsoft.com/office/drawing/2010/main" xmlns:p14="http://schemas.microsoft.com/office/powerpoint/2010/main" xmlns:a16="http://schemas.microsoft.com/office/drawing/2014/main" xmlns="" w="9525">
+                <a14:hiddenLine xmlns="" xmlns:a16="http://schemas.microsoft.com/office/drawing/2014/main" xmlns:p14="http://schemas.microsoft.com/office/powerpoint/2010/main" xmlns:a14="http://schemas.microsoft.com/office/drawing/2010/main" w="9525">
                   <a:solidFill>
                     <a:srgbClr val="000000"/>
                   </a:solidFill>
@@ -27637,7 +27681,7 @@
             </a:ln>
             <a:extLst>
               <a:ext uri="{91240B29-F687-4f45-9708-019B960494DF}">
-                <a14:hiddenLine xmlns:a14="http://schemas.microsoft.com/office/drawing/2010/main" xmlns:p14="http://schemas.microsoft.com/office/powerpoint/2010/main" xmlns:a16="http://schemas.microsoft.com/office/drawing/2014/main" xmlns="" w="9525">
+                <a14:hiddenLine xmlns="" xmlns:a16="http://schemas.microsoft.com/office/drawing/2014/main" xmlns:p14="http://schemas.microsoft.com/office/powerpoint/2010/main" xmlns:a14="http://schemas.microsoft.com/office/drawing/2010/main" w="9525">
                   <a:solidFill>
                     <a:srgbClr val="000000"/>
                   </a:solidFill>
@@ -27772,7 +27816,7 @@
             </a:ln>
             <a:extLst>
               <a:ext uri="{91240B29-F687-4f45-9708-019B960494DF}">
-                <a14:hiddenLine xmlns:a14="http://schemas.microsoft.com/office/drawing/2010/main" xmlns:p14="http://schemas.microsoft.com/office/powerpoint/2010/main" xmlns:a16="http://schemas.microsoft.com/office/drawing/2014/main" xmlns="" w="9525">
+                <a14:hiddenLine xmlns="" xmlns:a16="http://schemas.microsoft.com/office/drawing/2014/main" xmlns:p14="http://schemas.microsoft.com/office/powerpoint/2010/main" xmlns:a14="http://schemas.microsoft.com/office/drawing/2010/main" w="9525">
                   <a:solidFill>
                     <a:srgbClr val="000000"/>
                   </a:solidFill>
@@ -27945,7 +27989,7 @@
             </a:ln>
             <a:extLst>
               <a:ext uri="{91240B29-F687-4f45-9708-019B960494DF}">
-                <a14:hiddenLine xmlns:a14="http://schemas.microsoft.com/office/drawing/2010/main" xmlns:p14="http://schemas.microsoft.com/office/powerpoint/2010/main" xmlns:a16="http://schemas.microsoft.com/office/drawing/2014/main" xmlns="" w="9525">
+                <a14:hiddenLine xmlns="" xmlns:a16="http://schemas.microsoft.com/office/drawing/2014/main" xmlns:p14="http://schemas.microsoft.com/office/powerpoint/2010/main" xmlns:a14="http://schemas.microsoft.com/office/drawing/2010/main" w="9525">
                   <a:solidFill>
                     <a:srgbClr val="000000"/>
                   </a:solidFill>
@@ -28075,7 +28119,7 @@
             </a:ln>
             <a:extLst>
               <a:ext uri="{91240B29-F687-4f45-9708-019B960494DF}">
-                <a14:hiddenLine xmlns:a14="http://schemas.microsoft.com/office/drawing/2010/main" xmlns:p14="http://schemas.microsoft.com/office/powerpoint/2010/main" xmlns:a16="http://schemas.microsoft.com/office/drawing/2014/main" xmlns="" w="9525">
+                <a14:hiddenLine xmlns="" xmlns:a16="http://schemas.microsoft.com/office/drawing/2014/main" xmlns:p14="http://schemas.microsoft.com/office/powerpoint/2010/main" xmlns:a14="http://schemas.microsoft.com/office/drawing/2010/main" w="9525">
                   <a:solidFill>
                     <a:srgbClr val="000000"/>
                   </a:solidFill>
@@ -28180,7 +28224,7 @@
             </a:ln>
             <a:extLst>
               <a:ext uri="{91240B29-F687-4f45-9708-019B960494DF}">
-                <a14:hiddenLine xmlns:a14="http://schemas.microsoft.com/office/drawing/2010/main" xmlns:p14="http://schemas.microsoft.com/office/powerpoint/2010/main" xmlns:a16="http://schemas.microsoft.com/office/drawing/2014/main" xmlns="" w="9525">
+                <a14:hiddenLine xmlns="" xmlns:a16="http://schemas.microsoft.com/office/drawing/2014/main" xmlns:p14="http://schemas.microsoft.com/office/powerpoint/2010/main" xmlns:a14="http://schemas.microsoft.com/office/drawing/2010/main" w="9525">
                   <a:solidFill>
                     <a:srgbClr val="000000"/>
                   </a:solidFill>
@@ -28260,7 +28304,7 @@
             </a:ln>
             <a:extLst>
               <a:ext uri="{91240B29-F687-4f45-9708-019B960494DF}">
-                <a14:hiddenLine xmlns:a14="http://schemas.microsoft.com/office/drawing/2010/main" xmlns:p14="http://schemas.microsoft.com/office/powerpoint/2010/main" xmlns:a16="http://schemas.microsoft.com/office/drawing/2014/main" xmlns="" w="9525">
+                <a14:hiddenLine xmlns="" xmlns:a16="http://schemas.microsoft.com/office/drawing/2014/main" xmlns:p14="http://schemas.microsoft.com/office/powerpoint/2010/main" xmlns:a14="http://schemas.microsoft.com/office/drawing/2010/main" w="9525">
                   <a:solidFill>
                     <a:srgbClr val="000000"/>
                   </a:solidFill>
@@ -28365,7 +28409,7 @@
             </a:ln>
             <a:extLst>
               <a:ext uri="{91240B29-F687-4f45-9708-019B960494DF}">
-                <a14:hiddenLine xmlns:a14="http://schemas.microsoft.com/office/drawing/2010/main" xmlns:p14="http://schemas.microsoft.com/office/powerpoint/2010/main" xmlns:a16="http://schemas.microsoft.com/office/drawing/2014/main" xmlns="" w="9525">
+                <a14:hiddenLine xmlns="" xmlns:a16="http://schemas.microsoft.com/office/drawing/2014/main" xmlns:p14="http://schemas.microsoft.com/office/powerpoint/2010/main" xmlns:a14="http://schemas.microsoft.com/office/drawing/2010/main" w="9525">
                   <a:solidFill>
                     <a:srgbClr val="000000"/>
                   </a:solidFill>
@@ -28448,7 +28492,7 @@
             </a:ln>
             <a:extLst>
               <a:ext uri="{91240B29-F687-4f45-9708-019B960494DF}">
-                <a14:hiddenLine xmlns:a14="http://schemas.microsoft.com/office/drawing/2010/main" xmlns:p14="http://schemas.microsoft.com/office/powerpoint/2010/main" xmlns:a16="http://schemas.microsoft.com/office/drawing/2014/main" xmlns="" w="9525">
+                <a14:hiddenLine xmlns="" xmlns:a16="http://schemas.microsoft.com/office/drawing/2014/main" xmlns:p14="http://schemas.microsoft.com/office/powerpoint/2010/main" xmlns:a14="http://schemas.microsoft.com/office/drawing/2010/main" w="9525">
                   <a:solidFill>
                     <a:srgbClr val="000000"/>
                   </a:solidFill>
@@ -28553,7 +28597,7 @@
             </a:ln>
             <a:extLst>
               <a:ext uri="{91240B29-F687-4f45-9708-019B960494DF}">
-                <a14:hiddenLine xmlns:a14="http://schemas.microsoft.com/office/drawing/2010/main" xmlns:p14="http://schemas.microsoft.com/office/powerpoint/2010/main" xmlns:a16="http://schemas.microsoft.com/office/drawing/2014/main" xmlns="" w="9525">
+                <a14:hiddenLine xmlns="" xmlns:a16="http://schemas.microsoft.com/office/drawing/2014/main" xmlns:p14="http://schemas.microsoft.com/office/powerpoint/2010/main" xmlns:a14="http://schemas.microsoft.com/office/drawing/2010/main" w="9525">
                   <a:solidFill>
                     <a:srgbClr val="000000"/>
                   </a:solidFill>
@@ -28636,7 +28680,7 @@
             </a:ln>
             <a:extLst>
               <a:ext uri="{91240B29-F687-4f45-9708-019B960494DF}">
-                <a14:hiddenLine xmlns:a14="http://schemas.microsoft.com/office/drawing/2010/main" xmlns:p14="http://schemas.microsoft.com/office/powerpoint/2010/main" xmlns:a16="http://schemas.microsoft.com/office/drawing/2014/main" xmlns="" w="9525">
+                <a14:hiddenLine xmlns="" xmlns:a16="http://schemas.microsoft.com/office/drawing/2014/main" xmlns:p14="http://schemas.microsoft.com/office/powerpoint/2010/main" xmlns:a14="http://schemas.microsoft.com/office/drawing/2010/main" w="9525">
                   <a:solidFill>
                     <a:srgbClr val="000000"/>
                   </a:solidFill>
@@ -28741,7 +28785,7 @@
             </a:ln>
             <a:extLst>
               <a:ext uri="{91240B29-F687-4f45-9708-019B960494DF}">
-                <a14:hiddenLine xmlns:a14="http://schemas.microsoft.com/office/drawing/2010/main" xmlns:p14="http://schemas.microsoft.com/office/powerpoint/2010/main" xmlns:a16="http://schemas.microsoft.com/office/drawing/2014/main" xmlns="" w="9525">
+                <a14:hiddenLine xmlns="" xmlns:a16="http://schemas.microsoft.com/office/drawing/2014/main" xmlns:p14="http://schemas.microsoft.com/office/powerpoint/2010/main" xmlns:a14="http://schemas.microsoft.com/office/drawing/2010/main" w="9525">
                   <a:solidFill>
                     <a:srgbClr val="000000"/>
                   </a:solidFill>
@@ -28790,7 +28834,7 @@
             </a:ln>
             <a:extLst>
               <a:ext uri="{91240B29-F687-4f45-9708-019B960494DF}">
-                <a14:hiddenLine xmlns:a14="http://schemas.microsoft.com/office/drawing/2010/main" xmlns:p14="http://schemas.microsoft.com/office/powerpoint/2010/main" xmlns:a16="http://schemas.microsoft.com/office/drawing/2014/main" xmlns="" w="9525">
+                <a14:hiddenLine xmlns="" xmlns:a16="http://schemas.microsoft.com/office/drawing/2014/main" xmlns:p14="http://schemas.microsoft.com/office/powerpoint/2010/main" xmlns:a14="http://schemas.microsoft.com/office/drawing/2010/main" w="9525">
                   <a:solidFill>
                     <a:srgbClr val="000000"/>
                   </a:solidFill>
@@ -30377,7 +30421,7 @@
           </a:prstGeom>
           <a:extLst>
             <a:ext uri="{909E8E84-426E-40dd-AFC4-6F175D3DCCD1}">
-              <a14:hiddenFill xmlns:a14="http://schemas.microsoft.com/office/drawing/2010/main" xmlns:p14="http://schemas.microsoft.com/office/powerpoint/2010/main" xmlns:a16="http://schemas.microsoft.com/office/drawing/2014/main" xmlns="">
+              <a14:hiddenFill xmlns="" xmlns:a16="http://schemas.microsoft.com/office/drawing/2014/main" xmlns:p14="http://schemas.microsoft.com/office/powerpoint/2010/main" xmlns:a14="http://schemas.microsoft.com/office/drawing/2010/main">
                 <a:solidFill>
                   <a:srgbClr val="FFFFFF"/>
                 </a:solidFill>
@@ -30530,7 +30574,7 @@
           <a:noFill/>
           <a:extLst>
             <a:ext uri="{909E8E84-426E-40dd-AFC4-6F175D3DCCD1}">
-              <a14:hiddenFill xmlns:a14="http://schemas.microsoft.com/office/drawing/2010/main" xmlns:p14="http://schemas.microsoft.com/office/powerpoint/2010/main" xmlns:a16="http://schemas.microsoft.com/office/drawing/2014/main" xmlns="">
+              <a14:hiddenFill xmlns="" xmlns:a16="http://schemas.microsoft.com/office/drawing/2014/main" xmlns:p14="http://schemas.microsoft.com/office/powerpoint/2010/main" xmlns:a14="http://schemas.microsoft.com/office/drawing/2010/main">
                 <a:solidFill>
                   <a:srgbClr val="FFFFFF"/>
                 </a:solidFill>
@@ -30661,7 +30705,7 @@
             </a:ln>
             <a:extLst>
               <a:ext uri="{91240B29-F687-4f45-9708-019B960494DF}">
-                <a14:hiddenLine xmlns:a14="http://schemas.microsoft.com/office/drawing/2010/main" xmlns:p14="http://schemas.microsoft.com/office/powerpoint/2010/main" xmlns:a16="http://schemas.microsoft.com/office/drawing/2014/main" xmlns="" w="9525">
+                <a14:hiddenLine xmlns="" xmlns:a16="http://schemas.microsoft.com/office/drawing/2014/main" xmlns:p14="http://schemas.microsoft.com/office/powerpoint/2010/main" xmlns:a14="http://schemas.microsoft.com/office/drawing/2010/main" w="9525">
                   <a:solidFill>
                     <a:srgbClr val="000000"/>
                   </a:solidFill>
@@ -30766,7 +30810,7 @@
             </a:ln>
             <a:extLst>
               <a:ext uri="{91240B29-F687-4f45-9708-019B960494DF}">
-                <a14:hiddenLine xmlns:a14="http://schemas.microsoft.com/office/drawing/2010/main" xmlns:p14="http://schemas.microsoft.com/office/powerpoint/2010/main" xmlns:a16="http://schemas.microsoft.com/office/drawing/2014/main" xmlns="" w="9525">
+                <a14:hiddenLine xmlns="" xmlns:a16="http://schemas.microsoft.com/office/drawing/2014/main" xmlns:p14="http://schemas.microsoft.com/office/powerpoint/2010/main" xmlns:a14="http://schemas.microsoft.com/office/drawing/2010/main" w="9525">
                   <a:solidFill>
                     <a:srgbClr val="000000"/>
                   </a:solidFill>
@@ -30871,7 +30915,7 @@
             </a:ln>
             <a:extLst>
               <a:ext uri="{91240B29-F687-4f45-9708-019B960494DF}">
-                <a14:hiddenLine xmlns:a14="http://schemas.microsoft.com/office/drawing/2010/main" xmlns:p14="http://schemas.microsoft.com/office/powerpoint/2010/main" xmlns:a16="http://schemas.microsoft.com/office/drawing/2014/main" xmlns="" w="9525">
+                <a14:hiddenLine xmlns="" xmlns:a16="http://schemas.microsoft.com/office/drawing/2014/main" xmlns:p14="http://schemas.microsoft.com/office/powerpoint/2010/main" xmlns:a14="http://schemas.microsoft.com/office/drawing/2010/main" w="9525">
                   <a:solidFill>
                     <a:srgbClr val="000000"/>
                   </a:solidFill>
@@ -30948,7 +30992,7 @@
             </a:ln>
             <a:extLst>
               <a:ext uri="{91240B29-F687-4f45-9708-019B960494DF}">
-                <a14:hiddenLine xmlns:a14="http://schemas.microsoft.com/office/drawing/2010/main" xmlns:p14="http://schemas.microsoft.com/office/powerpoint/2010/main" xmlns:a16="http://schemas.microsoft.com/office/drawing/2014/main" xmlns="" w="9525">
+                <a14:hiddenLine xmlns="" xmlns:a16="http://schemas.microsoft.com/office/drawing/2014/main" xmlns:p14="http://schemas.microsoft.com/office/powerpoint/2010/main" xmlns:a14="http://schemas.microsoft.com/office/drawing/2010/main" w="9525">
                   <a:solidFill>
                     <a:srgbClr val="000000"/>
                   </a:solidFill>
@@ -31053,7 +31097,7 @@
             </a:ln>
             <a:extLst>
               <a:ext uri="{91240B29-F687-4f45-9708-019B960494DF}">
-                <a14:hiddenLine xmlns:a14="http://schemas.microsoft.com/office/drawing/2010/main" xmlns:p14="http://schemas.microsoft.com/office/powerpoint/2010/main" xmlns:a16="http://schemas.microsoft.com/office/drawing/2014/main" xmlns="" w="9525">
+                <a14:hiddenLine xmlns="" xmlns:a16="http://schemas.microsoft.com/office/drawing/2014/main" xmlns:p14="http://schemas.microsoft.com/office/powerpoint/2010/main" xmlns:a14="http://schemas.microsoft.com/office/drawing/2010/main" w="9525">
                   <a:solidFill>
                     <a:srgbClr val="000000"/>
                   </a:solidFill>
@@ -31130,7 +31174,7 @@
             </a:ln>
             <a:extLst>
               <a:ext uri="{91240B29-F687-4f45-9708-019B960494DF}">
-                <a14:hiddenLine xmlns:a14="http://schemas.microsoft.com/office/drawing/2010/main" xmlns:p14="http://schemas.microsoft.com/office/powerpoint/2010/main" xmlns:a16="http://schemas.microsoft.com/office/drawing/2014/main" xmlns="" w="9525">
+                <a14:hiddenLine xmlns="" xmlns:a16="http://schemas.microsoft.com/office/drawing/2014/main" xmlns:p14="http://schemas.microsoft.com/office/powerpoint/2010/main" xmlns:a14="http://schemas.microsoft.com/office/drawing/2010/main" w="9525">
                   <a:solidFill>
                     <a:srgbClr val="000000"/>
                   </a:solidFill>
@@ -31207,7 +31251,7 @@
             </a:ln>
             <a:extLst>
               <a:ext uri="{91240B29-F687-4f45-9708-019B960494DF}">
-                <a14:hiddenLine xmlns:a14="http://schemas.microsoft.com/office/drawing/2010/main" xmlns:p14="http://schemas.microsoft.com/office/powerpoint/2010/main" xmlns:a16="http://schemas.microsoft.com/office/drawing/2014/main" xmlns="" w="9525">
+                <a14:hiddenLine xmlns="" xmlns:a16="http://schemas.microsoft.com/office/drawing/2014/main" xmlns:p14="http://schemas.microsoft.com/office/powerpoint/2010/main" xmlns:a14="http://schemas.microsoft.com/office/drawing/2010/main" w="9525">
                   <a:solidFill>
                     <a:srgbClr val="000000"/>
                   </a:solidFill>
@@ -31312,7 +31356,7 @@
             </a:ln>
             <a:extLst>
               <a:ext uri="{91240B29-F687-4f45-9708-019B960494DF}">
-                <a14:hiddenLine xmlns:a14="http://schemas.microsoft.com/office/drawing/2010/main" xmlns:p14="http://schemas.microsoft.com/office/powerpoint/2010/main" xmlns:a16="http://schemas.microsoft.com/office/drawing/2014/main" xmlns="" w="9525">
+                <a14:hiddenLine xmlns="" xmlns:a16="http://schemas.microsoft.com/office/drawing/2014/main" xmlns:p14="http://schemas.microsoft.com/office/powerpoint/2010/main" xmlns:a14="http://schemas.microsoft.com/office/drawing/2010/main" w="9525">
                   <a:solidFill>
                     <a:srgbClr val="000000"/>
                   </a:solidFill>
@@ -31417,7 +31461,7 @@
             </a:ln>
             <a:extLst>
               <a:ext uri="{91240B29-F687-4f45-9708-019B960494DF}">
-                <a14:hiddenLine xmlns:a14="http://schemas.microsoft.com/office/drawing/2010/main" xmlns:p14="http://schemas.microsoft.com/office/powerpoint/2010/main" xmlns:a16="http://schemas.microsoft.com/office/drawing/2014/main" xmlns="" w="9525">
+                <a14:hiddenLine xmlns="" xmlns:a16="http://schemas.microsoft.com/office/drawing/2014/main" xmlns:p14="http://schemas.microsoft.com/office/powerpoint/2010/main" xmlns:a14="http://schemas.microsoft.com/office/drawing/2010/main" w="9525">
                   <a:solidFill>
                     <a:srgbClr val="000000"/>
                   </a:solidFill>
@@ -31494,7 +31538,7 @@
             </a:ln>
             <a:extLst>
               <a:ext uri="{91240B29-F687-4f45-9708-019B960494DF}">
-                <a14:hiddenLine xmlns:a14="http://schemas.microsoft.com/office/drawing/2010/main" xmlns:p14="http://schemas.microsoft.com/office/powerpoint/2010/main" xmlns:a16="http://schemas.microsoft.com/office/drawing/2014/main" xmlns="" w="9525">
+                <a14:hiddenLine xmlns="" xmlns:a16="http://schemas.microsoft.com/office/drawing/2014/main" xmlns:p14="http://schemas.microsoft.com/office/powerpoint/2010/main" xmlns:a14="http://schemas.microsoft.com/office/drawing/2010/main" w="9525">
                   <a:solidFill>
                     <a:srgbClr val="000000"/>
                   </a:solidFill>
@@ -31619,7 +31663,7 @@
             </a:ln>
             <a:extLst>
               <a:ext uri="{91240B29-F687-4f45-9708-019B960494DF}">
-                <a14:hiddenLine xmlns:a14="http://schemas.microsoft.com/office/drawing/2010/main" xmlns:p14="http://schemas.microsoft.com/office/powerpoint/2010/main" xmlns:a16="http://schemas.microsoft.com/office/drawing/2014/main" xmlns="" w="9525">
+                <a14:hiddenLine xmlns="" xmlns:a16="http://schemas.microsoft.com/office/drawing/2014/main" xmlns:p14="http://schemas.microsoft.com/office/powerpoint/2010/main" xmlns:a14="http://schemas.microsoft.com/office/drawing/2010/main" w="9525">
                   <a:solidFill>
                     <a:srgbClr val="000000"/>
                   </a:solidFill>
@@ -31733,7 +31777,7 @@
             </a:ln>
             <a:extLst>
               <a:ext uri="{91240B29-F687-4f45-9708-019B960494DF}">
-                <a14:hiddenLine xmlns:a14="http://schemas.microsoft.com/office/drawing/2010/main" xmlns:p14="http://schemas.microsoft.com/office/powerpoint/2010/main" xmlns:a16="http://schemas.microsoft.com/office/drawing/2014/main" xmlns="" w="9525">
+                <a14:hiddenLine xmlns="" xmlns:a16="http://schemas.microsoft.com/office/drawing/2014/main" xmlns:p14="http://schemas.microsoft.com/office/powerpoint/2010/main" xmlns:a14="http://schemas.microsoft.com/office/drawing/2010/main" w="9525">
                   <a:solidFill>
                     <a:srgbClr val="000000"/>
                   </a:solidFill>
@@ -31810,7 +31854,7 @@
             </a:ln>
             <a:extLst>
               <a:ext uri="{91240B29-F687-4f45-9708-019B960494DF}">
-                <a14:hiddenLine xmlns:a14="http://schemas.microsoft.com/office/drawing/2010/main" xmlns:p14="http://schemas.microsoft.com/office/powerpoint/2010/main" xmlns:a16="http://schemas.microsoft.com/office/drawing/2014/main" xmlns="" w="9525">
+                <a14:hiddenLine xmlns="" xmlns:a16="http://schemas.microsoft.com/office/drawing/2014/main" xmlns:p14="http://schemas.microsoft.com/office/powerpoint/2010/main" xmlns:a14="http://schemas.microsoft.com/office/drawing/2010/main" w="9525">
                   <a:solidFill>
                     <a:srgbClr val="000000"/>
                   </a:solidFill>
@@ -31887,7 +31931,7 @@
             </a:ln>
             <a:extLst>
               <a:ext uri="{91240B29-F687-4f45-9708-019B960494DF}">
-                <a14:hiddenLine xmlns:a14="http://schemas.microsoft.com/office/drawing/2010/main" xmlns:p14="http://schemas.microsoft.com/office/powerpoint/2010/main" xmlns:a16="http://schemas.microsoft.com/office/drawing/2014/main" xmlns="" w="9525">
+                <a14:hiddenLine xmlns="" xmlns:a16="http://schemas.microsoft.com/office/drawing/2014/main" xmlns:p14="http://schemas.microsoft.com/office/powerpoint/2010/main" xmlns:a14="http://schemas.microsoft.com/office/drawing/2010/main" w="9525">
                   <a:solidFill>
                     <a:srgbClr val="000000"/>
                   </a:solidFill>
@@ -31992,7 +32036,7 @@
             </a:ln>
             <a:extLst>
               <a:ext uri="{91240B29-F687-4f45-9708-019B960494DF}">
-                <a14:hiddenLine xmlns:a14="http://schemas.microsoft.com/office/drawing/2010/main" xmlns:p14="http://schemas.microsoft.com/office/powerpoint/2010/main" xmlns:a16="http://schemas.microsoft.com/office/drawing/2014/main" xmlns="" w="9525">
+                <a14:hiddenLine xmlns="" xmlns:a16="http://schemas.microsoft.com/office/drawing/2014/main" xmlns:p14="http://schemas.microsoft.com/office/powerpoint/2010/main" xmlns:a14="http://schemas.microsoft.com/office/drawing/2010/main" w="9525">
                   <a:solidFill>
                     <a:srgbClr val="000000"/>
                   </a:solidFill>
@@ -32041,7 +32085,7 @@
             </a:ln>
             <a:extLst>
               <a:ext uri="{91240B29-F687-4f45-9708-019B960494DF}">
-                <a14:hiddenLine xmlns:a14="http://schemas.microsoft.com/office/drawing/2010/main" xmlns:p14="http://schemas.microsoft.com/office/powerpoint/2010/main" xmlns:a16="http://schemas.microsoft.com/office/drawing/2014/main" xmlns="" w="9525">
+                <a14:hiddenLine xmlns="" xmlns:a16="http://schemas.microsoft.com/office/drawing/2014/main" xmlns:p14="http://schemas.microsoft.com/office/powerpoint/2010/main" xmlns:a14="http://schemas.microsoft.com/office/drawing/2010/main" w="9525">
                   <a:solidFill>
                     <a:srgbClr val="000000"/>
                   </a:solidFill>
@@ -32121,7 +32165,7 @@
             </a:ln>
             <a:extLst>
               <a:ext uri="{91240B29-F687-4f45-9708-019B960494DF}">
-                <a14:hiddenLine xmlns:a14="http://schemas.microsoft.com/office/drawing/2010/main" xmlns:p14="http://schemas.microsoft.com/office/powerpoint/2010/main" xmlns:a16="http://schemas.microsoft.com/office/drawing/2014/main" xmlns="" w="9525">
+                <a14:hiddenLine xmlns="" xmlns:a16="http://schemas.microsoft.com/office/drawing/2014/main" xmlns:p14="http://schemas.microsoft.com/office/powerpoint/2010/main" xmlns:a14="http://schemas.microsoft.com/office/drawing/2010/main" w="9525">
                   <a:solidFill>
                     <a:srgbClr val="000000"/>
                   </a:solidFill>
@@ -32226,7 +32270,7 @@
             </a:ln>
             <a:extLst>
               <a:ext uri="{91240B29-F687-4f45-9708-019B960494DF}">
-                <a14:hiddenLine xmlns:a14="http://schemas.microsoft.com/office/drawing/2010/main" xmlns:p14="http://schemas.microsoft.com/office/powerpoint/2010/main" xmlns:a16="http://schemas.microsoft.com/office/drawing/2014/main" xmlns="" w="9525">
+                <a14:hiddenLine xmlns="" xmlns:a16="http://schemas.microsoft.com/office/drawing/2014/main" xmlns:p14="http://schemas.microsoft.com/office/powerpoint/2010/main" xmlns:a14="http://schemas.microsoft.com/office/drawing/2010/main" w="9525">
                   <a:solidFill>
                     <a:srgbClr val="000000"/>
                   </a:solidFill>
@@ -32303,7 +32347,7 @@
             </a:ln>
             <a:extLst>
               <a:ext uri="{91240B29-F687-4f45-9708-019B960494DF}">
-                <a14:hiddenLine xmlns:a14="http://schemas.microsoft.com/office/drawing/2010/main" xmlns:p14="http://schemas.microsoft.com/office/powerpoint/2010/main" xmlns:a16="http://schemas.microsoft.com/office/drawing/2014/main" xmlns="" w="9525">
+                <a14:hiddenLine xmlns="" xmlns:a16="http://schemas.microsoft.com/office/drawing/2014/main" xmlns:p14="http://schemas.microsoft.com/office/powerpoint/2010/main" xmlns:a14="http://schemas.microsoft.com/office/drawing/2010/main" w="9525">
                   <a:solidFill>
                     <a:srgbClr val="000000"/>
                   </a:solidFill>
@@ -32408,7 +32452,7 @@
             </a:ln>
             <a:extLst>
               <a:ext uri="{91240B29-F687-4f45-9708-019B960494DF}">
-                <a14:hiddenLine xmlns:a14="http://schemas.microsoft.com/office/drawing/2010/main" xmlns:p14="http://schemas.microsoft.com/office/powerpoint/2010/main" xmlns:a16="http://schemas.microsoft.com/office/drawing/2014/main" xmlns="" w="9525">
+                <a14:hiddenLine xmlns="" xmlns:a16="http://schemas.microsoft.com/office/drawing/2014/main" xmlns:p14="http://schemas.microsoft.com/office/powerpoint/2010/main" xmlns:a14="http://schemas.microsoft.com/office/drawing/2010/main" w="9525">
                   <a:solidFill>
                     <a:srgbClr val="000000"/>
                   </a:solidFill>
@@ -32488,7 +32532,7 @@
             </a:ln>
             <a:extLst>
               <a:ext uri="{91240B29-F687-4f45-9708-019B960494DF}">
-                <a14:hiddenLine xmlns:a14="http://schemas.microsoft.com/office/drawing/2010/main" xmlns:p14="http://schemas.microsoft.com/office/powerpoint/2010/main" xmlns:a16="http://schemas.microsoft.com/office/drawing/2014/main" xmlns="" w="9525">
+                <a14:hiddenLine xmlns="" xmlns:a16="http://schemas.microsoft.com/office/drawing/2014/main" xmlns:p14="http://schemas.microsoft.com/office/powerpoint/2010/main" xmlns:a14="http://schemas.microsoft.com/office/drawing/2010/main" w="9525">
                   <a:solidFill>
                     <a:srgbClr val="000000"/>
                   </a:solidFill>
@@ -32565,7 +32609,7 @@
             </a:ln>
             <a:extLst>
               <a:ext uri="{91240B29-F687-4f45-9708-019B960494DF}">
-                <a14:hiddenLine xmlns:a14="http://schemas.microsoft.com/office/drawing/2010/main" xmlns:p14="http://schemas.microsoft.com/office/powerpoint/2010/main" xmlns:a16="http://schemas.microsoft.com/office/drawing/2014/main" xmlns="" w="9525">
+                <a14:hiddenLine xmlns="" xmlns:a16="http://schemas.microsoft.com/office/drawing/2014/main" xmlns:p14="http://schemas.microsoft.com/office/powerpoint/2010/main" xmlns:a14="http://schemas.microsoft.com/office/drawing/2010/main" w="9525">
                   <a:solidFill>
                     <a:srgbClr val="000000"/>
                   </a:solidFill>
@@ -32670,7 +32714,7 @@
             </a:ln>
             <a:extLst>
               <a:ext uri="{91240B29-F687-4f45-9708-019B960494DF}">
-                <a14:hiddenLine xmlns:a14="http://schemas.microsoft.com/office/drawing/2010/main" xmlns:p14="http://schemas.microsoft.com/office/powerpoint/2010/main" xmlns:a16="http://schemas.microsoft.com/office/drawing/2014/main" xmlns="" w="9525">
+                <a14:hiddenLine xmlns="" xmlns:a16="http://schemas.microsoft.com/office/drawing/2014/main" xmlns:p14="http://schemas.microsoft.com/office/powerpoint/2010/main" xmlns:a14="http://schemas.microsoft.com/office/drawing/2010/main" w="9525">
                   <a:solidFill>
                     <a:srgbClr val="000000"/>
                   </a:solidFill>
@@ -32775,7 +32819,7 @@
             </a:ln>
             <a:extLst>
               <a:ext uri="{91240B29-F687-4f45-9708-019B960494DF}">
-                <a14:hiddenLine xmlns:a14="http://schemas.microsoft.com/office/drawing/2010/main" xmlns:p14="http://schemas.microsoft.com/office/powerpoint/2010/main" xmlns:a16="http://schemas.microsoft.com/office/drawing/2014/main" xmlns="" w="9525">
+                <a14:hiddenLine xmlns="" xmlns:a16="http://schemas.microsoft.com/office/drawing/2014/main" xmlns:p14="http://schemas.microsoft.com/office/powerpoint/2010/main" xmlns:a14="http://schemas.microsoft.com/office/drawing/2010/main" w="9525">
                   <a:solidFill>
                     <a:srgbClr val="000000"/>
                   </a:solidFill>
@@ -32855,7 +32899,7 @@
             </a:ln>
             <a:extLst>
               <a:ext uri="{91240B29-F687-4f45-9708-019B960494DF}">
-                <a14:hiddenLine xmlns:a14="http://schemas.microsoft.com/office/drawing/2010/main" xmlns:p14="http://schemas.microsoft.com/office/powerpoint/2010/main" xmlns:a16="http://schemas.microsoft.com/office/drawing/2014/main" xmlns="" w="9525">
+                <a14:hiddenLine xmlns="" xmlns:a16="http://schemas.microsoft.com/office/drawing/2014/main" xmlns:p14="http://schemas.microsoft.com/office/powerpoint/2010/main" xmlns:a14="http://schemas.microsoft.com/office/drawing/2010/main" w="9525">
                   <a:solidFill>
                     <a:srgbClr val="000000"/>
                   </a:solidFill>
@@ -32990,7 +33034,7 @@
             </a:ln>
             <a:extLst>
               <a:ext uri="{91240B29-F687-4f45-9708-019B960494DF}">
-                <a14:hiddenLine xmlns:a14="http://schemas.microsoft.com/office/drawing/2010/main" xmlns:p14="http://schemas.microsoft.com/office/powerpoint/2010/main" xmlns:a16="http://schemas.microsoft.com/office/drawing/2014/main" xmlns="" w="9525">
+                <a14:hiddenLine xmlns="" xmlns:a16="http://schemas.microsoft.com/office/drawing/2014/main" xmlns:p14="http://schemas.microsoft.com/office/powerpoint/2010/main" xmlns:a14="http://schemas.microsoft.com/office/drawing/2010/main" w="9525">
                   <a:solidFill>
                     <a:srgbClr val="000000"/>
                   </a:solidFill>
@@ -33771,7 +33815,7 @@
           </a:prstGeom>
           <a:extLst>
             <a:ext uri="{909E8E84-426E-40dd-AFC4-6F175D3DCCD1}">
-              <a14:hiddenFill xmlns:a14="http://schemas.microsoft.com/office/drawing/2010/main" xmlns:p14="http://schemas.microsoft.com/office/powerpoint/2010/main" xmlns:a16="http://schemas.microsoft.com/office/drawing/2014/main" xmlns="">
+              <a14:hiddenFill xmlns="" xmlns:a16="http://schemas.microsoft.com/office/drawing/2014/main" xmlns:p14="http://schemas.microsoft.com/office/powerpoint/2010/main" xmlns:a14="http://schemas.microsoft.com/office/drawing/2010/main">
                 <a:solidFill>
                   <a:srgbClr val="FFFFFF"/>
                 </a:solidFill>
@@ -33924,7 +33968,7 @@
           <a:noFill/>
           <a:extLst>
             <a:ext uri="{909E8E84-426E-40dd-AFC4-6F175D3DCCD1}">
-              <a14:hiddenFill xmlns:a14="http://schemas.microsoft.com/office/drawing/2010/main" xmlns:p14="http://schemas.microsoft.com/office/powerpoint/2010/main" xmlns:a16="http://schemas.microsoft.com/office/drawing/2014/main" xmlns="">
+              <a14:hiddenFill xmlns="" xmlns:a16="http://schemas.microsoft.com/office/drawing/2014/main" xmlns:p14="http://schemas.microsoft.com/office/powerpoint/2010/main" xmlns:a14="http://schemas.microsoft.com/office/drawing/2010/main">
                 <a:solidFill>
                   <a:srgbClr val="FFFFFF"/>
                 </a:solidFill>
@@ -34055,7 +34099,7 @@
             </a:ln>
             <a:extLst>
               <a:ext uri="{91240B29-F687-4f45-9708-019B960494DF}">
-                <a14:hiddenLine xmlns:a14="http://schemas.microsoft.com/office/drawing/2010/main" xmlns:p14="http://schemas.microsoft.com/office/powerpoint/2010/main" xmlns:a16="http://schemas.microsoft.com/office/drawing/2014/main" xmlns="" w="9525">
+                <a14:hiddenLine xmlns="" xmlns:a16="http://schemas.microsoft.com/office/drawing/2014/main" xmlns:p14="http://schemas.microsoft.com/office/powerpoint/2010/main" xmlns:a14="http://schemas.microsoft.com/office/drawing/2010/main" w="9525">
                   <a:solidFill>
                     <a:srgbClr val="000000"/>
                   </a:solidFill>
@@ -34160,7 +34204,7 @@
             </a:ln>
             <a:extLst>
               <a:ext uri="{91240B29-F687-4f45-9708-019B960494DF}">
-                <a14:hiddenLine xmlns:a14="http://schemas.microsoft.com/office/drawing/2010/main" xmlns:p14="http://schemas.microsoft.com/office/powerpoint/2010/main" xmlns:a16="http://schemas.microsoft.com/office/drawing/2014/main" xmlns="" w="9525">
+                <a14:hiddenLine xmlns="" xmlns:a16="http://schemas.microsoft.com/office/drawing/2014/main" xmlns:p14="http://schemas.microsoft.com/office/powerpoint/2010/main" xmlns:a14="http://schemas.microsoft.com/office/drawing/2010/main" w="9525">
                   <a:solidFill>
                     <a:srgbClr val="000000"/>
                   </a:solidFill>
@@ -34265,7 +34309,7 @@
             </a:ln>
             <a:extLst>
               <a:ext uri="{91240B29-F687-4f45-9708-019B960494DF}">
-                <a14:hiddenLine xmlns:a14="http://schemas.microsoft.com/office/drawing/2010/main" xmlns:p14="http://schemas.microsoft.com/office/powerpoint/2010/main" xmlns:a16="http://schemas.microsoft.com/office/drawing/2014/main" xmlns="" w="9525">
+                <a14:hiddenLine xmlns="" xmlns:a16="http://schemas.microsoft.com/office/drawing/2014/main" xmlns:p14="http://schemas.microsoft.com/office/powerpoint/2010/main" xmlns:a14="http://schemas.microsoft.com/office/drawing/2010/main" w="9525">
                   <a:solidFill>
                     <a:srgbClr val="000000"/>
                   </a:solidFill>
@@ -34342,7 +34386,7 @@
             </a:ln>
             <a:extLst>
               <a:ext uri="{91240B29-F687-4f45-9708-019B960494DF}">
-                <a14:hiddenLine xmlns:a14="http://schemas.microsoft.com/office/drawing/2010/main" xmlns:p14="http://schemas.microsoft.com/office/powerpoint/2010/main" xmlns:a16="http://schemas.microsoft.com/office/drawing/2014/main" xmlns="" w="9525">
+                <a14:hiddenLine xmlns="" xmlns:a16="http://schemas.microsoft.com/office/drawing/2014/main" xmlns:p14="http://schemas.microsoft.com/office/powerpoint/2010/main" xmlns:a14="http://schemas.microsoft.com/office/drawing/2010/main" w="9525">
                   <a:solidFill>
                     <a:srgbClr val="000000"/>
                   </a:solidFill>
@@ -34447,7 +34491,7 @@
             </a:ln>
             <a:extLst>
               <a:ext uri="{91240B29-F687-4f45-9708-019B960494DF}">
-                <a14:hiddenLine xmlns:a14="http://schemas.microsoft.com/office/drawing/2010/main" xmlns:p14="http://schemas.microsoft.com/office/powerpoint/2010/main" xmlns:a16="http://schemas.microsoft.com/office/drawing/2014/main" xmlns="" w="9525">
+                <a14:hiddenLine xmlns="" xmlns:a16="http://schemas.microsoft.com/office/drawing/2014/main" xmlns:p14="http://schemas.microsoft.com/office/powerpoint/2010/main" xmlns:a14="http://schemas.microsoft.com/office/drawing/2010/main" w="9525">
                   <a:solidFill>
                     <a:srgbClr val="000000"/>
                   </a:solidFill>
@@ -34524,7 +34568,7 @@
             </a:ln>
             <a:extLst>
               <a:ext uri="{91240B29-F687-4f45-9708-019B960494DF}">
-                <a14:hiddenLine xmlns:a14="http://schemas.microsoft.com/office/drawing/2010/main" xmlns:p14="http://schemas.microsoft.com/office/powerpoint/2010/main" xmlns:a16="http://schemas.microsoft.com/office/drawing/2014/main" xmlns="" w="9525">
+                <a14:hiddenLine xmlns="" xmlns:a16="http://schemas.microsoft.com/office/drawing/2014/main" xmlns:p14="http://schemas.microsoft.com/office/powerpoint/2010/main" xmlns:a14="http://schemas.microsoft.com/office/drawing/2010/main" w="9525">
                   <a:solidFill>
                     <a:srgbClr val="000000"/>
                   </a:solidFill>
@@ -34601,7 +34645,7 @@
             </a:ln>
             <a:extLst>
               <a:ext uri="{91240B29-F687-4f45-9708-019B960494DF}">
-                <a14:hiddenLine xmlns:a14="http://schemas.microsoft.com/office/drawing/2010/main" xmlns:p14="http://schemas.microsoft.com/office/powerpoint/2010/main" xmlns:a16="http://schemas.microsoft.com/office/drawing/2014/main" xmlns="" w="9525">
+                <a14:hiddenLine xmlns="" xmlns:a16="http://schemas.microsoft.com/office/drawing/2014/main" xmlns:p14="http://schemas.microsoft.com/office/powerpoint/2010/main" xmlns:a14="http://schemas.microsoft.com/office/drawing/2010/main" w="9525">
                   <a:solidFill>
                     <a:srgbClr val="000000"/>
                   </a:solidFill>
@@ -34706,7 +34750,7 @@
             </a:ln>
             <a:extLst>
               <a:ext uri="{91240B29-F687-4f45-9708-019B960494DF}">
-                <a14:hiddenLine xmlns:a14="http://schemas.microsoft.com/office/drawing/2010/main" xmlns:p14="http://schemas.microsoft.com/office/powerpoint/2010/main" xmlns:a16="http://schemas.microsoft.com/office/drawing/2014/main" xmlns="" w="9525">
+                <a14:hiddenLine xmlns="" xmlns:a16="http://schemas.microsoft.com/office/drawing/2014/main" xmlns:p14="http://schemas.microsoft.com/office/powerpoint/2010/main" xmlns:a14="http://schemas.microsoft.com/office/drawing/2010/main" w="9525">
                   <a:solidFill>
                     <a:srgbClr val="000000"/>
                   </a:solidFill>
@@ -34811,7 +34855,7 @@
             </a:ln>
             <a:extLst>
               <a:ext uri="{91240B29-F687-4f45-9708-019B960494DF}">
-                <a14:hiddenLine xmlns:a14="http://schemas.microsoft.com/office/drawing/2010/main" xmlns:p14="http://schemas.microsoft.com/office/powerpoint/2010/main" xmlns:a16="http://schemas.microsoft.com/office/drawing/2014/main" xmlns="" w="9525">
+                <a14:hiddenLine xmlns="" xmlns:a16="http://schemas.microsoft.com/office/drawing/2014/main" xmlns:p14="http://schemas.microsoft.com/office/powerpoint/2010/main" xmlns:a14="http://schemas.microsoft.com/office/drawing/2010/main" w="9525">
                   <a:solidFill>
                     <a:srgbClr val="000000"/>
                   </a:solidFill>
@@ -34888,7 +34932,7 @@
             </a:ln>
             <a:extLst>
               <a:ext uri="{91240B29-F687-4f45-9708-019B960494DF}">
-                <a14:hiddenLine xmlns:a14="http://schemas.microsoft.com/office/drawing/2010/main" xmlns:p14="http://schemas.microsoft.com/office/powerpoint/2010/main" xmlns:a16="http://schemas.microsoft.com/office/drawing/2014/main" xmlns="" w="9525">
+                <a14:hiddenLine xmlns="" xmlns:a16="http://schemas.microsoft.com/office/drawing/2014/main" xmlns:p14="http://schemas.microsoft.com/office/powerpoint/2010/main" xmlns:a14="http://schemas.microsoft.com/office/drawing/2010/main" w="9525">
                   <a:solidFill>
                     <a:srgbClr val="000000"/>
                   </a:solidFill>
@@ -35013,7 +35057,7 @@
             </a:ln>
             <a:extLst>
               <a:ext uri="{91240B29-F687-4f45-9708-019B960494DF}">
-                <a14:hiddenLine xmlns:a14="http://schemas.microsoft.com/office/drawing/2010/main" xmlns:p14="http://schemas.microsoft.com/office/powerpoint/2010/main" xmlns:a16="http://schemas.microsoft.com/office/drawing/2014/main" xmlns="" w="9525">
+                <a14:hiddenLine xmlns="" xmlns:a16="http://schemas.microsoft.com/office/drawing/2014/main" xmlns:p14="http://schemas.microsoft.com/office/powerpoint/2010/main" xmlns:a14="http://schemas.microsoft.com/office/drawing/2010/main" w="9525">
                   <a:solidFill>
                     <a:srgbClr val="000000"/>
                   </a:solidFill>
@@ -35127,7 +35171,7 @@
             </a:ln>
             <a:extLst>
               <a:ext uri="{91240B29-F687-4f45-9708-019B960494DF}">
-                <a14:hiddenLine xmlns:a14="http://schemas.microsoft.com/office/drawing/2010/main" xmlns:p14="http://schemas.microsoft.com/office/powerpoint/2010/main" xmlns:a16="http://schemas.microsoft.com/office/drawing/2014/main" xmlns="" w="9525">
+                <a14:hiddenLine xmlns="" xmlns:a16="http://schemas.microsoft.com/office/drawing/2014/main" xmlns:p14="http://schemas.microsoft.com/office/powerpoint/2010/main" xmlns:a14="http://schemas.microsoft.com/office/drawing/2010/main" w="9525">
                   <a:solidFill>
                     <a:srgbClr val="000000"/>
                   </a:solidFill>
@@ -35204,7 +35248,7 @@
             </a:ln>
             <a:extLst>
               <a:ext uri="{91240B29-F687-4f45-9708-019B960494DF}">
-                <a14:hiddenLine xmlns:a14="http://schemas.microsoft.com/office/drawing/2010/main" xmlns:p14="http://schemas.microsoft.com/office/powerpoint/2010/main" xmlns:a16="http://schemas.microsoft.com/office/drawing/2014/main" xmlns="" w="9525">
+                <a14:hiddenLine xmlns="" xmlns:a16="http://schemas.microsoft.com/office/drawing/2014/main" xmlns:p14="http://schemas.microsoft.com/office/powerpoint/2010/main" xmlns:a14="http://schemas.microsoft.com/office/drawing/2010/main" w="9525">
                   <a:solidFill>
                     <a:srgbClr val="000000"/>
                   </a:solidFill>
@@ -35281,7 +35325,7 @@
             </a:ln>
             <a:extLst>
               <a:ext uri="{91240B29-F687-4f45-9708-019B960494DF}">
-                <a14:hiddenLine xmlns:a14="http://schemas.microsoft.com/office/drawing/2010/main" xmlns:p14="http://schemas.microsoft.com/office/powerpoint/2010/main" xmlns:a16="http://schemas.microsoft.com/office/drawing/2014/main" xmlns="" w="9525">
+                <a14:hiddenLine xmlns="" xmlns:a16="http://schemas.microsoft.com/office/drawing/2014/main" xmlns:p14="http://schemas.microsoft.com/office/powerpoint/2010/main" xmlns:a14="http://schemas.microsoft.com/office/drawing/2010/main" w="9525">
                   <a:solidFill>
                     <a:srgbClr val="000000"/>
                   </a:solidFill>
@@ -35386,7 +35430,7 @@
             </a:ln>
             <a:extLst>
               <a:ext uri="{91240B29-F687-4f45-9708-019B960494DF}">
-                <a14:hiddenLine xmlns:a14="http://schemas.microsoft.com/office/drawing/2010/main" xmlns:p14="http://schemas.microsoft.com/office/powerpoint/2010/main" xmlns:a16="http://schemas.microsoft.com/office/drawing/2014/main" xmlns="" w="9525">
+                <a14:hiddenLine xmlns="" xmlns:a16="http://schemas.microsoft.com/office/drawing/2014/main" xmlns:p14="http://schemas.microsoft.com/office/powerpoint/2010/main" xmlns:a14="http://schemas.microsoft.com/office/drawing/2010/main" w="9525">
                   <a:solidFill>
                     <a:srgbClr val="000000"/>
                   </a:solidFill>
@@ -35435,7 +35479,7 @@
             </a:ln>
             <a:extLst>
               <a:ext uri="{91240B29-F687-4f45-9708-019B960494DF}">
-                <a14:hiddenLine xmlns:a14="http://schemas.microsoft.com/office/drawing/2010/main" xmlns:p14="http://schemas.microsoft.com/office/powerpoint/2010/main" xmlns:a16="http://schemas.microsoft.com/office/drawing/2014/main" xmlns="" w="9525">
+                <a14:hiddenLine xmlns="" xmlns:a16="http://schemas.microsoft.com/office/drawing/2014/main" xmlns:p14="http://schemas.microsoft.com/office/powerpoint/2010/main" xmlns:a14="http://schemas.microsoft.com/office/drawing/2010/main" w="9525">
                   <a:solidFill>
                     <a:srgbClr val="000000"/>
                   </a:solidFill>
@@ -35515,7 +35559,7 @@
             </a:ln>
             <a:extLst>
               <a:ext uri="{91240B29-F687-4f45-9708-019B960494DF}">
-                <a14:hiddenLine xmlns:a14="http://schemas.microsoft.com/office/drawing/2010/main" xmlns:p14="http://schemas.microsoft.com/office/powerpoint/2010/main" xmlns:a16="http://schemas.microsoft.com/office/drawing/2014/main" xmlns="" w="9525">
+                <a14:hiddenLine xmlns="" xmlns:a16="http://schemas.microsoft.com/office/drawing/2014/main" xmlns:p14="http://schemas.microsoft.com/office/powerpoint/2010/main" xmlns:a14="http://schemas.microsoft.com/office/drawing/2010/main" w="9525">
                   <a:solidFill>
                     <a:srgbClr val="000000"/>
                   </a:solidFill>
@@ -35620,7 +35664,7 @@
             </a:ln>
             <a:extLst>
               <a:ext uri="{91240B29-F687-4f45-9708-019B960494DF}">
-                <a14:hiddenLine xmlns:a14="http://schemas.microsoft.com/office/drawing/2010/main" xmlns:p14="http://schemas.microsoft.com/office/powerpoint/2010/main" xmlns:a16="http://schemas.microsoft.com/office/drawing/2014/main" xmlns="" w="9525">
+                <a14:hiddenLine xmlns="" xmlns:a16="http://schemas.microsoft.com/office/drawing/2014/main" xmlns:p14="http://schemas.microsoft.com/office/powerpoint/2010/main" xmlns:a14="http://schemas.microsoft.com/office/drawing/2010/main" w="9525">
                   <a:solidFill>
                     <a:srgbClr val="000000"/>
                   </a:solidFill>
@@ -35697,7 +35741,7 @@
             </a:ln>
             <a:extLst>
               <a:ext uri="{91240B29-F687-4f45-9708-019B960494DF}">
-                <a14:hiddenLine xmlns:a14="http://schemas.microsoft.com/office/drawing/2010/main" xmlns:p14="http://schemas.microsoft.com/office/powerpoint/2010/main" xmlns:a16="http://schemas.microsoft.com/office/drawing/2014/main" xmlns="" w="9525">
+                <a14:hiddenLine xmlns="" xmlns:a16="http://schemas.microsoft.com/office/drawing/2014/main" xmlns:p14="http://schemas.microsoft.com/office/powerpoint/2010/main" xmlns:a14="http://schemas.microsoft.com/office/drawing/2010/main" w="9525">
                   <a:solidFill>
                     <a:srgbClr val="000000"/>
                   </a:solidFill>
@@ -35802,7 +35846,7 @@
             </a:ln>
             <a:extLst>
               <a:ext uri="{91240B29-F687-4f45-9708-019B960494DF}">
-                <a14:hiddenLine xmlns:a14="http://schemas.microsoft.com/office/drawing/2010/main" xmlns:p14="http://schemas.microsoft.com/office/powerpoint/2010/main" xmlns:a16="http://schemas.microsoft.com/office/drawing/2014/main" xmlns="" w="9525">
+                <a14:hiddenLine xmlns="" xmlns:a16="http://schemas.microsoft.com/office/drawing/2014/main" xmlns:p14="http://schemas.microsoft.com/office/powerpoint/2010/main" xmlns:a14="http://schemas.microsoft.com/office/drawing/2010/main" w="9525">
                   <a:solidFill>
                     <a:srgbClr val="000000"/>
                   </a:solidFill>
@@ -35882,7 +35926,7 @@
             </a:ln>
             <a:extLst>
               <a:ext uri="{91240B29-F687-4f45-9708-019B960494DF}">
-                <a14:hiddenLine xmlns:a14="http://schemas.microsoft.com/office/drawing/2010/main" xmlns:p14="http://schemas.microsoft.com/office/powerpoint/2010/main" xmlns:a16="http://schemas.microsoft.com/office/drawing/2014/main" xmlns="" w="9525">
+                <a14:hiddenLine xmlns="" xmlns:a16="http://schemas.microsoft.com/office/drawing/2014/main" xmlns:p14="http://schemas.microsoft.com/office/powerpoint/2010/main" xmlns:a14="http://schemas.microsoft.com/office/drawing/2010/main" w="9525">
                   <a:solidFill>
                     <a:srgbClr val="000000"/>
                   </a:solidFill>
@@ -35959,7 +36003,7 @@
             </a:ln>
             <a:extLst>
               <a:ext uri="{91240B29-F687-4f45-9708-019B960494DF}">
-                <a14:hiddenLine xmlns:a14="http://schemas.microsoft.com/office/drawing/2010/main" xmlns:p14="http://schemas.microsoft.com/office/powerpoint/2010/main" xmlns:a16="http://schemas.microsoft.com/office/drawing/2014/main" xmlns="" w="9525">
+                <a14:hiddenLine xmlns="" xmlns:a16="http://schemas.microsoft.com/office/drawing/2014/main" xmlns:p14="http://schemas.microsoft.com/office/powerpoint/2010/main" xmlns:a14="http://schemas.microsoft.com/office/drawing/2010/main" w="9525">
                   <a:solidFill>
                     <a:srgbClr val="000000"/>
                   </a:solidFill>
@@ -36064,7 +36108,7 @@
             </a:ln>
             <a:extLst>
               <a:ext uri="{91240B29-F687-4f45-9708-019B960494DF}">
-                <a14:hiddenLine xmlns:a14="http://schemas.microsoft.com/office/drawing/2010/main" xmlns:p14="http://schemas.microsoft.com/office/powerpoint/2010/main" xmlns:a16="http://schemas.microsoft.com/office/drawing/2014/main" xmlns="" w="9525">
+                <a14:hiddenLine xmlns="" xmlns:a16="http://schemas.microsoft.com/office/drawing/2014/main" xmlns:p14="http://schemas.microsoft.com/office/powerpoint/2010/main" xmlns:a14="http://schemas.microsoft.com/office/drawing/2010/main" w="9525">
                   <a:solidFill>
                     <a:srgbClr val="000000"/>
                   </a:solidFill>
@@ -36169,7 +36213,7 @@
             </a:ln>
             <a:extLst>
               <a:ext uri="{91240B29-F687-4f45-9708-019B960494DF}">
-                <a14:hiddenLine xmlns:a14="http://schemas.microsoft.com/office/drawing/2010/main" xmlns:p14="http://schemas.microsoft.com/office/powerpoint/2010/main" xmlns:a16="http://schemas.microsoft.com/office/drawing/2014/main" xmlns="" w="9525">
+                <a14:hiddenLine xmlns="" xmlns:a16="http://schemas.microsoft.com/office/drawing/2014/main" xmlns:p14="http://schemas.microsoft.com/office/powerpoint/2010/main" xmlns:a14="http://schemas.microsoft.com/office/drawing/2010/main" w="9525">
                   <a:solidFill>
                     <a:srgbClr val="000000"/>
                   </a:solidFill>
@@ -36249,7 +36293,7 @@
             </a:ln>
             <a:extLst>
               <a:ext uri="{91240B29-F687-4f45-9708-019B960494DF}">
-                <a14:hiddenLine xmlns:a14="http://schemas.microsoft.com/office/drawing/2010/main" xmlns:p14="http://schemas.microsoft.com/office/powerpoint/2010/main" xmlns:a16="http://schemas.microsoft.com/office/drawing/2014/main" xmlns="" w="9525">
+                <a14:hiddenLine xmlns="" xmlns:a16="http://schemas.microsoft.com/office/drawing/2014/main" xmlns:p14="http://schemas.microsoft.com/office/powerpoint/2010/main" xmlns:a14="http://schemas.microsoft.com/office/drawing/2010/main" w="9525">
                   <a:solidFill>
                     <a:srgbClr val="000000"/>
                   </a:solidFill>
@@ -36384,7 +36428,7 @@
             </a:ln>
             <a:extLst>
               <a:ext uri="{91240B29-F687-4f45-9708-019B960494DF}">
-                <a14:hiddenLine xmlns:a14="http://schemas.microsoft.com/office/drawing/2010/main" xmlns:p14="http://schemas.microsoft.com/office/powerpoint/2010/main" xmlns:a16="http://schemas.microsoft.com/office/drawing/2014/main" xmlns="" w="9525">
+                <a14:hiddenLine xmlns="" xmlns:a16="http://schemas.microsoft.com/office/drawing/2014/main" xmlns:p14="http://schemas.microsoft.com/office/powerpoint/2010/main" xmlns:a14="http://schemas.microsoft.com/office/drawing/2010/main" w="9525">
                   <a:solidFill>
                     <a:srgbClr val="000000"/>
                   </a:solidFill>
